--- a/Rendu/DiapoPourSoutenance.pptx
+++ b/Rendu/DiapoPourSoutenance.pptx
@@ -13374,36 +13374,6 @@
           </a:p>
         </p:txBody>
       </p:sp>
-      <p:pic>
-        <p:nvPicPr>
-          <p:cNvPr id="12" name="Image 11">
-            <a:extLst>
-              <a:ext uri="{FF2B5EF4-FFF2-40B4-BE49-F238E27FC236}">
-                <a16:creationId xmlns:a16="http://schemas.microsoft.com/office/drawing/2014/main" xmlns="" id="{37FE2C16-6DDB-4637-AD73-4672AA31B2A9}"/>
-              </a:ext>
-            </a:extLst>
-          </p:cNvPr>
-          <p:cNvPicPr>
-            <a:picLocks noChangeAspect="1"/>
-          </p:cNvPicPr>
-          <p:nvPr/>
-        </p:nvPicPr>
-        <p:blipFill>
-          <a:blip r:embed="rId8" cstate="print"/>
-          <a:stretch>
-            <a:fillRect/>
-          </a:stretch>
-        </p:blipFill>
-        <p:spPr>
-          <a:xfrm>
-            <a:off x="3613032" y="1523281"/>
-            <a:ext cx="8335747" cy="4534596"/>
-          </a:xfrm>
-          <a:prstGeom prst="rect">
-            <a:avLst/>
-          </a:prstGeom>
-        </p:spPr>
-      </p:pic>
       <p:sp>
         <p:nvSpPr>
           <p:cNvPr id="13" name="Rectangle 12">
@@ -13418,7 +13388,7 @@
         </p:nvSpPr>
         <p:spPr>
           <a:xfrm>
-            <a:off x="3791824" y="5735372"/>
+            <a:off x="3708699" y="5801872"/>
             <a:ext cx="8156955" cy="707886"/>
           </a:xfrm>
           <a:prstGeom prst="rect">
@@ -13463,6 +13433,39 @@
           </a:p>
         </p:txBody>
       </p:sp>
+      <p:pic>
+        <p:nvPicPr>
+          <p:cNvPr id="1028" name="Picture 4"/>
+          <p:cNvPicPr>
+            <a:picLocks noChangeAspect="1" noChangeArrowheads="1"/>
+          </p:cNvPicPr>
+          <p:nvPr/>
+        </p:nvPicPr>
+        <p:blipFill>
+          <a:blip r:embed="rId8" cstate="print"/>
+          <a:srcRect/>
+          <a:stretch>
+            <a:fillRect/>
+          </a:stretch>
+        </p:blipFill>
+        <p:spPr bwMode="auto">
+          <a:xfrm>
+            <a:off x="3275215" y="1321150"/>
+            <a:ext cx="8733904" cy="4744716"/>
+          </a:xfrm>
+          <a:prstGeom prst="rect">
+            <a:avLst/>
+          </a:prstGeom>
+          <a:noFill/>
+          <a:ln w="9525">
+            <a:noFill/>
+            <a:miter lim="800000"/>
+            <a:headEnd/>
+            <a:tailEnd/>
+          </a:ln>
+          <a:effectLst/>
+        </p:spPr>
+      </p:pic>
     </p:spTree>
     <p:extLst>
       <p:ext uri="{BB962C8B-B14F-4D97-AF65-F5344CB8AC3E}">

--- a/Rendu/DiapoPourSoutenance.pptx
+++ b/Rendu/DiapoPourSoutenance.pptx
@@ -20,12 +20,12 @@
     <p:sldId id="275" r:id="rId8"/>
     <p:sldId id="264" r:id="rId9"/>
     <p:sldId id="289" r:id="rId10"/>
-    <p:sldId id="257" r:id="rId11"/>
-    <p:sldId id="276" r:id="rId12"/>
-    <p:sldId id="285" r:id="rId13"/>
-    <p:sldId id="268" r:id="rId14"/>
-    <p:sldId id="265" r:id="rId15"/>
-    <p:sldId id="281" r:id="rId16"/>
+    <p:sldId id="285" r:id="rId11"/>
+    <p:sldId id="268" r:id="rId12"/>
+    <p:sldId id="265" r:id="rId13"/>
+    <p:sldId id="281" r:id="rId14"/>
+    <p:sldId id="257" r:id="rId15"/>
+    <p:sldId id="276" r:id="rId16"/>
     <p:sldId id="277" r:id="rId17"/>
     <p:sldId id="278" r:id="rId18"/>
     <p:sldId id="284" r:id="rId19"/>
@@ -232,7 +232,7 @@
             <a:fld id="{07320072-8B10-4A9D-A6B7-BDFE93A378D2}" type="datetimeFigureOut">
               <a:rPr lang="en-US" smtClean="0"/>
               <a:pPr/>
-              <a:t>9/2/2020</a:t>
+              <a:t>9/4/2020</a:t>
             </a:fld>
             <a:endParaRPr lang="en-US"/>
           </a:p>
@@ -320,7 +320,7 @@
     </p:spTree>
     <p:extLst>
       <p:ext uri="{BB962C8B-B14F-4D97-AF65-F5344CB8AC3E}">
-        <p14:creationId xmlns:p14="http://schemas.microsoft.com/office/powerpoint/2010/main" xmlns="" val="310713602"/>
+        <p14:creationId xmlns:p14="http://schemas.microsoft.com/office/powerpoint/2010/main" val="310713602"/>
       </p:ext>
     </p:extLst>
   </p:cSld>
@@ -412,7 +412,7 @@
             <a:fld id="{D1DC27CF-E07C-4F40-BC98-82E074C76C57}" type="datetimeFigureOut">
               <a:rPr lang="en-US" smtClean="0"/>
               <a:pPr/>
-              <a:t>9/2/2020</a:t>
+              <a:t>9/4/2020</a:t>
             </a:fld>
             <a:endParaRPr lang="en-US"/>
           </a:p>
@@ -581,7 +581,7 @@
     </p:spTree>
     <p:extLst>
       <p:ext uri="{BB962C8B-B14F-4D97-AF65-F5344CB8AC3E}">
-        <p14:creationId xmlns:p14="http://schemas.microsoft.com/office/powerpoint/2010/main" xmlns="" val="1457705153"/>
+        <p14:creationId xmlns:p14="http://schemas.microsoft.com/office/powerpoint/2010/main" val="1457705153"/>
       </p:ext>
     </p:extLst>
   </p:cSld>
@@ -814,7 +814,7 @@
             <a:fld id="{5583BF2B-68CD-40BF-A085-A90EFDD89C48}" type="datetime1">
               <a:rPr lang="en-CA" smtClean="0"/>
               <a:pPr/>
-              <a:t>2020-09-02</a:t>
+              <a:t>2020-09-04</a:t>
             </a:fld>
             <a:endParaRPr lang="en-CA"/>
           </a:p>
@@ -866,7 +866,7 @@
     </p:spTree>
     <p:extLst>
       <p:ext uri="{BB962C8B-B14F-4D97-AF65-F5344CB8AC3E}">
-        <p14:creationId xmlns:p14="http://schemas.microsoft.com/office/powerpoint/2010/main" xmlns="" val="1958014418"/>
+        <p14:creationId xmlns:p14="http://schemas.microsoft.com/office/powerpoint/2010/main" val="1958014418"/>
       </p:ext>
     </p:extLst>
   </p:cSld>
@@ -986,7 +986,7 @@
             <a:fld id="{662ABA8E-9DE7-4043-B813-43B656105E30}" type="datetime1">
               <a:rPr lang="en-CA" smtClean="0"/>
               <a:pPr/>
-              <a:t>2020-09-02</a:t>
+              <a:t>2020-09-04</a:t>
             </a:fld>
             <a:endParaRPr lang="en-CA"/>
           </a:p>
@@ -1038,7 +1038,7 @@
     </p:spTree>
     <p:extLst>
       <p:ext uri="{BB962C8B-B14F-4D97-AF65-F5344CB8AC3E}">
-        <p14:creationId xmlns:p14="http://schemas.microsoft.com/office/powerpoint/2010/main" xmlns="" val="3799187667"/>
+        <p14:creationId xmlns:p14="http://schemas.microsoft.com/office/powerpoint/2010/main" val="3799187667"/>
       </p:ext>
     </p:extLst>
   </p:cSld>
@@ -1168,7 +1168,7 @@
             <a:fld id="{66CE4A8D-421C-4D9C-914B-0CFB38DAA9DA}" type="datetime1">
               <a:rPr lang="en-CA" smtClean="0"/>
               <a:pPr/>
-              <a:t>2020-09-02</a:t>
+              <a:t>2020-09-04</a:t>
             </a:fld>
             <a:endParaRPr lang="en-CA"/>
           </a:p>
@@ -1220,7 +1220,7 @@
     </p:spTree>
     <p:extLst>
       <p:ext uri="{BB962C8B-B14F-4D97-AF65-F5344CB8AC3E}">
-        <p14:creationId xmlns:p14="http://schemas.microsoft.com/office/powerpoint/2010/main" xmlns="" val="3850919207"/>
+        <p14:creationId xmlns:p14="http://schemas.microsoft.com/office/powerpoint/2010/main" val="3850919207"/>
       </p:ext>
     </p:extLst>
   </p:cSld>
@@ -1340,7 +1340,7 @@
             <a:fld id="{5B252325-18CD-4899-BAD0-3EF7A2D7C6F5}" type="datetime1">
               <a:rPr lang="en-CA" smtClean="0"/>
               <a:pPr/>
-              <a:t>2020-09-02</a:t>
+              <a:t>2020-09-04</a:t>
             </a:fld>
             <a:endParaRPr lang="en-CA"/>
           </a:p>
@@ -1392,7 +1392,7 @@
     </p:spTree>
     <p:extLst>
       <p:ext uri="{BB962C8B-B14F-4D97-AF65-F5344CB8AC3E}">
-        <p14:creationId xmlns:p14="http://schemas.microsoft.com/office/powerpoint/2010/main" xmlns="" val="196437638"/>
+        <p14:creationId xmlns:p14="http://schemas.microsoft.com/office/powerpoint/2010/main" val="196437638"/>
       </p:ext>
     </p:extLst>
   </p:cSld>
@@ -1588,7 +1588,7 @@
             <a:fld id="{F4B23B15-E92E-4DB2-8B2A-371EBCB3A4AB}" type="datetime1">
               <a:rPr lang="en-CA" smtClean="0"/>
               <a:pPr/>
-              <a:t>2020-09-02</a:t>
+              <a:t>2020-09-04</a:t>
             </a:fld>
             <a:endParaRPr lang="en-CA"/>
           </a:p>
@@ -1640,7 +1640,7 @@
     </p:spTree>
     <p:extLst>
       <p:ext uri="{BB962C8B-B14F-4D97-AF65-F5344CB8AC3E}">
-        <p14:creationId xmlns:p14="http://schemas.microsoft.com/office/powerpoint/2010/main" xmlns="" val="2713206820"/>
+        <p14:creationId xmlns:p14="http://schemas.microsoft.com/office/powerpoint/2010/main" val="2713206820"/>
       </p:ext>
     </p:extLst>
   </p:cSld>
@@ -1822,7 +1822,7 @@
             <a:fld id="{D3F97648-3F09-4651-BAF4-4504A6D941FE}" type="datetime1">
               <a:rPr lang="en-CA" smtClean="0"/>
               <a:pPr/>
-              <a:t>2020-09-02</a:t>
+              <a:t>2020-09-04</a:t>
             </a:fld>
             <a:endParaRPr lang="en-CA"/>
           </a:p>
@@ -1874,7 +1874,7 @@
     </p:spTree>
     <p:extLst>
       <p:ext uri="{BB962C8B-B14F-4D97-AF65-F5344CB8AC3E}">
-        <p14:creationId xmlns:p14="http://schemas.microsoft.com/office/powerpoint/2010/main" xmlns="" val="2638331812"/>
+        <p14:creationId xmlns:p14="http://schemas.microsoft.com/office/powerpoint/2010/main" val="2638331812"/>
       </p:ext>
     </p:extLst>
   </p:cSld>
@@ -2191,7 +2191,7 @@
             <a:fld id="{6483B447-DE22-4499-BC29-4FB038209F73}" type="datetime1">
               <a:rPr lang="en-CA" smtClean="0"/>
               <a:pPr/>
-              <a:t>2020-09-02</a:t>
+              <a:t>2020-09-04</a:t>
             </a:fld>
             <a:endParaRPr lang="en-CA"/>
           </a:p>
@@ -2243,7 +2243,7 @@
     </p:spTree>
     <p:extLst>
       <p:ext uri="{BB962C8B-B14F-4D97-AF65-F5344CB8AC3E}">
-        <p14:creationId xmlns:p14="http://schemas.microsoft.com/office/powerpoint/2010/main" xmlns="" val="3548211641"/>
+        <p14:creationId xmlns:p14="http://schemas.microsoft.com/office/powerpoint/2010/main" val="3548211641"/>
       </p:ext>
     </p:extLst>
   </p:cSld>
@@ -2311,7 +2311,7 @@
             <a:fld id="{2D8A6B6E-1D2F-4080-BC90-87D8AE80AE62}" type="datetime1">
               <a:rPr lang="en-CA" smtClean="0"/>
               <a:pPr/>
-              <a:t>2020-09-02</a:t>
+              <a:t>2020-09-04</a:t>
             </a:fld>
             <a:endParaRPr lang="en-CA"/>
           </a:p>
@@ -2363,7 +2363,7 @@
     </p:spTree>
     <p:extLst>
       <p:ext uri="{BB962C8B-B14F-4D97-AF65-F5344CB8AC3E}">
-        <p14:creationId xmlns:p14="http://schemas.microsoft.com/office/powerpoint/2010/main" xmlns="" val="4135037630"/>
+        <p14:creationId xmlns:p14="http://schemas.microsoft.com/office/powerpoint/2010/main" val="4135037630"/>
       </p:ext>
     </p:extLst>
   </p:cSld>
@@ -2408,7 +2408,7 @@
             <a:fld id="{DB48530E-1FA3-4031-899D-969EF7B8A240}" type="datetime1">
               <a:rPr lang="en-CA" smtClean="0"/>
               <a:pPr/>
-              <a:t>2020-09-02</a:t>
+              <a:t>2020-09-04</a:t>
             </a:fld>
             <a:endParaRPr lang="en-CA"/>
           </a:p>
@@ -2460,7 +2460,7 @@
     </p:spTree>
     <p:extLst>
       <p:ext uri="{BB962C8B-B14F-4D97-AF65-F5344CB8AC3E}">
-        <p14:creationId xmlns:p14="http://schemas.microsoft.com/office/powerpoint/2010/main" xmlns="" val="3360294506"/>
+        <p14:creationId xmlns:p14="http://schemas.microsoft.com/office/powerpoint/2010/main" val="3360294506"/>
       </p:ext>
     </p:extLst>
   </p:cSld>
@@ -2687,7 +2687,7 @@
             <a:fld id="{BC1FF21D-ECB7-448A-A00B-B2BAD1A96E8C}" type="datetime1">
               <a:rPr lang="en-CA" smtClean="0"/>
               <a:pPr/>
-              <a:t>2020-09-02</a:t>
+              <a:t>2020-09-04</a:t>
             </a:fld>
             <a:endParaRPr lang="en-CA"/>
           </a:p>
@@ -2739,7 +2739,7 @@
     </p:spTree>
     <p:extLst>
       <p:ext uri="{BB962C8B-B14F-4D97-AF65-F5344CB8AC3E}">
-        <p14:creationId xmlns:p14="http://schemas.microsoft.com/office/powerpoint/2010/main" xmlns="" val="3650604297"/>
+        <p14:creationId xmlns:p14="http://schemas.microsoft.com/office/powerpoint/2010/main" val="3650604297"/>
       </p:ext>
     </p:extLst>
   </p:cSld>
@@ -2942,7 +2942,7 @@
             <a:fld id="{28E2FDD8-0064-42FE-9E19-9B800EF17803}" type="datetime1">
               <a:rPr lang="en-CA" smtClean="0"/>
               <a:pPr/>
-              <a:t>2020-09-02</a:t>
+              <a:t>2020-09-04</a:t>
             </a:fld>
             <a:endParaRPr lang="en-CA"/>
           </a:p>
@@ -2994,7 +2994,7 @@
     </p:spTree>
     <p:extLst>
       <p:ext uri="{BB962C8B-B14F-4D97-AF65-F5344CB8AC3E}">
-        <p14:creationId xmlns:p14="http://schemas.microsoft.com/office/powerpoint/2010/main" xmlns="" val="3462834274"/>
+        <p14:creationId xmlns:p14="http://schemas.microsoft.com/office/powerpoint/2010/main" val="3462834274"/>
       </p:ext>
     </p:extLst>
   </p:cSld>
@@ -3157,7 +3157,7 @@
             <a:fld id="{EBCDDB8F-E4FD-41CA-A5E4-433DAF189A5E}" type="datetime1">
               <a:rPr lang="en-CA" smtClean="0"/>
               <a:pPr/>
-              <a:t>2020-09-02</a:t>
+              <a:t>2020-09-04</a:t>
             </a:fld>
             <a:endParaRPr lang="en-CA"/>
           </a:p>
@@ -3245,7 +3245,7 @@
     </p:spTree>
     <p:extLst>
       <p:ext uri="{BB962C8B-B14F-4D97-AF65-F5344CB8AC3E}">
-        <p14:creationId xmlns:p14="http://schemas.microsoft.com/office/powerpoint/2010/main" xmlns="" val="1238474890"/>
+        <p14:creationId xmlns:p14="http://schemas.microsoft.com/office/powerpoint/2010/main" val="1238474890"/>
       </p:ext>
     </p:extLst>
   </p:cSld>
@@ -3590,7 +3590,7 @@
           <a:blip r:embed="rId2" cstate="print">
             <a:extLst>
               <a:ext uri="{28A0092B-C50C-407E-A947-70E740481C1C}">
-                <a14:useLocalDpi xmlns:a14="http://schemas.microsoft.com/office/drawing/2010/main" xmlns="" val="0"/>
+                <a14:useLocalDpi xmlns:a14="http://schemas.microsoft.com/office/drawing/2010/main" val="0"/>
               </a:ext>
             </a:extLst>
           </a:blip>
@@ -3610,7 +3610,7 @@
           <a:noFill/>
           <a:extLst>
             <a:ext uri="{909E8E84-426E-40DD-AFC4-6F175D3DCCD1}">
-              <a14:hiddenFill xmlns:a14="http://schemas.microsoft.com/office/drawing/2010/main" xmlns="">
+              <a14:hiddenFill xmlns:a14="http://schemas.microsoft.com/office/drawing/2010/main">
                 <a:solidFill>
                   <a:srgbClr val="FFFFFF"/>
                 </a:solidFill>
@@ -3644,7 +3644,7 @@
             </a:duotone>
             <a:extLst>
               <a:ext uri="{28A0092B-C50C-407E-A947-70E740481C1C}">
-                <a14:useLocalDpi xmlns:a14="http://schemas.microsoft.com/office/drawing/2010/main" xmlns="" val="0"/>
+                <a14:useLocalDpi xmlns:a14="http://schemas.microsoft.com/office/drawing/2010/main" val="0"/>
               </a:ext>
             </a:extLst>
           </a:blip>
@@ -3664,7 +3664,7 @@
           <a:noFill/>
           <a:extLst>
             <a:ext uri="{909E8E84-426E-40DD-AFC4-6F175D3DCCD1}">
-              <a14:hiddenFill xmlns:a14="http://schemas.microsoft.com/office/drawing/2010/main" xmlns="">
+              <a14:hiddenFill xmlns:a14="http://schemas.microsoft.com/office/drawing/2010/main">
                 <a:solidFill>
                   <a:srgbClr val="FFFFFF"/>
                 </a:solidFill>
@@ -3862,7 +3862,7 @@
     </p:spTree>
     <p:extLst>
       <p:ext uri="{BB962C8B-B14F-4D97-AF65-F5344CB8AC3E}">
-        <p14:creationId xmlns:p14="http://schemas.microsoft.com/office/powerpoint/2010/main" xmlns="" val="1476400819"/>
+        <p14:creationId xmlns:p14="http://schemas.microsoft.com/office/powerpoint/2010/main" val="1476400819"/>
       </p:ext>
     </p:extLst>
   </p:cSld>
@@ -3880,6 +3880,4435 @@
 </file>
 
 <file path=ppt/slides/slide10.xml><?xml version="1.0" encoding="utf-8"?>
+<p:sld xmlns:a="http://schemas.openxmlformats.org/drawingml/2006/main" xmlns:r="http://schemas.openxmlformats.org/officeDocument/2006/relationships" xmlns:p="http://schemas.openxmlformats.org/presentationml/2006/main">
+  <p:cSld>
+    <p:bg>
+      <p:bgPr>
+        <a:solidFill>
+          <a:srgbClr val="232F3D"/>
+        </a:solidFill>
+        <a:effectLst/>
+      </p:bgPr>
+    </p:bg>
+    <p:spTree>
+      <p:nvGrpSpPr>
+        <p:cNvPr id="1" name=""/>
+        <p:cNvGrpSpPr/>
+        <p:nvPr/>
+      </p:nvGrpSpPr>
+      <p:grpSpPr>
+        <a:xfrm>
+          <a:off x="0" y="0"/>
+          <a:ext cx="0" cy="0"/>
+          <a:chOff x="0" y="0"/>
+          <a:chExt cx="0" cy="0"/>
+        </a:xfrm>
+      </p:grpSpPr>
+      <p:sp>
+        <p:nvSpPr>
+          <p:cNvPr id="3" name="Rectangle 2">
+            <a:extLst>
+              <a:ext uri="{FF2B5EF4-FFF2-40B4-BE49-F238E27FC236}">
+                <a16:creationId xmlns:a16="http://schemas.microsoft.com/office/drawing/2014/main" xmlns="" id="{CB88F0B2-BE2C-47DA-834F-B0DF5550021E}"/>
+              </a:ext>
+            </a:extLst>
+          </p:cNvPr>
+          <p:cNvSpPr/>
+          <p:nvPr/>
+        </p:nvSpPr>
+        <p:spPr>
+          <a:xfrm>
+            <a:off x="285225" y="-44352"/>
+            <a:ext cx="8682607" cy="1292662"/>
+          </a:xfrm>
+          <a:prstGeom prst="rect">
+            <a:avLst/>
+          </a:prstGeom>
+        </p:spPr>
+        <p:txBody>
+          <a:bodyPr wrap="square">
+            <a:spAutoFit/>
+          </a:bodyPr>
+          <a:lstStyle/>
+          <a:p>
+            <a:endParaRPr lang="fr-FR" dirty="0"/>
+          </a:p>
+          <a:p>
+            <a:r>
+              <a:rPr lang="fr-FR" sz="3600" dirty="0">
+                <a:solidFill>
+                  <a:schemeClr val="bg1">
+                    <a:lumMod val="85000"/>
+                  </a:schemeClr>
+                </a:solidFill>
+                <a:latin typeface="Bahnschrift SemiBold SemiConden" panose="020B0502040204020203" pitchFamily="34" charset="0"/>
+              </a:rPr>
+              <a:t>Réalisation de la chaîne de déploiement </a:t>
+            </a:r>
+          </a:p>
+          <a:p>
+            <a:r>
+              <a:rPr lang="fr-FR" sz="2400" dirty="0">
+                <a:solidFill>
+                  <a:schemeClr val="bg1">
+                    <a:lumMod val="85000"/>
+                  </a:schemeClr>
+                </a:solidFill>
+                <a:latin typeface="Bahnschrift SemiBold SemiConden" panose="020B0502040204020203" pitchFamily="34" charset="0"/>
+              </a:rPr>
+              <a:t>Détails de la solution – Paramétrage de la pipeline</a:t>
+            </a:r>
+          </a:p>
+        </p:txBody>
+      </p:sp>
+      <p:sp>
+        <p:nvSpPr>
+          <p:cNvPr id="4" name="Espace réservé du numéro de diapositive 3">
+            <a:extLst>
+              <a:ext uri="{FF2B5EF4-FFF2-40B4-BE49-F238E27FC236}">
+                <a16:creationId xmlns:a16="http://schemas.microsoft.com/office/drawing/2014/main" xmlns="" id="{4A9D4B61-2758-48F9-A1B0-FC3717CEE758}"/>
+              </a:ext>
+            </a:extLst>
+          </p:cNvPr>
+          <p:cNvSpPr>
+            <a:spLocks noGrp="1"/>
+          </p:cNvSpPr>
+          <p:nvPr>
+            <p:ph type="sldNum" sz="quarter" idx="12"/>
+          </p:nvPr>
+        </p:nvSpPr>
+        <p:spPr/>
+        <p:txBody>
+          <a:bodyPr/>
+          <a:lstStyle/>
+          <a:p>
+            <a:fld id="{E6B1A59F-6568-46B7-9FEA-42BEE4EAD067}" type="slidenum">
+              <a:rPr lang="en-CA" smtClean="0"/>
+              <a:pPr/>
+              <a:t>10</a:t>
+            </a:fld>
+            <a:endParaRPr lang="en-CA" dirty="0"/>
+          </a:p>
+        </p:txBody>
+      </p:sp>
+      <p:pic>
+        <p:nvPicPr>
+          <p:cNvPr id="5" name="Image 4">
+            <a:extLst>
+              <a:ext uri="{FF2B5EF4-FFF2-40B4-BE49-F238E27FC236}">
+                <a16:creationId xmlns:a16="http://schemas.microsoft.com/office/drawing/2014/main" xmlns="" id="{07B459C2-117F-4C73-97F9-94E9D2D40DFF}"/>
+              </a:ext>
+            </a:extLst>
+          </p:cNvPr>
+          <p:cNvPicPr>
+            <a:picLocks noChangeAspect="1"/>
+          </p:cNvPicPr>
+          <p:nvPr/>
+        </p:nvPicPr>
+        <p:blipFill>
+          <a:blip r:embed="rId2" cstate="print">
+            <a:extLst>
+              <a:ext uri="{28A0092B-C50C-407E-A947-70E740481C1C}">
+                <a14:useLocalDpi xmlns:a14="http://schemas.microsoft.com/office/drawing/2010/main" val="0"/>
+              </a:ext>
+            </a:extLst>
+          </a:blip>
+          <a:stretch>
+            <a:fillRect/>
+          </a:stretch>
+        </p:blipFill>
+        <p:spPr>
+          <a:xfrm>
+            <a:off x="285225" y="1791221"/>
+            <a:ext cx="11690698" cy="4198517"/>
+          </a:xfrm>
+          <a:prstGeom prst="rect">
+            <a:avLst/>
+          </a:prstGeom>
+        </p:spPr>
+      </p:pic>
+      <p:sp>
+        <p:nvSpPr>
+          <p:cNvPr id="6" name="Rectangle 5">
+            <a:extLst>
+              <a:ext uri="{FF2B5EF4-FFF2-40B4-BE49-F238E27FC236}">
+                <a16:creationId xmlns:a16="http://schemas.microsoft.com/office/drawing/2014/main" xmlns="" id="{BDA26998-5F01-4563-8675-DFA37C9D8103}"/>
+              </a:ext>
+            </a:extLst>
+          </p:cNvPr>
+          <p:cNvSpPr/>
+          <p:nvPr/>
+        </p:nvSpPr>
+        <p:spPr>
+          <a:xfrm>
+            <a:off x="5410899" y="2835479"/>
+            <a:ext cx="796954" cy="134224"/>
+          </a:xfrm>
+          <a:prstGeom prst="rect">
+            <a:avLst/>
+          </a:prstGeom>
+          <a:pattFill prst="dkUpDiag">
+            <a:fgClr>
+              <a:schemeClr val="bg2">
+                <a:lumMod val="90000"/>
+              </a:schemeClr>
+            </a:fgClr>
+            <a:bgClr>
+              <a:srgbClr val="FFFFFF"/>
+            </a:bgClr>
+          </a:pattFill>
+          <a:ln>
+            <a:noFill/>
+          </a:ln>
+        </p:spPr>
+        <p:style>
+          <a:lnRef idx="2">
+            <a:schemeClr val="accent1">
+              <a:shade val="50000"/>
+            </a:schemeClr>
+          </a:lnRef>
+          <a:fillRef idx="1">
+            <a:schemeClr val="accent1"/>
+          </a:fillRef>
+          <a:effectRef idx="0">
+            <a:schemeClr val="accent1"/>
+          </a:effectRef>
+          <a:fontRef idx="minor">
+            <a:schemeClr val="lt1"/>
+          </a:fontRef>
+        </p:style>
+        <p:txBody>
+          <a:bodyPr rtlCol="0" anchor="ctr"/>
+          <a:lstStyle/>
+          <a:p>
+            <a:pPr algn="ctr"/>
+            <a:endParaRPr lang="en-US"/>
+          </a:p>
+        </p:txBody>
+      </p:sp>
+      <p:sp>
+        <p:nvSpPr>
+          <p:cNvPr id="7" name="Rectangle 6">
+            <a:extLst>
+              <a:ext uri="{FF2B5EF4-FFF2-40B4-BE49-F238E27FC236}">
+                <a16:creationId xmlns:a16="http://schemas.microsoft.com/office/drawing/2014/main" xmlns="" id="{E5AD3D44-EC8C-4113-840E-72221068A820}"/>
+              </a:ext>
+            </a:extLst>
+          </p:cNvPr>
+          <p:cNvSpPr/>
+          <p:nvPr/>
+        </p:nvSpPr>
+        <p:spPr>
+          <a:xfrm>
+            <a:off x="3084945" y="5744608"/>
+            <a:ext cx="6382328" cy="1015663"/>
+          </a:xfrm>
+          <a:prstGeom prst="rect">
+            <a:avLst/>
+          </a:prstGeom>
+        </p:spPr>
+        <p:txBody>
+          <a:bodyPr wrap="square">
+            <a:spAutoFit/>
+          </a:bodyPr>
+          <a:lstStyle/>
+          <a:p>
+            <a:endParaRPr lang="en-US" sz="2000" dirty="0">
+              <a:solidFill>
+                <a:srgbClr val="000000"/>
+              </a:solidFill>
+              <a:latin typeface="Arial" panose="020B0604020202020204" pitchFamily="34" charset="0"/>
+            </a:endParaRPr>
+          </a:p>
+          <a:p>
+            <a:pPr algn="ctr"/>
+            <a:r>
+              <a:rPr lang="fr-FR" sz="2000" dirty="0">
+                <a:solidFill>
+                  <a:schemeClr val="bg1">
+                    <a:lumMod val="85000"/>
+                  </a:schemeClr>
+                </a:solidFill>
+                <a:latin typeface="Yu Gothic UI Semilight" panose="020B0400000000000000" pitchFamily="34" charset="-128"/>
+                <a:ea typeface="Yu Gothic UI Semilight" panose="020B0400000000000000" pitchFamily="34" charset="-128"/>
+              </a:rPr>
+              <a:t>Capture d’écran de la console AWS pour le paramétrage des variables d’environnements d’une Lambda </a:t>
+            </a:r>
+            <a:endParaRPr lang="en-US" sz="2000" dirty="0">
+              <a:solidFill>
+                <a:schemeClr val="bg1">
+                  <a:lumMod val="85000"/>
+                </a:schemeClr>
+              </a:solidFill>
+              <a:latin typeface="Yu Gothic UI Semilight" panose="020B0400000000000000" pitchFamily="34" charset="-128"/>
+              <a:ea typeface="Yu Gothic UI Semilight" panose="020B0400000000000000" pitchFamily="34" charset="-128"/>
+            </a:endParaRPr>
+          </a:p>
+        </p:txBody>
+      </p:sp>
+    </p:spTree>
+    <p:extLst>
+      <p:ext uri="{BB962C8B-B14F-4D97-AF65-F5344CB8AC3E}">
+        <p14:creationId xmlns:p14="http://schemas.microsoft.com/office/powerpoint/2010/main" val="2947216952"/>
+      </p:ext>
+    </p:extLst>
+  </p:cSld>
+  <p:clrMapOvr>
+    <a:masterClrMapping/>
+  </p:clrMapOvr>
+</p:sld>
+</file>
+
+<file path=ppt/slides/slide11.xml><?xml version="1.0" encoding="utf-8"?>
+<p:sld xmlns:a="http://schemas.openxmlformats.org/drawingml/2006/main" xmlns:r="http://schemas.openxmlformats.org/officeDocument/2006/relationships" xmlns:p="http://schemas.openxmlformats.org/presentationml/2006/main">
+  <p:cSld>
+    <p:bg>
+      <p:bgPr>
+        <a:solidFill>
+          <a:srgbClr val="232F3D"/>
+        </a:solidFill>
+        <a:effectLst/>
+      </p:bgPr>
+    </p:bg>
+    <p:spTree>
+      <p:nvGrpSpPr>
+        <p:cNvPr id="1" name=""/>
+        <p:cNvGrpSpPr/>
+        <p:nvPr/>
+      </p:nvGrpSpPr>
+      <p:grpSpPr>
+        <a:xfrm>
+          <a:off x="0" y="0"/>
+          <a:ext cx="0" cy="0"/>
+          <a:chOff x="0" y="0"/>
+          <a:chExt cx="0" cy="0"/>
+        </a:xfrm>
+      </p:grpSpPr>
+      <p:sp>
+        <p:nvSpPr>
+          <p:cNvPr id="16" name="Rectangle 15">
+            <a:extLst>
+              <a:ext uri="{FF2B5EF4-FFF2-40B4-BE49-F238E27FC236}">
+                <a16:creationId xmlns:a16="http://schemas.microsoft.com/office/drawing/2014/main" xmlns="" id="{8931C038-3230-4ACA-A4F7-D0053AA67098}"/>
+              </a:ext>
+            </a:extLst>
+          </p:cNvPr>
+          <p:cNvSpPr/>
+          <p:nvPr/>
+        </p:nvSpPr>
+        <p:spPr>
+          <a:xfrm>
+            <a:off x="285225" y="-44352"/>
+            <a:ext cx="8682607" cy="1292662"/>
+          </a:xfrm>
+          <a:prstGeom prst="rect">
+            <a:avLst/>
+          </a:prstGeom>
+        </p:spPr>
+        <p:txBody>
+          <a:bodyPr wrap="square">
+            <a:spAutoFit/>
+          </a:bodyPr>
+          <a:lstStyle/>
+          <a:p>
+            <a:endParaRPr lang="fr-FR" dirty="0"/>
+          </a:p>
+          <a:p>
+            <a:r>
+              <a:rPr lang="fr-FR" sz="3600" dirty="0">
+                <a:solidFill>
+                  <a:schemeClr val="bg1">
+                    <a:lumMod val="85000"/>
+                  </a:schemeClr>
+                </a:solidFill>
+                <a:latin typeface="Bahnschrift SemiBold SemiConden" panose="020B0502040204020203" pitchFamily="34" charset="0"/>
+              </a:rPr>
+              <a:t>Réalisation de la chaîne de déploiement </a:t>
+            </a:r>
+          </a:p>
+          <a:p>
+            <a:r>
+              <a:rPr lang="fr-FR" sz="2400" dirty="0">
+                <a:solidFill>
+                  <a:schemeClr val="bg1">
+                    <a:lumMod val="85000"/>
+                  </a:schemeClr>
+                </a:solidFill>
+                <a:latin typeface="Bahnschrift SemiBold SemiConden" panose="020B0502040204020203" pitchFamily="34" charset="0"/>
+              </a:rPr>
+              <a:t>Détails de la solution – Gestion des journaux d’exécution </a:t>
+            </a:r>
+          </a:p>
+        </p:txBody>
+      </p:sp>
+      <p:pic>
+        <p:nvPicPr>
+          <p:cNvPr id="9" name="Image 8">
+            <a:extLst>
+              <a:ext uri="{FF2B5EF4-FFF2-40B4-BE49-F238E27FC236}">
+                <a16:creationId xmlns:a16="http://schemas.microsoft.com/office/drawing/2014/main" xmlns="" id="{D61FA13C-FDD2-4D29-9847-46BAB0BF16F5}"/>
+              </a:ext>
+            </a:extLst>
+          </p:cNvPr>
+          <p:cNvPicPr>
+            <a:picLocks noChangeAspect="1"/>
+          </p:cNvPicPr>
+          <p:nvPr/>
+        </p:nvPicPr>
+        <p:blipFill>
+          <a:blip r:embed="rId2" cstate="print">
+            <a:extLst>
+              <a:ext uri="{28A0092B-C50C-407E-A947-70E740481C1C}">
+                <a14:useLocalDpi xmlns:a14="http://schemas.microsoft.com/office/drawing/2010/main" val="0"/>
+              </a:ext>
+            </a:extLst>
+          </a:blip>
+          <a:stretch>
+            <a:fillRect/>
+          </a:stretch>
+        </p:blipFill>
+        <p:spPr>
+          <a:xfrm>
+            <a:off x="7854193" y="4675831"/>
+            <a:ext cx="3801634" cy="1483418"/>
+          </a:xfrm>
+          <a:prstGeom prst="rect">
+            <a:avLst/>
+          </a:prstGeom>
+        </p:spPr>
+      </p:pic>
+      <p:sp>
+        <p:nvSpPr>
+          <p:cNvPr id="17" name="Rectangle 16">
+            <a:extLst>
+              <a:ext uri="{FF2B5EF4-FFF2-40B4-BE49-F238E27FC236}">
+                <a16:creationId xmlns:a16="http://schemas.microsoft.com/office/drawing/2014/main" xmlns="" id="{BCA9466F-0676-464C-924E-FBFD0B1623EE}"/>
+              </a:ext>
+            </a:extLst>
+          </p:cNvPr>
+          <p:cNvSpPr/>
+          <p:nvPr/>
+        </p:nvSpPr>
+        <p:spPr>
+          <a:xfrm>
+            <a:off x="7660796" y="5994936"/>
+            <a:ext cx="4464092" cy="707886"/>
+          </a:xfrm>
+          <a:prstGeom prst="rect">
+            <a:avLst/>
+          </a:prstGeom>
+        </p:spPr>
+        <p:txBody>
+          <a:bodyPr wrap="square">
+            <a:spAutoFit/>
+          </a:bodyPr>
+          <a:lstStyle/>
+          <a:p>
+            <a:endParaRPr lang="en-US" sz="2000" dirty="0">
+              <a:solidFill>
+                <a:srgbClr val="000000"/>
+              </a:solidFill>
+              <a:latin typeface="Arial" panose="020B0604020202020204" pitchFamily="34" charset="0"/>
+            </a:endParaRPr>
+          </a:p>
+          <a:p>
+            <a:r>
+              <a:rPr lang="fr-FR" sz="2000" dirty="0">
+                <a:solidFill>
+                  <a:schemeClr val="bg1">
+                    <a:lumMod val="85000"/>
+                  </a:schemeClr>
+                </a:solidFill>
+                <a:latin typeface="Yu Gothic UI Semilight" panose="020B0400000000000000" pitchFamily="34" charset="-128"/>
+                <a:ea typeface="Yu Gothic UI Semilight" panose="020B0400000000000000" pitchFamily="34" charset="-128"/>
+              </a:rPr>
+              <a:t>Résultat des logs et des notifications</a:t>
+            </a:r>
+            <a:endParaRPr lang="en-US" sz="2000" dirty="0">
+              <a:solidFill>
+                <a:schemeClr val="bg1">
+                  <a:lumMod val="85000"/>
+                </a:schemeClr>
+              </a:solidFill>
+              <a:latin typeface="Yu Gothic UI Semilight" panose="020B0400000000000000" pitchFamily="34" charset="-128"/>
+              <a:ea typeface="Yu Gothic UI Semilight" panose="020B0400000000000000" pitchFamily="34" charset="-128"/>
+            </a:endParaRPr>
+          </a:p>
+        </p:txBody>
+      </p:sp>
+      <p:sp>
+        <p:nvSpPr>
+          <p:cNvPr id="18" name="Rectangle 17">
+            <a:extLst>
+              <a:ext uri="{FF2B5EF4-FFF2-40B4-BE49-F238E27FC236}">
+                <a16:creationId xmlns:a16="http://schemas.microsoft.com/office/drawing/2014/main" xmlns="" id="{3F80170D-0623-4559-AD0F-C6D80DF280A9}"/>
+              </a:ext>
+            </a:extLst>
+          </p:cNvPr>
+          <p:cNvSpPr/>
+          <p:nvPr/>
+        </p:nvSpPr>
+        <p:spPr>
+          <a:xfrm>
+            <a:off x="611673" y="2720661"/>
+            <a:ext cx="6270095" cy="830997"/>
+          </a:xfrm>
+          <a:prstGeom prst="rect">
+            <a:avLst/>
+          </a:prstGeom>
+        </p:spPr>
+        <p:txBody>
+          <a:bodyPr wrap="square">
+            <a:spAutoFit/>
+          </a:bodyPr>
+          <a:lstStyle/>
+          <a:p>
+            <a:r>
+              <a:rPr lang="fr-FR" sz="2400" dirty="0">
+                <a:solidFill>
+                  <a:schemeClr val="bg1">
+                    <a:lumMod val="85000"/>
+                  </a:schemeClr>
+                </a:solidFill>
+                <a:latin typeface="Bahnschrift SemiBold" panose="020B0502040204020203" pitchFamily="34" charset="0"/>
+                <a:ea typeface="Yu Gothic UI Semilight" panose="020B0400000000000000" pitchFamily="34" charset="-128"/>
+              </a:rPr>
+              <a:t>Problème : </a:t>
+            </a:r>
+            <a:r>
+              <a:rPr lang="fr-FR" sz="2400" dirty="0">
+                <a:solidFill>
+                  <a:schemeClr val="bg1">
+                    <a:lumMod val="85000"/>
+                  </a:schemeClr>
+                </a:solidFill>
+                <a:latin typeface="Yu Gothic UI Semilight" panose="020B0400000000000000" pitchFamily="34" charset="-128"/>
+                <a:ea typeface="Yu Gothic UI Semilight" panose="020B0400000000000000" pitchFamily="34" charset="-128"/>
+              </a:rPr>
+              <a:t>Faire converger le résultat des différentes Lambda</a:t>
+            </a:r>
+            <a:endParaRPr lang="fr-FR" sz="2400" dirty="0">
+              <a:solidFill>
+                <a:schemeClr val="bg1">
+                  <a:lumMod val="85000"/>
+                </a:schemeClr>
+              </a:solidFill>
+              <a:latin typeface="Bahnschrift SemiBold" panose="020B0502040204020203" pitchFamily="34" charset="0"/>
+              <a:ea typeface="Yu Gothic UI Semilight" panose="020B0400000000000000" pitchFamily="34" charset="-128"/>
+            </a:endParaRPr>
+          </a:p>
+        </p:txBody>
+      </p:sp>
+      <p:sp>
+        <p:nvSpPr>
+          <p:cNvPr id="19" name="Rectangle 18">
+            <a:extLst>
+              <a:ext uri="{FF2B5EF4-FFF2-40B4-BE49-F238E27FC236}">
+                <a16:creationId xmlns:a16="http://schemas.microsoft.com/office/drawing/2014/main" xmlns="" id="{FC0B5020-99E8-4D7A-8CD8-D586DC925104}"/>
+              </a:ext>
+            </a:extLst>
+          </p:cNvPr>
+          <p:cNvSpPr/>
+          <p:nvPr/>
+        </p:nvSpPr>
+        <p:spPr>
+          <a:xfrm>
+            <a:off x="611672" y="3769779"/>
+            <a:ext cx="6270095" cy="461665"/>
+          </a:xfrm>
+          <a:prstGeom prst="rect">
+            <a:avLst/>
+          </a:prstGeom>
+        </p:spPr>
+        <p:txBody>
+          <a:bodyPr wrap="square">
+            <a:spAutoFit/>
+          </a:bodyPr>
+          <a:lstStyle/>
+          <a:p>
+            <a:r>
+              <a:rPr lang="fr-FR" sz="2400" dirty="0">
+                <a:solidFill>
+                  <a:schemeClr val="bg1">
+                    <a:lumMod val="85000"/>
+                  </a:schemeClr>
+                </a:solidFill>
+                <a:latin typeface="Bahnschrift SemiBold" panose="020B0502040204020203" pitchFamily="34" charset="0"/>
+                <a:ea typeface="Yu Gothic UI Semilight" panose="020B0400000000000000" pitchFamily="34" charset="-128"/>
+              </a:rPr>
+              <a:t>Solution :</a:t>
+            </a:r>
+          </a:p>
+        </p:txBody>
+      </p:sp>
+      <p:sp>
+        <p:nvSpPr>
+          <p:cNvPr id="31" name="TextBox 35">
+            <a:extLst>
+              <a:ext uri="{FF2B5EF4-FFF2-40B4-BE49-F238E27FC236}">
+                <a16:creationId xmlns:a16="http://schemas.microsoft.com/office/drawing/2014/main" xmlns="" id="{580DFDFC-EBA9-4A79-9E49-47FB688660FC}"/>
+              </a:ext>
+            </a:extLst>
+          </p:cNvPr>
+          <p:cNvSpPr txBox="1"/>
+          <p:nvPr/>
+        </p:nvSpPr>
+        <p:spPr>
+          <a:xfrm>
+            <a:off x="1950108" y="3783920"/>
+            <a:ext cx="4926399" cy="738664"/>
+          </a:xfrm>
+          <a:prstGeom prst="rect">
+            <a:avLst/>
+          </a:prstGeom>
+          <a:noFill/>
+        </p:spPr>
+        <p:txBody>
+          <a:bodyPr wrap="square" rtlCol="0">
+            <a:spAutoFit/>
+          </a:bodyPr>
+          <a:lstStyle/>
+          <a:p>
+            <a:r>
+              <a:rPr lang="fr-FR" sz="2400" dirty="0">
+                <a:solidFill>
+                  <a:srgbClr val="FB9701"/>
+                </a:solidFill>
+                <a:latin typeface="Yu Gothic UI Semilight" panose="020B0400000000000000" pitchFamily="34" charset="-128"/>
+                <a:ea typeface="Yu Gothic UI Semilight" panose="020B0400000000000000" pitchFamily="34" charset="-128"/>
+              </a:rPr>
+              <a:t>Fonction</a:t>
+            </a:r>
+            <a:r>
+              <a:rPr lang="en-US" sz="2400" dirty="0">
+                <a:solidFill>
+                  <a:srgbClr val="FB9701"/>
+                </a:solidFill>
+                <a:latin typeface="Yu Gothic UI Semilight" panose="020B0400000000000000" pitchFamily="34" charset="-128"/>
+                <a:ea typeface="Yu Gothic UI Semilight" panose="020B0400000000000000" pitchFamily="34" charset="-128"/>
+              </a:rPr>
+              <a:t> : Notification-Manager</a:t>
+            </a:r>
+          </a:p>
+          <a:p>
+            <a:pPr algn="ctr"/>
+            <a:endParaRPr lang="en-US" b="1" i="1" dirty="0">
+              <a:solidFill>
+                <a:srgbClr val="FB9701"/>
+              </a:solidFill>
+            </a:endParaRPr>
+          </a:p>
+        </p:txBody>
+      </p:sp>
+      <p:pic>
+        <p:nvPicPr>
+          <p:cNvPr id="2" name="Image 1">
+            <a:extLst>
+              <a:ext uri="{FF2B5EF4-FFF2-40B4-BE49-F238E27FC236}">
+                <a16:creationId xmlns:a16="http://schemas.microsoft.com/office/drawing/2014/main" xmlns="" id="{C55DAD9B-5F83-443E-A961-FBA272407F66}"/>
+              </a:ext>
+            </a:extLst>
+          </p:cNvPr>
+          <p:cNvPicPr>
+            <a:picLocks noChangeAspect="1"/>
+          </p:cNvPicPr>
+          <p:nvPr/>
+        </p:nvPicPr>
+        <p:blipFill>
+          <a:blip r:embed="rId3" cstate="print"/>
+          <a:stretch>
+            <a:fillRect/>
+          </a:stretch>
+        </p:blipFill>
+        <p:spPr>
+          <a:xfrm>
+            <a:off x="8281035" y="517364"/>
+            <a:ext cx="2947950" cy="3847987"/>
+          </a:xfrm>
+          <a:prstGeom prst="rect">
+            <a:avLst/>
+          </a:prstGeom>
+        </p:spPr>
+      </p:pic>
+    </p:spTree>
+    <p:extLst>
+      <p:ext uri="{BB962C8B-B14F-4D97-AF65-F5344CB8AC3E}">
+        <p14:creationId xmlns:p14="http://schemas.microsoft.com/office/powerpoint/2010/main" val="757124120"/>
+      </p:ext>
+    </p:extLst>
+  </p:cSld>
+  <p:clrMapOvr>
+    <a:masterClrMapping/>
+  </p:clrMapOvr>
+</p:sld>
+</file>
+
+<file path=ppt/slides/slide12.xml><?xml version="1.0" encoding="utf-8"?>
+<p:sld xmlns:a="http://schemas.openxmlformats.org/drawingml/2006/main" xmlns:r="http://schemas.openxmlformats.org/officeDocument/2006/relationships" xmlns:p="http://schemas.openxmlformats.org/presentationml/2006/main">
+  <p:cSld>
+    <p:bg>
+      <p:bgPr>
+        <a:solidFill>
+          <a:srgbClr val="232F3D"/>
+        </a:solidFill>
+        <a:effectLst/>
+      </p:bgPr>
+    </p:bg>
+    <p:spTree>
+      <p:nvGrpSpPr>
+        <p:cNvPr id="1" name=""/>
+        <p:cNvGrpSpPr/>
+        <p:nvPr/>
+      </p:nvGrpSpPr>
+      <p:grpSpPr>
+        <a:xfrm>
+          <a:off x="0" y="0"/>
+          <a:ext cx="0" cy="0"/>
+          <a:chOff x="0" y="0"/>
+          <a:chExt cx="0" cy="0"/>
+        </a:xfrm>
+      </p:grpSpPr>
+      <p:pic>
+        <p:nvPicPr>
+          <p:cNvPr id="17" name="Graphic 69">
+            <a:extLst>
+              <a:ext uri="{FF2B5EF4-FFF2-40B4-BE49-F238E27FC236}">
+                <a16:creationId xmlns:a16="http://schemas.microsoft.com/office/drawing/2014/main" xmlns="" id="{F842753D-102D-4F18-A8F0-0866D712E526}"/>
+              </a:ext>
+            </a:extLst>
+          </p:cNvPr>
+          <p:cNvPicPr>
+            <a:picLocks noChangeAspect="1"/>
+          </p:cNvPicPr>
+          <p:nvPr/>
+        </p:nvPicPr>
+        <p:blipFill>
+          <a:blip r:embed="rId2" cstate="print">
+            <a:extLst>
+              <a:ext uri="{96DAC541-7B7A-43D3-8B79-37D633B846F1}">
+                <asvg:svgBlip xmlns:asvg="http://schemas.microsoft.com/office/drawing/2016/SVG/main" xmlns="" r:embed="rId3"/>
+              </a:ext>
+            </a:extLst>
+          </a:blip>
+          <a:stretch>
+            <a:fillRect/>
+          </a:stretch>
+        </p:blipFill>
+        <p:spPr>
+          <a:xfrm>
+            <a:off x="2441590" y="1507662"/>
+            <a:ext cx="409356" cy="409356"/>
+          </a:xfrm>
+          <a:prstGeom prst="rect">
+            <a:avLst/>
+          </a:prstGeom>
+        </p:spPr>
+      </p:pic>
+      <p:sp>
+        <p:nvSpPr>
+          <p:cNvPr id="19" name="TextBox 35">
+            <a:extLst>
+              <a:ext uri="{FF2B5EF4-FFF2-40B4-BE49-F238E27FC236}">
+                <a16:creationId xmlns:a16="http://schemas.microsoft.com/office/drawing/2014/main" xmlns="" id="{33BCC977-81F8-42BC-B2E7-162157159195}"/>
+              </a:ext>
+            </a:extLst>
+          </p:cNvPr>
+          <p:cNvSpPr txBox="1"/>
+          <p:nvPr/>
+        </p:nvSpPr>
+        <p:spPr>
+          <a:xfrm>
+            <a:off x="1639415" y="1953636"/>
+            <a:ext cx="2127213" cy="276999"/>
+          </a:xfrm>
+          <a:prstGeom prst="rect">
+            <a:avLst/>
+          </a:prstGeom>
+          <a:noFill/>
+        </p:spPr>
+        <p:txBody>
+          <a:bodyPr wrap="square" rtlCol="0">
+            <a:spAutoFit/>
+          </a:bodyPr>
+          <a:lstStyle/>
+          <a:p>
+            <a:pPr algn="ctr"/>
+            <a:r>
+              <a:rPr lang="en-US" sz="1200" b="1" i="1" dirty="0">
+                <a:solidFill>
+                  <a:srgbClr val="FB9701"/>
+                </a:solidFill>
+              </a:rPr>
+              <a:t>Function : Pipeline Manager</a:t>
+            </a:r>
+          </a:p>
+        </p:txBody>
+      </p:sp>
+      <p:pic>
+        <p:nvPicPr>
+          <p:cNvPr id="22" name="Graphic 69">
+            <a:extLst>
+              <a:ext uri="{FF2B5EF4-FFF2-40B4-BE49-F238E27FC236}">
+                <a16:creationId xmlns:a16="http://schemas.microsoft.com/office/drawing/2014/main" xmlns="" id="{65F4F6C2-3153-4CD2-AD45-4A71E847F992}"/>
+              </a:ext>
+            </a:extLst>
+          </p:cNvPr>
+          <p:cNvPicPr>
+            <a:picLocks noChangeAspect="1"/>
+          </p:cNvPicPr>
+          <p:nvPr/>
+        </p:nvPicPr>
+        <p:blipFill>
+          <a:blip r:embed="rId4" cstate="print">
+            <a:extLst>
+              <a:ext uri="{96DAC541-7B7A-43D3-8B79-37D633B846F1}">
+                <asvg:svgBlip xmlns:asvg="http://schemas.microsoft.com/office/drawing/2016/SVG/main" xmlns="" r:embed="rId3"/>
+              </a:ext>
+            </a:extLst>
+          </a:blip>
+          <a:stretch>
+            <a:fillRect/>
+          </a:stretch>
+        </p:blipFill>
+        <p:spPr>
+          <a:xfrm>
+            <a:off x="5855799" y="1502804"/>
+            <a:ext cx="409356" cy="425852"/>
+          </a:xfrm>
+          <a:prstGeom prst="rect">
+            <a:avLst/>
+          </a:prstGeom>
+        </p:spPr>
+      </p:pic>
+      <p:sp>
+        <p:nvSpPr>
+          <p:cNvPr id="23" name="TextBox 35">
+            <a:extLst>
+              <a:ext uri="{FF2B5EF4-FFF2-40B4-BE49-F238E27FC236}">
+                <a16:creationId xmlns:a16="http://schemas.microsoft.com/office/drawing/2014/main" xmlns="" id="{AF1089B4-7F24-4C69-BC66-BE49B59E7DF1}"/>
+              </a:ext>
+            </a:extLst>
+          </p:cNvPr>
+          <p:cNvSpPr txBox="1"/>
+          <p:nvPr/>
+        </p:nvSpPr>
+        <p:spPr>
+          <a:xfrm>
+            <a:off x="5217321" y="1941161"/>
+            <a:ext cx="1686312" cy="276999"/>
+          </a:xfrm>
+          <a:prstGeom prst="rect">
+            <a:avLst/>
+          </a:prstGeom>
+          <a:noFill/>
+        </p:spPr>
+        <p:txBody>
+          <a:bodyPr wrap="square" rtlCol="0">
+            <a:spAutoFit/>
+          </a:bodyPr>
+          <a:lstStyle/>
+          <a:p>
+            <a:pPr algn="ctr"/>
+            <a:r>
+              <a:rPr lang="en-US" sz="1200" b="1" i="1" dirty="0">
+                <a:solidFill>
+                  <a:srgbClr val="FB9701"/>
+                </a:solidFill>
+              </a:rPr>
+              <a:t>Function : Deployer</a:t>
+            </a:r>
+          </a:p>
+        </p:txBody>
+      </p:sp>
+      <p:cxnSp>
+        <p:nvCxnSpPr>
+          <p:cNvPr id="24" name="Straight Arrow Connector 19">
+            <a:extLst>
+              <a:ext uri="{FF2B5EF4-FFF2-40B4-BE49-F238E27FC236}">
+                <a16:creationId xmlns:a16="http://schemas.microsoft.com/office/drawing/2014/main" xmlns="" id="{8497E633-1B10-4BC8-A53F-0E20E19D5B5F}"/>
+              </a:ext>
+            </a:extLst>
+          </p:cNvPr>
+          <p:cNvCxnSpPr>
+            <a:cxnSpLocks/>
+          </p:cNvCxnSpPr>
+          <p:nvPr/>
+        </p:nvCxnSpPr>
+        <p:spPr>
+          <a:xfrm flipH="1">
+            <a:off x="1533909" y="2966479"/>
+            <a:ext cx="735849" cy="1001514"/>
+          </a:xfrm>
+          <a:prstGeom prst="straightConnector1">
+            <a:avLst/>
+          </a:prstGeom>
+          <a:ln w="12700">
+            <a:solidFill>
+              <a:srgbClr val="8FA7C4"/>
+            </a:solidFill>
+            <a:headEnd type="none" w="med" len="sm"/>
+            <a:tailEnd type="arrow" w="med" len="sm"/>
+          </a:ln>
+        </p:spPr>
+        <p:style>
+          <a:lnRef idx="1">
+            <a:schemeClr val="accent1"/>
+          </a:lnRef>
+          <a:fillRef idx="0">
+            <a:schemeClr val="accent1"/>
+          </a:fillRef>
+          <a:effectRef idx="0">
+            <a:schemeClr val="accent1"/>
+          </a:effectRef>
+          <a:fontRef idx="minor">
+            <a:schemeClr val="tx1"/>
+          </a:fontRef>
+        </p:style>
+      </p:cxnSp>
+      <p:cxnSp>
+        <p:nvCxnSpPr>
+          <p:cNvPr id="25" name="Straight Arrow Connector 19">
+            <a:extLst>
+              <a:ext uri="{FF2B5EF4-FFF2-40B4-BE49-F238E27FC236}">
+                <a16:creationId xmlns:a16="http://schemas.microsoft.com/office/drawing/2014/main" xmlns="" id="{F1627917-BFB0-4420-AFDE-F3C95238765B}"/>
+              </a:ext>
+            </a:extLst>
+          </p:cNvPr>
+          <p:cNvCxnSpPr>
+            <a:cxnSpLocks/>
+          </p:cNvCxnSpPr>
+          <p:nvPr/>
+        </p:nvCxnSpPr>
+        <p:spPr>
+          <a:xfrm flipH="1">
+            <a:off x="2636270" y="2955797"/>
+            <a:ext cx="19996" cy="1012196"/>
+          </a:xfrm>
+          <a:prstGeom prst="straightConnector1">
+            <a:avLst/>
+          </a:prstGeom>
+          <a:ln w="12700">
+            <a:solidFill>
+              <a:srgbClr val="8FA7C4"/>
+            </a:solidFill>
+            <a:headEnd type="none" w="med" len="sm"/>
+            <a:tailEnd type="arrow" w="med" len="sm"/>
+          </a:ln>
+        </p:spPr>
+        <p:style>
+          <a:lnRef idx="1">
+            <a:schemeClr val="accent1"/>
+          </a:lnRef>
+          <a:fillRef idx="0">
+            <a:schemeClr val="accent1"/>
+          </a:fillRef>
+          <a:effectRef idx="0">
+            <a:schemeClr val="accent1"/>
+          </a:effectRef>
+          <a:fontRef idx="minor">
+            <a:schemeClr val="tx1"/>
+          </a:fontRef>
+        </p:style>
+      </p:cxnSp>
+      <p:cxnSp>
+        <p:nvCxnSpPr>
+          <p:cNvPr id="26" name="Straight Arrow Connector 19">
+            <a:extLst>
+              <a:ext uri="{FF2B5EF4-FFF2-40B4-BE49-F238E27FC236}">
+                <a16:creationId xmlns:a16="http://schemas.microsoft.com/office/drawing/2014/main" xmlns="" id="{D1F90263-D079-4FFC-AD2B-FE3F943A118B}"/>
+              </a:ext>
+            </a:extLst>
+          </p:cNvPr>
+          <p:cNvCxnSpPr>
+            <a:cxnSpLocks/>
+          </p:cNvCxnSpPr>
+          <p:nvPr/>
+        </p:nvCxnSpPr>
+        <p:spPr>
+          <a:xfrm>
+            <a:off x="3111340" y="2965816"/>
+            <a:ext cx="493209" cy="943454"/>
+          </a:xfrm>
+          <a:prstGeom prst="straightConnector1">
+            <a:avLst/>
+          </a:prstGeom>
+          <a:ln w="12700">
+            <a:solidFill>
+              <a:srgbClr val="8FA7C4"/>
+            </a:solidFill>
+            <a:headEnd type="none" w="med" len="sm"/>
+            <a:tailEnd type="arrow" w="med" len="sm"/>
+          </a:ln>
+        </p:spPr>
+        <p:style>
+          <a:lnRef idx="1">
+            <a:schemeClr val="accent1"/>
+          </a:lnRef>
+          <a:fillRef idx="0">
+            <a:schemeClr val="accent1"/>
+          </a:fillRef>
+          <a:effectRef idx="0">
+            <a:schemeClr val="accent1"/>
+          </a:effectRef>
+          <a:fontRef idx="minor">
+            <a:schemeClr val="tx1"/>
+          </a:fontRef>
+        </p:style>
+      </p:cxnSp>
+      <p:sp>
+        <p:nvSpPr>
+          <p:cNvPr id="48" name="TextBox 35">
+            <a:extLst>
+              <a:ext uri="{FF2B5EF4-FFF2-40B4-BE49-F238E27FC236}">
+                <a16:creationId xmlns:a16="http://schemas.microsoft.com/office/drawing/2014/main" xmlns="" id="{91BDE114-8E5B-462D-8112-33373F20C3B8}"/>
+              </a:ext>
+            </a:extLst>
+          </p:cNvPr>
+          <p:cNvSpPr txBox="1"/>
+          <p:nvPr/>
+        </p:nvSpPr>
+        <p:spPr>
+          <a:xfrm rot="18493688">
+            <a:off x="1270324" y="3152078"/>
+            <a:ext cx="1006453" cy="400110"/>
+          </a:xfrm>
+          <a:prstGeom prst="rect">
+            <a:avLst/>
+          </a:prstGeom>
+          <a:noFill/>
+        </p:spPr>
+        <p:txBody>
+          <a:bodyPr wrap="square" rtlCol="0">
+            <a:spAutoFit/>
+          </a:bodyPr>
+          <a:lstStyle/>
+          <a:p>
+            <a:pPr algn="ctr"/>
+            <a:r>
+              <a:rPr lang="en-US" sz="1000" i="1" dirty="0">
+                <a:solidFill>
+                  <a:srgbClr val="FF0000"/>
+                </a:solidFill>
+              </a:rPr>
+              <a:t>Un-intercepted error</a:t>
+            </a:r>
+          </a:p>
+        </p:txBody>
+      </p:sp>
+      <p:sp>
+        <p:nvSpPr>
+          <p:cNvPr id="56" name="TextBox 35">
+            <a:extLst>
+              <a:ext uri="{FF2B5EF4-FFF2-40B4-BE49-F238E27FC236}">
+                <a16:creationId xmlns:a16="http://schemas.microsoft.com/office/drawing/2014/main" xmlns="" id="{42188A36-72AD-49F3-8392-5529762FA6CB}"/>
+              </a:ext>
+            </a:extLst>
+          </p:cNvPr>
+          <p:cNvSpPr txBox="1"/>
+          <p:nvPr/>
+        </p:nvSpPr>
+        <p:spPr>
+          <a:xfrm>
+            <a:off x="2153039" y="3214635"/>
+            <a:ext cx="1006453" cy="553998"/>
+          </a:xfrm>
+          <a:prstGeom prst="rect">
+            <a:avLst/>
+          </a:prstGeom>
+          <a:noFill/>
+        </p:spPr>
+        <p:txBody>
+          <a:bodyPr wrap="square" rtlCol="0">
+            <a:spAutoFit/>
+          </a:bodyPr>
+          <a:lstStyle/>
+          <a:p>
+            <a:pPr algn="ctr"/>
+            <a:r>
+              <a:rPr lang="en-US" sz="1000" i="1" dirty="0">
+                <a:solidFill>
+                  <a:srgbClr val="FFC000"/>
+                </a:solidFill>
+              </a:rPr>
+              <a:t>Intercepted error &amp; warnings</a:t>
+            </a:r>
+          </a:p>
+        </p:txBody>
+      </p:sp>
+      <p:sp>
+        <p:nvSpPr>
+          <p:cNvPr id="57" name="TextBox 35">
+            <a:extLst>
+              <a:ext uri="{FF2B5EF4-FFF2-40B4-BE49-F238E27FC236}">
+                <a16:creationId xmlns:a16="http://schemas.microsoft.com/office/drawing/2014/main" xmlns="" id="{5BC79DA3-1338-4505-94DE-157906FC2339}"/>
+              </a:ext>
+            </a:extLst>
+          </p:cNvPr>
+          <p:cNvSpPr txBox="1"/>
+          <p:nvPr/>
+        </p:nvSpPr>
+        <p:spPr>
+          <a:xfrm rot="3754564">
+            <a:off x="3013302" y="3261671"/>
+            <a:ext cx="1006453" cy="246221"/>
+          </a:xfrm>
+          <a:prstGeom prst="rect">
+            <a:avLst/>
+          </a:prstGeom>
+          <a:noFill/>
+        </p:spPr>
+        <p:txBody>
+          <a:bodyPr wrap="square" rtlCol="0">
+            <a:spAutoFit/>
+          </a:bodyPr>
+          <a:lstStyle/>
+          <a:p>
+            <a:pPr algn="ctr"/>
+            <a:r>
+              <a:rPr lang="en-US" sz="1000" i="1" dirty="0">
+                <a:solidFill>
+                  <a:srgbClr val="6BAC3E"/>
+                </a:solidFill>
+              </a:rPr>
+              <a:t>Success</a:t>
+            </a:r>
+          </a:p>
+        </p:txBody>
+      </p:sp>
+      <p:sp>
+        <p:nvSpPr>
+          <p:cNvPr id="58" name="TextBox 35">
+            <a:extLst>
+              <a:ext uri="{FF2B5EF4-FFF2-40B4-BE49-F238E27FC236}">
+                <a16:creationId xmlns:a16="http://schemas.microsoft.com/office/drawing/2014/main" xmlns="" id="{6E1629AD-28EB-445D-A25E-C62D62579C17}"/>
+              </a:ext>
+            </a:extLst>
+          </p:cNvPr>
+          <p:cNvSpPr txBox="1"/>
+          <p:nvPr/>
+        </p:nvSpPr>
+        <p:spPr>
+          <a:xfrm>
+            <a:off x="1563303" y="2387818"/>
+            <a:ext cx="2395332" cy="276999"/>
+          </a:xfrm>
+          <a:prstGeom prst="rect">
+            <a:avLst/>
+          </a:prstGeom>
+          <a:noFill/>
+        </p:spPr>
+        <p:txBody>
+          <a:bodyPr wrap="square" rtlCol="0">
+            <a:spAutoFit/>
+          </a:bodyPr>
+          <a:lstStyle/>
+          <a:p>
+            <a:pPr algn="ctr"/>
+            <a:r>
+              <a:rPr lang="fr-FR" sz="1200" i="1" dirty="0">
+                <a:solidFill>
+                  <a:schemeClr val="bg1"/>
+                </a:solidFill>
+              </a:rPr>
+              <a:t>T</a:t>
+            </a:r>
+            <a:r>
+              <a:rPr lang="en-US" sz="1200" i="1" dirty="0">
+                <a:solidFill>
+                  <a:schemeClr val="bg1"/>
+                </a:solidFill>
+              </a:rPr>
+              <a:t>rigger by an event</a:t>
+            </a:r>
+          </a:p>
+        </p:txBody>
+      </p:sp>
+      <p:sp>
+        <p:nvSpPr>
+          <p:cNvPr id="60" name="TextBox 35">
+            <a:extLst>
+              <a:ext uri="{FF2B5EF4-FFF2-40B4-BE49-F238E27FC236}">
+                <a16:creationId xmlns:a16="http://schemas.microsoft.com/office/drawing/2014/main" xmlns="" id="{0BDA6E7B-90B8-47C0-80D0-F97B3FFE0C10}"/>
+              </a:ext>
+            </a:extLst>
+          </p:cNvPr>
+          <p:cNvSpPr txBox="1"/>
+          <p:nvPr/>
+        </p:nvSpPr>
+        <p:spPr>
+          <a:xfrm>
+            <a:off x="4957009" y="2389567"/>
+            <a:ext cx="2395332" cy="461665"/>
+          </a:xfrm>
+          <a:prstGeom prst="rect">
+            <a:avLst/>
+          </a:prstGeom>
+          <a:noFill/>
+        </p:spPr>
+        <p:txBody>
+          <a:bodyPr wrap="square" rtlCol="0">
+            <a:spAutoFit/>
+          </a:bodyPr>
+          <a:lstStyle/>
+          <a:p>
+            <a:pPr algn="ctr"/>
+            <a:r>
+              <a:rPr lang="en-US" sz="1200" i="1" dirty="0">
+                <a:solidFill>
+                  <a:schemeClr val="bg1"/>
+                </a:solidFill>
+              </a:rPr>
+              <a:t>Invoked asynchronously by an other Lambda</a:t>
+            </a:r>
+          </a:p>
+        </p:txBody>
+      </p:sp>
+      <p:sp>
+        <p:nvSpPr>
+          <p:cNvPr id="61" name="TextBox 35">
+            <a:extLst>
+              <a:ext uri="{FF2B5EF4-FFF2-40B4-BE49-F238E27FC236}">
+                <a16:creationId xmlns:a16="http://schemas.microsoft.com/office/drawing/2014/main" xmlns="" id="{F93F5B75-8FD4-4365-B3EC-239D290511EA}"/>
+              </a:ext>
+            </a:extLst>
+          </p:cNvPr>
+          <p:cNvSpPr txBox="1"/>
+          <p:nvPr/>
+        </p:nvSpPr>
+        <p:spPr>
+          <a:xfrm>
+            <a:off x="1018900" y="4101444"/>
+            <a:ext cx="1030018" cy="276999"/>
+          </a:xfrm>
+          <a:prstGeom prst="rect">
+            <a:avLst/>
+          </a:prstGeom>
+          <a:noFill/>
+        </p:spPr>
+        <p:txBody>
+          <a:bodyPr wrap="square" rtlCol="0">
+            <a:spAutoFit/>
+          </a:bodyPr>
+          <a:lstStyle/>
+          <a:p>
+            <a:pPr algn="ctr"/>
+            <a:r>
+              <a:rPr lang="fr-FR" sz="1200" i="1" dirty="0">
+                <a:solidFill>
+                  <a:schemeClr val="bg1"/>
+                </a:solidFill>
+              </a:rPr>
+              <a:t>Exit Failure</a:t>
+            </a:r>
+            <a:endParaRPr lang="en-US" sz="1200" i="1" dirty="0">
+              <a:solidFill>
+                <a:schemeClr val="bg1"/>
+              </a:solidFill>
+            </a:endParaRPr>
+          </a:p>
+        </p:txBody>
+      </p:sp>
+      <p:cxnSp>
+        <p:nvCxnSpPr>
+          <p:cNvPr id="62" name="Straight Arrow Connector 19">
+            <a:extLst>
+              <a:ext uri="{FF2B5EF4-FFF2-40B4-BE49-F238E27FC236}">
+                <a16:creationId xmlns:a16="http://schemas.microsoft.com/office/drawing/2014/main" xmlns="" id="{EB0DFFFF-72CF-482C-9492-2A4F9F58F09A}"/>
+              </a:ext>
+            </a:extLst>
+          </p:cNvPr>
+          <p:cNvCxnSpPr>
+            <a:cxnSpLocks/>
+          </p:cNvCxnSpPr>
+          <p:nvPr/>
+        </p:nvCxnSpPr>
+        <p:spPr>
+          <a:xfrm>
+            <a:off x="1529934" y="4391742"/>
+            <a:ext cx="0" cy="280926"/>
+          </a:xfrm>
+          <a:prstGeom prst="straightConnector1">
+            <a:avLst/>
+          </a:prstGeom>
+          <a:ln w="12700">
+            <a:solidFill>
+              <a:srgbClr val="8FA7C4"/>
+            </a:solidFill>
+            <a:headEnd type="none" w="med" len="sm"/>
+            <a:tailEnd type="arrow" w="med" len="sm"/>
+          </a:ln>
+        </p:spPr>
+        <p:style>
+          <a:lnRef idx="1">
+            <a:schemeClr val="accent1"/>
+          </a:lnRef>
+          <a:fillRef idx="0">
+            <a:schemeClr val="accent1"/>
+          </a:fillRef>
+          <a:effectRef idx="0">
+            <a:schemeClr val="accent1"/>
+          </a:effectRef>
+          <a:fontRef idx="minor">
+            <a:schemeClr val="tx1"/>
+          </a:fontRef>
+        </p:style>
+      </p:cxnSp>
+      <p:sp>
+        <p:nvSpPr>
+          <p:cNvPr id="64" name="TextBox 35">
+            <a:extLst>
+              <a:ext uri="{FF2B5EF4-FFF2-40B4-BE49-F238E27FC236}">
+                <a16:creationId xmlns:a16="http://schemas.microsoft.com/office/drawing/2014/main" xmlns="" id="{E9A68A5A-CEB8-4434-84E2-9CFF461198CD}"/>
+              </a:ext>
+            </a:extLst>
+          </p:cNvPr>
+          <p:cNvSpPr txBox="1"/>
+          <p:nvPr/>
+        </p:nvSpPr>
+        <p:spPr>
+          <a:xfrm>
+            <a:off x="1014925" y="4682093"/>
+            <a:ext cx="1030018" cy="830997"/>
+          </a:xfrm>
+          <a:prstGeom prst="rect">
+            <a:avLst/>
+          </a:prstGeom>
+          <a:noFill/>
+        </p:spPr>
+        <p:txBody>
+          <a:bodyPr wrap="square" rtlCol="0">
+            <a:spAutoFit/>
+          </a:bodyPr>
+          <a:lstStyle/>
+          <a:p>
+            <a:pPr algn="ctr"/>
+            <a:r>
+              <a:rPr lang="en-US" sz="1200" i="1" dirty="0">
+                <a:solidFill>
+                  <a:schemeClr val="bg1"/>
+                </a:solidFill>
+              </a:rPr>
+              <a:t>Trigger</a:t>
+            </a:r>
+          </a:p>
+          <a:p>
+            <a:pPr algn="ctr"/>
+            <a:r>
+              <a:rPr lang="en-US" sz="1200" i="1" dirty="0">
+                <a:solidFill>
+                  <a:schemeClr val="bg1"/>
+                </a:solidFill>
+              </a:rPr>
+              <a:t>automatically generated  </a:t>
+            </a:r>
+          </a:p>
+          <a:p>
+            <a:pPr algn="ctr"/>
+            <a:r>
+              <a:rPr lang="en-US" sz="1200" i="1" dirty="0">
+                <a:solidFill>
+                  <a:schemeClr val="bg1"/>
+                </a:solidFill>
+              </a:rPr>
+              <a:t>SNS message</a:t>
+            </a:r>
+          </a:p>
+        </p:txBody>
+      </p:sp>
+      <p:pic>
+        <p:nvPicPr>
+          <p:cNvPr id="67" name="Graphic 33">
+            <a:extLst>
+              <a:ext uri="{FF2B5EF4-FFF2-40B4-BE49-F238E27FC236}">
+                <a16:creationId xmlns:a16="http://schemas.microsoft.com/office/drawing/2014/main" xmlns="" id="{243AB782-C2B4-450F-90BA-9CB77570F236}"/>
+              </a:ext>
+            </a:extLst>
+          </p:cNvPr>
+          <p:cNvPicPr>
+            <a:picLocks noChangeAspect="1"/>
+          </p:cNvPicPr>
+          <p:nvPr/>
+        </p:nvPicPr>
+        <p:blipFill>
+          <a:blip r:embed="rId5" cstate="print">
+            <a:extLst>
+              <a:ext uri="{96DAC541-7B7A-43D3-8B79-37D633B846F1}">
+                <asvg:svgBlip xmlns:asvg="http://schemas.microsoft.com/office/drawing/2016/SVG/main" xmlns="" r:embed="rId6"/>
+              </a:ext>
+            </a:extLst>
+          </a:blip>
+          <a:stretch>
+            <a:fillRect/>
+          </a:stretch>
+        </p:blipFill>
+        <p:spPr>
+          <a:xfrm>
+            <a:off x="1359676" y="5522515"/>
+            <a:ext cx="340516" cy="340516"/>
+          </a:xfrm>
+          <a:prstGeom prst="rect">
+            <a:avLst/>
+          </a:prstGeom>
+        </p:spPr>
+      </p:pic>
+      <p:sp>
+        <p:nvSpPr>
+          <p:cNvPr id="77" name="TextBox 35">
+            <a:extLst>
+              <a:ext uri="{FF2B5EF4-FFF2-40B4-BE49-F238E27FC236}">
+                <a16:creationId xmlns:a16="http://schemas.microsoft.com/office/drawing/2014/main" xmlns="" id="{B2834350-CC18-4E9A-A332-D86EBE99FE85}"/>
+              </a:ext>
+            </a:extLst>
+          </p:cNvPr>
+          <p:cNvSpPr txBox="1"/>
+          <p:nvPr/>
+        </p:nvSpPr>
+        <p:spPr>
+          <a:xfrm>
+            <a:off x="3201700" y="5205309"/>
+            <a:ext cx="995165" cy="461665"/>
+          </a:xfrm>
+          <a:prstGeom prst="rect">
+            <a:avLst/>
+          </a:prstGeom>
+          <a:noFill/>
+        </p:spPr>
+        <p:txBody>
+          <a:bodyPr wrap="square" rtlCol="0">
+            <a:spAutoFit/>
+          </a:bodyPr>
+          <a:lstStyle/>
+          <a:p>
+            <a:pPr algn="ctr"/>
+            <a:r>
+              <a:rPr lang="en-US" sz="1200" i="1" dirty="0">
+                <a:solidFill>
+                  <a:schemeClr val="bg1"/>
+                </a:solidFill>
+              </a:rPr>
+              <a:t>Exit Success</a:t>
+            </a:r>
+          </a:p>
+          <a:p>
+            <a:pPr algn="ctr"/>
+            <a:endParaRPr lang="en-US" sz="1200" i="1" dirty="0">
+              <a:solidFill>
+                <a:schemeClr val="bg1"/>
+              </a:solidFill>
+            </a:endParaRPr>
+          </a:p>
+        </p:txBody>
+      </p:sp>
+      <p:cxnSp>
+        <p:nvCxnSpPr>
+          <p:cNvPr id="82" name="Straight Arrow Connector 19">
+            <a:extLst>
+              <a:ext uri="{FF2B5EF4-FFF2-40B4-BE49-F238E27FC236}">
+                <a16:creationId xmlns:a16="http://schemas.microsoft.com/office/drawing/2014/main" xmlns="" id="{43109173-4D26-4E29-A1AE-A8D364FBA66C}"/>
+              </a:ext>
+            </a:extLst>
+          </p:cNvPr>
+          <p:cNvCxnSpPr>
+            <a:cxnSpLocks/>
+          </p:cNvCxnSpPr>
+          <p:nvPr/>
+        </p:nvCxnSpPr>
+        <p:spPr>
+          <a:xfrm flipH="1">
+            <a:off x="2623996" y="5457295"/>
+            <a:ext cx="5257" cy="246515"/>
+          </a:xfrm>
+          <a:prstGeom prst="straightConnector1">
+            <a:avLst/>
+          </a:prstGeom>
+          <a:ln w="12700">
+            <a:solidFill>
+              <a:srgbClr val="8FA7C4"/>
+            </a:solidFill>
+            <a:headEnd type="none" w="med" len="sm"/>
+            <a:tailEnd type="arrow" w="med" len="sm"/>
+          </a:ln>
+        </p:spPr>
+        <p:style>
+          <a:lnRef idx="1">
+            <a:schemeClr val="accent1"/>
+          </a:lnRef>
+          <a:fillRef idx="0">
+            <a:schemeClr val="accent1"/>
+          </a:fillRef>
+          <a:effectRef idx="0">
+            <a:schemeClr val="accent1"/>
+          </a:effectRef>
+          <a:fontRef idx="minor">
+            <a:schemeClr val="tx1"/>
+          </a:fontRef>
+        </p:style>
+      </p:cxnSp>
+      <p:cxnSp>
+        <p:nvCxnSpPr>
+          <p:cNvPr id="84" name="Straight Arrow Connector 19">
+            <a:extLst>
+              <a:ext uri="{FF2B5EF4-FFF2-40B4-BE49-F238E27FC236}">
+                <a16:creationId xmlns:a16="http://schemas.microsoft.com/office/drawing/2014/main" xmlns="" id="{841E453C-B03B-426C-AE5F-84D160BC412B}"/>
+              </a:ext>
+            </a:extLst>
+          </p:cNvPr>
+          <p:cNvCxnSpPr>
+            <a:cxnSpLocks/>
+          </p:cNvCxnSpPr>
+          <p:nvPr/>
+        </p:nvCxnSpPr>
+        <p:spPr>
+          <a:xfrm>
+            <a:off x="3690411" y="4709586"/>
+            <a:ext cx="1" cy="461665"/>
+          </a:xfrm>
+          <a:prstGeom prst="straightConnector1">
+            <a:avLst/>
+          </a:prstGeom>
+          <a:ln w="12700">
+            <a:solidFill>
+              <a:srgbClr val="8FA7C4"/>
+            </a:solidFill>
+            <a:headEnd type="none" w="med" len="sm"/>
+            <a:tailEnd type="arrow" w="med" len="sm"/>
+          </a:ln>
+        </p:spPr>
+        <p:style>
+          <a:lnRef idx="1">
+            <a:schemeClr val="accent1"/>
+          </a:lnRef>
+          <a:fillRef idx="0">
+            <a:schemeClr val="accent1"/>
+          </a:fillRef>
+          <a:effectRef idx="0">
+            <a:schemeClr val="accent1"/>
+          </a:effectRef>
+          <a:fontRef idx="minor">
+            <a:schemeClr val="tx1"/>
+          </a:fontRef>
+        </p:style>
+      </p:cxnSp>
+      <p:sp>
+        <p:nvSpPr>
+          <p:cNvPr id="140" name="Rectangle 139">
+            <a:extLst>
+              <a:ext uri="{FF2B5EF4-FFF2-40B4-BE49-F238E27FC236}">
+                <a16:creationId xmlns:a16="http://schemas.microsoft.com/office/drawing/2014/main" xmlns="" id="{DA1B699A-1C62-44A6-B55D-CF70E3028EF4}"/>
+              </a:ext>
+            </a:extLst>
+          </p:cNvPr>
+          <p:cNvSpPr/>
+          <p:nvPr/>
+        </p:nvSpPr>
+        <p:spPr>
+          <a:xfrm>
+            <a:off x="1014925" y="1333849"/>
+            <a:ext cx="3199721" cy="4790113"/>
+          </a:xfrm>
+          <a:prstGeom prst="rect">
+            <a:avLst/>
+          </a:prstGeom>
+          <a:noFill/>
+          <a:ln w="12700" cap="flat" cmpd="sng" algn="ctr">
+            <a:solidFill>
+              <a:srgbClr val="00A0C8"/>
+            </a:solidFill>
+            <a:prstDash val="sysDash"/>
+            <a:miter lim="800000"/>
+          </a:ln>
+          <a:effectLst/>
+        </p:spPr>
+        <p:txBody>
+          <a:bodyPr rot="0" spcFirstLastPara="0" vertOverflow="overflow" horzOverflow="overflow" vert="horz" wrap="square" lIns="457200" tIns="91440" rIns="91440" bIns="45720" numCol="1" spcCol="0" rtlCol="0" fromWordArt="0" anchor="t" anchorCtr="0" forceAA="0" compatLnSpc="1">
+            <a:prstTxWarp prst="textNoShape">
+              <a:avLst/>
+            </a:prstTxWarp>
+            <a:noAutofit/>
+          </a:bodyPr>
+          <a:lstStyle/>
+          <a:p>
+            <a:pPr marL="0" marR="0" lvl="0" indent="0" defTabSz="914400" eaLnBrk="1" fontAlgn="auto" latinLnBrk="0" hangingPunct="1">
+              <a:lnSpc>
+                <a:spcPct val="100000"/>
+              </a:lnSpc>
+              <a:spcBef>
+                <a:spcPts val="0"/>
+              </a:spcBef>
+              <a:spcAft>
+                <a:spcPts val="0"/>
+              </a:spcAft>
+              <a:buClrTx/>
+              <a:buSzTx/>
+              <a:buFontTx/>
+              <a:buNone/>
+              <a:tabLst/>
+              <a:defRPr/>
+            </a:pPr>
+            <a:endParaRPr kumimoji="0" lang="en-US" sz="1200" b="0" i="0" u="none" strike="noStrike" kern="0" cap="none" spc="0" normalizeH="0" baseline="0" noProof="0" dirty="0">
+              <a:ln>
+                <a:noFill/>
+              </a:ln>
+              <a:solidFill>
+                <a:srgbClr val="00A0C8"/>
+              </a:solidFill>
+              <a:effectLst/>
+              <a:uLnTx/>
+              <a:uFillTx/>
+              <a:latin typeface="Arial" panose="020B0604020202020204"/>
+              <a:ea typeface="+mn-ea"/>
+              <a:cs typeface="+mn-cs"/>
+            </a:endParaRPr>
+          </a:p>
+        </p:txBody>
+      </p:sp>
+      <p:sp>
+        <p:nvSpPr>
+          <p:cNvPr id="142" name="Rectangle 141">
+            <a:extLst>
+              <a:ext uri="{FF2B5EF4-FFF2-40B4-BE49-F238E27FC236}">
+                <a16:creationId xmlns:a16="http://schemas.microsoft.com/office/drawing/2014/main" xmlns="" id="{12D27D3F-4903-4E70-A476-23A0F271F9CF}"/>
+              </a:ext>
+            </a:extLst>
+          </p:cNvPr>
+          <p:cNvSpPr/>
+          <p:nvPr/>
+        </p:nvSpPr>
+        <p:spPr>
+          <a:xfrm>
+            <a:off x="4477850" y="1333849"/>
+            <a:ext cx="3199721" cy="4790113"/>
+          </a:xfrm>
+          <a:prstGeom prst="rect">
+            <a:avLst/>
+          </a:prstGeom>
+          <a:noFill/>
+          <a:ln w="12700" cap="flat" cmpd="sng" algn="ctr">
+            <a:solidFill>
+              <a:srgbClr val="00A0C8"/>
+            </a:solidFill>
+            <a:prstDash val="sysDash"/>
+            <a:miter lim="800000"/>
+          </a:ln>
+          <a:effectLst/>
+        </p:spPr>
+        <p:txBody>
+          <a:bodyPr rot="0" spcFirstLastPara="0" vertOverflow="overflow" horzOverflow="overflow" vert="horz" wrap="square" lIns="457200" tIns="91440" rIns="91440" bIns="45720" numCol="1" spcCol="0" rtlCol="0" fromWordArt="0" anchor="t" anchorCtr="0" forceAA="0" compatLnSpc="1">
+            <a:prstTxWarp prst="textNoShape">
+              <a:avLst/>
+            </a:prstTxWarp>
+            <a:noAutofit/>
+          </a:bodyPr>
+          <a:lstStyle/>
+          <a:p>
+            <a:pPr marL="0" marR="0" lvl="0" indent="0" defTabSz="914400" eaLnBrk="1" fontAlgn="auto" latinLnBrk="0" hangingPunct="1">
+              <a:lnSpc>
+                <a:spcPct val="100000"/>
+              </a:lnSpc>
+              <a:spcBef>
+                <a:spcPts val="0"/>
+              </a:spcBef>
+              <a:spcAft>
+                <a:spcPts val="0"/>
+              </a:spcAft>
+              <a:buClrTx/>
+              <a:buSzTx/>
+              <a:buFontTx/>
+              <a:buNone/>
+              <a:tabLst/>
+              <a:defRPr/>
+            </a:pPr>
+            <a:endParaRPr kumimoji="0" lang="en-US" sz="1200" b="0" i="0" u="none" strike="noStrike" kern="0" cap="none" spc="0" normalizeH="0" baseline="0" noProof="0" dirty="0">
+              <a:ln>
+                <a:noFill/>
+              </a:ln>
+              <a:solidFill>
+                <a:srgbClr val="00A0C8"/>
+              </a:solidFill>
+              <a:effectLst/>
+              <a:uLnTx/>
+              <a:uFillTx/>
+              <a:latin typeface="Arial" panose="020B0604020202020204"/>
+              <a:ea typeface="+mn-ea"/>
+              <a:cs typeface="+mn-cs"/>
+            </a:endParaRPr>
+          </a:p>
+        </p:txBody>
+      </p:sp>
+      <p:sp>
+        <p:nvSpPr>
+          <p:cNvPr id="143" name="TextBox 35">
+            <a:extLst>
+              <a:ext uri="{FF2B5EF4-FFF2-40B4-BE49-F238E27FC236}">
+                <a16:creationId xmlns:a16="http://schemas.microsoft.com/office/drawing/2014/main" xmlns="" id="{6B903AE0-1F66-40CB-BE9B-4FB346B94DD5}"/>
+              </a:ext>
+            </a:extLst>
+          </p:cNvPr>
+          <p:cNvSpPr txBox="1"/>
+          <p:nvPr/>
+        </p:nvSpPr>
+        <p:spPr>
+          <a:xfrm>
+            <a:off x="1556599" y="2162609"/>
+            <a:ext cx="2395332" cy="276999"/>
+          </a:xfrm>
+          <a:prstGeom prst="rect">
+            <a:avLst/>
+          </a:prstGeom>
+          <a:noFill/>
+        </p:spPr>
+        <p:txBody>
+          <a:bodyPr wrap="square" rtlCol="0">
+            <a:spAutoFit/>
+          </a:bodyPr>
+          <a:lstStyle/>
+          <a:p>
+            <a:pPr algn="ctr"/>
+            <a:r>
+              <a:rPr lang="en-US" sz="1200" i="1" dirty="0">
+                <a:solidFill>
+                  <a:schemeClr val="accent1">
+                    <a:lumMod val="75000"/>
+                  </a:schemeClr>
+                </a:solidFill>
+              </a:rPr>
+              <a:t>”Wrapper” Role </a:t>
+            </a:r>
+          </a:p>
+        </p:txBody>
+      </p:sp>
+      <p:sp>
+        <p:nvSpPr>
+          <p:cNvPr id="144" name="TextBox 35">
+            <a:extLst>
+              <a:ext uri="{FF2B5EF4-FFF2-40B4-BE49-F238E27FC236}">
+                <a16:creationId xmlns:a16="http://schemas.microsoft.com/office/drawing/2014/main" xmlns="" id="{3928FA37-EF9E-4D3C-874D-4C52CB33E494}"/>
+              </a:ext>
+            </a:extLst>
+          </p:cNvPr>
+          <p:cNvSpPr txBox="1"/>
+          <p:nvPr/>
+        </p:nvSpPr>
+        <p:spPr>
+          <a:xfrm>
+            <a:off x="4925109" y="2151063"/>
+            <a:ext cx="2395332" cy="276999"/>
+          </a:xfrm>
+          <a:prstGeom prst="rect">
+            <a:avLst/>
+          </a:prstGeom>
+          <a:noFill/>
+        </p:spPr>
+        <p:txBody>
+          <a:bodyPr wrap="square" rtlCol="0">
+            <a:spAutoFit/>
+          </a:bodyPr>
+          <a:lstStyle/>
+          <a:p>
+            <a:pPr algn="ctr"/>
+            <a:r>
+              <a:rPr lang="en-US" sz="1200" i="1" dirty="0">
+                <a:solidFill>
+                  <a:schemeClr val="accent1">
+                    <a:lumMod val="75000"/>
+                  </a:schemeClr>
+                </a:solidFill>
+              </a:rPr>
+              <a:t>“Wrapper” Role </a:t>
+            </a:r>
+          </a:p>
+        </p:txBody>
+      </p:sp>
+      <p:sp>
+        <p:nvSpPr>
+          <p:cNvPr id="150" name="TextBox 35">
+            <a:extLst>
+              <a:ext uri="{FF2B5EF4-FFF2-40B4-BE49-F238E27FC236}">
+                <a16:creationId xmlns:a16="http://schemas.microsoft.com/office/drawing/2014/main" xmlns="" id="{2ECE6FA6-F9D9-4A95-B786-E6BAA009E31E}"/>
+              </a:ext>
+            </a:extLst>
+          </p:cNvPr>
+          <p:cNvSpPr txBox="1"/>
+          <p:nvPr/>
+        </p:nvSpPr>
+        <p:spPr>
+          <a:xfrm>
+            <a:off x="3119887" y="4316860"/>
+            <a:ext cx="1030018" cy="276999"/>
+          </a:xfrm>
+          <a:prstGeom prst="rect">
+            <a:avLst/>
+          </a:prstGeom>
+          <a:noFill/>
+        </p:spPr>
+        <p:txBody>
+          <a:bodyPr wrap="square" rtlCol="0">
+            <a:spAutoFit/>
+          </a:bodyPr>
+          <a:lstStyle/>
+          <a:p>
+            <a:pPr algn="ctr"/>
+            <a:r>
+              <a:rPr lang="fr-FR" sz="1200" i="1" dirty="0">
+                <a:solidFill>
+                  <a:schemeClr val="bg1"/>
+                </a:solidFill>
+              </a:rPr>
+              <a:t>Do Nothing</a:t>
+            </a:r>
+            <a:endParaRPr lang="en-US" sz="1200" i="1" dirty="0">
+              <a:solidFill>
+                <a:schemeClr val="bg1"/>
+              </a:solidFill>
+            </a:endParaRPr>
+          </a:p>
+        </p:txBody>
+      </p:sp>
+      <p:pic>
+        <p:nvPicPr>
+          <p:cNvPr id="176" name="Graphic 69">
+            <a:extLst>
+              <a:ext uri="{FF2B5EF4-FFF2-40B4-BE49-F238E27FC236}">
+                <a16:creationId xmlns:a16="http://schemas.microsoft.com/office/drawing/2014/main" xmlns="" id="{E4104426-82E4-4A93-A71B-23C0E35B899B}"/>
+              </a:ext>
+            </a:extLst>
+          </p:cNvPr>
+          <p:cNvPicPr>
+            <a:picLocks noChangeAspect="1"/>
+          </p:cNvPicPr>
+          <p:nvPr/>
+        </p:nvPicPr>
+        <p:blipFill>
+          <a:blip r:embed="rId2" cstate="print">
+            <a:extLst>
+              <a:ext uri="{96DAC541-7B7A-43D3-8B79-37D633B846F1}">
+                <asvg:svgBlip xmlns:asvg="http://schemas.microsoft.com/office/drawing/2016/SVG/main" xmlns="" r:embed="rId3"/>
+              </a:ext>
+            </a:extLst>
+          </a:blip>
+          <a:stretch>
+            <a:fillRect/>
+          </a:stretch>
+        </p:blipFill>
+        <p:spPr>
+          <a:xfrm>
+            <a:off x="9332913" y="1490913"/>
+            <a:ext cx="409356" cy="409356"/>
+          </a:xfrm>
+          <a:prstGeom prst="rect">
+            <a:avLst/>
+          </a:prstGeom>
+        </p:spPr>
+      </p:pic>
+      <p:sp>
+        <p:nvSpPr>
+          <p:cNvPr id="177" name="TextBox 35">
+            <a:extLst>
+              <a:ext uri="{FF2B5EF4-FFF2-40B4-BE49-F238E27FC236}">
+                <a16:creationId xmlns:a16="http://schemas.microsoft.com/office/drawing/2014/main" xmlns="" id="{B4C7650F-5958-4B58-9C1B-F2122C89CDBF}"/>
+              </a:ext>
+            </a:extLst>
+          </p:cNvPr>
+          <p:cNvSpPr txBox="1"/>
+          <p:nvPr/>
+        </p:nvSpPr>
+        <p:spPr>
+          <a:xfrm>
+            <a:off x="8594479" y="1963084"/>
+            <a:ext cx="1866230" cy="276999"/>
+          </a:xfrm>
+          <a:prstGeom prst="rect">
+            <a:avLst/>
+          </a:prstGeom>
+          <a:noFill/>
+        </p:spPr>
+        <p:txBody>
+          <a:bodyPr wrap="square" rtlCol="0">
+            <a:spAutoFit/>
+          </a:bodyPr>
+          <a:lstStyle/>
+          <a:p>
+            <a:pPr algn="ctr"/>
+            <a:r>
+              <a:rPr lang="en-US" sz="1200" b="1" i="1" dirty="0">
+                <a:solidFill>
+                  <a:srgbClr val="FB9701"/>
+                </a:solidFill>
+              </a:rPr>
+              <a:t>Function : Publish a Layer</a:t>
+            </a:r>
+          </a:p>
+        </p:txBody>
+      </p:sp>
+      <p:sp>
+        <p:nvSpPr>
+          <p:cNvPr id="178" name="TextBox 35">
+            <a:extLst>
+              <a:ext uri="{FF2B5EF4-FFF2-40B4-BE49-F238E27FC236}">
+                <a16:creationId xmlns:a16="http://schemas.microsoft.com/office/drawing/2014/main" xmlns="" id="{39B1D33D-9700-4FB3-BD97-31B73576E5B0}"/>
+              </a:ext>
+            </a:extLst>
+          </p:cNvPr>
+          <p:cNvSpPr txBox="1"/>
+          <p:nvPr/>
+        </p:nvSpPr>
+        <p:spPr>
+          <a:xfrm>
+            <a:off x="8361487" y="2387818"/>
+            <a:ext cx="2395332" cy="461665"/>
+          </a:xfrm>
+          <a:prstGeom prst="rect">
+            <a:avLst/>
+          </a:prstGeom>
+          <a:noFill/>
+        </p:spPr>
+        <p:txBody>
+          <a:bodyPr wrap="square" rtlCol="0">
+            <a:spAutoFit/>
+          </a:bodyPr>
+          <a:lstStyle/>
+          <a:p>
+            <a:pPr algn="ctr"/>
+            <a:r>
+              <a:rPr lang="en-US" sz="1200" i="1" dirty="0">
+                <a:solidFill>
+                  <a:schemeClr val="bg1"/>
+                </a:solidFill>
+              </a:rPr>
+              <a:t>Invoked synchronously by an other Lambda</a:t>
+            </a:r>
+          </a:p>
+        </p:txBody>
+      </p:sp>
+      <p:cxnSp>
+        <p:nvCxnSpPr>
+          <p:cNvPr id="179" name="Straight Arrow Connector 19">
+            <a:extLst>
+              <a:ext uri="{FF2B5EF4-FFF2-40B4-BE49-F238E27FC236}">
+                <a16:creationId xmlns:a16="http://schemas.microsoft.com/office/drawing/2014/main" xmlns="" id="{35AC792B-E071-4D8D-B846-84D44F7EB509}"/>
+              </a:ext>
+            </a:extLst>
+          </p:cNvPr>
+          <p:cNvCxnSpPr>
+            <a:cxnSpLocks/>
+          </p:cNvCxnSpPr>
+          <p:nvPr/>
+        </p:nvCxnSpPr>
+        <p:spPr>
+          <a:xfrm flipH="1">
+            <a:off x="8415235" y="2964586"/>
+            <a:ext cx="735849" cy="1001514"/>
+          </a:xfrm>
+          <a:prstGeom prst="straightConnector1">
+            <a:avLst/>
+          </a:prstGeom>
+          <a:ln w="12700">
+            <a:solidFill>
+              <a:srgbClr val="8FA7C4"/>
+            </a:solidFill>
+            <a:headEnd type="none" w="med" len="sm"/>
+            <a:tailEnd type="arrow" w="med" len="sm"/>
+          </a:ln>
+        </p:spPr>
+        <p:style>
+          <a:lnRef idx="1">
+            <a:schemeClr val="accent1"/>
+          </a:lnRef>
+          <a:fillRef idx="0">
+            <a:schemeClr val="accent1"/>
+          </a:fillRef>
+          <a:effectRef idx="0">
+            <a:schemeClr val="accent1"/>
+          </a:effectRef>
+          <a:fontRef idx="minor">
+            <a:schemeClr val="tx1"/>
+          </a:fontRef>
+        </p:style>
+      </p:cxnSp>
+      <p:cxnSp>
+        <p:nvCxnSpPr>
+          <p:cNvPr id="180" name="Straight Arrow Connector 19">
+            <a:extLst>
+              <a:ext uri="{FF2B5EF4-FFF2-40B4-BE49-F238E27FC236}">
+                <a16:creationId xmlns:a16="http://schemas.microsoft.com/office/drawing/2014/main" xmlns="" id="{271770F2-41D7-400E-8DAD-7C54275B941A}"/>
+              </a:ext>
+            </a:extLst>
+          </p:cNvPr>
+          <p:cNvCxnSpPr>
+            <a:cxnSpLocks/>
+          </p:cNvCxnSpPr>
+          <p:nvPr/>
+        </p:nvCxnSpPr>
+        <p:spPr>
+          <a:xfrm flipH="1">
+            <a:off x="9517596" y="2953904"/>
+            <a:ext cx="19996" cy="1012196"/>
+          </a:xfrm>
+          <a:prstGeom prst="straightConnector1">
+            <a:avLst/>
+          </a:prstGeom>
+          <a:ln w="12700">
+            <a:solidFill>
+              <a:srgbClr val="8FA7C4"/>
+            </a:solidFill>
+            <a:headEnd type="none" w="med" len="sm"/>
+            <a:tailEnd type="arrow" w="med" len="sm"/>
+          </a:ln>
+        </p:spPr>
+        <p:style>
+          <a:lnRef idx="1">
+            <a:schemeClr val="accent1"/>
+          </a:lnRef>
+          <a:fillRef idx="0">
+            <a:schemeClr val="accent1"/>
+          </a:fillRef>
+          <a:effectRef idx="0">
+            <a:schemeClr val="accent1"/>
+          </a:effectRef>
+          <a:fontRef idx="minor">
+            <a:schemeClr val="tx1"/>
+          </a:fontRef>
+        </p:style>
+      </p:cxnSp>
+      <p:cxnSp>
+        <p:nvCxnSpPr>
+          <p:cNvPr id="181" name="Straight Arrow Connector 19">
+            <a:extLst>
+              <a:ext uri="{FF2B5EF4-FFF2-40B4-BE49-F238E27FC236}">
+                <a16:creationId xmlns:a16="http://schemas.microsoft.com/office/drawing/2014/main" xmlns="" id="{3A7E3484-2B47-4772-892B-8C1011FCE73C}"/>
+              </a:ext>
+            </a:extLst>
+          </p:cNvPr>
+          <p:cNvCxnSpPr>
+            <a:cxnSpLocks/>
+          </p:cNvCxnSpPr>
+          <p:nvPr/>
+        </p:nvCxnSpPr>
+        <p:spPr>
+          <a:xfrm>
+            <a:off x="9992666" y="2963923"/>
+            <a:ext cx="493209" cy="943454"/>
+          </a:xfrm>
+          <a:prstGeom prst="straightConnector1">
+            <a:avLst/>
+          </a:prstGeom>
+          <a:ln w="12700">
+            <a:solidFill>
+              <a:srgbClr val="8FA7C4"/>
+            </a:solidFill>
+            <a:headEnd type="none" w="med" len="sm"/>
+            <a:tailEnd type="arrow" w="med" len="sm"/>
+          </a:ln>
+        </p:spPr>
+        <p:style>
+          <a:lnRef idx="1">
+            <a:schemeClr val="accent1"/>
+          </a:lnRef>
+          <a:fillRef idx="0">
+            <a:schemeClr val="accent1"/>
+          </a:fillRef>
+          <a:effectRef idx="0">
+            <a:schemeClr val="accent1"/>
+          </a:effectRef>
+          <a:fontRef idx="minor">
+            <a:schemeClr val="tx1"/>
+          </a:fontRef>
+        </p:style>
+      </p:cxnSp>
+      <p:sp>
+        <p:nvSpPr>
+          <p:cNvPr id="182" name="TextBox 35">
+            <a:extLst>
+              <a:ext uri="{FF2B5EF4-FFF2-40B4-BE49-F238E27FC236}">
+                <a16:creationId xmlns:a16="http://schemas.microsoft.com/office/drawing/2014/main" xmlns="" id="{DBD2B982-87EA-4C9C-B022-0F6E2402C32A}"/>
+              </a:ext>
+            </a:extLst>
+          </p:cNvPr>
+          <p:cNvSpPr txBox="1"/>
+          <p:nvPr/>
+        </p:nvSpPr>
+        <p:spPr>
+          <a:xfrm rot="18493688">
+            <a:off x="8151650" y="3150185"/>
+            <a:ext cx="1006453" cy="400110"/>
+          </a:xfrm>
+          <a:prstGeom prst="rect">
+            <a:avLst/>
+          </a:prstGeom>
+          <a:noFill/>
+        </p:spPr>
+        <p:txBody>
+          <a:bodyPr wrap="square" rtlCol="0">
+            <a:spAutoFit/>
+          </a:bodyPr>
+          <a:lstStyle/>
+          <a:p>
+            <a:pPr algn="ctr"/>
+            <a:r>
+              <a:rPr lang="en-US" sz="1000" i="1" dirty="0">
+                <a:solidFill>
+                  <a:srgbClr val="FF0000"/>
+                </a:solidFill>
+              </a:rPr>
+              <a:t>Un-intercepted error</a:t>
+            </a:r>
+          </a:p>
+        </p:txBody>
+      </p:sp>
+      <p:sp>
+        <p:nvSpPr>
+          <p:cNvPr id="183" name="TextBox 35">
+            <a:extLst>
+              <a:ext uri="{FF2B5EF4-FFF2-40B4-BE49-F238E27FC236}">
+                <a16:creationId xmlns:a16="http://schemas.microsoft.com/office/drawing/2014/main" xmlns="" id="{41173260-DF18-4239-83F2-0C54822DFF75}"/>
+              </a:ext>
+            </a:extLst>
+          </p:cNvPr>
+          <p:cNvSpPr txBox="1"/>
+          <p:nvPr/>
+        </p:nvSpPr>
+        <p:spPr>
+          <a:xfrm>
+            <a:off x="9034365" y="3207287"/>
+            <a:ext cx="1006453" cy="553998"/>
+          </a:xfrm>
+          <a:prstGeom prst="rect">
+            <a:avLst/>
+          </a:prstGeom>
+          <a:noFill/>
+        </p:spPr>
+        <p:txBody>
+          <a:bodyPr wrap="square" rtlCol="0">
+            <a:spAutoFit/>
+          </a:bodyPr>
+          <a:lstStyle/>
+          <a:p>
+            <a:pPr algn="ctr"/>
+            <a:r>
+              <a:rPr lang="en-US" sz="1000" i="1" dirty="0">
+                <a:solidFill>
+                  <a:srgbClr val="FFC000"/>
+                </a:solidFill>
+              </a:rPr>
+              <a:t>Intercepted error &amp; warnings</a:t>
+            </a:r>
+          </a:p>
+        </p:txBody>
+      </p:sp>
+      <p:sp>
+        <p:nvSpPr>
+          <p:cNvPr id="184" name="TextBox 35">
+            <a:extLst>
+              <a:ext uri="{FF2B5EF4-FFF2-40B4-BE49-F238E27FC236}">
+                <a16:creationId xmlns:a16="http://schemas.microsoft.com/office/drawing/2014/main" xmlns="" id="{4425F590-D1CC-4CFA-9F14-0AF877BDD19D}"/>
+              </a:ext>
+            </a:extLst>
+          </p:cNvPr>
+          <p:cNvSpPr txBox="1"/>
+          <p:nvPr/>
+        </p:nvSpPr>
+        <p:spPr>
+          <a:xfrm rot="3754564">
+            <a:off x="9894628" y="3259778"/>
+            <a:ext cx="1006453" cy="246221"/>
+          </a:xfrm>
+          <a:prstGeom prst="rect">
+            <a:avLst/>
+          </a:prstGeom>
+          <a:noFill/>
+        </p:spPr>
+        <p:txBody>
+          <a:bodyPr wrap="square" rtlCol="0">
+            <a:spAutoFit/>
+          </a:bodyPr>
+          <a:lstStyle/>
+          <a:p>
+            <a:pPr algn="ctr"/>
+            <a:r>
+              <a:rPr lang="en-US" sz="1000" i="1">
+                <a:solidFill>
+                  <a:srgbClr val="6BAC3E"/>
+                </a:solidFill>
+              </a:rPr>
+              <a:t>Sucess</a:t>
+            </a:r>
+          </a:p>
+        </p:txBody>
+      </p:sp>
+      <p:sp>
+        <p:nvSpPr>
+          <p:cNvPr id="185" name="TextBox 35">
+            <a:extLst>
+              <a:ext uri="{FF2B5EF4-FFF2-40B4-BE49-F238E27FC236}">
+                <a16:creationId xmlns:a16="http://schemas.microsoft.com/office/drawing/2014/main" xmlns="" id="{F06BE894-C7C3-40C6-B6C5-8495370582AD}"/>
+              </a:ext>
+            </a:extLst>
+          </p:cNvPr>
+          <p:cNvSpPr txBox="1"/>
+          <p:nvPr/>
+        </p:nvSpPr>
+        <p:spPr>
+          <a:xfrm>
+            <a:off x="7900226" y="4099551"/>
+            <a:ext cx="1030018" cy="276999"/>
+          </a:xfrm>
+          <a:prstGeom prst="rect">
+            <a:avLst/>
+          </a:prstGeom>
+          <a:noFill/>
+        </p:spPr>
+        <p:txBody>
+          <a:bodyPr wrap="square" rtlCol="0">
+            <a:spAutoFit/>
+          </a:bodyPr>
+          <a:lstStyle/>
+          <a:p>
+            <a:pPr algn="ctr"/>
+            <a:r>
+              <a:rPr lang="fr-FR" sz="1200" i="1" dirty="0">
+                <a:solidFill>
+                  <a:schemeClr val="bg1"/>
+                </a:solidFill>
+              </a:rPr>
+              <a:t>Exit Failure</a:t>
+            </a:r>
+            <a:endParaRPr lang="en-US" sz="1200" i="1" dirty="0">
+              <a:solidFill>
+                <a:schemeClr val="bg1"/>
+              </a:solidFill>
+            </a:endParaRPr>
+          </a:p>
+        </p:txBody>
+      </p:sp>
+      <p:cxnSp>
+        <p:nvCxnSpPr>
+          <p:cNvPr id="186" name="Straight Arrow Connector 19">
+            <a:extLst>
+              <a:ext uri="{FF2B5EF4-FFF2-40B4-BE49-F238E27FC236}">
+                <a16:creationId xmlns:a16="http://schemas.microsoft.com/office/drawing/2014/main" xmlns="" id="{5D0EB8F0-31DA-47BA-A885-3587DF91892B}"/>
+              </a:ext>
+            </a:extLst>
+          </p:cNvPr>
+          <p:cNvCxnSpPr>
+            <a:cxnSpLocks/>
+          </p:cNvCxnSpPr>
+          <p:nvPr/>
+        </p:nvCxnSpPr>
+        <p:spPr>
+          <a:xfrm>
+            <a:off x="8411260" y="4389849"/>
+            <a:ext cx="0" cy="280926"/>
+          </a:xfrm>
+          <a:prstGeom prst="straightConnector1">
+            <a:avLst/>
+          </a:prstGeom>
+          <a:ln w="12700">
+            <a:solidFill>
+              <a:srgbClr val="8FA7C4"/>
+            </a:solidFill>
+            <a:headEnd type="none" w="med" len="sm"/>
+            <a:tailEnd type="arrow" w="med" len="sm"/>
+          </a:ln>
+        </p:spPr>
+        <p:style>
+          <a:lnRef idx="1">
+            <a:schemeClr val="accent1"/>
+          </a:lnRef>
+          <a:fillRef idx="0">
+            <a:schemeClr val="accent1"/>
+          </a:fillRef>
+          <a:effectRef idx="0">
+            <a:schemeClr val="accent1"/>
+          </a:effectRef>
+          <a:fontRef idx="minor">
+            <a:schemeClr val="tx1"/>
+          </a:fontRef>
+        </p:style>
+      </p:cxnSp>
+      <p:sp>
+        <p:nvSpPr>
+          <p:cNvPr id="187" name="TextBox 35">
+            <a:extLst>
+              <a:ext uri="{FF2B5EF4-FFF2-40B4-BE49-F238E27FC236}">
+                <a16:creationId xmlns:a16="http://schemas.microsoft.com/office/drawing/2014/main" xmlns="" id="{7679158D-9E11-4AB8-B5AC-CBA3E0831D17}"/>
+              </a:ext>
+            </a:extLst>
+          </p:cNvPr>
+          <p:cNvSpPr txBox="1"/>
+          <p:nvPr/>
+        </p:nvSpPr>
+        <p:spPr>
+          <a:xfrm>
+            <a:off x="10040818" y="4003986"/>
+            <a:ext cx="1030018" cy="646331"/>
+          </a:xfrm>
+          <a:prstGeom prst="rect">
+            <a:avLst/>
+          </a:prstGeom>
+          <a:noFill/>
+        </p:spPr>
+        <p:txBody>
+          <a:bodyPr wrap="square" rtlCol="0">
+            <a:spAutoFit/>
+          </a:bodyPr>
+          <a:lstStyle/>
+          <a:p>
+            <a:pPr algn="ctr"/>
+            <a:r>
+              <a:rPr lang="en-US" sz="1200" i="1" dirty="0">
+                <a:solidFill>
+                  <a:schemeClr val="bg1"/>
+                </a:solidFill>
+              </a:rPr>
+              <a:t>Send</a:t>
+            </a:r>
+          </a:p>
+          <a:p>
+            <a:pPr algn="ctr"/>
+            <a:r>
+              <a:rPr lang="en-US" sz="1200" i="1" dirty="0">
+                <a:solidFill>
+                  <a:schemeClr val="bg1"/>
+                </a:solidFill>
+              </a:rPr>
+              <a:t>Custom SNS message</a:t>
+            </a:r>
+          </a:p>
+        </p:txBody>
+      </p:sp>
+      <p:pic>
+        <p:nvPicPr>
+          <p:cNvPr id="188" name="Graphic 33">
+            <a:extLst>
+              <a:ext uri="{FF2B5EF4-FFF2-40B4-BE49-F238E27FC236}">
+                <a16:creationId xmlns:a16="http://schemas.microsoft.com/office/drawing/2014/main" xmlns="" id="{9D678C0B-A0BC-498F-85F0-1CF193774E93}"/>
+              </a:ext>
+            </a:extLst>
+          </p:cNvPr>
+          <p:cNvPicPr>
+            <a:picLocks noChangeAspect="1"/>
+          </p:cNvPicPr>
+          <p:nvPr/>
+        </p:nvPicPr>
+        <p:blipFill>
+          <a:blip r:embed="rId5" cstate="print">
+            <a:extLst>
+              <a:ext uri="{96DAC541-7B7A-43D3-8B79-37D633B846F1}">
+                <asvg:svgBlip xmlns:asvg="http://schemas.microsoft.com/office/drawing/2016/SVG/main" xmlns="" r:embed="rId6"/>
+              </a:ext>
+            </a:extLst>
+          </a:blip>
+          <a:stretch>
+            <a:fillRect/>
+          </a:stretch>
+        </p:blipFill>
+        <p:spPr>
+          <a:xfrm>
+            <a:off x="10385568" y="4626813"/>
+            <a:ext cx="340516" cy="340516"/>
+          </a:xfrm>
+          <a:prstGeom prst="rect">
+            <a:avLst/>
+          </a:prstGeom>
+        </p:spPr>
+      </p:pic>
+      <p:sp>
+        <p:nvSpPr>
+          <p:cNvPr id="189" name="TextBox 35">
+            <a:extLst>
+              <a:ext uri="{FF2B5EF4-FFF2-40B4-BE49-F238E27FC236}">
+                <a16:creationId xmlns:a16="http://schemas.microsoft.com/office/drawing/2014/main" xmlns="" id="{93733186-D8A4-45D6-98C1-B30BEE30B1E9}"/>
+              </a:ext>
+            </a:extLst>
+          </p:cNvPr>
+          <p:cNvSpPr txBox="1"/>
+          <p:nvPr/>
+        </p:nvSpPr>
+        <p:spPr>
+          <a:xfrm>
+            <a:off x="9584348" y="5502316"/>
+            <a:ext cx="995165" cy="276999"/>
+          </a:xfrm>
+          <a:prstGeom prst="rect">
+            <a:avLst/>
+          </a:prstGeom>
+          <a:noFill/>
+        </p:spPr>
+        <p:txBody>
+          <a:bodyPr wrap="square" rtlCol="0">
+            <a:spAutoFit/>
+          </a:bodyPr>
+          <a:lstStyle/>
+          <a:p>
+            <a:pPr algn="ctr"/>
+            <a:r>
+              <a:rPr lang="en-US" sz="1200" i="1">
+                <a:solidFill>
+                  <a:schemeClr val="bg1"/>
+                </a:solidFill>
+              </a:rPr>
+              <a:t>Exit Sucess</a:t>
+            </a:r>
+          </a:p>
+        </p:txBody>
+      </p:sp>
+      <p:cxnSp>
+        <p:nvCxnSpPr>
+          <p:cNvPr id="190" name="Straight Arrow Connector 19">
+            <a:extLst>
+              <a:ext uri="{FF2B5EF4-FFF2-40B4-BE49-F238E27FC236}">
+                <a16:creationId xmlns:a16="http://schemas.microsoft.com/office/drawing/2014/main" xmlns="" id="{4AA8E91E-0820-4E5C-AFF9-E3A7387FD47D}"/>
+              </a:ext>
+            </a:extLst>
+          </p:cNvPr>
+          <p:cNvCxnSpPr>
+            <a:cxnSpLocks/>
+          </p:cNvCxnSpPr>
+          <p:nvPr/>
+        </p:nvCxnSpPr>
+        <p:spPr>
+          <a:xfrm>
+            <a:off x="9640543" y="5095698"/>
+            <a:ext cx="352123" cy="346864"/>
+          </a:xfrm>
+          <a:prstGeom prst="straightConnector1">
+            <a:avLst/>
+          </a:prstGeom>
+          <a:ln w="12700">
+            <a:solidFill>
+              <a:srgbClr val="8FA7C4"/>
+            </a:solidFill>
+            <a:headEnd type="none" w="med" len="sm"/>
+            <a:tailEnd type="arrow" w="med" len="sm"/>
+          </a:ln>
+        </p:spPr>
+        <p:style>
+          <a:lnRef idx="1">
+            <a:schemeClr val="accent1"/>
+          </a:lnRef>
+          <a:fillRef idx="0">
+            <a:schemeClr val="accent1"/>
+          </a:fillRef>
+          <a:effectRef idx="0">
+            <a:schemeClr val="accent1"/>
+          </a:effectRef>
+          <a:fontRef idx="minor">
+            <a:schemeClr val="tx1"/>
+          </a:fontRef>
+        </p:style>
+      </p:cxnSp>
+      <p:cxnSp>
+        <p:nvCxnSpPr>
+          <p:cNvPr id="191" name="Straight Arrow Connector 19">
+            <a:extLst>
+              <a:ext uri="{FF2B5EF4-FFF2-40B4-BE49-F238E27FC236}">
+                <a16:creationId xmlns:a16="http://schemas.microsoft.com/office/drawing/2014/main" xmlns="" id="{D485619B-B9CA-46A7-9279-35348267688E}"/>
+              </a:ext>
+            </a:extLst>
+          </p:cNvPr>
+          <p:cNvCxnSpPr>
+            <a:cxnSpLocks/>
+          </p:cNvCxnSpPr>
+          <p:nvPr/>
+        </p:nvCxnSpPr>
+        <p:spPr>
+          <a:xfrm flipH="1">
+            <a:off x="10178200" y="5124512"/>
+            <a:ext cx="307676" cy="318050"/>
+          </a:xfrm>
+          <a:prstGeom prst="straightConnector1">
+            <a:avLst/>
+          </a:prstGeom>
+          <a:ln w="12700">
+            <a:solidFill>
+              <a:srgbClr val="8FA7C4"/>
+            </a:solidFill>
+            <a:headEnd type="none" w="med" len="sm"/>
+            <a:tailEnd type="arrow" w="med" len="sm"/>
+          </a:ln>
+        </p:spPr>
+        <p:style>
+          <a:lnRef idx="1">
+            <a:schemeClr val="accent1"/>
+          </a:lnRef>
+          <a:fillRef idx="0">
+            <a:schemeClr val="accent1"/>
+          </a:fillRef>
+          <a:effectRef idx="0">
+            <a:schemeClr val="accent1"/>
+          </a:effectRef>
+          <a:fontRef idx="minor">
+            <a:schemeClr val="tx1"/>
+          </a:fontRef>
+        </p:style>
+      </p:cxnSp>
+      <p:sp>
+        <p:nvSpPr>
+          <p:cNvPr id="192" name="Rectangle 191">
+            <a:extLst>
+              <a:ext uri="{FF2B5EF4-FFF2-40B4-BE49-F238E27FC236}">
+                <a16:creationId xmlns:a16="http://schemas.microsoft.com/office/drawing/2014/main" xmlns="" id="{871D7364-4AF3-4451-9792-7E594B716EE1}"/>
+              </a:ext>
+            </a:extLst>
+          </p:cNvPr>
+          <p:cNvSpPr/>
+          <p:nvPr/>
+        </p:nvSpPr>
+        <p:spPr>
+          <a:xfrm>
+            <a:off x="7903165" y="1333849"/>
+            <a:ext cx="3199721" cy="4790113"/>
+          </a:xfrm>
+          <a:prstGeom prst="rect">
+            <a:avLst/>
+          </a:prstGeom>
+          <a:noFill/>
+          <a:ln w="12700" cap="flat" cmpd="sng" algn="ctr">
+            <a:solidFill>
+              <a:srgbClr val="00A0C8"/>
+            </a:solidFill>
+            <a:prstDash val="sysDash"/>
+            <a:miter lim="800000"/>
+          </a:ln>
+          <a:effectLst/>
+        </p:spPr>
+        <p:txBody>
+          <a:bodyPr rot="0" spcFirstLastPara="0" vertOverflow="overflow" horzOverflow="overflow" vert="horz" wrap="square" lIns="457200" tIns="91440" rIns="91440" bIns="45720" numCol="1" spcCol="0" rtlCol="0" fromWordArt="0" anchor="t" anchorCtr="0" forceAA="0" compatLnSpc="1">
+            <a:prstTxWarp prst="textNoShape">
+              <a:avLst/>
+            </a:prstTxWarp>
+            <a:noAutofit/>
+          </a:bodyPr>
+          <a:lstStyle/>
+          <a:p>
+            <a:pPr marL="0" marR="0" lvl="0" indent="0" defTabSz="914400" eaLnBrk="1" fontAlgn="auto" latinLnBrk="0" hangingPunct="1">
+              <a:lnSpc>
+                <a:spcPct val="100000"/>
+              </a:lnSpc>
+              <a:spcBef>
+                <a:spcPts val="0"/>
+              </a:spcBef>
+              <a:spcAft>
+                <a:spcPts val="0"/>
+              </a:spcAft>
+              <a:buClrTx/>
+              <a:buSzTx/>
+              <a:buFontTx/>
+              <a:buNone/>
+              <a:tabLst/>
+              <a:defRPr/>
+            </a:pPr>
+            <a:endParaRPr kumimoji="0" lang="en-US" sz="1200" b="0" i="0" u="none" strike="noStrike" kern="0" cap="none" spc="0" normalizeH="0" baseline="0" noProof="0" dirty="0">
+              <a:ln>
+                <a:noFill/>
+              </a:ln>
+              <a:solidFill>
+                <a:srgbClr val="00A0C8"/>
+              </a:solidFill>
+              <a:effectLst/>
+              <a:uLnTx/>
+              <a:uFillTx/>
+              <a:latin typeface="Arial" panose="020B0604020202020204"/>
+              <a:ea typeface="+mn-ea"/>
+              <a:cs typeface="+mn-cs"/>
+            </a:endParaRPr>
+          </a:p>
+        </p:txBody>
+      </p:sp>
+      <p:sp>
+        <p:nvSpPr>
+          <p:cNvPr id="193" name="TextBox 35">
+            <a:extLst>
+              <a:ext uri="{FF2B5EF4-FFF2-40B4-BE49-F238E27FC236}">
+                <a16:creationId xmlns:a16="http://schemas.microsoft.com/office/drawing/2014/main" xmlns="" id="{F2E1379F-152F-4FA6-9D53-24713AB5E21A}"/>
+              </a:ext>
+            </a:extLst>
+          </p:cNvPr>
+          <p:cNvSpPr txBox="1"/>
+          <p:nvPr/>
+        </p:nvSpPr>
+        <p:spPr>
+          <a:xfrm>
+            <a:off x="8368696" y="2192000"/>
+            <a:ext cx="2395332" cy="276999"/>
+          </a:xfrm>
+          <a:prstGeom prst="rect">
+            <a:avLst/>
+          </a:prstGeom>
+          <a:noFill/>
+        </p:spPr>
+        <p:txBody>
+          <a:bodyPr wrap="square" rtlCol="0">
+            <a:spAutoFit/>
+          </a:bodyPr>
+          <a:lstStyle/>
+          <a:p>
+            <a:pPr algn="ctr"/>
+            <a:r>
+              <a:rPr lang="en-US" sz="1200" i="1" dirty="0">
+                <a:solidFill>
+                  <a:schemeClr val="accent1">
+                    <a:lumMod val="75000"/>
+                  </a:schemeClr>
+                </a:solidFill>
+              </a:rPr>
+              <a:t>Publisher «  Role »</a:t>
+            </a:r>
+          </a:p>
+        </p:txBody>
+      </p:sp>
+      <p:sp>
+        <p:nvSpPr>
+          <p:cNvPr id="194" name="TextBox 35">
+            <a:extLst>
+              <a:ext uri="{FF2B5EF4-FFF2-40B4-BE49-F238E27FC236}">
+                <a16:creationId xmlns:a16="http://schemas.microsoft.com/office/drawing/2014/main" xmlns="" id="{C8664C94-72E3-45DC-AC54-977D97EDE28C}"/>
+              </a:ext>
+            </a:extLst>
+          </p:cNvPr>
+          <p:cNvSpPr txBox="1"/>
+          <p:nvPr/>
+        </p:nvSpPr>
+        <p:spPr>
+          <a:xfrm>
+            <a:off x="9042223" y="4033466"/>
+            <a:ext cx="1030018" cy="646331"/>
+          </a:xfrm>
+          <a:prstGeom prst="rect">
+            <a:avLst/>
+          </a:prstGeom>
+          <a:noFill/>
+        </p:spPr>
+        <p:txBody>
+          <a:bodyPr wrap="square" rtlCol="0">
+            <a:spAutoFit/>
+          </a:bodyPr>
+          <a:lstStyle/>
+          <a:p>
+            <a:pPr algn="ctr"/>
+            <a:r>
+              <a:rPr lang="en-US" sz="1200" i="1" dirty="0">
+                <a:solidFill>
+                  <a:schemeClr val="bg1"/>
+                </a:solidFill>
+              </a:rPr>
+              <a:t>Send</a:t>
+            </a:r>
+          </a:p>
+          <a:p>
+            <a:pPr algn="ctr"/>
+            <a:r>
+              <a:rPr lang="en-US" sz="1200" i="1" dirty="0">
+                <a:solidFill>
+                  <a:schemeClr val="bg1"/>
+                </a:solidFill>
+              </a:rPr>
+              <a:t>Custom SNS message</a:t>
+            </a:r>
+          </a:p>
+        </p:txBody>
+      </p:sp>
+      <p:pic>
+        <p:nvPicPr>
+          <p:cNvPr id="195" name="Graphic 33">
+            <a:extLst>
+              <a:ext uri="{FF2B5EF4-FFF2-40B4-BE49-F238E27FC236}">
+                <a16:creationId xmlns:a16="http://schemas.microsoft.com/office/drawing/2014/main" xmlns="" id="{8D70C43E-02D1-44B9-BD54-A0B1E2FB3B4F}"/>
+              </a:ext>
+            </a:extLst>
+          </p:cNvPr>
+          <p:cNvPicPr>
+            <a:picLocks noChangeAspect="1"/>
+          </p:cNvPicPr>
+          <p:nvPr/>
+        </p:nvPicPr>
+        <p:blipFill>
+          <a:blip r:embed="rId5" cstate="print">
+            <a:extLst>
+              <a:ext uri="{96DAC541-7B7A-43D3-8B79-37D633B846F1}">
+                <asvg:svgBlip xmlns:asvg="http://schemas.microsoft.com/office/drawing/2016/SVG/main" xmlns="" r:embed="rId6"/>
+              </a:ext>
+            </a:extLst>
+          </a:blip>
+          <a:stretch>
+            <a:fillRect/>
+          </a:stretch>
+        </p:blipFill>
+        <p:spPr>
+          <a:xfrm>
+            <a:off x="9386973" y="4656293"/>
+            <a:ext cx="340516" cy="340516"/>
+          </a:xfrm>
+          <a:prstGeom prst="rect">
+            <a:avLst/>
+          </a:prstGeom>
+        </p:spPr>
+      </p:pic>
+      <p:sp>
+        <p:nvSpPr>
+          <p:cNvPr id="196" name="TextBox 35">
+            <a:extLst>
+              <a:ext uri="{FF2B5EF4-FFF2-40B4-BE49-F238E27FC236}">
+                <a16:creationId xmlns:a16="http://schemas.microsoft.com/office/drawing/2014/main" xmlns="" id="{A5065A3C-F277-402A-9CEF-AE03F82DE8E4}"/>
+              </a:ext>
+            </a:extLst>
+          </p:cNvPr>
+          <p:cNvSpPr txBox="1"/>
+          <p:nvPr/>
+        </p:nvSpPr>
+        <p:spPr>
+          <a:xfrm>
+            <a:off x="7900226" y="4710083"/>
+            <a:ext cx="1030018" cy="1015663"/>
+          </a:xfrm>
+          <a:prstGeom prst="rect">
+            <a:avLst/>
+          </a:prstGeom>
+          <a:noFill/>
+        </p:spPr>
+        <p:txBody>
+          <a:bodyPr wrap="square" rtlCol="0">
+            <a:spAutoFit/>
+          </a:bodyPr>
+          <a:lstStyle/>
+          <a:p>
+            <a:pPr algn="ctr"/>
+            <a:r>
+              <a:rPr lang="en-US" sz="1200" i="1" dirty="0">
+                <a:solidFill>
+                  <a:schemeClr val="bg1"/>
+                </a:solidFill>
+              </a:rPr>
+              <a:t>Caught by the Invoker as a sever intercepted error</a:t>
+            </a:r>
+          </a:p>
+        </p:txBody>
+      </p:sp>
+      <p:sp>
+        <p:nvSpPr>
+          <p:cNvPr id="210" name="TextBox 35">
+            <a:extLst>
+              <a:ext uri="{FF2B5EF4-FFF2-40B4-BE49-F238E27FC236}">
+                <a16:creationId xmlns:a16="http://schemas.microsoft.com/office/drawing/2014/main" xmlns="" id="{D4983300-AC04-4145-B0EF-A461CE756F25}"/>
+              </a:ext>
+            </a:extLst>
+          </p:cNvPr>
+          <p:cNvSpPr txBox="1"/>
+          <p:nvPr/>
+        </p:nvSpPr>
+        <p:spPr>
+          <a:xfrm rot="16200000">
+            <a:off x="2063068" y="4008985"/>
+            <a:ext cx="728866" cy="400110"/>
+          </a:xfrm>
+          <a:prstGeom prst="rect">
+            <a:avLst/>
+          </a:prstGeom>
+          <a:noFill/>
+        </p:spPr>
+        <p:txBody>
+          <a:bodyPr wrap="square" rtlCol="0">
+            <a:spAutoFit/>
+          </a:bodyPr>
+          <a:lstStyle/>
+          <a:p>
+            <a:pPr algn="ctr"/>
+            <a:r>
+              <a:rPr lang="en-US" sz="1000" i="1" dirty="0">
+                <a:solidFill>
+                  <a:srgbClr val="FF0000"/>
+                </a:solidFill>
+              </a:rPr>
+              <a:t>Can’t continue</a:t>
+            </a:r>
+          </a:p>
+        </p:txBody>
+      </p:sp>
+      <p:cxnSp>
+        <p:nvCxnSpPr>
+          <p:cNvPr id="213" name="Straight Arrow Connector 19">
+            <a:extLst>
+              <a:ext uri="{FF2B5EF4-FFF2-40B4-BE49-F238E27FC236}">
+                <a16:creationId xmlns:a16="http://schemas.microsoft.com/office/drawing/2014/main" xmlns="" id="{E620080C-E91D-4D37-B486-498CD99F973A}"/>
+              </a:ext>
+            </a:extLst>
+          </p:cNvPr>
+          <p:cNvCxnSpPr>
+            <a:cxnSpLocks/>
+          </p:cNvCxnSpPr>
+          <p:nvPr/>
+        </p:nvCxnSpPr>
+        <p:spPr>
+          <a:xfrm>
+            <a:off x="2763497" y="4041609"/>
+            <a:ext cx="437591" cy="349851"/>
+          </a:xfrm>
+          <a:prstGeom prst="straightConnector1">
+            <a:avLst/>
+          </a:prstGeom>
+          <a:ln w="12700">
+            <a:solidFill>
+              <a:srgbClr val="8FA7C4"/>
+            </a:solidFill>
+            <a:headEnd type="none" w="med" len="sm"/>
+            <a:tailEnd type="arrow" w="med" len="sm"/>
+          </a:ln>
+        </p:spPr>
+        <p:style>
+          <a:lnRef idx="1">
+            <a:schemeClr val="accent1"/>
+          </a:lnRef>
+          <a:fillRef idx="0">
+            <a:schemeClr val="accent1"/>
+          </a:fillRef>
+          <a:effectRef idx="0">
+            <a:schemeClr val="accent1"/>
+          </a:effectRef>
+          <a:fontRef idx="minor">
+            <a:schemeClr val="tx1"/>
+          </a:fontRef>
+        </p:style>
+      </p:cxnSp>
+      <p:sp>
+        <p:nvSpPr>
+          <p:cNvPr id="216" name="TextBox 35">
+            <a:extLst>
+              <a:ext uri="{FF2B5EF4-FFF2-40B4-BE49-F238E27FC236}">
+                <a16:creationId xmlns:a16="http://schemas.microsoft.com/office/drawing/2014/main" xmlns="" id="{E5568FA7-5BB9-44A4-93BF-204DA6FA0642}"/>
+              </a:ext>
+            </a:extLst>
+          </p:cNvPr>
+          <p:cNvSpPr txBox="1"/>
+          <p:nvPr/>
+        </p:nvSpPr>
+        <p:spPr>
+          <a:xfrm rot="2239806">
+            <a:off x="2607208" y="4002009"/>
+            <a:ext cx="895878" cy="246221"/>
+          </a:xfrm>
+          <a:prstGeom prst="rect">
+            <a:avLst/>
+          </a:prstGeom>
+          <a:noFill/>
+        </p:spPr>
+        <p:txBody>
+          <a:bodyPr wrap="square" rtlCol="0">
+            <a:spAutoFit/>
+          </a:bodyPr>
+          <a:lstStyle/>
+          <a:p>
+            <a:pPr algn="ctr"/>
+            <a:r>
+              <a:rPr lang="fr-FR" sz="1000" i="1" dirty="0">
+                <a:solidFill>
+                  <a:srgbClr val="FFC000"/>
+                </a:solidFill>
+              </a:rPr>
+              <a:t>Can Continue</a:t>
+            </a:r>
+            <a:endParaRPr lang="en-US" sz="1000" i="1" dirty="0">
+              <a:solidFill>
+                <a:srgbClr val="FFC000"/>
+              </a:solidFill>
+            </a:endParaRPr>
+          </a:p>
+        </p:txBody>
+      </p:sp>
+      <p:cxnSp>
+        <p:nvCxnSpPr>
+          <p:cNvPr id="226" name="Straight Arrow Connector 19">
+            <a:extLst>
+              <a:ext uri="{FF2B5EF4-FFF2-40B4-BE49-F238E27FC236}">
+                <a16:creationId xmlns:a16="http://schemas.microsoft.com/office/drawing/2014/main" xmlns="" id="{CCF9C411-DD15-4F1F-AE52-D20557AB5451}"/>
+              </a:ext>
+            </a:extLst>
+          </p:cNvPr>
+          <p:cNvCxnSpPr>
+            <a:cxnSpLocks/>
+          </p:cNvCxnSpPr>
+          <p:nvPr/>
+        </p:nvCxnSpPr>
+        <p:spPr>
+          <a:xfrm>
+            <a:off x="2632036" y="4069776"/>
+            <a:ext cx="321" cy="351705"/>
+          </a:xfrm>
+          <a:prstGeom prst="straightConnector1">
+            <a:avLst/>
+          </a:prstGeom>
+          <a:ln w="12700">
+            <a:solidFill>
+              <a:srgbClr val="8FA7C4"/>
+            </a:solidFill>
+            <a:headEnd type="none" w="med" len="sm"/>
+            <a:tailEnd type="arrow" w="med" len="sm"/>
+          </a:ln>
+        </p:spPr>
+        <p:style>
+          <a:lnRef idx="1">
+            <a:schemeClr val="accent1"/>
+          </a:lnRef>
+          <a:fillRef idx="0">
+            <a:schemeClr val="accent1"/>
+          </a:fillRef>
+          <a:effectRef idx="0">
+            <a:schemeClr val="accent1"/>
+          </a:effectRef>
+          <a:fontRef idx="minor">
+            <a:schemeClr val="tx1"/>
+          </a:fontRef>
+        </p:style>
+      </p:cxnSp>
+      <p:sp>
+        <p:nvSpPr>
+          <p:cNvPr id="228" name="TextBox 35">
+            <a:extLst>
+              <a:ext uri="{FF2B5EF4-FFF2-40B4-BE49-F238E27FC236}">
+                <a16:creationId xmlns:a16="http://schemas.microsoft.com/office/drawing/2014/main" xmlns="" id="{5E804AF9-E494-436D-BAD1-2CE6814CDEE0}"/>
+              </a:ext>
+            </a:extLst>
+          </p:cNvPr>
+          <p:cNvSpPr txBox="1"/>
+          <p:nvPr/>
+        </p:nvSpPr>
+        <p:spPr>
+          <a:xfrm>
+            <a:off x="2135255" y="4415010"/>
+            <a:ext cx="1030018" cy="646331"/>
+          </a:xfrm>
+          <a:prstGeom prst="rect">
+            <a:avLst/>
+          </a:prstGeom>
+          <a:noFill/>
+        </p:spPr>
+        <p:txBody>
+          <a:bodyPr wrap="square" rtlCol="0">
+            <a:spAutoFit/>
+          </a:bodyPr>
+          <a:lstStyle/>
+          <a:p>
+            <a:pPr algn="ctr"/>
+            <a:r>
+              <a:rPr lang="en-US" sz="1200" i="1" dirty="0">
+                <a:solidFill>
+                  <a:schemeClr val="bg1"/>
+                </a:solidFill>
+              </a:rPr>
+              <a:t>Send</a:t>
+            </a:r>
+          </a:p>
+          <a:p>
+            <a:pPr algn="ctr"/>
+            <a:r>
+              <a:rPr lang="en-US" sz="1200" i="1" dirty="0">
+                <a:solidFill>
+                  <a:schemeClr val="bg1"/>
+                </a:solidFill>
+              </a:rPr>
+              <a:t>Custom SNS message</a:t>
+            </a:r>
+          </a:p>
+        </p:txBody>
+      </p:sp>
+      <p:pic>
+        <p:nvPicPr>
+          <p:cNvPr id="229" name="Graphic 33">
+            <a:extLst>
+              <a:ext uri="{FF2B5EF4-FFF2-40B4-BE49-F238E27FC236}">
+                <a16:creationId xmlns:a16="http://schemas.microsoft.com/office/drawing/2014/main" xmlns="" id="{D4C4ADE3-4FF1-4E72-B95D-DCA38206FEEF}"/>
+              </a:ext>
+            </a:extLst>
+          </p:cNvPr>
+          <p:cNvPicPr>
+            <a:picLocks noChangeAspect="1"/>
+          </p:cNvPicPr>
+          <p:nvPr/>
+        </p:nvPicPr>
+        <p:blipFill>
+          <a:blip r:embed="rId5" cstate="print">
+            <a:extLst>
+              <a:ext uri="{96DAC541-7B7A-43D3-8B79-37D633B846F1}">
+                <asvg:svgBlip xmlns:asvg="http://schemas.microsoft.com/office/drawing/2016/SVG/main" xmlns="" r:embed="rId6"/>
+              </a:ext>
+            </a:extLst>
+          </a:blip>
+          <a:stretch>
+            <a:fillRect/>
+          </a:stretch>
+        </p:blipFill>
+        <p:spPr>
+          <a:xfrm>
+            <a:off x="2480005" y="5037837"/>
+            <a:ext cx="340516" cy="340516"/>
+          </a:xfrm>
+          <a:prstGeom prst="rect">
+            <a:avLst/>
+          </a:prstGeom>
+        </p:spPr>
+      </p:pic>
+      <p:sp>
+        <p:nvSpPr>
+          <p:cNvPr id="239" name="TextBox 35">
+            <a:extLst>
+              <a:ext uri="{FF2B5EF4-FFF2-40B4-BE49-F238E27FC236}">
+                <a16:creationId xmlns:a16="http://schemas.microsoft.com/office/drawing/2014/main" xmlns="" id="{5959687B-0812-407F-A767-A4547A456529}"/>
+              </a:ext>
+            </a:extLst>
+          </p:cNvPr>
+          <p:cNvSpPr txBox="1"/>
+          <p:nvPr/>
+        </p:nvSpPr>
+        <p:spPr>
+          <a:xfrm>
+            <a:off x="2044943" y="5684168"/>
+            <a:ext cx="1255062" cy="461665"/>
+          </a:xfrm>
+          <a:prstGeom prst="rect">
+            <a:avLst/>
+          </a:prstGeom>
+          <a:noFill/>
+        </p:spPr>
+        <p:txBody>
+          <a:bodyPr wrap="square" rtlCol="0">
+            <a:spAutoFit/>
+          </a:bodyPr>
+          <a:lstStyle/>
+          <a:p>
+            <a:pPr algn="ctr"/>
+            <a:r>
+              <a:rPr lang="en-US" sz="1200" i="1" dirty="0">
+                <a:solidFill>
+                  <a:schemeClr val="bg1"/>
+                </a:solidFill>
+              </a:rPr>
+              <a:t>Exit Prematurely as Success</a:t>
+            </a:r>
+          </a:p>
+        </p:txBody>
+      </p:sp>
+      <p:sp>
+        <p:nvSpPr>
+          <p:cNvPr id="240" name="TextBox 87">
+            <a:extLst>
+              <a:ext uri="{FF2B5EF4-FFF2-40B4-BE49-F238E27FC236}">
+                <a16:creationId xmlns:a16="http://schemas.microsoft.com/office/drawing/2014/main" xmlns="" id="{3CBCB313-CD20-43D0-8B86-9840FC2B7F36}"/>
+              </a:ext>
+            </a:extLst>
+          </p:cNvPr>
+          <p:cNvSpPr txBox="1"/>
+          <p:nvPr/>
+        </p:nvSpPr>
+        <p:spPr>
+          <a:xfrm>
+            <a:off x="238706" y="6231705"/>
+            <a:ext cx="11363267" cy="523220"/>
+          </a:xfrm>
+          <a:prstGeom prst="rect">
+            <a:avLst/>
+          </a:prstGeom>
+          <a:noFill/>
+        </p:spPr>
+        <p:txBody>
+          <a:bodyPr wrap="square" rtlCol="0">
+            <a:spAutoFit/>
+          </a:bodyPr>
+          <a:lstStyle/>
+          <a:p>
+            <a:pPr lvl="0">
+              <a:defRPr/>
+            </a:pPr>
+            <a:r>
+              <a:rPr kumimoji="0" lang="en-US" sz="1400" b="0" i="0" u="sng" strike="noStrike" kern="1200" cap="none" spc="0" normalizeH="0" baseline="0" noProof="0" dirty="0">
+                <a:ln>
+                  <a:noFill/>
+                </a:ln>
+                <a:solidFill>
+                  <a:prstClr val="white"/>
+                </a:solidFill>
+                <a:effectLst/>
+                <a:uLnTx/>
+                <a:uFillTx/>
+                <a:latin typeface="Calibri" panose="020F0502020204030204"/>
+                <a:ea typeface="+mn-ea"/>
+                <a:cs typeface="+mn-cs"/>
+              </a:rPr>
+              <a:t>NB :</a:t>
+            </a:r>
+            <a:r>
+              <a:rPr kumimoji="0" lang="en-US" sz="1400" b="0" i="0" u="none" strike="noStrike" kern="1200" cap="none" spc="0" normalizeH="0" baseline="0" noProof="0" dirty="0">
+                <a:ln>
+                  <a:noFill/>
+                </a:ln>
+                <a:solidFill>
+                  <a:prstClr val="white"/>
+                </a:solidFill>
+                <a:effectLst/>
+                <a:uLnTx/>
+                <a:uFillTx/>
+                <a:latin typeface="Calibri" panose="020F0502020204030204"/>
+                <a:ea typeface="+mn-ea"/>
+                <a:cs typeface="+mn-cs"/>
+              </a:rPr>
+              <a:t>  All Warnings and intercepted errors are written in custom log &amp; </a:t>
+            </a:r>
+            <a:r>
+              <a:rPr lang="en-US" sz="1400" dirty="0">
+                <a:solidFill>
+                  <a:prstClr val="white"/>
+                </a:solidFill>
+                <a:latin typeface="Calibri" panose="020F0502020204030204"/>
+              </a:rPr>
+              <a:t>C</a:t>
+            </a:r>
+            <a:r>
+              <a:rPr kumimoji="0" lang="en-US" sz="1400" b="0" i="0" u="none" strike="noStrike" kern="1200" cap="none" spc="0" normalizeH="0" baseline="0" noProof="0" dirty="0">
+                <a:ln>
+                  <a:noFill/>
+                </a:ln>
+                <a:solidFill>
+                  <a:prstClr val="white"/>
+                </a:solidFill>
+                <a:effectLst/>
+                <a:uLnTx/>
+                <a:uFillTx/>
+                <a:latin typeface="Calibri" panose="020F0502020204030204"/>
+                <a:ea typeface="+mn-ea"/>
+                <a:cs typeface="+mn-cs"/>
+              </a:rPr>
+              <a:t>loud Watch logs</a:t>
+            </a:r>
+            <a:r>
+              <a:rPr lang="en-US" sz="1400" dirty="0">
+                <a:solidFill>
+                  <a:prstClr val="white"/>
+                </a:solidFill>
+              </a:rPr>
+              <a:t> whatsoever manner it may exit. </a:t>
+            </a:r>
+            <a:endParaRPr kumimoji="0" lang="en-US" sz="1400" b="0" i="0" u="none" strike="noStrike" kern="1200" cap="none" spc="0" normalizeH="0" baseline="0" noProof="0" dirty="0">
+              <a:ln>
+                <a:noFill/>
+              </a:ln>
+              <a:solidFill>
+                <a:prstClr val="white"/>
+              </a:solidFill>
+              <a:effectLst/>
+              <a:uLnTx/>
+              <a:uFillTx/>
+              <a:latin typeface="Calibri" panose="020F0502020204030204"/>
+              <a:ea typeface="+mn-ea"/>
+              <a:cs typeface="+mn-cs"/>
+            </a:endParaRPr>
+          </a:p>
+          <a:p>
+            <a:pPr marL="0" marR="0" lvl="0" indent="0" defTabSz="914400" rtl="0" eaLnBrk="1" fontAlgn="auto" latinLnBrk="0" hangingPunct="1">
+              <a:lnSpc>
+                <a:spcPct val="100000"/>
+              </a:lnSpc>
+              <a:spcBef>
+                <a:spcPts val="0"/>
+              </a:spcBef>
+              <a:spcAft>
+                <a:spcPts val="0"/>
+              </a:spcAft>
+              <a:buClrTx/>
+              <a:buSzTx/>
+              <a:buFontTx/>
+              <a:buNone/>
+              <a:tabLst/>
+              <a:defRPr/>
+            </a:pPr>
+            <a:r>
+              <a:rPr lang="en-US" sz="1400" dirty="0">
+                <a:solidFill>
+                  <a:prstClr val="white"/>
+                </a:solidFill>
+                <a:latin typeface="Calibri" panose="020F0502020204030204"/>
+              </a:rPr>
+              <a:t>         </a:t>
+            </a:r>
+            <a:r>
+              <a:rPr kumimoji="0" lang="en-US" sz="1400" b="0" i="0" u="none" strike="noStrike" kern="1200" cap="none" spc="0" normalizeH="0" baseline="0" noProof="0" dirty="0">
+                <a:ln>
+                  <a:noFill/>
+                </a:ln>
+                <a:solidFill>
+                  <a:prstClr val="white"/>
+                </a:solidFill>
+                <a:effectLst/>
+                <a:uLnTx/>
+                <a:uFillTx/>
+                <a:latin typeface="Calibri" panose="020F0502020204030204"/>
+                <a:ea typeface="+mn-ea"/>
+                <a:cs typeface="+mn-cs"/>
+              </a:rPr>
+              <a:t>Custom SNS Message always</a:t>
+            </a:r>
+            <a:r>
+              <a:rPr lang="en-US" sz="1400" dirty="0">
+                <a:solidFill>
+                  <a:prstClr val="white"/>
+                </a:solidFill>
+                <a:latin typeface="Calibri" panose="020F0502020204030204"/>
+              </a:rPr>
+              <a:t> transmit a copy of current custom logs.</a:t>
+            </a:r>
+            <a:r>
+              <a:rPr kumimoji="0" lang="en-US" sz="1400" b="0" i="0" u="none" strike="noStrike" kern="1200" cap="none" spc="0" normalizeH="0" baseline="0" noProof="0" dirty="0">
+                <a:ln>
+                  <a:noFill/>
+                </a:ln>
+                <a:solidFill>
+                  <a:prstClr val="white"/>
+                </a:solidFill>
+                <a:effectLst/>
+                <a:uLnTx/>
+                <a:uFillTx/>
+                <a:latin typeface="Calibri" panose="020F0502020204030204"/>
+                <a:ea typeface="+mn-ea"/>
+                <a:cs typeface="+mn-cs"/>
+              </a:rPr>
+              <a:t> </a:t>
+            </a:r>
+          </a:p>
+        </p:txBody>
+      </p:sp>
+      <p:cxnSp>
+        <p:nvCxnSpPr>
+          <p:cNvPr id="241" name="Straight Arrow Connector 19">
+            <a:extLst>
+              <a:ext uri="{FF2B5EF4-FFF2-40B4-BE49-F238E27FC236}">
+                <a16:creationId xmlns:a16="http://schemas.microsoft.com/office/drawing/2014/main" xmlns="" id="{D07149E2-0E4C-4969-B8A1-69F104AB8975}"/>
+              </a:ext>
+            </a:extLst>
+          </p:cNvPr>
+          <p:cNvCxnSpPr>
+            <a:cxnSpLocks/>
+          </p:cNvCxnSpPr>
+          <p:nvPr/>
+        </p:nvCxnSpPr>
+        <p:spPr>
+          <a:xfrm flipH="1">
+            <a:off x="4999921" y="2900968"/>
+            <a:ext cx="735849" cy="1001514"/>
+          </a:xfrm>
+          <a:prstGeom prst="straightConnector1">
+            <a:avLst/>
+          </a:prstGeom>
+          <a:ln w="12700">
+            <a:solidFill>
+              <a:srgbClr val="8FA7C4"/>
+            </a:solidFill>
+            <a:headEnd type="none" w="med" len="sm"/>
+            <a:tailEnd type="arrow" w="med" len="sm"/>
+          </a:ln>
+        </p:spPr>
+        <p:style>
+          <a:lnRef idx="1">
+            <a:schemeClr val="accent1"/>
+          </a:lnRef>
+          <a:fillRef idx="0">
+            <a:schemeClr val="accent1"/>
+          </a:fillRef>
+          <a:effectRef idx="0">
+            <a:schemeClr val="accent1"/>
+          </a:effectRef>
+          <a:fontRef idx="minor">
+            <a:schemeClr val="tx1"/>
+          </a:fontRef>
+        </p:style>
+      </p:cxnSp>
+      <p:cxnSp>
+        <p:nvCxnSpPr>
+          <p:cNvPr id="242" name="Straight Arrow Connector 19">
+            <a:extLst>
+              <a:ext uri="{FF2B5EF4-FFF2-40B4-BE49-F238E27FC236}">
+                <a16:creationId xmlns:a16="http://schemas.microsoft.com/office/drawing/2014/main" xmlns="" id="{3F3F7B91-E6EE-4376-977C-E83387F780AF}"/>
+              </a:ext>
+            </a:extLst>
+          </p:cNvPr>
+          <p:cNvCxnSpPr>
+            <a:cxnSpLocks/>
+          </p:cNvCxnSpPr>
+          <p:nvPr/>
+        </p:nvCxnSpPr>
+        <p:spPr>
+          <a:xfrm flipH="1">
+            <a:off x="6102282" y="2890286"/>
+            <a:ext cx="19996" cy="1012196"/>
+          </a:xfrm>
+          <a:prstGeom prst="straightConnector1">
+            <a:avLst/>
+          </a:prstGeom>
+          <a:ln w="12700">
+            <a:solidFill>
+              <a:srgbClr val="8FA7C4"/>
+            </a:solidFill>
+            <a:headEnd type="none" w="med" len="sm"/>
+            <a:tailEnd type="arrow" w="med" len="sm"/>
+          </a:ln>
+        </p:spPr>
+        <p:style>
+          <a:lnRef idx="1">
+            <a:schemeClr val="accent1"/>
+          </a:lnRef>
+          <a:fillRef idx="0">
+            <a:schemeClr val="accent1"/>
+          </a:fillRef>
+          <a:effectRef idx="0">
+            <a:schemeClr val="accent1"/>
+          </a:effectRef>
+          <a:fontRef idx="minor">
+            <a:schemeClr val="tx1"/>
+          </a:fontRef>
+        </p:style>
+      </p:cxnSp>
+      <p:cxnSp>
+        <p:nvCxnSpPr>
+          <p:cNvPr id="243" name="Straight Arrow Connector 19">
+            <a:extLst>
+              <a:ext uri="{FF2B5EF4-FFF2-40B4-BE49-F238E27FC236}">
+                <a16:creationId xmlns:a16="http://schemas.microsoft.com/office/drawing/2014/main" xmlns="" id="{F449B106-E7A3-4F64-B6AF-391F290D2924}"/>
+              </a:ext>
+            </a:extLst>
+          </p:cNvPr>
+          <p:cNvCxnSpPr>
+            <a:cxnSpLocks/>
+          </p:cNvCxnSpPr>
+          <p:nvPr/>
+        </p:nvCxnSpPr>
+        <p:spPr>
+          <a:xfrm>
+            <a:off x="6577352" y="2900305"/>
+            <a:ext cx="493209" cy="943454"/>
+          </a:xfrm>
+          <a:prstGeom prst="straightConnector1">
+            <a:avLst/>
+          </a:prstGeom>
+          <a:ln w="12700">
+            <a:solidFill>
+              <a:srgbClr val="8FA7C4"/>
+            </a:solidFill>
+            <a:headEnd type="none" w="med" len="sm"/>
+            <a:tailEnd type="arrow" w="med" len="sm"/>
+          </a:ln>
+        </p:spPr>
+        <p:style>
+          <a:lnRef idx="1">
+            <a:schemeClr val="accent1"/>
+          </a:lnRef>
+          <a:fillRef idx="0">
+            <a:schemeClr val="accent1"/>
+          </a:fillRef>
+          <a:effectRef idx="0">
+            <a:schemeClr val="accent1"/>
+          </a:effectRef>
+          <a:fontRef idx="minor">
+            <a:schemeClr val="tx1"/>
+          </a:fontRef>
+        </p:style>
+      </p:cxnSp>
+      <p:sp>
+        <p:nvSpPr>
+          <p:cNvPr id="244" name="TextBox 35">
+            <a:extLst>
+              <a:ext uri="{FF2B5EF4-FFF2-40B4-BE49-F238E27FC236}">
+                <a16:creationId xmlns:a16="http://schemas.microsoft.com/office/drawing/2014/main" xmlns="" id="{AB7BEDE9-DD4A-4B29-8EB5-0B070FECBD2E}"/>
+              </a:ext>
+            </a:extLst>
+          </p:cNvPr>
+          <p:cNvSpPr txBox="1"/>
+          <p:nvPr/>
+        </p:nvSpPr>
+        <p:spPr>
+          <a:xfrm rot="18493688">
+            <a:off x="4736336" y="3086567"/>
+            <a:ext cx="1006453" cy="400110"/>
+          </a:xfrm>
+          <a:prstGeom prst="rect">
+            <a:avLst/>
+          </a:prstGeom>
+          <a:noFill/>
+        </p:spPr>
+        <p:txBody>
+          <a:bodyPr wrap="square" rtlCol="0">
+            <a:spAutoFit/>
+          </a:bodyPr>
+          <a:lstStyle/>
+          <a:p>
+            <a:pPr algn="ctr"/>
+            <a:r>
+              <a:rPr lang="en-US" sz="1000" i="1" dirty="0">
+                <a:solidFill>
+                  <a:srgbClr val="FF0000"/>
+                </a:solidFill>
+              </a:rPr>
+              <a:t>Un-intercepted error</a:t>
+            </a:r>
+          </a:p>
+        </p:txBody>
+      </p:sp>
+      <p:sp>
+        <p:nvSpPr>
+          <p:cNvPr id="245" name="TextBox 35">
+            <a:extLst>
+              <a:ext uri="{FF2B5EF4-FFF2-40B4-BE49-F238E27FC236}">
+                <a16:creationId xmlns:a16="http://schemas.microsoft.com/office/drawing/2014/main" xmlns="" id="{6476D828-0FFC-4378-900A-5E0E0611C169}"/>
+              </a:ext>
+            </a:extLst>
+          </p:cNvPr>
+          <p:cNvSpPr txBox="1"/>
+          <p:nvPr/>
+        </p:nvSpPr>
+        <p:spPr>
+          <a:xfrm>
+            <a:off x="5619051" y="3149124"/>
+            <a:ext cx="1006453" cy="553998"/>
+          </a:xfrm>
+          <a:prstGeom prst="rect">
+            <a:avLst/>
+          </a:prstGeom>
+          <a:noFill/>
+        </p:spPr>
+        <p:txBody>
+          <a:bodyPr wrap="square" rtlCol="0">
+            <a:spAutoFit/>
+          </a:bodyPr>
+          <a:lstStyle/>
+          <a:p>
+            <a:pPr algn="ctr"/>
+            <a:r>
+              <a:rPr lang="en-US" sz="1000" i="1" dirty="0">
+                <a:solidFill>
+                  <a:srgbClr val="FFC000"/>
+                </a:solidFill>
+              </a:rPr>
+              <a:t>Intercepted error &amp; warnings</a:t>
+            </a:r>
+          </a:p>
+        </p:txBody>
+      </p:sp>
+      <p:sp>
+        <p:nvSpPr>
+          <p:cNvPr id="246" name="TextBox 35">
+            <a:extLst>
+              <a:ext uri="{FF2B5EF4-FFF2-40B4-BE49-F238E27FC236}">
+                <a16:creationId xmlns:a16="http://schemas.microsoft.com/office/drawing/2014/main" xmlns="" id="{ADABDDF0-6D9A-47ED-9FFC-DE0805BF363D}"/>
+              </a:ext>
+            </a:extLst>
+          </p:cNvPr>
+          <p:cNvSpPr txBox="1"/>
+          <p:nvPr/>
+        </p:nvSpPr>
+        <p:spPr>
+          <a:xfrm rot="3754564">
+            <a:off x="6479314" y="3196160"/>
+            <a:ext cx="1006453" cy="246221"/>
+          </a:xfrm>
+          <a:prstGeom prst="rect">
+            <a:avLst/>
+          </a:prstGeom>
+          <a:noFill/>
+        </p:spPr>
+        <p:txBody>
+          <a:bodyPr wrap="square" rtlCol="0">
+            <a:spAutoFit/>
+          </a:bodyPr>
+          <a:lstStyle/>
+          <a:p>
+            <a:pPr algn="ctr"/>
+            <a:r>
+              <a:rPr lang="en-US" sz="1000" i="1">
+                <a:solidFill>
+                  <a:srgbClr val="6BAC3E"/>
+                </a:solidFill>
+              </a:rPr>
+              <a:t>Sucess</a:t>
+            </a:r>
+          </a:p>
+        </p:txBody>
+      </p:sp>
+      <p:sp>
+        <p:nvSpPr>
+          <p:cNvPr id="247" name="TextBox 35">
+            <a:extLst>
+              <a:ext uri="{FF2B5EF4-FFF2-40B4-BE49-F238E27FC236}">
+                <a16:creationId xmlns:a16="http://schemas.microsoft.com/office/drawing/2014/main" xmlns="" id="{C1264EE2-58F5-4693-AF41-532FDFE7571B}"/>
+              </a:ext>
+            </a:extLst>
+          </p:cNvPr>
+          <p:cNvSpPr txBox="1"/>
+          <p:nvPr/>
+        </p:nvSpPr>
+        <p:spPr>
+          <a:xfrm>
+            <a:off x="4484912" y="4035933"/>
+            <a:ext cx="1030018" cy="276999"/>
+          </a:xfrm>
+          <a:prstGeom prst="rect">
+            <a:avLst/>
+          </a:prstGeom>
+          <a:noFill/>
+        </p:spPr>
+        <p:txBody>
+          <a:bodyPr wrap="square" rtlCol="0">
+            <a:spAutoFit/>
+          </a:bodyPr>
+          <a:lstStyle/>
+          <a:p>
+            <a:pPr algn="ctr"/>
+            <a:r>
+              <a:rPr lang="fr-FR" sz="1200" i="1" dirty="0">
+                <a:solidFill>
+                  <a:schemeClr val="bg1"/>
+                </a:solidFill>
+              </a:rPr>
+              <a:t>Exit Failure</a:t>
+            </a:r>
+            <a:endParaRPr lang="en-US" sz="1200" i="1" dirty="0">
+              <a:solidFill>
+                <a:schemeClr val="bg1"/>
+              </a:solidFill>
+            </a:endParaRPr>
+          </a:p>
+        </p:txBody>
+      </p:sp>
+      <p:cxnSp>
+        <p:nvCxnSpPr>
+          <p:cNvPr id="248" name="Straight Arrow Connector 19">
+            <a:extLst>
+              <a:ext uri="{FF2B5EF4-FFF2-40B4-BE49-F238E27FC236}">
+                <a16:creationId xmlns:a16="http://schemas.microsoft.com/office/drawing/2014/main" xmlns="" id="{A1F1C41D-AF03-4EF7-99B5-D7ABFC04C629}"/>
+              </a:ext>
+            </a:extLst>
+          </p:cNvPr>
+          <p:cNvCxnSpPr>
+            <a:cxnSpLocks/>
+          </p:cNvCxnSpPr>
+          <p:nvPr/>
+        </p:nvCxnSpPr>
+        <p:spPr>
+          <a:xfrm>
+            <a:off x="4995946" y="4326231"/>
+            <a:ext cx="0" cy="280926"/>
+          </a:xfrm>
+          <a:prstGeom prst="straightConnector1">
+            <a:avLst/>
+          </a:prstGeom>
+          <a:ln w="12700">
+            <a:solidFill>
+              <a:srgbClr val="8FA7C4"/>
+            </a:solidFill>
+            <a:headEnd type="none" w="med" len="sm"/>
+            <a:tailEnd type="arrow" w="med" len="sm"/>
+          </a:ln>
+        </p:spPr>
+        <p:style>
+          <a:lnRef idx="1">
+            <a:schemeClr val="accent1"/>
+          </a:lnRef>
+          <a:fillRef idx="0">
+            <a:schemeClr val="accent1"/>
+          </a:fillRef>
+          <a:effectRef idx="0">
+            <a:schemeClr val="accent1"/>
+          </a:effectRef>
+          <a:fontRef idx="minor">
+            <a:schemeClr val="tx1"/>
+          </a:fontRef>
+        </p:style>
+      </p:cxnSp>
+      <p:sp>
+        <p:nvSpPr>
+          <p:cNvPr id="249" name="TextBox 35">
+            <a:extLst>
+              <a:ext uri="{FF2B5EF4-FFF2-40B4-BE49-F238E27FC236}">
+                <a16:creationId xmlns:a16="http://schemas.microsoft.com/office/drawing/2014/main" xmlns="" id="{9ADA3A18-63E0-4B2B-A989-7766EF8C45EB}"/>
+              </a:ext>
+            </a:extLst>
+          </p:cNvPr>
+          <p:cNvSpPr txBox="1"/>
+          <p:nvPr/>
+        </p:nvSpPr>
+        <p:spPr>
+          <a:xfrm>
+            <a:off x="4480937" y="4616582"/>
+            <a:ext cx="1030018" cy="830997"/>
+          </a:xfrm>
+          <a:prstGeom prst="rect">
+            <a:avLst/>
+          </a:prstGeom>
+          <a:noFill/>
+        </p:spPr>
+        <p:txBody>
+          <a:bodyPr wrap="square" rtlCol="0">
+            <a:spAutoFit/>
+          </a:bodyPr>
+          <a:lstStyle/>
+          <a:p>
+            <a:pPr algn="ctr"/>
+            <a:r>
+              <a:rPr lang="en-US" sz="1200" i="1" dirty="0">
+                <a:solidFill>
+                  <a:schemeClr val="bg1"/>
+                </a:solidFill>
+              </a:rPr>
+              <a:t>Trigger</a:t>
+            </a:r>
+          </a:p>
+          <a:p>
+            <a:pPr algn="ctr"/>
+            <a:r>
+              <a:rPr lang="en-US" sz="1200" i="1" dirty="0">
+                <a:solidFill>
+                  <a:schemeClr val="bg1"/>
+                </a:solidFill>
+              </a:rPr>
+              <a:t>automatically generated  </a:t>
+            </a:r>
+          </a:p>
+          <a:p>
+            <a:pPr algn="ctr"/>
+            <a:r>
+              <a:rPr lang="en-US" sz="1200" i="1" dirty="0">
+                <a:solidFill>
+                  <a:schemeClr val="bg1"/>
+                </a:solidFill>
+              </a:rPr>
+              <a:t>SNS message</a:t>
+            </a:r>
+          </a:p>
+        </p:txBody>
+      </p:sp>
+      <p:pic>
+        <p:nvPicPr>
+          <p:cNvPr id="250" name="Graphic 33">
+            <a:extLst>
+              <a:ext uri="{FF2B5EF4-FFF2-40B4-BE49-F238E27FC236}">
+                <a16:creationId xmlns:a16="http://schemas.microsoft.com/office/drawing/2014/main" xmlns="" id="{798D01FC-404C-413F-8ABD-46B36D9FB1F6}"/>
+              </a:ext>
+            </a:extLst>
+          </p:cNvPr>
+          <p:cNvPicPr>
+            <a:picLocks noChangeAspect="1"/>
+          </p:cNvPicPr>
+          <p:nvPr/>
+        </p:nvPicPr>
+        <p:blipFill>
+          <a:blip r:embed="rId5" cstate="print">
+            <a:extLst>
+              <a:ext uri="{96DAC541-7B7A-43D3-8B79-37D633B846F1}">
+                <asvg:svgBlip xmlns:asvg="http://schemas.microsoft.com/office/drawing/2016/SVG/main" xmlns="" r:embed="rId6"/>
+              </a:ext>
+            </a:extLst>
+          </a:blip>
+          <a:stretch>
+            <a:fillRect/>
+          </a:stretch>
+        </p:blipFill>
+        <p:spPr>
+          <a:xfrm>
+            <a:off x="4825688" y="5457004"/>
+            <a:ext cx="340516" cy="340516"/>
+          </a:xfrm>
+          <a:prstGeom prst="rect">
+            <a:avLst/>
+          </a:prstGeom>
+        </p:spPr>
+      </p:pic>
+      <p:sp>
+        <p:nvSpPr>
+          <p:cNvPr id="251" name="TextBox 35">
+            <a:extLst>
+              <a:ext uri="{FF2B5EF4-FFF2-40B4-BE49-F238E27FC236}">
+                <a16:creationId xmlns:a16="http://schemas.microsoft.com/office/drawing/2014/main" xmlns="" id="{EED01609-799C-45AF-943C-7DF944E72E43}"/>
+              </a:ext>
+            </a:extLst>
+          </p:cNvPr>
+          <p:cNvSpPr txBox="1"/>
+          <p:nvPr/>
+        </p:nvSpPr>
+        <p:spPr>
+          <a:xfrm>
+            <a:off x="6667712" y="5139798"/>
+            <a:ext cx="995165" cy="461665"/>
+          </a:xfrm>
+          <a:prstGeom prst="rect">
+            <a:avLst/>
+          </a:prstGeom>
+          <a:noFill/>
+        </p:spPr>
+        <p:txBody>
+          <a:bodyPr wrap="square" rtlCol="0">
+            <a:spAutoFit/>
+          </a:bodyPr>
+          <a:lstStyle/>
+          <a:p>
+            <a:pPr algn="ctr"/>
+            <a:r>
+              <a:rPr lang="en-US" sz="1200" i="1" dirty="0">
+                <a:solidFill>
+                  <a:schemeClr val="bg1"/>
+                </a:solidFill>
+              </a:rPr>
+              <a:t>Exit Success</a:t>
+            </a:r>
+          </a:p>
+          <a:p>
+            <a:pPr algn="ctr"/>
+            <a:endParaRPr lang="en-US" sz="1200" i="1" dirty="0">
+              <a:solidFill>
+                <a:schemeClr val="bg1"/>
+              </a:solidFill>
+            </a:endParaRPr>
+          </a:p>
+        </p:txBody>
+      </p:sp>
+      <p:cxnSp>
+        <p:nvCxnSpPr>
+          <p:cNvPr id="252" name="Straight Arrow Connector 19">
+            <a:extLst>
+              <a:ext uri="{FF2B5EF4-FFF2-40B4-BE49-F238E27FC236}">
+                <a16:creationId xmlns:a16="http://schemas.microsoft.com/office/drawing/2014/main" xmlns="" id="{1DE21473-3E13-4F73-A05F-8EFD31E09F1A}"/>
+              </a:ext>
+            </a:extLst>
+          </p:cNvPr>
+          <p:cNvCxnSpPr>
+            <a:cxnSpLocks/>
+          </p:cNvCxnSpPr>
+          <p:nvPr/>
+        </p:nvCxnSpPr>
+        <p:spPr>
+          <a:xfrm flipH="1">
+            <a:off x="6090008" y="5391784"/>
+            <a:ext cx="5257" cy="246515"/>
+          </a:xfrm>
+          <a:prstGeom prst="straightConnector1">
+            <a:avLst/>
+          </a:prstGeom>
+          <a:ln w="12700">
+            <a:solidFill>
+              <a:srgbClr val="8FA7C4"/>
+            </a:solidFill>
+            <a:headEnd type="none" w="med" len="sm"/>
+            <a:tailEnd type="arrow" w="med" len="sm"/>
+          </a:ln>
+        </p:spPr>
+        <p:style>
+          <a:lnRef idx="1">
+            <a:schemeClr val="accent1"/>
+          </a:lnRef>
+          <a:fillRef idx="0">
+            <a:schemeClr val="accent1"/>
+          </a:fillRef>
+          <a:effectRef idx="0">
+            <a:schemeClr val="accent1"/>
+          </a:effectRef>
+          <a:fontRef idx="minor">
+            <a:schemeClr val="tx1"/>
+          </a:fontRef>
+        </p:style>
+      </p:cxnSp>
+      <p:cxnSp>
+        <p:nvCxnSpPr>
+          <p:cNvPr id="253" name="Straight Arrow Connector 19">
+            <a:extLst>
+              <a:ext uri="{FF2B5EF4-FFF2-40B4-BE49-F238E27FC236}">
+                <a16:creationId xmlns:a16="http://schemas.microsoft.com/office/drawing/2014/main" xmlns="" id="{1DF6B34C-6CE6-428D-83CF-72559D3B306C}"/>
+              </a:ext>
+            </a:extLst>
+          </p:cNvPr>
+          <p:cNvCxnSpPr>
+            <a:cxnSpLocks/>
+          </p:cNvCxnSpPr>
+          <p:nvPr/>
+        </p:nvCxnSpPr>
+        <p:spPr>
+          <a:xfrm>
+            <a:off x="7156423" y="4644075"/>
+            <a:ext cx="1" cy="461665"/>
+          </a:xfrm>
+          <a:prstGeom prst="straightConnector1">
+            <a:avLst/>
+          </a:prstGeom>
+          <a:ln w="12700">
+            <a:solidFill>
+              <a:srgbClr val="8FA7C4"/>
+            </a:solidFill>
+            <a:headEnd type="none" w="med" len="sm"/>
+            <a:tailEnd type="arrow" w="med" len="sm"/>
+          </a:ln>
+        </p:spPr>
+        <p:style>
+          <a:lnRef idx="1">
+            <a:schemeClr val="accent1"/>
+          </a:lnRef>
+          <a:fillRef idx="0">
+            <a:schemeClr val="accent1"/>
+          </a:fillRef>
+          <a:effectRef idx="0">
+            <a:schemeClr val="accent1"/>
+          </a:effectRef>
+          <a:fontRef idx="minor">
+            <a:schemeClr val="tx1"/>
+          </a:fontRef>
+        </p:style>
+      </p:cxnSp>
+      <p:sp>
+        <p:nvSpPr>
+          <p:cNvPr id="254" name="TextBox 35">
+            <a:extLst>
+              <a:ext uri="{FF2B5EF4-FFF2-40B4-BE49-F238E27FC236}">
+                <a16:creationId xmlns:a16="http://schemas.microsoft.com/office/drawing/2014/main" xmlns="" id="{753537EF-66DE-4796-A913-33F0F5F781F4}"/>
+              </a:ext>
+            </a:extLst>
+          </p:cNvPr>
+          <p:cNvSpPr txBox="1"/>
+          <p:nvPr/>
+        </p:nvSpPr>
+        <p:spPr>
+          <a:xfrm>
+            <a:off x="6585899" y="4251349"/>
+            <a:ext cx="1030018" cy="276999"/>
+          </a:xfrm>
+          <a:prstGeom prst="rect">
+            <a:avLst/>
+          </a:prstGeom>
+          <a:noFill/>
+        </p:spPr>
+        <p:txBody>
+          <a:bodyPr wrap="square" rtlCol="0">
+            <a:spAutoFit/>
+          </a:bodyPr>
+          <a:lstStyle/>
+          <a:p>
+            <a:pPr algn="ctr"/>
+            <a:r>
+              <a:rPr lang="fr-FR" sz="1200" i="1" dirty="0">
+                <a:solidFill>
+                  <a:schemeClr val="bg1"/>
+                </a:solidFill>
+              </a:rPr>
+              <a:t>Do Nothing</a:t>
+            </a:r>
+            <a:endParaRPr lang="en-US" sz="1200" i="1" dirty="0">
+              <a:solidFill>
+                <a:schemeClr val="bg1"/>
+              </a:solidFill>
+            </a:endParaRPr>
+          </a:p>
+        </p:txBody>
+      </p:sp>
+      <p:sp>
+        <p:nvSpPr>
+          <p:cNvPr id="255" name="TextBox 35">
+            <a:extLst>
+              <a:ext uri="{FF2B5EF4-FFF2-40B4-BE49-F238E27FC236}">
+                <a16:creationId xmlns:a16="http://schemas.microsoft.com/office/drawing/2014/main" xmlns="" id="{785C6FDB-982C-46F4-8A4B-E63509DEC29D}"/>
+              </a:ext>
+            </a:extLst>
+          </p:cNvPr>
+          <p:cNvSpPr txBox="1"/>
+          <p:nvPr/>
+        </p:nvSpPr>
+        <p:spPr>
+          <a:xfrm rot="16200000">
+            <a:off x="5529080" y="3943474"/>
+            <a:ext cx="728866" cy="400110"/>
+          </a:xfrm>
+          <a:prstGeom prst="rect">
+            <a:avLst/>
+          </a:prstGeom>
+          <a:noFill/>
+        </p:spPr>
+        <p:txBody>
+          <a:bodyPr wrap="square" rtlCol="0">
+            <a:spAutoFit/>
+          </a:bodyPr>
+          <a:lstStyle/>
+          <a:p>
+            <a:pPr algn="ctr"/>
+            <a:r>
+              <a:rPr lang="en-US" sz="1000" i="1" dirty="0">
+                <a:solidFill>
+                  <a:srgbClr val="FF0000"/>
+                </a:solidFill>
+              </a:rPr>
+              <a:t>Can’t continue</a:t>
+            </a:r>
+          </a:p>
+        </p:txBody>
+      </p:sp>
+      <p:cxnSp>
+        <p:nvCxnSpPr>
+          <p:cNvPr id="256" name="Straight Arrow Connector 19">
+            <a:extLst>
+              <a:ext uri="{FF2B5EF4-FFF2-40B4-BE49-F238E27FC236}">
+                <a16:creationId xmlns:a16="http://schemas.microsoft.com/office/drawing/2014/main" xmlns="" id="{AB83B351-0103-4F35-9D2A-C71DBCEC95C7}"/>
+              </a:ext>
+            </a:extLst>
+          </p:cNvPr>
+          <p:cNvCxnSpPr>
+            <a:cxnSpLocks/>
+          </p:cNvCxnSpPr>
+          <p:nvPr/>
+        </p:nvCxnSpPr>
+        <p:spPr>
+          <a:xfrm>
+            <a:off x="6229509" y="3976098"/>
+            <a:ext cx="437591" cy="349851"/>
+          </a:xfrm>
+          <a:prstGeom prst="straightConnector1">
+            <a:avLst/>
+          </a:prstGeom>
+          <a:ln w="12700">
+            <a:solidFill>
+              <a:srgbClr val="8FA7C4"/>
+            </a:solidFill>
+            <a:headEnd type="none" w="med" len="sm"/>
+            <a:tailEnd type="arrow" w="med" len="sm"/>
+          </a:ln>
+        </p:spPr>
+        <p:style>
+          <a:lnRef idx="1">
+            <a:schemeClr val="accent1"/>
+          </a:lnRef>
+          <a:fillRef idx="0">
+            <a:schemeClr val="accent1"/>
+          </a:fillRef>
+          <a:effectRef idx="0">
+            <a:schemeClr val="accent1"/>
+          </a:effectRef>
+          <a:fontRef idx="minor">
+            <a:schemeClr val="tx1"/>
+          </a:fontRef>
+        </p:style>
+      </p:cxnSp>
+      <p:sp>
+        <p:nvSpPr>
+          <p:cNvPr id="257" name="TextBox 35">
+            <a:extLst>
+              <a:ext uri="{FF2B5EF4-FFF2-40B4-BE49-F238E27FC236}">
+                <a16:creationId xmlns:a16="http://schemas.microsoft.com/office/drawing/2014/main" xmlns="" id="{62706188-53AD-4874-BD75-68C58757830D}"/>
+              </a:ext>
+            </a:extLst>
+          </p:cNvPr>
+          <p:cNvSpPr txBox="1"/>
+          <p:nvPr/>
+        </p:nvSpPr>
+        <p:spPr>
+          <a:xfrm rot="2239806">
+            <a:off x="6073220" y="3936498"/>
+            <a:ext cx="895878" cy="246221"/>
+          </a:xfrm>
+          <a:prstGeom prst="rect">
+            <a:avLst/>
+          </a:prstGeom>
+          <a:noFill/>
+        </p:spPr>
+        <p:txBody>
+          <a:bodyPr wrap="square" rtlCol="0">
+            <a:spAutoFit/>
+          </a:bodyPr>
+          <a:lstStyle/>
+          <a:p>
+            <a:pPr algn="ctr"/>
+            <a:r>
+              <a:rPr lang="fr-FR" sz="1000" i="1" dirty="0">
+                <a:solidFill>
+                  <a:srgbClr val="FFC000"/>
+                </a:solidFill>
+              </a:rPr>
+              <a:t>Can Continue</a:t>
+            </a:r>
+            <a:endParaRPr lang="en-US" sz="1000" i="1" dirty="0">
+              <a:solidFill>
+                <a:srgbClr val="FFC000"/>
+              </a:solidFill>
+            </a:endParaRPr>
+          </a:p>
+        </p:txBody>
+      </p:sp>
+      <p:cxnSp>
+        <p:nvCxnSpPr>
+          <p:cNvPr id="258" name="Straight Arrow Connector 19">
+            <a:extLst>
+              <a:ext uri="{FF2B5EF4-FFF2-40B4-BE49-F238E27FC236}">
+                <a16:creationId xmlns:a16="http://schemas.microsoft.com/office/drawing/2014/main" xmlns="" id="{A727F894-80DC-4A7A-9367-7FA13BFB971E}"/>
+              </a:ext>
+            </a:extLst>
+          </p:cNvPr>
+          <p:cNvCxnSpPr>
+            <a:cxnSpLocks/>
+          </p:cNvCxnSpPr>
+          <p:nvPr/>
+        </p:nvCxnSpPr>
+        <p:spPr>
+          <a:xfrm>
+            <a:off x="6098048" y="4004265"/>
+            <a:ext cx="321" cy="351705"/>
+          </a:xfrm>
+          <a:prstGeom prst="straightConnector1">
+            <a:avLst/>
+          </a:prstGeom>
+          <a:ln w="12700">
+            <a:solidFill>
+              <a:srgbClr val="8FA7C4"/>
+            </a:solidFill>
+            <a:headEnd type="none" w="med" len="sm"/>
+            <a:tailEnd type="arrow" w="med" len="sm"/>
+          </a:ln>
+        </p:spPr>
+        <p:style>
+          <a:lnRef idx="1">
+            <a:schemeClr val="accent1"/>
+          </a:lnRef>
+          <a:fillRef idx="0">
+            <a:schemeClr val="accent1"/>
+          </a:fillRef>
+          <a:effectRef idx="0">
+            <a:schemeClr val="accent1"/>
+          </a:effectRef>
+          <a:fontRef idx="minor">
+            <a:schemeClr val="tx1"/>
+          </a:fontRef>
+        </p:style>
+      </p:cxnSp>
+      <p:sp>
+        <p:nvSpPr>
+          <p:cNvPr id="259" name="TextBox 35">
+            <a:extLst>
+              <a:ext uri="{FF2B5EF4-FFF2-40B4-BE49-F238E27FC236}">
+                <a16:creationId xmlns:a16="http://schemas.microsoft.com/office/drawing/2014/main" xmlns="" id="{434BE7A5-705D-4814-A14C-193AF5C2A758}"/>
+              </a:ext>
+            </a:extLst>
+          </p:cNvPr>
+          <p:cNvSpPr txBox="1"/>
+          <p:nvPr/>
+        </p:nvSpPr>
+        <p:spPr>
+          <a:xfrm>
+            <a:off x="5601267" y="4349499"/>
+            <a:ext cx="1030018" cy="646331"/>
+          </a:xfrm>
+          <a:prstGeom prst="rect">
+            <a:avLst/>
+          </a:prstGeom>
+          <a:noFill/>
+        </p:spPr>
+        <p:txBody>
+          <a:bodyPr wrap="square" rtlCol="0">
+            <a:spAutoFit/>
+          </a:bodyPr>
+          <a:lstStyle/>
+          <a:p>
+            <a:pPr algn="ctr"/>
+            <a:r>
+              <a:rPr lang="en-US" sz="1200" i="1" dirty="0">
+                <a:solidFill>
+                  <a:schemeClr val="bg1"/>
+                </a:solidFill>
+              </a:rPr>
+              <a:t>Send</a:t>
+            </a:r>
+          </a:p>
+          <a:p>
+            <a:pPr algn="ctr"/>
+            <a:r>
+              <a:rPr lang="en-US" sz="1200" i="1" dirty="0">
+                <a:solidFill>
+                  <a:schemeClr val="bg1"/>
+                </a:solidFill>
+              </a:rPr>
+              <a:t>Custom SNS message</a:t>
+            </a:r>
+          </a:p>
+        </p:txBody>
+      </p:sp>
+      <p:pic>
+        <p:nvPicPr>
+          <p:cNvPr id="260" name="Graphic 33">
+            <a:extLst>
+              <a:ext uri="{FF2B5EF4-FFF2-40B4-BE49-F238E27FC236}">
+                <a16:creationId xmlns:a16="http://schemas.microsoft.com/office/drawing/2014/main" xmlns="" id="{3A8FC5AE-098B-4948-9417-517E8DF89B12}"/>
+              </a:ext>
+            </a:extLst>
+          </p:cNvPr>
+          <p:cNvPicPr>
+            <a:picLocks noChangeAspect="1"/>
+          </p:cNvPicPr>
+          <p:nvPr/>
+        </p:nvPicPr>
+        <p:blipFill>
+          <a:blip r:embed="rId5" cstate="print">
+            <a:extLst>
+              <a:ext uri="{96DAC541-7B7A-43D3-8B79-37D633B846F1}">
+                <asvg:svgBlip xmlns:asvg="http://schemas.microsoft.com/office/drawing/2016/SVG/main" xmlns="" r:embed="rId6"/>
+              </a:ext>
+            </a:extLst>
+          </a:blip>
+          <a:stretch>
+            <a:fillRect/>
+          </a:stretch>
+        </p:blipFill>
+        <p:spPr>
+          <a:xfrm>
+            <a:off x="5946017" y="4972326"/>
+            <a:ext cx="340516" cy="340516"/>
+          </a:xfrm>
+          <a:prstGeom prst="rect">
+            <a:avLst/>
+          </a:prstGeom>
+        </p:spPr>
+      </p:pic>
+      <p:sp>
+        <p:nvSpPr>
+          <p:cNvPr id="261" name="TextBox 35">
+            <a:extLst>
+              <a:ext uri="{FF2B5EF4-FFF2-40B4-BE49-F238E27FC236}">
+                <a16:creationId xmlns:a16="http://schemas.microsoft.com/office/drawing/2014/main" xmlns="" id="{A845DFCD-40BD-4C18-9466-935363E5CBB2}"/>
+              </a:ext>
+            </a:extLst>
+          </p:cNvPr>
+          <p:cNvSpPr txBox="1"/>
+          <p:nvPr/>
+        </p:nvSpPr>
+        <p:spPr>
+          <a:xfrm>
+            <a:off x="5462477" y="5643050"/>
+            <a:ext cx="1255062" cy="461665"/>
+          </a:xfrm>
+          <a:prstGeom prst="rect">
+            <a:avLst/>
+          </a:prstGeom>
+          <a:noFill/>
+        </p:spPr>
+        <p:txBody>
+          <a:bodyPr wrap="square" rtlCol="0">
+            <a:spAutoFit/>
+          </a:bodyPr>
+          <a:lstStyle/>
+          <a:p>
+            <a:pPr algn="ctr"/>
+            <a:r>
+              <a:rPr lang="en-US" sz="1200" i="1" dirty="0">
+                <a:solidFill>
+                  <a:schemeClr val="bg1"/>
+                </a:solidFill>
+              </a:rPr>
+              <a:t>Exit Prematurely as Success</a:t>
+            </a:r>
+          </a:p>
+        </p:txBody>
+      </p:sp>
+      <p:sp>
+        <p:nvSpPr>
+          <p:cNvPr id="3" name="Espace réservé du numéro de diapositive 2">
+            <a:extLst>
+              <a:ext uri="{FF2B5EF4-FFF2-40B4-BE49-F238E27FC236}">
+                <a16:creationId xmlns:a16="http://schemas.microsoft.com/office/drawing/2014/main" xmlns="" id="{ABA8A295-A01B-4A00-944C-1C47DA2522B9}"/>
+              </a:ext>
+            </a:extLst>
+          </p:cNvPr>
+          <p:cNvSpPr>
+            <a:spLocks noGrp="1"/>
+          </p:cNvSpPr>
+          <p:nvPr>
+            <p:ph type="sldNum" sz="quarter" idx="12"/>
+          </p:nvPr>
+        </p:nvSpPr>
+        <p:spPr/>
+        <p:txBody>
+          <a:bodyPr/>
+          <a:lstStyle/>
+          <a:p>
+            <a:fld id="{E6B1A59F-6568-46B7-9FEA-42BEE4EAD067}" type="slidenum">
+              <a:rPr lang="en-CA" smtClean="0"/>
+              <a:pPr/>
+              <a:t>12</a:t>
+            </a:fld>
+            <a:endParaRPr lang="en-CA"/>
+          </a:p>
+        </p:txBody>
+      </p:sp>
+      <p:sp>
+        <p:nvSpPr>
+          <p:cNvPr id="80" name="Rectangle 79">
+            <a:extLst>
+              <a:ext uri="{FF2B5EF4-FFF2-40B4-BE49-F238E27FC236}">
+                <a16:creationId xmlns:a16="http://schemas.microsoft.com/office/drawing/2014/main" xmlns="" id="{901B4A02-C184-4738-8BAF-E59DBEFAB6F0}"/>
+              </a:ext>
+            </a:extLst>
+          </p:cNvPr>
+          <p:cNvSpPr/>
+          <p:nvPr/>
+        </p:nvSpPr>
+        <p:spPr>
+          <a:xfrm>
+            <a:off x="285225" y="-44352"/>
+            <a:ext cx="8682607" cy="1292662"/>
+          </a:xfrm>
+          <a:prstGeom prst="rect">
+            <a:avLst/>
+          </a:prstGeom>
+        </p:spPr>
+        <p:txBody>
+          <a:bodyPr wrap="square">
+            <a:spAutoFit/>
+          </a:bodyPr>
+          <a:lstStyle/>
+          <a:p>
+            <a:endParaRPr lang="fr-FR" dirty="0"/>
+          </a:p>
+          <a:p>
+            <a:r>
+              <a:rPr lang="fr-FR" sz="3600" dirty="0">
+                <a:solidFill>
+                  <a:schemeClr val="bg1">
+                    <a:lumMod val="85000"/>
+                  </a:schemeClr>
+                </a:solidFill>
+                <a:latin typeface="Bahnschrift SemiBold SemiConden" panose="020B0502040204020203" pitchFamily="34" charset="0"/>
+              </a:rPr>
+              <a:t>Réalisation de la chaîne de déploiement </a:t>
+            </a:r>
+          </a:p>
+          <a:p>
+            <a:r>
+              <a:rPr lang="fr-FR" sz="2400" dirty="0">
+                <a:solidFill>
+                  <a:schemeClr val="bg1">
+                    <a:lumMod val="85000"/>
+                  </a:schemeClr>
+                </a:solidFill>
+                <a:latin typeface="Bahnschrift SemiBold SemiConden" panose="020B0502040204020203" pitchFamily="34" charset="0"/>
+              </a:rPr>
+              <a:t>Détails de la solution – Gestion des Notification SNS</a:t>
+            </a:r>
+          </a:p>
+        </p:txBody>
+      </p:sp>
+    </p:spTree>
+    <p:extLst>
+      <p:ext uri="{BB962C8B-B14F-4D97-AF65-F5344CB8AC3E}">
+        <p14:creationId xmlns:p14="http://schemas.microsoft.com/office/powerpoint/2010/main" val="3698336854"/>
+      </p:ext>
+    </p:extLst>
+  </p:cSld>
+  <p:clrMapOvr>
+    <a:masterClrMapping/>
+  </p:clrMapOvr>
+</p:sld>
+</file>
+
+<file path=ppt/slides/slide13.xml><?xml version="1.0" encoding="utf-8"?>
+<p:sld xmlns:a="http://schemas.openxmlformats.org/drawingml/2006/main" xmlns:r="http://schemas.openxmlformats.org/officeDocument/2006/relationships" xmlns:p="http://schemas.openxmlformats.org/presentationml/2006/main">
+  <p:cSld>
+    <p:bg>
+      <p:bgPr>
+        <a:solidFill>
+          <a:srgbClr val="232F3D"/>
+        </a:solidFill>
+        <a:effectLst/>
+      </p:bgPr>
+    </p:bg>
+    <p:spTree>
+      <p:nvGrpSpPr>
+        <p:cNvPr id="1" name=""/>
+        <p:cNvGrpSpPr/>
+        <p:nvPr/>
+      </p:nvGrpSpPr>
+      <p:grpSpPr>
+        <a:xfrm>
+          <a:off x="0" y="0"/>
+          <a:ext cx="0" cy="0"/>
+          <a:chOff x="0" y="0"/>
+          <a:chExt cx="0" cy="0"/>
+        </a:xfrm>
+      </p:grpSpPr>
+      <p:pic>
+        <p:nvPicPr>
+          <p:cNvPr id="7" name="Picture 2" descr="VOST">
+            <a:extLst>
+              <a:ext uri="{FF2B5EF4-FFF2-40B4-BE49-F238E27FC236}">
+                <a16:creationId xmlns:a16="http://schemas.microsoft.com/office/drawing/2014/main" xmlns="" id="{A3630E28-E444-49F0-A4C9-5EC911ADBA18}"/>
+              </a:ext>
+            </a:extLst>
+          </p:cNvPr>
+          <p:cNvPicPr>
+            <a:picLocks noChangeAspect="1" noChangeArrowheads="1"/>
+          </p:cNvPicPr>
+          <p:nvPr/>
+        </p:nvPicPr>
+        <p:blipFill>
+          <a:blip r:embed="rId2" cstate="print">
+            <a:extLst>
+              <a:ext uri="{28A0092B-C50C-407E-A947-70E740481C1C}">
+                <a14:useLocalDpi xmlns:a14="http://schemas.microsoft.com/office/drawing/2010/main" val="0"/>
+              </a:ext>
+            </a:extLst>
+          </a:blip>
+          <a:srcRect/>
+          <a:stretch>
+            <a:fillRect/>
+          </a:stretch>
+        </p:blipFill>
+        <p:spPr bwMode="auto">
+          <a:xfrm>
+            <a:off x="8395138" y="0"/>
+            <a:ext cx="3607676" cy="2524634"/>
+          </a:xfrm>
+          <a:prstGeom prst="rect">
+            <a:avLst/>
+          </a:prstGeom>
+          <a:noFill/>
+          <a:extLst>
+            <a:ext uri="{909E8E84-426E-40DD-AFC4-6F175D3DCCD1}">
+              <a14:hiddenFill xmlns:a14="http://schemas.microsoft.com/office/drawing/2010/main">
+                <a:solidFill>
+                  <a:srgbClr val="FFFFFF"/>
+                </a:solidFill>
+              </a14:hiddenFill>
+            </a:ext>
+          </a:extLst>
+        </p:spPr>
+      </p:pic>
+      <p:pic>
+        <p:nvPicPr>
+          <p:cNvPr id="8" name="Picture 4" descr="About Us | About Blu Age">
+            <a:extLst>
+              <a:ext uri="{FF2B5EF4-FFF2-40B4-BE49-F238E27FC236}">
+                <a16:creationId xmlns:a16="http://schemas.microsoft.com/office/drawing/2014/main" xmlns="" id="{663FBF76-605B-4CAB-A731-D126D4CB8AC9}"/>
+              </a:ext>
+            </a:extLst>
+          </p:cNvPr>
+          <p:cNvPicPr>
+            <a:picLocks noChangeAspect="1" noChangeArrowheads="1"/>
+          </p:cNvPicPr>
+          <p:nvPr/>
+        </p:nvPicPr>
+        <p:blipFill>
+          <a:blip r:embed="rId3" cstate="print">
+            <a:duotone>
+              <a:schemeClr val="accent3">
+                <a:shade val="45000"/>
+                <a:satMod val="135000"/>
+              </a:schemeClr>
+              <a:prstClr val="white"/>
+            </a:duotone>
+            <a:extLst>
+              <a:ext uri="{28A0092B-C50C-407E-A947-70E740481C1C}">
+                <a14:useLocalDpi xmlns:a14="http://schemas.microsoft.com/office/drawing/2010/main" val="0"/>
+              </a:ext>
+            </a:extLst>
+          </a:blip>
+          <a:srcRect/>
+          <a:stretch>
+            <a:fillRect/>
+          </a:stretch>
+        </p:blipFill>
+        <p:spPr bwMode="auto">
+          <a:xfrm>
+            <a:off x="8532101" y="2711741"/>
+            <a:ext cx="3333750" cy="762000"/>
+          </a:xfrm>
+          <a:prstGeom prst="rect">
+            <a:avLst/>
+          </a:prstGeom>
+          <a:noFill/>
+          <a:extLst>
+            <a:ext uri="{909E8E84-426E-40DD-AFC4-6F175D3DCCD1}">
+              <a14:hiddenFill xmlns:a14="http://schemas.microsoft.com/office/drawing/2010/main">
+                <a:solidFill>
+                  <a:srgbClr val="FFFFFF"/>
+                </a:solidFill>
+              </a14:hiddenFill>
+            </a:ext>
+          </a:extLst>
+        </p:spPr>
+      </p:pic>
+      <p:sp>
+        <p:nvSpPr>
+          <p:cNvPr id="9" name="Rectangle 8">
+            <a:extLst>
+              <a:ext uri="{FF2B5EF4-FFF2-40B4-BE49-F238E27FC236}">
+                <a16:creationId xmlns:a16="http://schemas.microsoft.com/office/drawing/2014/main" xmlns="" id="{F696FC9C-F0BE-4A1C-B48D-F1DC05C14CF9}"/>
+              </a:ext>
+            </a:extLst>
+          </p:cNvPr>
+          <p:cNvSpPr/>
+          <p:nvPr/>
+        </p:nvSpPr>
+        <p:spPr>
+          <a:xfrm>
+            <a:off x="1526797" y="2569521"/>
+            <a:ext cx="5637402" cy="1046440"/>
+          </a:xfrm>
+          <a:prstGeom prst="rect">
+            <a:avLst/>
+          </a:prstGeom>
+        </p:spPr>
+        <p:txBody>
+          <a:bodyPr wrap="square">
+            <a:spAutoFit/>
+          </a:bodyPr>
+          <a:lstStyle/>
+          <a:p>
+            <a:endParaRPr lang="en-US" sz="1100" dirty="0">
+              <a:solidFill>
+                <a:srgbClr val="000000"/>
+              </a:solidFill>
+              <a:latin typeface="Bahnschrift SemiBold SemiConden" panose="020B0502040204020203" pitchFamily="34" charset="0"/>
+            </a:endParaRPr>
+          </a:p>
+          <a:p>
+            <a:r>
+              <a:rPr lang="en-US" sz="1100" dirty="0">
+                <a:solidFill>
+                  <a:srgbClr val="000000"/>
+                </a:solidFill>
+                <a:latin typeface="Bahnschrift SemiBold SemiConden" panose="020B0502040204020203" pitchFamily="34" charset="0"/>
+              </a:rPr>
+              <a:t> </a:t>
+            </a:r>
+          </a:p>
+          <a:p>
+            <a:r>
+              <a:rPr lang="fr-FR" sz="4000" dirty="0">
+                <a:solidFill>
+                  <a:schemeClr val="bg1">
+                    <a:lumMod val="85000"/>
+                  </a:schemeClr>
+                </a:solidFill>
+                <a:latin typeface="Bahnschrift SemiBold SemiConden" panose="020B0502040204020203" pitchFamily="34" charset="0"/>
+              </a:rPr>
+              <a:t>Merci de votre attention</a:t>
+            </a:r>
+            <a:endParaRPr lang="en-US" sz="4000" dirty="0">
+              <a:solidFill>
+                <a:schemeClr val="bg1">
+                  <a:lumMod val="85000"/>
+                </a:schemeClr>
+              </a:solidFill>
+              <a:latin typeface="Bahnschrift SemiBold SemiConden" panose="020B0502040204020203" pitchFamily="34" charset="0"/>
+            </a:endParaRPr>
+          </a:p>
+        </p:txBody>
+      </p:sp>
+    </p:spTree>
+    <p:extLst>
+      <p:ext uri="{BB962C8B-B14F-4D97-AF65-F5344CB8AC3E}">
+        <p14:creationId xmlns:p14="http://schemas.microsoft.com/office/powerpoint/2010/main" val="2496708133"/>
+      </p:ext>
+    </p:extLst>
+  </p:cSld>
+  <p:clrMapOvr>
+    <a:masterClrMapping/>
+  </p:clrMapOvr>
+</p:sld>
+</file>
+
+<file path=ppt/slides/slide14.xml><?xml version="1.0" encoding="utf-8"?>
 <p:sld xmlns:a="http://schemas.openxmlformats.org/drawingml/2006/main" xmlns:r="http://schemas.openxmlformats.org/officeDocument/2006/relationships" xmlns:p="http://schemas.openxmlformats.org/presentationml/2006/main" show="0">
   <p:cSld>
     <p:bg>
@@ -4873,7 +9302,7 @@
             <a:fld id="{E6B1A59F-6568-46B7-9FEA-42BEE4EAD067}" type="slidenum">
               <a:rPr lang="en-CA" smtClean="0"/>
               <a:pPr/>
-              <a:t>10</a:t>
+              <a:t>14</a:t>
             </a:fld>
             <a:endParaRPr lang="en-CA"/>
           </a:p>
@@ -4939,7 +9368,7 @@
     </p:spTree>
     <p:extLst>
       <p:ext uri="{BB962C8B-B14F-4D97-AF65-F5344CB8AC3E}">
-        <p14:creationId xmlns:p14="http://schemas.microsoft.com/office/powerpoint/2010/main" xmlns="" val="4134436123"/>
+        <p14:creationId xmlns:p14="http://schemas.microsoft.com/office/powerpoint/2010/main" val="4134436123"/>
       </p:ext>
     </p:extLst>
   </p:cSld>
@@ -4950,7 +9379,7 @@
 </p:sld>
 </file>
 
-<file path=ppt/slides/slide11.xml><?xml version="1.0" encoding="utf-8"?>
+<file path=ppt/slides/slide15.xml><?xml version="1.0" encoding="utf-8"?>
 <p:sld xmlns:a="http://schemas.openxmlformats.org/drawingml/2006/main" xmlns:r="http://schemas.openxmlformats.org/officeDocument/2006/relationships" xmlns:p="http://schemas.openxmlformats.org/presentationml/2006/main" show="0">
   <p:cSld>
     <p:bg>
@@ -5056,7 +9485,7 @@
             <a:fld id="{E6B1A59F-6568-46B7-9FEA-42BEE4EAD067}" type="slidenum">
               <a:rPr lang="en-CA" smtClean="0"/>
               <a:pPr/>
-              <a:t>11</a:t>
+              <a:t>15</a:t>
             </a:fld>
             <a:endParaRPr lang="en-CA" dirty="0"/>
           </a:p>
@@ -5077,7 +9506,7 @@
           <p:nvPr>
             <p:extLst>
               <p:ext uri="{D42A27DB-BD31-4B8C-83A1-F6EECF244321}">
-                <p14:modId xmlns:p14="http://schemas.microsoft.com/office/powerpoint/2010/main" xmlns="" val="414323337"/>
+                <p14:modId xmlns:p14="http://schemas.microsoft.com/office/powerpoint/2010/main" val="414323337"/>
               </p:ext>
             </p:extLst>
           </p:nvPr>
@@ -6373,7 +10802,7 @@
     </p:spTree>
     <p:extLst>
       <p:ext uri="{BB962C8B-B14F-4D97-AF65-F5344CB8AC3E}">
-        <p14:creationId xmlns:p14="http://schemas.microsoft.com/office/powerpoint/2010/main" xmlns="" val="4264040140"/>
+        <p14:creationId xmlns:p14="http://schemas.microsoft.com/office/powerpoint/2010/main" val="4264040140"/>
       </p:ext>
     </p:extLst>
   </p:cSld>
@@ -6381,4435 +10810,6 @@
     <a:masterClrMapping/>
   </p:clrMapOvr>
   <p:transition/>
-</p:sld>
-</file>
-
-<file path=ppt/slides/slide12.xml><?xml version="1.0" encoding="utf-8"?>
-<p:sld xmlns:a="http://schemas.openxmlformats.org/drawingml/2006/main" xmlns:r="http://schemas.openxmlformats.org/officeDocument/2006/relationships" xmlns:p="http://schemas.openxmlformats.org/presentationml/2006/main">
-  <p:cSld>
-    <p:bg>
-      <p:bgPr>
-        <a:solidFill>
-          <a:srgbClr val="232F3D"/>
-        </a:solidFill>
-        <a:effectLst/>
-      </p:bgPr>
-    </p:bg>
-    <p:spTree>
-      <p:nvGrpSpPr>
-        <p:cNvPr id="1" name=""/>
-        <p:cNvGrpSpPr/>
-        <p:nvPr/>
-      </p:nvGrpSpPr>
-      <p:grpSpPr>
-        <a:xfrm>
-          <a:off x="0" y="0"/>
-          <a:ext cx="0" cy="0"/>
-          <a:chOff x="0" y="0"/>
-          <a:chExt cx="0" cy="0"/>
-        </a:xfrm>
-      </p:grpSpPr>
-      <p:sp>
-        <p:nvSpPr>
-          <p:cNvPr id="3" name="Rectangle 2">
-            <a:extLst>
-              <a:ext uri="{FF2B5EF4-FFF2-40B4-BE49-F238E27FC236}">
-                <a16:creationId xmlns:a16="http://schemas.microsoft.com/office/drawing/2014/main" xmlns="" id="{CB88F0B2-BE2C-47DA-834F-B0DF5550021E}"/>
-              </a:ext>
-            </a:extLst>
-          </p:cNvPr>
-          <p:cNvSpPr/>
-          <p:nvPr/>
-        </p:nvSpPr>
-        <p:spPr>
-          <a:xfrm>
-            <a:off x="285225" y="-44352"/>
-            <a:ext cx="8682607" cy="1292662"/>
-          </a:xfrm>
-          <a:prstGeom prst="rect">
-            <a:avLst/>
-          </a:prstGeom>
-        </p:spPr>
-        <p:txBody>
-          <a:bodyPr wrap="square">
-            <a:spAutoFit/>
-          </a:bodyPr>
-          <a:lstStyle/>
-          <a:p>
-            <a:endParaRPr lang="fr-FR" dirty="0"/>
-          </a:p>
-          <a:p>
-            <a:r>
-              <a:rPr lang="fr-FR" sz="3600" dirty="0">
-                <a:solidFill>
-                  <a:schemeClr val="bg1">
-                    <a:lumMod val="85000"/>
-                  </a:schemeClr>
-                </a:solidFill>
-                <a:latin typeface="Bahnschrift SemiBold SemiConden" panose="020B0502040204020203" pitchFamily="34" charset="0"/>
-              </a:rPr>
-              <a:t>Réalisation de la chaîne de déploiement </a:t>
-            </a:r>
-          </a:p>
-          <a:p>
-            <a:r>
-              <a:rPr lang="fr-FR" sz="2400" dirty="0">
-                <a:solidFill>
-                  <a:schemeClr val="bg1">
-                    <a:lumMod val="85000"/>
-                  </a:schemeClr>
-                </a:solidFill>
-                <a:latin typeface="Bahnschrift SemiBold SemiConden" panose="020B0502040204020203" pitchFamily="34" charset="0"/>
-              </a:rPr>
-              <a:t>Détails de la solution – Paramétrage de la pipeline</a:t>
-            </a:r>
-          </a:p>
-        </p:txBody>
-      </p:sp>
-      <p:sp>
-        <p:nvSpPr>
-          <p:cNvPr id="4" name="Espace réservé du numéro de diapositive 3">
-            <a:extLst>
-              <a:ext uri="{FF2B5EF4-FFF2-40B4-BE49-F238E27FC236}">
-                <a16:creationId xmlns:a16="http://schemas.microsoft.com/office/drawing/2014/main" xmlns="" id="{4A9D4B61-2758-48F9-A1B0-FC3717CEE758}"/>
-              </a:ext>
-            </a:extLst>
-          </p:cNvPr>
-          <p:cNvSpPr>
-            <a:spLocks noGrp="1"/>
-          </p:cNvSpPr>
-          <p:nvPr>
-            <p:ph type="sldNum" sz="quarter" idx="12"/>
-          </p:nvPr>
-        </p:nvSpPr>
-        <p:spPr/>
-        <p:txBody>
-          <a:bodyPr/>
-          <a:lstStyle/>
-          <a:p>
-            <a:fld id="{E6B1A59F-6568-46B7-9FEA-42BEE4EAD067}" type="slidenum">
-              <a:rPr lang="en-CA" smtClean="0"/>
-              <a:pPr/>
-              <a:t>12</a:t>
-            </a:fld>
-            <a:endParaRPr lang="en-CA" dirty="0"/>
-          </a:p>
-        </p:txBody>
-      </p:sp>
-      <p:pic>
-        <p:nvPicPr>
-          <p:cNvPr id="5" name="Image 4">
-            <a:extLst>
-              <a:ext uri="{FF2B5EF4-FFF2-40B4-BE49-F238E27FC236}">
-                <a16:creationId xmlns:a16="http://schemas.microsoft.com/office/drawing/2014/main" xmlns="" id="{07B459C2-117F-4C73-97F9-94E9D2D40DFF}"/>
-              </a:ext>
-            </a:extLst>
-          </p:cNvPr>
-          <p:cNvPicPr>
-            <a:picLocks noChangeAspect="1"/>
-          </p:cNvPicPr>
-          <p:nvPr/>
-        </p:nvPicPr>
-        <p:blipFill>
-          <a:blip r:embed="rId2" cstate="print">
-            <a:extLst>
-              <a:ext uri="{28A0092B-C50C-407E-A947-70E740481C1C}">
-                <a14:useLocalDpi xmlns:a14="http://schemas.microsoft.com/office/drawing/2010/main" xmlns="" val="0"/>
-              </a:ext>
-            </a:extLst>
-          </a:blip>
-          <a:stretch>
-            <a:fillRect/>
-          </a:stretch>
-        </p:blipFill>
-        <p:spPr>
-          <a:xfrm>
-            <a:off x="285225" y="1791221"/>
-            <a:ext cx="11690698" cy="4198517"/>
-          </a:xfrm>
-          <a:prstGeom prst="rect">
-            <a:avLst/>
-          </a:prstGeom>
-        </p:spPr>
-      </p:pic>
-      <p:sp>
-        <p:nvSpPr>
-          <p:cNvPr id="6" name="Rectangle 5">
-            <a:extLst>
-              <a:ext uri="{FF2B5EF4-FFF2-40B4-BE49-F238E27FC236}">
-                <a16:creationId xmlns:a16="http://schemas.microsoft.com/office/drawing/2014/main" xmlns="" id="{BDA26998-5F01-4563-8675-DFA37C9D8103}"/>
-              </a:ext>
-            </a:extLst>
-          </p:cNvPr>
-          <p:cNvSpPr/>
-          <p:nvPr/>
-        </p:nvSpPr>
-        <p:spPr>
-          <a:xfrm>
-            <a:off x="5410899" y="2835479"/>
-            <a:ext cx="796954" cy="134224"/>
-          </a:xfrm>
-          <a:prstGeom prst="rect">
-            <a:avLst/>
-          </a:prstGeom>
-          <a:pattFill prst="dkUpDiag">
-            <a:fgClr>
-              <a:schemeClr val="bg2">
-                <a:lumMod val="90000"/>
-              </a:schemeClr>
-            </a:fgClr>
-            <a:bgClr>
-              <a:srgbClr val="FFFFFF"/>
-            </a:bgClr>
-          </a:pattFill>
-          <a:ln>
-            <a:noFill/>
-          </a:ln>
-        </p:spPr>
-        <p:style>
-          <a:lnRef idx="2">
-            <a:schemeClr val="accent1">
-              <a:shade val="50000"/>
-            </a:schemeClr>
-          </a:lnRef>
-          <a:fillRef idx="1">
-            <a:schemeClr val="accent1"/>
-          </a:fillRef>
-          <a:effectRef idx="0">
-            <a:schemeClr val="accent1"/>
-          </a:effectRef>
-          <a:fontRef idx="minor">
-            <a:schemeClr val="lt1"/>
-          </a:fontRef>
-        </p:style>
-        <p:txBody>
-          <a:bodyPr rtlCol="0" anchor="ctr"/>
-          <a:lstStyle/>
-          <a:p>
-            <a:pPr algn="ctr"/>
-            <a:endParaRPr lang="en-US"/>
-          </a:p>
-        </p:txBody>
-      </p:sp>
-      <p:sp>
-        <p:nvSpPr>
-          <p:cNvPr id="7" name="Rectangle 6">
-            <a:extLst>
-              <a:ext uri="{FF2B5EF4-FFF2-40B4-BE49-F238E27FC236}">
-                <a16:creationId xmlns:a16="http://schemas.microsoft.com/office/drawing/2014/main" xmlns="" id="{E5AD3D44-EC8C-4113-840E-72221068A820}"/>
-              </a:ext>
-            </a:extLst>
-          </p:cNvPr>
-          <p:cNvSpPr/>
-          <p:nvPr/>
-        </p:nvSpPr>
-        <p:spPr>
-          <a:xfrm>
-            <a:off x="3084945" y="5744608"/>
-            <a:ext cx="6382328" cy="1015663"/>
-          </a:xfrm>
-          <a:prstGeom prst="rect">
-            <a:avLst/>
-          </a:prstGeom>
-        </p:spPr>
-        <p:txBody>
-          <a:bodyPr wrap="square">
-            <a:spAutoFit/>
-          </a:bodyPr>
-          <a:lstStyle/>
-          <a:p>
-            <a:endParaRPr lang="en-US" sz="2000" dirty="0">
-              <a:solidFill>
-                <a:srgbClr val="000000"/>
-              </a:solidFill>
-              <a:latin typeface="Arial" panose="020B0604020202020204" pitchFamily="34" charset="0"/>
-            </a:endParaRPr>
-          </a:p>
-          <a:p>
-            <a:pPr algn="ctr"/>
-            <a:r>
-              <a:rPr lang="fr-FR" sz="2000" dirty="0">
-                <a:solidFill>
-                  <a:schemeClr val="bg1">
-                    <a:lumMod val="85000"/>
-                  </a:schemeClr>
-                </a:solidFill>
-                <a:latin typeface="Yu Gothic UI Semilight" panose="020B0400000000000000" pitchFamily="34" charset="-128"/>
-                <a:ea typeface="Yu Gothic UI Semilight" panose="020B0400000000000000" pitchFamily="34" charset="-128"/>
-              </a:rPr>
-              <a:t>Capture d’écran de la console AWS pour le paramétrage des variables d’environnements d’une Lambda </a:t>
-            </a:r>
-            <a:endParaRPr lang="en-US" sz="2000" dirty="0">
-              <a:solidFill>
-                <a:schemeClr val="bg1">
-                  <a:lumMod val="85000"/>
-                </a:schemeClr>
-              </a:solidFill>
-              <a:latin typeface="Yu Gothic UI Semilight" panose="020B0400000000000000" pitchFamily="34" charset="-128"/>
-              <a:ea typeface="Yu Gothic UI Semilight" panose="020B0400000000000000" pitchFamily="34" charset="-128"/>
-            </a:endParaRPr>
-          </a:p>
-        </p:txBody>
-      </p:sp>
-    </p:spTree>
-    <p:extLst>
-      <p:ext uri="{BB962C8B-B14F-4D97-AF65-F5344CB8AC3E}">
-        <p14:creationId xmlns:p14="http://schemas.microsoft.com/office/powerpoint/2010/main" xmlns="" val="2947216952"/>
-      </p:ext>
-    </p:extLst>
-  </p:cSld>
-  <p:clrMapOvr>
-    <a:masterClrMapping/>
-  </p:clrMapOvr>
-</p:sld>
-</file>
-
-<file path=ppt/slides/slide13.xml><?xml version="1.0" encoding="utf-8"?>
-<p:sld xmlns:a="http://schemas.openxmlformats.org/drawingml/2006/main" xmlns:r="http://schemas.openxmlformats.org/officeDocument/2006/relationships" xmlns:p="http://schemas.openxmlformats.org/presentationml/2006/main">
-  <p:cSld>
-    <p:bg>
-      <p:bgPr>
-        <a:solidFill>
-          <a:srgbClr val="232F3D"/>
-        </a:solidFill>
-        <a:effectLst/>
-      </p:bgPr>
-    </p:bg>
-    <p:spTree>
-      <p:nvGrpSpPr>
-        <p:cNvPr id="1" name=""/>
-        <p:cNvGrpSpPr/>
-        <p:nvPr/>
-      </p:nvGrpSpPr>
-      <p:grpSpPr>
-        <a:xfrm>
-          <a:off x="0" y="0"/>
-          <a:ext cx="0" cy="0"/>
-          <a:chOff x="0" y="0"/>
-          <a:chExt cx="0" cy="0"/>
-        </a:xfrm>
-      </p:grpSpPr>
-      <p:sp>
-        <p:nvSpPr>
-          <p:cNvPr id="16" name="Rectangle 15">
-            <a:extLst>
-              <a:ext uri="{FF2B5EF4-FFF2-40B4-BE49-F238E27FC236}">
-                <a16:creationId xmlns:a16="http://schemas.microsoft.com/office/drawing/2014/main" xmlns="" id="{8931C038-3230-4ACA-A4F7-D0053AA67098}"/>
-              </a:ext>
-            </a:extLst>
-          </p:cNvPr>
-          <p:cNvSpPr/>
-          <p:nvPr/>
-        </p:nvSpPr>
-        <p:spPr>
-          <a:xfrm>
-            <a:off x="285225" y="-44352"/>
-            <a:ext cx="8682607" cy="1292662"/>
-          </a:xfrm>
-          <a:prstGeom prst="rect">
-            <a:avLst/>
-          </a:prstGeom>
-        </p:spPr>
-        <p:txBody>
-          <a:bodyPr wrap="square">
-            <a:spAutoFit/>
-          </a:bodyPr>
-          <a:lstStyle/>
-          <a:p>
-            <a:endParaRPr lang="fr-FR" dirty="0"/>
-          </a:p>
-          <a:p>
-            <a:r>
-              <a:rPr lang="fr-FR" sz="3600" dirty="0">
-                <a:solidFill>
-                  <a:schemeClr val="bg1">
-                    <a:lumMod val="85000"/>
-                  </a:schemeClr>
-                </a:solidFill>
-                <a:latin typeface="Bahnschrift SemiBold SemiConden" panose="020B0502040204020203" pitchFamily="34" charset="0"/>
-              </a:rPr>
-              <a:t>Réalisation de la chaîne de déploiement </a:t>
-            </a:r>
-          </a:p>
-          <a:p>
-            <a:r>
-              <a:rPr lang="fr-FR" sz="2400" dirty="0">
-                <a:solidFill>
-                  <a:schemeClr val="bg1">
-                    <a:lumMod val="85000"/>
-                  </a:schemeClr>
-                </a:solidFill>
-                <a:latin typeface="Bahnschrift SemiBold SemiConden" panose="020B0502040204020203" pitchFamily="34" charset="0"/>
-              </a:rPr>
-              <a:t>Détails de la solution – Gestion des journaux d’exécution </a:t>
-            </a:r>
-          </a:p>
-        </p:txBody>
-      </p:sp>
-      <p:pic>
-        <p:nvPicPr>
-          <p:cNvPr id="9" name="Image 8">
-            <a:extLst>
-              <a:ext uri="{FF2B5EF4-FFF2-40B4-BE49-F238E27FC236}">
-                <a16:creationId xmlns:a16="http://schemas.microsoft.com/office/drawing/2014/main" xmlns="" id="{D61FA13C-FDD2-4D29-9847-46BAB0BF16F5}"/>
-              </a:ext>
-            </a:extLst>
-          </p:cNvPr>
-          <p:cNvPicPr>
-            <a:picLocks noChangeAspect="1"/>
-          </p:cNvPicPr>
-          <p:nvPr/>
-        </p:nvPicPr>
-        <p:blipFill>
-          <a:blip r:embed="rId2" cstate="print">
-            <a:extLst>
-              <a:ext uri="{28A0092B-C50C-407E-A947-70E740481C1C}">
-                <a14:useLocalDpi xmlns:a14="http://schemas.microsoft.com/office/drawing/2010/main" xmlns="" val="0"/>
-              </a:ext>
-            </a:extLst>
-          </a:blip>
-          <a:stretch>
-            <a:fillRect/>
-          </a:stretch>
-        </p:blipFill>
-        <p:spPr>
-          <a:xfrm>
-            <a:off x="7854193" y="4675831"/>
-            <a:ext cx="3801634" cy="1483418"/>
-          </a:xfrm>
-          <a:prstGeom prst="rect">
-            <a:avLst/>
-          </a:prstGeom>
-        </p:spPr>
-      </p:pic>
-      <p:sp>
-        <p:nvSpPr>
-          <p:cNvPr id="17" name="Rectangle 16">
-            <a:extLst>
-              <a:ext uri="{FF2B5EF4-FFF2-40B4-BE49-F238E27FC236}">
-                <a16:creationId xmlns:a16="http://schemas.microsoft.com/office/drawing/2014/main" xmlns="" id="{BCA9466F-0676-464C-924E-FBFD0B1623EE}"/>
-              </a:ext>
-            </a:extLst>
-          </p:cNvPr>
-          <p:cNvSpPr/>
-          <p:nvPr/>
-        </p:nvSpPr>
-        <p:spPr>
-          <a:xfrm>
-            <a:off x="7660796" y="5994936"/>
-            <a:ext cx="4464092" cy="707886"/>
-          </a:xfrm>
-          <a:prstGeom prst="rect">
-            <a:avLst/>
-          </a:prstGeom>
-        </p:spPr>
-        <p:txBody>
-          <a:bodyPr wrap="square">
-            <a:spAutoFit/>
-          </a:bodyPr>
-          <a:lstStyle/>
-          <a:p>
-            <a:endParaRPr lang="en-US" sz="2000" dirty="0">
-              <a:solidFill>
-                <a:srgbClr val="000000"/>
-              </a:solidFill>
-              <a:latin typeface="Arial" panose="020B0604020202020204" pitchFamily="34" charset="0"/>
-            </a:endParaRPr>
-          </a:p>
-          <a:p>
-            <a:r>
-              <a:rPr lang="fr-FR" sz="2000" dirty="0">
-                <a:solidFill>
-                  <a:schemeClr val="bg1">
-                    <a:lumMod val="85000"/>
-                  </a:schemeClr>
-                </a:solidFill>
-                <a:latin typeface="Yu Gothic UI Semilight" panose="020B0400000000000000" pitchFamily="34" charset="-128"/>
-                <a:ea typeface="Yu Gothic UI Semilight" panose="020B0400000000000000" pitchFamily="34" charset="-128"/>
-              </a:rPr>
-              <a:t>Résultat des logs et des notifications</a:t>
-            </a:r>
-            <a:endParaRPr lang="en-US" sz="2000" dirty="0">
-              <a:solidFill>
-                <a:schemeClr val="bg1">
-                  <a:lumMod val="85000"/>
-                </a:schemeClr>
-              </a:solidFill>
-              <a:latin typeface="Yu Gothic UI Semilight" panose="020B0400000000000000" pitchFamily="34" charset="-128"/>
-              <a:ea typeface="Yu Gothic UI Semilight" panose="020B0400000000000000" pitchFamily="34" charset="-128"/>
-            </a:endParaRPr>
-          </a:p>
-        </p:txBody>
-      </p:sp>
-      <p:sp>
-        <p:nvSpPr>
-          <p:cNvPr id="18" name="Rectangle 17">
-            <a:extLst>
-              <a:ext uri="{FF2B5EF4-FFF2-40B4-BE49-F238E27FC236}">
-                <a16:creationId xmlns:a16="http://schemas.microsoft.com/office/drawing/2014/main" xmlns="" id="{3F80170D-0623-4559-AD0F-C6D80DF280A9}"/>
-              </a:ext>
-            </a:extLst>
-          </p:cNvPr>
-          <p:cNvSpPr/>
-          <p:nvPr/>
-        </p:nvSpPr>
-        <p:spPr>
-          <a:xfrm>
-            <a:off x="611673" y="2720661"/>
-            <a:ext cx="6270095" cy="830997"/>
-          </a:xfrm>
-          <a:prstGeom prst="rect">
-            <a:avLst/>
-          </a:prstGeom>
-        </p:spPr>
-        <p:txBody>
-          <a:bodyPr wrap="square">
-            <a:spAutoFit/>
-          </a:bodyPr>
-          <a:lstStyle/>
-          <a:p>
-            <a:r>
-              <a:rPr lang="fr-FR" sz="2400" dirty="0">
-                <a:solidFill>
-                  <a:schemeClr val="bg1">
-                    <a:lumMod val="85000"/>
-                  </a:schemeClr>
-                </a:solidFill>
-                <a:latin typeface="Bahnschrift SemiBold" panose="020B0502040204020203" pitchFamily="34" charset="0"/>
-                <a:ea typeface="Yu Gothic UI Semilight" panose="020B0400000000000000" pitchFamily="34" charset="-128"/>
-              </a:rPr>
-              <a:t>Problème : </a:t>
-            </a:r>
-            <a:r>
-              <a:rPr lang="fr-FR" sz="2400" dirty="0">
-                <a:solidFill>
-                  <a:schemeClr val="bg1">
-                    <a:lumMod val="85000"/>
-                  </a:schemeClr>
-                </a:solidFill>
-                <a:latin typeface="Yu Gothic UI Semilight" panose="020B0400000000000000" pitchFamily="34" charset="-128"/>
-                <a:ea typeface="Yu Gothic UI Semilight" panose="020B0400000000000000" pitchFamily="34" charset="-128"/>
-              </a:rPr>
-              <a:t>Faire converger le résultat des différentes Lambda</a:t>
-            </a:r>
-            <a:endParaRPr lang="fr-FR" sz="2400" dirty="0">
-              <a:solidFill>
-                <a:schemeClr val="bg1">
-                  <a:lumMod val="85000"/>
-                </a:schemeClr>
-              </a:solidFill>
-              <a:latin typeface="Bahnschrift SemiBold" panose="020B0502040204020203" pitchFamily="34" charset="0"/>
-              <a:ea typeface="Yu Gothic UI Semilight" panose="020B0400000000000000" pitchFamily="34" charset="-128"/>
-            </a:endParaRPr>
-          </a:p>
-        </p:txBody>
-      </p:sp>
-      <p:sp>
-        <p:nvSpPr>
-          <p:cNvPr id="19" name="Rectangle 18">
-            <a:extLst>
-              <a:ext uri="{FF2B5EF4-FFF2-40B4-BE49-F238E27FC236}">
-                <a16:creationId xmlns:a16="http://schemas.microsoft.com/office/drawing/2014/main" xmlns="" id="{FC0B5020-99E8-4D7A-8CD8-D586DC925104}"/>
-              </a:ext>
-            </a:extLst>
-          </p:cNvPr>
-          <p:cNvSpPr/>
-          <p:nvPr/>
-        </p:nvSpPr>
-        <p:spPr>
-          <a:xfrm>
-            <a:off x="611672" y="3769779"/>
-            <a:ext cx="6270095" cy="461665"/>
-          </a:xfrm>
-          <a:prstGeom prst="rect">
-            <a:avLst/>
-          </a:prstGeom>
-        </p:spPr>
-        <p:txBody>
-          <a:bodyPr wrap="square">
-            <a:spAutoFit/>
-          </a:bodyPr>
-          <a:lstStyle/>
-          <a:p>
-            <a:r>
-              <a:rPr lang="fr-FR" sz="2400" dirty="0">
-                <a:solidFill>
-                  <a:schemeClr val="bg1">
-                    <a:lumMod val="85000"/>
-                  </a:schemeClr>
-                </a:solidFill>
-                <a:latin typeface="Bahnschrift SemiBold" panose="020B0502040204020203" pitchFamily="34" charset="0"/>
-                <a:ea typeface="Yu Gothic UI Semilight" panose="020B0400000000000000" pitchFamily="34" charset="-128"/>
-              </a:rPr>
-              <a:t>Solution :</a:t>
-            </a:r>
-          </a:p>
-        </p:txBody>
-      </p:sp>
-      <p:sp>
-        <p:nvSpPr>
-          <p:cNvPr id="31" name="TextBox 35">
-            <a:extLst>
-              <a:ext uri="{FF2B5EF4-FFF2-40B4-BE49-F238E27FC236}">
-                <a16:creationId xmlns:a16="http://schemas.microsoft.com/office/drawing/2014/main" xmlns="" id="{580DFDFC-EBA9-4A79-9E49-47FB688660FC}"/>
-              </a:ext>
-            </a:extLst>
-          </p:cNvPr>
-          <p:cNvSpPr txBox="1"/>
-          <p:nvPr/>
-        </p:nvSpPr>
-        <p:spPr>
-          <a:xfrm>
-            <a:off x="1950108" y="3783920"/>
-            <a:ext cx="4926399" cy="738664"/>
-          </a:xfrm>
-          <a:prstGeom prst="rect">
-            <a:avLst/>
-          </a:prstGeom>
-          <a:noFill/>
-        </p:spPr>
-        <p:txBody>
-          <a:bodyPr wrap="square" rtlCol="0">
-            <a:spAutoFit/>
-          </a:bodyPr>
-          <a:lstStyle/>
-          <a:p>
-            <a:r>
-              <a:rPr lang="fr-FR" sz="2400" dirty="0">
-                <a:solidFill>
-                  <a:srgbClr val="FB9701"/>
-                </a:solidFill>
-                <a:latin typeface="Yu Gothic UI Semilight" panose="020B0400000000000000" pitchFamily="34" charset="-128"/>
-                <a:ea typeface="Yu Gothic UI Semilight" panose="020B0400000000000000" pitchFamily="34" charset="-128"/>
-              </a:rPr>
-              <a:t>Fonction</a:t>
-            </a:r>
-            <a:r>
-              <a:rPr lang="en-US" sz="2400" dirty="0">
-                <a:solidFill>
-                  <a:srgbClr val="FB9701"/>
-                </a:solidFill>
-                <a:latin typeface="Yu Gothic UI Semilight" panose="020B0400000000000000" pitchFamily="34" charset="-128"/>
-                <a:ea typeface="Yu Gothic UI Semilight" panose="020B0400000000000000" pitchFamily="34" charset="-128"/>
-              </a:rPr>
-              <a:t> : Notification-Manager</a:t>
-            </a:r>
-          </a:p>
-          <a:p>
-            <a:pPr algn="ctr"/>
-            <a:endParaRPr lang="en-US" b="1" i="1" dirty="0">
-              <a:solidFill>
-                <a:srgbClr val="FB9701"/>
-              </a:solidFill>
-            </a:endParaRPr>
-          </a:p>
-        </p:txBody>
-      </p:sp>
-      <p:pic>
-        <p:nvPicPr>
-          <p:cNvPr id="2" name="Image 1">
-            <a:extLst>
-              <a:ext uri="{FF2B5EF4-FFF2-40B4-BE49-F238E27FC236}">
-                <a16:creationId xmlns:a16="http://schemas.microsoft.com/office/drawing/2014/main" xmlns="" id="{C55DAD9B-5F83-443E-A961-FBA272407F66}"/>
-              </a:ext>
-            </a:extLst>
-          </p:cNvPr>
-          <p:cNvPicPr>
-            <a:picLocks noChangeAspect="1"/>
-          </p:cNvPicPr>
-          <p:nvPr/>
-        </p:nvPicPr>
-        <p:blipFill>
-          <a:blip r:embed="rId3" cstate="print"/>
-          <a:stretch>
-            <a:fillRect/>
-          </a:stretch>
-        </p:blipFill>
-        <p:spPr>
-          <a:xfrm>
-            <a:off x="8281035" y="517364"/>
-            <a:ext cx="2947950" cy="3847987"/>
-          </a:xfrm>
-          <a:prstGeom prst="rect">
-            <a:avLst/>
-          </a:prstGeom>
-        </p:spPr>
-      </p:pic>
-    </p:spTree>
-    <p:extLst>
-      <p:ext uri="{BB962C8B-B14F-4D97-AF65-F5344CB8AC3E}">
-        <p14:creationId xmlns:p14="http://schemas.microsoft.com/office/powerpoint/2010/main" xmlns="" val="757124120"/>
-      </p:ext>
-    </p:extLst>
-  </p:cSld>
-  <p:clrMapOvr>
-    <a:masterClrMapping/>
-  </p:clrMapOvr>
-</p:sld>
-</file>
-
-<file path=ppt/slides/slide14.xml><?xml version="1.0" encoding="utf-8"?>
-<p:sld xmlns:a="http://schemas.openxmlformats.org/drawingml/2006/main" xmlns:r="http://schemas.openxmlformats.org/officeDocument/2006/relationships" xmlns:p="http://schemas.openxmlformats.org/presentationml/2006/main">
-  <p:cSld>
-    <p:bg>
-      <p:bgPr>
-        <a:solidFill>
-          <a:srgbClr val="232F3D"/>
-        </a:solidFill>
-        <a:effectLst/>
-      </p:bgPr>
-    </p:bg>
-    <p:spTree>
-      <p:nvGrpSpPr>
-        <p:cNvPr id="1" name=""/>
-        <p:cNvGrpSpPr/>
-        <p:nvPr/>
-      </p:nvGrpSpPr>
-      <p:grpSpPr>
-        <a:xfrm>
-          <a:off x="0" y="0"/>
-          <a:ext cx="0" cy="0"/>
-          <a:chOff x="0" y="0"/>
-          <a:chExt cx="0" cy="0"/>
-        </a:xfrm>
-      </p:grpSpPr>
-      <p:pic>
-        <p:nvPicPr>
-          <p:cNvPr id="17" name="Graphic 69">
-            <a:extLst>
-              <a:ext uri="{FF2B5EF4-FFF2-40B4-BE49-F238E27FC236}">
-                <a16:creationId xmlns:a16="http://schemas.microsoft.com/office/drawing/2014/main" xmlns="" id="{F842753D-102D-4F18-A8F0-0866D712E526}"/>
-              </a:ext>
-            </a:extLst>
-          </p:cNvPr>
-          <p:cNvPicPr>
-            <a:picLocks noChangeAspect="1"/>
-          </p:cNvPicPr>
-          <p:nvPr/>
-        </p:nvPicPr>
-        <p:blipFill>
-          <a:blip r:embed="rId2" cstate="print">
-            <a:extLst>
-              <a:ext uri="{96DAC541-7B7A-43D3-8B79-37D633B846F1}">
-                <asvg:svgBlip xmlns:asvg="http://schemas.microsoft.com/office/drawing/2016/SVG/main" xmlns="" r:embed="rId3"/>
-              </a:ext>
-            </a:extLst>
-          </a:blip>
-          <a:stretch>
-            <a:fillRect/>
-          </a:stretch>
-        </p:blipFill>
-        <p:spPr>
-          <a:xfrm>
-            <a:off x="2441590" y="1507662"/>
-            <a:ext cx="409356" cy="409356"/>
-          </a:xfrm>
-          <a:prstGeom prst="rect">
-            <a:avLst/>
-          </a:prstGeom>
-        </p:spPr>
-      </p:pic>
-      <p:sp>
-        <p:nvSpPr>
-          <p:cNvPr id="19" name="TextBox 35">
-            <a:extLst>
-              <a:ext uri="{FF2B5EF4-FFF2-40B4-BE49-F238E27FC236}">
-                <a16:creationId xmlns:a16="http://schemas.microsoft.com/office/drawing/2014/main" xmlns="" id="{33BCC977-81F8-42BC-B2E7-162157159195}"/>
-              </a:ext>
-            </a:extLst>
-          </p:cNvPr>
-          <p:cNvSpPr txBox="1"/>
-          <p:nvPr/>
-        </p:nvSpPr>
-        <p:spPr>
-          <a:xfrm>
-            <a:off x="1639415" y="1953636"/>
-            <a:ext cx="2127213" cy="276999"/>
-          </a:xfrm>
-          <a:prstGeom prst="rect">
-            <a:avLst/>
-          </a:prstGeom>
-          <a:noFill/>
-        </p:spPr>
-        <p:txBody>
-          <a:bodyPr wrap="square" rtlCol="0">
-            <a:spAutoFit/>
-          </a:bodyPr>
-          <a:lstStyle/>
-          <a:p>
-            <a:pPr algn="ctr"/>
-            <a:r>
-              <a:rPr lang="en-US" sz="1200" b="1" i="1" dirty="0">
-                <a:solidFill>
-                  <a:srgbClr val="FB9701"/>
-                </a:solidFill>
-              </a:rPr>
-              <a:t>Function : Pipeline Manager</a:t>
-            </a:r>
-          </a:p>
-        </p:txBody>
-      </p:sp>
-      <p:pic>
-        <p:nvPicPr>
-          <p:cNvPr id="22" name="Graphic 69">
-            <a:extLst>
-              <a:ext uri="{FF2B5EF4-FFF2-40B4-BE49-F238E27FC236}">
-                <a16:creationId xmlns:a16="http://schemas.microsoft.com/office/drawing/2014/main" xmlns="" id="{65F4F6C2-3153-4CD2-AD45-4A71E847F992}"/>
-              </a:ext>
-            </a:extLst>
-          </p:cNvPr>
-          <p:cNvPicPr>
-            <a:picLocks noChangeAspect="1"/>
-          </p:cNvPicPr>
-          <p:nvPr/>
-        </p:nvPicPr>
-        <p:blipFill>
-          <a:blip r:embed="rId4" cstate="print">
-            <a:extLst>
-              <a:ext uri="{96DAC541-7B7A-43D3-8B79-37D633B846F1}">
-                <asvg:svgBlip xmlns:asvg="http://schemas.microsoft.com/office/drawing/2016/SVG/main" xmlns="" r:embed="rId3"/>
-              </a:ext>
-            </a:extLst>
-          </a:blip>
-          <a:stretch>
-            <a:fillRect/>
-          </a:stretch>
-        </p:blipFill>
-        <p:spPr>
-          <a:xfrm>
-            <a:off x="5855799" y="1502804"/>
-            <a:ext cx="409356" cy="425852"/>
-          </a:xfrm>
-          <a:prstGeom prst="rect">
-            <a:avLst/>
-          </a:prstGeom>
-        </p:spPr>
-      </p:pic>
-      <p:sp>
-        <p:nvSpPr>
-          <p:cNvPr id="23" name="TextBox 35">
-            <a:extLst>
-              <a:ext uri="{FF2B5EF4-FFF2-40B4-BE49-F238E27FC236}">
-                <a16:creationId xmlns:a16="http://schemas.microsoft.com/office/drawing/2014/main" xmlns="" id="{AF1089B4-7F24-4C69-BC66-BE49B59E7DF1}"/>
-              </a:ext>
-            </a:extLst>
-          </p:cNvPr>
-          <p:cNvSpPr txBox="1"/>
-          <p:nvPr/>
-        </p:nvSpPr>
-        <p:spPr>
-          <a:xfrm>
-            <a:off x="5217321" y="1941161"/>
-            <a:ext cx="1686312" cy="276999"/>
-          </a:xfrm>
-          <a:prstGeom prst="rect">
-            <a:avLst/>
-          </a:prstGeom>
-          <a:noFill/>
-        </p:spPr>
-        <p:txBody>
-          <a:bodyPr wrap="square" rtlCol="0">
-            <a:spAutoFit/>
-          </a:bodyPr>
-          <a:lstStyle/>
-          <a:p>
-            <a:pPr algn="ctr"/>
-            <a:r>
-              <a:rPr lang="en-US" sz="1200" b="1" i="1" dirty="0">
-                <a:solidFill>
-                  <a:srgbClr val="FB9701"/>
-                </a:solidFill>
-              </a:rPr>
-              <a:t>Function : Deployer</a:t>
-            </a:r>
-          </a:p>
-        </p:txBody>
-      </p:sp>
-      <p:cxnSp>
-        <p:nvCxnSpPr>
-          <p:cNvPr id="24" name="Straight Arrow Connector 19">
-            <a:extLst>
-              <a:ext uri="{FF2B5EF4-FFF2-40B4-BE49-F238E27FC236}">
-                <a16:creationId xmlns:a16="http://schemas.microsoft.com/office/drawing/2014/main" xmlns="" id="{8497E633-1B10-4BC8-A53F-0E20E19D5B5F}"/>
-              </a:ext>
-            </a:extLst>
-          </p:cNvPr>
-          <p:cNvCxnSpPr>
-            <a:cxnSpLocks/>
-          </p:cNvCxnSpPr>
-          <p:nvPr/>
-        </p:nvCxnSpPr>
-        <p:spPr>
-          <a:xfrm flipH="1">
-            <a:off x="1533909" y="2966479"/>
-            <a:ext cx="735849" cy="1001514"/>
-          </a:xfrm>
-          <a:prstGeom prst="straightConnector1">
-            <a:avLst/>
-          </a:prstGeom>
-          <a:ln w="12700">
-            <a:solidFill>
-              <a:srgbClr val="8FA7C4"/>
-            </a:solidFill>
-            <a:headEnd type="none" w="med" len="sm"/>
-            <a:tailEnd type="arrow" w="med" len="sm"/>
-          </a:ln>
-        </p:spPr>
-        <p:style>
-          <a:lnRef idx="1">
-            <a:schemeClr val="accent1"/>
-          </a:lnRef>
-          <a:fillRef idx="0">
-            <a:schemeClr val="accent1"/>
-          </a:fillRef>
-          <a:effectRef idx="0">
-            <a:schemeClr val="accent1"/>
-          </a:effectRef>
-          <a:fontRef idx="minor">
-            <a:schemeClr val="tx1"/>
-          </a:fontRef>
-        </p:style>
-      </p:cxnSp>
-      <p:cxnSp>
-        <p:nvCxnSpPr>
-          <p:cNvPr id="25" name="Straight Arrow Connector 19">
-            <a:extLst>
-              <a:ext uri="{FF2B5EF4-FFF2-40B4-BE49-F238E27FC236}">
-                <a16:creationId xmlns:a16="http://schemas.microsoft.com/office/drawing/2014/main" xmlns="" id="{F1627917-BFB0-4420-AFDE-F3C95238765B}"/>
-              </a:ext>
-            </a:extLst>
-          </p:cNvPr>
-          <p:cNvCxnSpPr>
-            <a:cxnSpLocks/>
-          </p:cNvCxnSpPr>
-          <p:nvPr/>
-        </p:nvCxnSpPr>
-        <p:spPr>
-          <a:xfrm flipH="1">
-            <a:off x="2636270" y="2955797"/>
-            <a:ext cx="19996" cy="1012196"/>
-          </a:xfrm>
-          <a:prstGeom prst="straightConnector1">
-            <a:avLst/>
-          </a:prstGeom>
-          <a:ln w="12700">
-            <a:solidFill>
-              <a:srgbClr val="8FA7C4"/>
-            </a:solidFill>
-            <a:headEnd type="none" w="med" len="sm"/>
-            <a:tailEnd type="arrow" w="med" len="sm"/>
-          </a:ln>
-        </p:spPr>
-        <p:style>
-          <a:lnRef idx="1">
-            <a:schemeClr val="accent1"/>
-          </a:lnRef>
-          <a:fillRef idx="0">
-            <a:schemeClr val="accent1"/>
-          </a:fillRef>
-          <a:effectRef idx="0">
-            <a:schemeClr val="accent1"/>
-          </a:effectRef>
-          <a:fontRef idx="minor">
-            <a:schemeClr val="tx1"/>
-          </a:fontRef>
-        </p:style>
-      </p:cxnSp>
-      <p:cxnSp>
-        <p:nvCxnSpPr>
-          <p:cNvPr id="26" name="Straight Arrow Connector 19">
-            <a:extLst>
-              <a:ext uri="{FF2B5EF4-FFF2-40B4-BE49-F238E27FC236}">
-                <a16:creationId xmlns:a16="http://schemas.microsoft.com/office/drawing/2014/main" xmlns="" id="{D1F90263-D079-4FFC-AD2B-FE3F943A118B}"/>
-              </a:ext>
-            </a:extLst>
-          </p:cNvPr>
-          <p:cNvCxnSpPr>
-            <a:cxnSpLocks/>
-          </p:cNvCxnSpPr>
-          <p:nvPr/>
-        </p:nvCxnSpPr>
-        <p:spPr>
-          <a:xfrm>
-            <a:off x="3111340" y="2965816"/>
-            <a:ext cx="493209" cy="943454"/>
-          </a:xfrm>
-          <a:prstGeom prst="straightConnector1">
-            <a:avLst/>
-          </a:prstGeom>
-          <a:ln w="12700">
-            <a:solidFill>
-              <a:srgbClr val="8FA7C4"/>
-            </a:solidFill>
-            <a:headEnd type="none" w="med" len="sm"/>
-            <a:tailEnd type="arrow" w="med" len="sm"/>
-          </a:ln>
-        </p:spPr>
-        <p:style>
-          <a:lnRef idx="1">
-            <a:schemeClr val="accent1"/>
-          </a:lnRef>
-          <a:fillRef idx="0">
-            <a:schemeClr val="accent1"/>
-          </a:fillRef>
-          <a:effectRef idx="0">
-            <a:schemeClr val="accent1"/>
-          </a:effectRef>
-          <a:fontRef idx="minor">
-            <a:schemeClr val="tx1"/>
-          </a:fontRef>
-        </p:style>
-      </p:cxnSp>
-      <p:sp>
-        <p:nvSpPr>
-          <p:cNvPr id="48" name="TextBox 35">
-            <a:extLst>
-              <a:ext uri="{FF2B5EF4-FFF2-40B4-BE49-F238E27FC236}">
-                <a16:creationId xmlns:a16="http://schemas.microsoft.com/office/drawing/2014/main" xmlns="" id="{91BDE114-8E5B-462D-8112-33373F20C3B8}"/>
-              </a:ext>
-            </a:extLst>
-          </p:cNvPr>
-          <p:cNvSpPr txBox="1"/>
-          <p:nvPr/>
-        </p:nvSpPr>
-        <p:spPr>
-          <a:xfrm rot="18493688">
-            <a:off x="1270324" y="3152078"/>
-            <a:ext cx="1006453" cy="400110"/>
-          </a:xfrm>
-          <a:prstGeom prst="rect">
-            <a:avLst/>
-          </a:prstGeom>
-          <a:noFill/>
-        </p:spPr>
-        <p:txBody>
-          <a:bodyPr wrap="square" rtlCol="0">
-            <a:spAutoFit/>
-          </a:bodyPr>
-          <a:lstStyle/>
-          <a:p>
-            <a:pPr algn="ctr"/>
-            <a:r>
-              <a:rPr lang="en-US" sz="1000" i="1" dirty="0">
-                <a:solidFill>
-                  <a:srgbClr val="FF0000"/>
-                </a:solidFill>
-              </a:rPr>
-              <a:t>Un-intercepted error</a:t>
-            </a:r>
-          </a:p>
-        </p:txBody>
-      </p:sp>
-      <p:sp>
-        <p:nvSpPr>
-          <p:cNvPr id="56" name="TextBox 35">
-            <a:extLst>
-              <a:ext uri="{FF2B5EF4-FFF2-40B4-BE49-F238E27FC236}">
-                <a16:creationId xmlns:a16="http://schemas.microsoft.com/office/drawing/2014/main" xmlns="" id="{42188A36-72AD-49F3-8392-5529762FA6CB}"/>
-              </a:ext>
-            </a:extLst>
-          </p:cNvPr>
-          <p:cNvSpPr txBox="1"/>
-          <p:nvPr/>
-        </p:nvSpPr>
-        <p:spPr>
-          <a:xfrm>
-            <a:off x="2153039" y="3214635"/>
-            <a:ext cx="1006453" cy="553998"/>
-          </a:xfrm>
-          <a:prstGeom prst="rect">
-            <a:avLst/>
-          </a:prstGeom>
-          <a:noFill/>
-        </p:spPr>
-        <p:txBody>
-          <a:bodyPr wrap="square" rtlCol="0">
-            <a:spAutoFit/>
-          </a:bodyPr>
-          <a:lstStyle/>
-          <a:p>
-            <a:pPr algn="ctr"/>
-            <a:r>
-              <a:rPr lang="en-US" sz="1000" i="1" dirty="0">
-                <a:solidFill>
-                  <a:srgbClr val="FFC000"/>
-                </a:solidFill>
-              </a:rPr>
-              <a:t>Intercepted error &amp; warnings</a:t>
-            </a:r>
-          </a:p>
-        </p:txBody>
-      </p:sp>
-      <p:sp>
-        <p:nvSpPr>
-          <p:cNvPr id="57" name="TextBox 35">
-            <a:extLst>
-              <a:ext uri="{FF2B5EF4-FFF2-40B4-BE49-F238E27FC236}">
-                <a16:creationId xmlns:a16="http://schemas.microsoft.com/office/drawing/2014/main" xmlns="" id="{5BC79DA3-1338-4505-94DE-157906FC2339}"/>
-              </a:ext>
-            </a:extLst>
-          </p:cNvPr>
-          <p:cNvSpPr txBox="1"/>
-          <p:nvPr/>
-        </p:nvSpPr>
-        <p:spPr>
-          <a:xfrm rot="3754564">
-            <a:off x="3013302" y="3261671"/>
-            <a:ext cx="1006453" cy="246221"/>
-          </a:xfrm>
-          <a:prstGeom prst="rect">
-            <a:avLst/>
-          </a:prstGeom>
-          <a:noFill/>
-        </p:spPr>
-        <p:txBody>
-          <a:bodyPr wrap="square" rtlCol="0">
-            <a:spAutoFit/>
-          </a:bodyPr>
-          <a:lstStyle/>
-          <a:p>
-            <a:pPr algn="ctr"/>
-            <a:r>
-              <a:rPr lang="en-US" sz="1000" i="1" dirty="0">
-                <a:solidFill>
-                  <a:srgbClr val="6BAC3E"/>
-                </a:solidFill>
-              </a:rPr>
-              <a:t>Success</a:t>
-            </a:r>
-          </a:p>
-        </p:txBody>
-      </p:sp>
-      <p:sp>
-        <p:nvSpPr>
-          <p:cNvPr id="58" name="TextBox 35">
-            <a:extLst>
-              <a:ext uri="{FF2B5EF4-FFF2-40B4-BE49-F238E27FC236}">
-                <a16:creationId xmlns:a16="http://schemas.microsoft.com/office/drawing/2014/main" xmlns="" id="{6E1629AD-28EB-445D-A25E-C62D62579C17}"/>
-              </a:ext>
-            </a:extLst>
-          </p:cNvPr>
-          <p:cNvSpPr txBox="1"/>
-          <p:nvPr/>
-        </p:nvSpPr>
-        <p:spPr>
-          <a:xfrm>
-            <a:off x="1563303" y="2387818"/>
-            <a:ext cx="2395332" cy="276999"/>
-          </a:xfrm>
-          <a:prstGeom prst="rect">
-            <a:avLst/>
-          </a:prstGeom>
-          <a:noFill/>
-        </p:spPr>
-        <p:txBody>
-          <a:bodyPr wrap="square" rtlCol="0">
-            <a:spAutoFit/>
-          </a:bodyPr>
-          <a:lstStyle/>
-          <a:p>
-            <a:pPr algn="ctr"/>
-            <a:r>
-              <a:rPr lang="fr-FR" sz="1200" i="1" dirty="0">
-                <a:solidFill>
-                  <a:schemeClr val="bg1"/>
-                </a:solidFill>
-              </a:rPr>
-              <a:t>T</a:t>
-            </a:r>
-            <a:r>
-              <a:rPr lang="en-US" sz="1200" i="1" dirty="0">
-                <a:solidFill>
-                  <a:schemeClr val="bg1"/>
-                </a:solidFill>
-              </a:rPr>
-              <a:t>rigger by an event</a:t>
-            </a:r>
-          </a:p>
-        </p:txBody>
-      </p:sp>
-      <p:sp>
-        <p:nvSpPr>
-          <p:cNvPr id="60" name="TextBox 35">
-            <a:extLst>
-              <a:ext uri="{FF2B5EF4-FFF2-40B4-BE49-F238E27FC236}">
-                <a16:creationId xmlns:a16="http://schemas.microsoft.com/office/drawing/2014/main" xmlns="" id="{0BDA6E7B-90B8-47C0-80D0-F97B3FFE0C10}"/>
-              </a:ext>
-            </a:extLst>
-          </p:cNvPr>
-          <p:cNvSpPr txBox="1"/>
-          <p:nvPr/>
-        </p:nvSpPr>
-        <p:spPr>
-          <a:xfrm>
-            <a:off x="4957009" y="2389567"/>
-            <a:ext cx="2395332" cy="461665"/>
-          </a:xfrm>
-          <a:prstGeom prst="rect">
-            <a:avLst/>
-          </a:prstGeom>
-          <a:noFill/>
-        </p:spPr>
-        <p:txBody>
-          <a:bodyPr wrap="square" rtlCol="0">
-            <a:spAutoFit/>
-          </a:bodyPr>
-          <a:lstStyle/>
-          <a:p>
-            <a:pPr algn="ctr"/>
-            <a:r>
-              <a:rPr lang="en-US" sz="1200" i="1" dirty="0">
-                <a:solidFill>
-                  <a:schemeClr val="bg1"/>
-                </a:solidFill>
-              </a:rPr>
-              <a:t>Invoked asynchronously by an other Lambda</a:t>
-            </a:r>
-          </a:p>
-        </p:txBody>
-      </p:sp>
-      <p:sp>
-        <p:nvSpPr>
-          <p:cNvPr id="61" name="TextBox 35">
-            <a:extLst>
-              <a:ext uri="{FF2B5EF4-FFF2-40B4-BE49-F238E27FC236}">
-                <a16:creationId xmlns:a16="http://schemas.microsoft.com/office/drawing/2014/main" xmlns="" id="{F93F5B75-8FD4-4365-B3EC-239D290511EA}"/>
-              </a:ext>
-            </a:extLst>
-          </p:cNvPr>
-          <p:cNvSpPr txBox="1"/>
-          <p:nvPr/>
-        </p:nvSpPr>
-        <p:spPr>
-          <a:xfrm>
-            <a:off x="1018900" y="4101444"/>
-            <a:ext cx="1030018" cy="276999"/>
-          </a:xfrm>
-          <a:prstGeom prst="rect">
-            <a:avLst/>
-          </a:prstGeom>
-          <a:noFill/>
-        </p:spPr>
-        <p:txBody>
-          <a:bodyPr wrap="square" rtlCol="0">
-            <a:spAutoFit/>
-          </a:bodyPr>
-          <a:lstStyle/>
-          <a:p>
-            <a:pPr algn="ctr"/>
-            <a:r>
-              <a:rPr lang="fr-FR" sz="1200" i="1" dirty="0">
-                <a:solidFill>
-                  <a:schemeClr val="bg1"/>
-                </a:solidFill>
-              </a:rPr>
-              <a:t>Exit Failure</a:t>
-            </a:r>
-            <a:endParaRPr lang="en-US" sz="1200" i="1" dirty="0">
-              <a:solidFill>
-                <a:schemeClr val="bg1"/>
-              </a:solidFill>
-            </a:endParaRPr>
-          </a:p>
-        </p:txBody>
-      </p:sp>
-      <p:cxnSp>
-        <p:nvCxnSpPr>
-          <p:cNvPr id="62" name="Straight Arrow Connector 19">
-            <a:extLst>
-              <a:ext uri="{FF2B5EF4-FFF2-40B4-BE49-F238E27FC236}">
-                <a16:creationId xmlns:a16="http://schemas.microsoft.com/office/drawing/2014/main" xmlns="" id="{EB0DFFFF-72CF-482C-9492-2A4F9F58F09A}"/>
-              </a:ext>
-            </a:extLst>
-          </p:cNvPr>
-          <p:cNvCxnSpPr>
-            <a:cxnSpLocks/>
-          </p:cNvCxnSpPr>
-          <p:nvPr/>
-        </p:nvCxnSpPr>
-        <p:spPr>
-          <a:xfrm>
-            <a:off x="1529934" y="4391742"/>
-            <a:ext cx="0" cy="280926"/>
-          </a:xfrm>
-          <a:prstGeom prst="straightConnector1">
-            <a:avLst/>
-          </a:prstGeom>
-          <a:ln w="12700">
-            <a:solidFill>
-              <a:srgbClr val="8FA7C4"/>
-            </a:solidFill>
-            <a:headEnd type="none" w="med" len="sm"/>
-            <a:tailEnd type="arrow" w="med" len="sm"/>
-          </a:ln>
-        </p:spPr>
-        <p:style>
-          <a:lnRef idx="1">
-            <a:schemeClr val="accent1"/>
-          </a:lnRef>
-          <a:fillRef idx="0">
-            <a:schemeClr val="accent1"/>
-          </a:fillRef>
-          <a:effectRef idx="0">
-            <a:schemeClr val="accent1"/>
-          </a:effectRef>
-          <a:fontRef idx="minor">
-            <a:schemeClr val="tx1"/>
-          </a:fontRef>
-        </p:style>
-      </p:cxnSp>
-      <p:sp>
-        <p:nvSpPr>
-          <p:cNvPr id="64" name="TextBox 35">
-            <a:extLst>
-              <a:ext uri="{FF2B5EF4-FFF2-40B4-BE49-F238E27FC236}">
-                <a16:creationId xmlns:a16="http://schemas.microsoft.com/office/drawing/2014/main" xmlns="" id="{E9A68A5A-CEB8-4434-84E2-9CFF461198CD}"/>
-              </a:ext>
-            </a:extLst>
-          </p:cNvPr>
-          <p:cNvSpPr txBox="1"/>
-          <p:nvPr/>
-        </p:nvSpPr>
-        <p:spPr>
-          <a:xfrm>
-            <a:off x="1014925" y="4682093"/>
-            <a:ext cx="1030018" cy="830997"/>
-          </a:xfrm>
-          <a:prstGeom prst="rect">
-            <a:avLst/>
-          </a:prstGeom>
-          <a:noFill/>
-        </p:spPr>
-        <p:txBody>
-          <a:bodyPr wrap="square" rtlCol="0">
-            <a:spAutoFit/>
-          </a:bodyPr>
-          <a:lstStyle/>
-          <a:p>
-            <a:pPr algn="ctr"/>
-            <a:r>
-              <a:rPr lang="en-US" sz="1200" i="1" dirty="0">
-                <a:solidFill>
-                  <a:schemeClr val="bg1"/>
-                </a:solidFill>
-              </a:rPr>
-              <a:t>Trigger</a:t>
-            </a:r>
-          </a:p>
-          <a:p>
-            <a:pPr algn="ctr"/>
-            <a:r>
-              <a:rPr lang="en-US" sz="1200" i="1" dirty="0">
-                <a:solidFill>
-                  <a:schemeClr val="bg1"/>
-                </a:solidFill>
-              </a:rPr>
-              <a:t>automatically generated  </a:t>
-            </a:r>
-          </a:p>
-          <a:p>
-            <a:pPr algn="ctr"/>
-            <a:r>
-              <a:rPr lang="en-US" sz="1200" i="1" dirty="0">
-                <a:solidFill>
-                  <a:schemeClr val="bg1"/>
-                </a:solidFill>
-              </a:rPr>
-              <a:t>SNS message</a:t>
-            </a:r>
-          </a:p>
-        </p:txBody>
-      </p:sp>
-      <p:pic>
-        <p:nvPicPr>
-          <p:cNvPr id="67" name="Graphic 33">
-            <a:extLst>
-              <a:ext uri="{FF2B5EF4-FFF2-40B4-BE49-F238E27FC236}">
-                <a16:creationId xmlns:a16="http://schemas.microsoft.com/office/drawing/2014/main" xmlns="" id="{243AB782-C2B4-450F-90BA-9CB77570F236}"/>
-              </a:ext>
-            </a:extLst>
-          </p:cNvPr>
-          <p:cNvPicPr>
-            <a:picLocks noChangeAspect="1"/>
-          </p:cNvPicPr>
-          <p:nvPr/>
-        </p:nvPicPr>
-        <p:blipFill>
-          <a:blip r:embed="rId5" cstate="print">
-            <a:extLst>
-              <a:ext uri="{96DAC541-7B7A-43D3-8B79-37D633B846F1}">
-                <asvg:svgBlip xmlns:asvg="http://schemas.microsoft.com/office/drawing/2016/SVG/main" xmlns="" r:embed="rId6"/>
-              </a:ext>
-            </a:extLst>
-          </a:blip>
-          <a:stretch>
-            <a:fillRect/>
-          </a:stretch>
-        </p:blipFill>
-        <p:spPr>
-          <a:xfrm>
-            <a:off x="1359676" y="5522515"/>
-            <a:ext cx="340516" cy="340516"/>
-          </a:xfrm>
-          <a:prstGeom prst="rect">
-            <a:avLst/>
-          </a:prstGeom>
-        </p:spPr>
-      </p:pic>
-      <p:sp>
-        <p:nvSpPr>
-          <p:cNvPr id="77" name="TextBox 35">
-            <a:extLst>
-              <a:ext uri="{FF2B5EF4-FFF2-40B4-BE49-F238E27FC236}">
-                <a16:creationId xmlns:a16="http://schemas.microsoft.com/office/drawing/2014/main" xmlns="" id="{B2834350-CC18-4E9A-A332-D86EBE99FE85}"/>
-              </a:ext>
-            </a:extLst>
-          </p:cNvPr>
-          <p:cNvSpPr txBox="1"/>
-          <p:nvPr/>
-        </p:nvSpPr>
-        <p:spPr>
-          <a:xfrm>
-            <a:off x="3201700" y="5205309"/>
-            <a:ext cx="995165" cy="461665"/>
-          </a:xfrm>
-          <a:prstGeom prst="rect">
-            <a:avLst/>
-          </a:prstGeom>
-          <a:noFill/>
-        </p:spPr>
-        <p:txBody>
-          <a:bodyPr wrap="square" rtlCol="0">
-            <a:spAutoFit/>
-          </a:bodyPr>
-          <a:lstStyle/>
-          <a:p>
-            <a:pPr algn="ctr"/>
-            <a:r>
-              <a:rPr lang="en-US" sz="1200" i="1" dirty="0">
-                <a:solidFill>
-                  <a:schemeClr val="bg1"/>
-                </a:solidFill>
-              </a:rPr>
-              <a:t>Exit Success</a:t>
-            </a:r>
-          </a:p>
-          <a:p>
-            <a:pPr algn="ctr"/>
-            <a:endParaRPr lang="en-US" sz="1200" i="1" dirty="0">
-              <a:solidFill>
-                <a:schemeClr val="bg1"/>
-              </a:solidFill>
-            </a:endParaRPr>
-          </a:p>
-        </p:txBody>
-      </p:sp>
-      <p:cxnSp>
-        <p:nvCxnSpPr>
-          <p:cNvPr id="82" name="Straight Arrow Connector 19">
-            <a:extLst>
-              <a:ext uri="{FF2B5EF4-FFF2-40B4-BE49-F238E27FC236}">
-                <a16:creationId xmlns:a16="http://schemas.microsoft.com/office/drawing/2014/main" xmlns="" id="{43109173-4D26-4E29-A1AE-A8D364FBA66C}"/>
-              </a:ext>
-            </a:extLst>
-          </p:cNvPr>
-          <p:cNvCxnSpPr>
-            <a:cxnSpLocks/>
-          </p:cNvCxnSpPr>
-          <p:nvPr/>
-        </p:nvCxnSpPr>
-        <p:spPr>
-          <a:xfrm flipH="1">
-            <a:off x="2623996" y="5457295"/>
-            <a:ext cx="5257" cy="246515"/>
-          </a:xfrm>
-          <a:prstGeom prst="straightConnector1">
-            <a:avLst/>
-          </a:prstGeom>
-          <a:ln w="12700">
-            <a:solidFill>
-              <a:srgbClr val="8FA7C4"/>
-            </a:solidFill>
-            <a:headEnd type="none" w="med" len="sm"/>
-            <a:tailEnd type="arrow" w="med" len="sm"/>
-          </a:ln>
-        </p:spPr>
-        <p:style>
-          <a:lnRef idx="1">
-            <a:schemeClr val="accent1"/>
-          </a:lnRef>
-          <a:fillRef idx="0">
-            <a:schemeClr val="accent1"/>
-          </a:fillRef>
-          <a:effectRef idx="0">
-            <a:schemeClr val="accent1"/>
-          </a:effectRef>
-          <a:fontRef idx="minor">
-            <a:schemeClr val="tx1"/>
-          </a:fontRef>
-        </p:style>
-      </p:cxnSp>
-      <p:cxnSp>
-        <p:nvCxnSpPr>
-          <p:cNvPr id="84" name="Straight Arrow Connector 19">
-            <a:extLst>
-              <a:ext uri="{FF2B5EF4-FFF2-40B4-BE49-F238E27FC236}">
-                <a16:creationId xmlns:a16="http://schemas.microsoft.com/office/drawing/2014/main" xmlns="" id="{841E453C-B03B-426C-AE5F-84D160BC412B}"/>
-              </a:ext>
-            </a:extLst>
-          </p:cNvPr>
-          <p:cNvCxnSpPr>
-            <a:cxnSpLocks/>
-          </p:cNvCxnSpPr>
-          <p:nvPr/>
-        </p:nvCxnSpPr>
-        <p:spPr>
-          <a:xfrm>
-            <a:off x="3690411" y="4709586"/>
-            <a:ext cx="1" cy="461665"/>
-          </a:xfrm>
-          <a:prstGeom prst="straightConnector1">
-            <a:avLst/>
-          </a:prstGeom>
-          <a:ln w="12700">
-            <a:solidFill>
-              <a:srgbClr val="8FA7C4"/>
-            </a:solidFill>
-            <a:headEnd type="none" w="med" len="sm"/>
-            <a:tailEnd type="arrow" w="med" len="sm"/>
-          </a:ln>
-        </p:spPr>
-        <p:style>
-          <a:lnRef idx="1">
-            <a:schemeClr val="accent1"/>
-          </a:lnRef>
-          <a:fillRef idx="0">
-            <a:schemeClr val="accent1"/>
-          </a:fillRef>
-          <a:effectRef idx="0">
-            <a:schemeClr val="accent1"/>
-          </a:effectRef>
-          <a:fontRef idx="minor">
-            <a:schemeClr val="tx1"/>
-          </a:fontRef>
-        </p:style>
-      </p:cxnSp>
-      <p:sp>
-        <p:nvSpPr>
-          <p:cNvPr id="140" name="Rectangle 139">
-            <a:extLst>
-              <a:ext uri="{FF2B5EF4-FFF2-40B4-BE49-F238E27FC236}">
-                <a16:creationId xmlns:a16="http://schemas.microsoft.com/office/drawing/2014/main" xmlns="" id="{DA1B699A-1C62-44A6-B55D-CF70E3028EF4}"/>
-              </a:ext>
-            </a:extLst>
-          </p:cNvPr>
-          <p:cNvSpPr/>
-          <p:nvPr/>
-        </p:nvSpPr>
-        <p:spPr>
-          <a:xfrm>
-            <a:off x="1014925" y="1333849"/>
-            <a:ext cx="3199721" cy="4790113"/>
-          </a:xfrm>
-          <a:prstGeom prst="rect">
-            <a:avLst/>
-          </a:prstGeom>
-          <a:noFill/>
-          <a:ln w="12700" cap="flat" cmpd="sng" algn="ctr">
-            <a:solidFill>
-              <a:srgbClr val="00A0C8"/>
-            </a:solidFill>
-            <a:prstDash val="sysDash"/>
-            <a:miter lim="800000"/>
-          </a:ln>
-          <a:effectLst/>
-        </p:spPr>
-        <p:txBody>
-          <a:bodyPr rot="0" spcFirstLastPara="0" vertOverflow="overflow" horzOverflow="overflow" vert="horz" wrap="square" lIns="457200" tIns="91440" rIns="91440" bIns="45720" numCol="1" spcCol="0" rtlCol="0" fromWordArt="0" anchor="t" anchorCtr="0" forceAA="0" compatLnSpc="1">
-            <a:prstTxWarp prst="textNoShape">
-              <a:avLst/>
-            </a:prstTxWarp>
-            <a:noAutofit/>
-          </a:bodyPr>
-          <a:lstStyle/>
-          <a:p>
-            <a:pPr marL="0" marR="0" lvl="0" indent="0" defTabSz="914400" eaLnBrk="1" fontAlgn="auto" latinLnBrk="0" hangingPunct="1">
-              <a:lnSpc>
-                <a:spcPct val="100000"/>
-              </a:lnSpc>
-              <a:spcBef>
-                <a:spcPts val="0"/>
-              </a:spcBef>
-              <a:spcAft>
-                <a:spcPts val="0"/>
-              </a:spcAft>
-              <a:buClrTx/>
-              <a:buSzTx/>
-              <a:buFontTx/>
-              <a:buNone/>
-              <a:tabLst/>
-              <a:defRPr/>
-            </a:pPr>
-            <a:endParaRPr kumimoji="0" lang="en-US" sz="1200" b="0" i="0" u="none" strike="noStrike" kern="0" cap="none" spc="0" normalizeH="0" baseline="0" noProof="0" dirty="0">
-              <a:ln>
-                <a:noFill/>
-              </a:ln>
-              <a:solidFill>
-                <a:srgbClr val="00A0C8"/>
-              </a:solidFill>
-              <a:effectLst/>
-              <a:uLnTx/>
-              <a:uFillTx/>
-              <a:latin typeface="Arial" panose="020B0604020202020204"/>
-              <a:ea typeface="+mn-ea"/>
-              <a:cs typeface="+mn-cs"/>
-            </a:endParaRPr>
-          </a:p>
-        </p:txBody>
-      </p:sp>
-      <p:sp>
-        <p:nvSpPr>
-          <p:cNvPr id="142" name="Rectangle 141">
-            <a:extLst>
-              <a:ext uri="{FF2B5EF4-FFF2-40B4-BE49-F238E27FC236}">
-                <a16:creationId xmlns:a16="http://schemas.microsoft.com/office/drawing/2014/main" xmlns="" id="{12D27D3F-4903-4E70-A476-23A0F271F9CF}"/>
-              </a:ext>
-            </a:extLst>
-          </p:cNvPr>
-          <p:cNvSpPr/>
-          <p:nvPr/>
-        </p:nvSpPr>
-        <p:spPr>
-          <a:xfrm>
-            <a:off x="4477850" y="1333849"/>
-            <a:ext cx="3199721" cy="4790113"/>
-          </a:xfrm>
-          <a:prstGeom prst="rect">
-            <a:avLst/>
-          </a:prstGeom>
-          <a:noFill/>
-          <a:ln w="12700" cap="flat" cmpd="sng" algn="ctr">
-            <a:solidFill>
-              <a:srgbClr val="00A0C8"/>
-            </a:solidFill>
-            <a:prstDash val="sysDash"/>
-            <a:miter lim="800000"/>
-          </a:ln>
-          <a:effectLst/>
-        </p:spPr>
-        <p:txBody>
-          <a:bodyPr rot="0" spcFirstLastPara="0" vertOverflow="overflow" horzOverflow="overflow" vert="horz" wrap="square" lIns="457200" tIns="91440" rIns="91440" bIns="45720" numCol="1" spcCol="0" rtlCol="0" fromWordArt="0" anchor="t" anchorCtr="0" forceAA="0" compatLnSpc="1">
-            <a:prstTxWarp prst="textNoShape">
-              <a:avLst/>
-            </a:prstTxWarp>
-            <a:noAutofit/>
-          </a:bodyPr>
-          <a:lstStyle/>
-          <a:p>
-            <a:pPr marL="0" marR="0" lvl="0" indent="0" defTabSz="914400" eaLnBrk="1" fontAlgn="auto" latinLnBrk="0" hangingPunct="1">
-              <a:lnSpc>
-                <a:spcPct val="100000"/>
-              </a:lnSpc>
-              <a:spcBef>
-                <a:spcPts val="0"/>
-              </a:spcBef>
-              <a:spcAft>
-                <a:spcPts val="0"/>
-              </a:spcAft>
-              <a:buClrTx/>
-              <a:buSzTx/>
-              <a:buFontTx/>
-              <a:buNone/>
-              <a:tabLst/>
-              <a:defRPr/>
-            </a:pPr>
-            <a:endParaRPr kumimoji="0" lang="en-US" sz="1200" b="0" i="0" u="none" strike="noStrike" kern="0" cap="none" spc="0" normalizeH="0" baseline="0" noProof="0" dirty="0">
-              <a:ln>
-                <a:noFill/>
-              </a:ln>
-              <a:solidFill>
-                <a:srgbClr val="00A0C8"/>
-              </a:solidFill>
-              <a:effectLst/>
-              <a:uLnTx/>
-              <a:uFillTx/>
-              <a:latin typeface="Arial" panose="020B0604020202020204"/>
-              <a:ea typeface="+mn-ea"/>
-              <a:cs typeface="+mn-cs"/>
-            </a:endParaRPr>
-          </a:p>
-        </p:txBody>
-      </p:sp>
-      <p:sp>
-        <p:nvSpPr>
-          <p:cNvPr id="143" name="TextBox 35">
-            <a:extLst>
-              <a:ext uri="{FF2B5EF4-FFF2-40B4-BE49-F238E27FC236}">
-                <a16:creationId xmlns:a16="http://schemas.microsoft.com/office/drawing/2014/main" xmlns="" id="{6B903AE0-1F66-40CB-BE9B-4FB346B94DD5}"/>
-              </a:ext>
-            </a:extLst>
-          </p:cNvPr>
-          <p:cNvSpPr txBox="1"/>
-          <p:nvPr/>
-        </p:nvSpPr>
-        <p:spPr>
-          <a:xfrm>
-            <a:off x="1556599" y="2162609"/>
-            <a:ext cx="2395332" cy="276999"/>
-          </a:xfrm>
-          <a:prstGeom prst="rect">
-            <a:avLst/>
-          </a:prstGeom>
-          <a:noFill/>
-        </p:spPr>
-        <p:txBody>
-          <a:bodyPr wrap="square" rtlCol="0">
-            <a:spAutoFit/>
-          </a:bodyPr>
-          <a:lstStyle/>
-          <a:p>
-            <a:pPr algn="ctr"/>
-            <a:r>
-              <a:rPr lang="en-US" sz="1200" i="1" dirty="0">
-                <a:solidFill>
-                  <a:schemeClr val="accent1">
-                    <a:lumMod val="75000"/>
-                  </a:schemeClr>
-                </a:solidFill>
-              </a:rPr>
-              <a:t>”Wrapper” Role </a:t>
-            </a:r>
-          </a:p>
-        </p:txBody>
-      </p:sp>
-      <p:sp>
-        <p:nvSpPr>
-          <p:cNvPr id="144" name="TextBox 35">
-            <a:extLst>
-              <a:ext uri="{FF2B5EF4-FFF2-40B4-BE49-F238E27FC236}">
-                <a16:creationId xmlns:a16="http://schemas.microsoft.com/office/drawing/2014/main" xmlns="" id="{3928FA37-EF9E-4D3C-874D-4C52CB33E494}"/>
-              </a:ext>
-            </a:extLst>
-          </p:cNvPr>
-          <p:cNvSpPr txBox="1"/>
-          <p:nvPr/>
-        </p:nvSpPr>
-        <p:spPr>
-          <a:xfrm>
-            <a:off x="4925109" y="2151063"/>
-            <a:ext cx="2395332" cy="276999"/>
-          </a:xfrm>
-          <a:prstGeom prst="rect">
-            <a:avLst/>
-          </a:prstGeom>
-          <a:noFill/>
-        </p:spPr>
-        <p:txBody>
-          <a:bodyPr wrap="square" rtlCol="0">
-            <a:spAutoFit/>
-          </a:bodyPr>
-          <a:lstStyle/>
-          <a:p>
-            <a:pPr algn="ctr"/>
-            <a:r>
-              <a:rPr lang="en-US" sz="1200" i="1" dirty="0">
-                <a:solidFill>
-                  <a:schemeClr val="accent1">
-                    <a:lumMod val="75000"/>
-                  </a:schemeClr>
-                </a:solidFill>
-              </a:rPr>
-              <a:t>“Wrapper” Role </a:t>
-            </a:r>
-          </a:p>
-        </p:txBody>
-      </p:sp>
-      <p:sp>
-        <p:nvSpPr>
-          <p:cNvPr id="150" name="TextBox 35">
-            <a:extLst>
-              <a:ext uri="{FF2B5EF4-FFF2-40B4-BE49-F238E27FC236}">
-                <a16:creationId xmlns:a16="http://schemas.microsoft.com/office/drawing/2014/main" xmlns="" id="{2ECE6FA6-F9D9-4A95-B786-E6BAA009E31E}"/>
-              </a:ext>
-            </a:extLst>
-          </p:cNvPr>
-          <p:cNvSpPr txBox="1"/>
-          <p:nvPr/>
-        </p:nvSpPr>
-        <p:spPr>
-          <a:xfrm>
-            <a:off x="3119887" y="4316860"/>
-            <a:ext cx="1030018" cy="276999"/>
-          </a:xfrm>
-          <a:prstGeom prst="rect">
-            <a:avLst/>
-          </a:prstGeom>
-          <a:noFill/>
-        </p:spPr>
-        <p:txBody>
-          <a:bodyPr wrap="square" rtlCol="0">
-            <a:spAutoFit/>
-          </a:bodyPr>
-          <a:lstStyle/>
-          <a:p>
-            <a:pPr algn="ctr"/>
-            <a:r>
-              <a:rPr lang="fr-FR" sz="1200" i="1" dirty="0">
-                <a:solidFill>
-                  <a:schemeClr val="bg1"/>
-                </a:solidFill>
-              </a:rPr>
-              <a:t>Do Nothing</a:t>
-            </a:r>
-            <a:endParaRPr lang="en-US" sz="1200" i="1" dirty="0">
-              <a:solidFill>
-                <a:schemeClr val="bg1"/>
-              </a:solidFill>
-            </a:endParaRPr>
-          </a:p>
-        </p:txBody>
-      </p:sp>
-      <p:pic>
-        <p:nvPicPr>
-          <p:cNvPr id="176" name="Graphic 69">
-            <a:extLst>
-              <a:ext uri="{FF2B5EF4-FFF2-40B4-BE49-F238E27FC236}">
-                <a16:creationId xmlns:a16="http://schemas.microsoft.com/office/drawing/2014/main" xmlns="" id="{E4104426-82E4-4A93-A71B-23C0E35B899B}"/>
-              </a:ext>
-            </a:extLst>
-          </p:cNvPr>
-          <p:cNvPicPr>
-            <a:picLocks noChangeAspect="1"/>
-          </p:cNvPicPr>
-          <p:nvPr/>
-        </p:nvPicPr>
-        <p:blipFill>
-          <a:blip r:embed="rId2" cstate="print">
-            <a:extLst>
-              <a:ext uri="{96DAC541-7B7A-43D3-8B79-37D633B846F1}">
-                <asvg:svgBlip xmlns:asvg="http://schemas.microsoft.com/office/drawing/2016/SVG/main" xmlns="" r:embed="rId3"/>
-              </a:ext>
-            </a:extLst>
-          </a:blip>
-          <a:stretch>
-            <a:fillRect/>
-          </a:stretch>
-        </p:blipFill>
-        <p:spPr>
-          <a:xfrm>
-            <a:off x="9332913" y="1490913"/>
-            <a:ext cx="409356" cy="409356"/>
-          </a:xfrm>
-          <a:prstGeom prst="rect">
-            <a:avLst/>
-          </a:prstGeom>
-        </p:spPr>
-      </p:pic>
-      <p:sp>
-        <p:nvSpPr>
-          <p:cNvPr id="177" name="TextBox 35">
-            <a:extLst>
-              <a:ext uri="{FF2B5EF4-FFF2-40B4-BE49-F238E27FC236}">
-                <a16:creationId xmlns:a16="http://schemas.microsoft.com/office/drawing/2014/main" xmlns="" id="{B4C7650F-5958-4B58-9C1B-F2122C89CDBF}"/>
-              </a:ext>
-            </a:extLst>
-          </p:cNvPr>
-          <p:cNvSpPr txBox="1"/>
-          <p:nvPr/>
-        </p:nvSpPr>
-        <p:spPr>
-          <a:xfrm>
-            <a:off x="8594479" y="1963084"/>
-            <a:ext cx="1866230" cy="276999"/>
-          </a:xfrm>
-          <a:prstGeom prst="rect">
-            <a:avLst/>
-          </a:prstGeom>
-          <a:noFill/>
-        </p:spPr>
-        <p:txBody>
-          <a:bodyPr wrap="square" rtlCol="0">
-            <a:spAutoFit/>
-          </a:bodyPr>
-          <a:lstStyle/>
-          <a:p>
-            <a:pPr algn="ctr"/>
-            <a:r>
-              <a:rPr lang="en-US" sz="1200" b="1" i="1" dirty="0">
-                <a:solidFill>
-                  <a:srgbClr val="FB9701"/>
-                </a:solidFill>
-              </a:rPr>
-              <a:t>Function : Publish a Layer</a:t>
-            </a:r>
-          </a:p>
-        </p:txBody>
-      </p:sp>
-      <p:sp>
-        <p:nvSpPr>
-          <p:cNvPr id="178" name="TextBox 35">
-            <a:extLst>
-              <a:ext uri="{FF2B5EF4-FFF2-40B4-BE49-F238E27FC236}">
-                <a16:creationId xmlns:a16="http://schemas.microsoft.com/office/drawing/2014/main" xmlns="" id="{39B1D33D-9700-4FB3-BD97-31B73576E5B0}"/>
-              </a:ext>
-            </a:extLst>
-          </p:cNvPr>
-          <p:cNvSpPr txBox="1"/>
-          <p:nvPr/>
-        </p:nvSpPr>
-        <p:spPr>
-          <a:xfrm>
-            <a:off x="8361487" y="2387818"/>
-            <a:ext cx="2395332" cy="461665"/>
-          </a:xfrm>
-          <a:prstGeom prst="rect">
-            <a:avLst/>
-          </a:prstGeom>
-          <a:noFill/>
-        </p:spPr>
-        <p:txBody>
-          <a:bodyPr wrap="square" rtlCol="0">
-            <a:spAutoFit/>
-          </a:bodyPr>
-          <a:lstStyle/>
-          <a:p>
-            <a:pPr algn="ctr"/>
-            <a:r>
-              <a:rPr lang="en-US" sz="1200" i="1" dirty="0">
-                <a:solidFill>
-                  <a:schemeClr val="bg1"/>
-                </a:solidFill>
-              </a:rPr>
-              <a:t>Invoked synchronously by an other Lambda</a:t>
-            </a:r>
-          </a:p>
-        </p:txBody>
-      </p:sp>
-      <p:cxnSp>
-        <p:nvCxnSpPr>
-          <p:cNvPr id="179" name="Straight Arrow Connector 19">
-            <a:extLst>
-              <a:ext uri="{FF2B5EF4-FFF2-40B4-BE49-F238E27FC236}">
-                <a16:creationId xmlns:a16="http://schemas.microsoft.com/office/drawing/2014/main" xmlns="" id="{35AC792B-E071-4D8D-B846-84D44F7EB509}"/>
-              </a:ext>
-            </a:extLst>
-          </p:cNvPr>
-          <p:cNvCxnSpPr>
-            <a:cxnSpLocks/>
-          </p:cNvCxnSpPr>
-          <p:nvPr/>
-        </p:nvCxnSpPr>
-        <p:spPr>
-          <a:xfrm flipH="1">
-            <a:off x="8415235" y="2964586"/>
-            <a:ext cx="735849" cy="1001514"/>
-          </a:xfrm>
-          <a:prstGeom prst="straightConnector1">
-            <a:avLst/>
-          </a:prstGeom>
-          <a:ln w="12700">
-            <a:solidFill>
-              <a:srgbClr val="8FA7C4"/>
-            </a:solidFill>
-            <a:headEnd type="none" w="med" len="sm"/>
-            <a:tailEnd type="arrow" w="med" len="sm"/>
-          </a:ln>
-        </p:spPr>
-        <p:style>
-          <a:lnRef idx="1">
-            <a:schemeClr val="accent1"/>
-          </a:lnRef>
-          <a:fillRef idx="0">
-            <a:schemeClr val="accent1"/>
-          </a:fillRef>
-          <a:effectRef idx="0">
-            <a:schemeClr val="accent1"/>
-          </a:effectRef>
-          <a:fontRef idx="minor">
-            <a:schemeClr val="tx1"/>
-          </a:fontRef>
-        </p:style>
-      </p:cxnSp>
-      <p:cxnSp>
-        <p:nvCxnSpPr>
-          <p:cNvPr id="180" name="Straight Arrow Connector 19">
-            <a:extLst>
-              <a:ext uri="{FF2B5EF4-FFF2-40B4-BE49-F238E27FC236}">
-                <a16:creationId xmlns:a16="http://schemas.microsoft.com/office/drawing/2014/main" xmlns="" id="{271770F2-41D7-400E-8DAD-7C54275B941A}"/>
-              </a:ext>
-            </a:extLst>
-          </p:cNvPr>
-          <p:cNvCxnSpPr>
-            <a:cxnSpLocks/>
-          </p:cNvCxnSpPr>
-          <p:nvPr/>
-        </p:nvCxnSpPr>
-        <p:spPr>
-          <a:xfrm flipH="1">
-            <a:off x="9517596" y="2953904"/>
-            <a:ext cx="19996" cy="1012196"/>
-          </a:xfrm>
-          <a:prstGeom prst="straightConnector1">
-            <a:avLst/>
-          </a:prstGeom>
-          <a:ln w="12700">
-            <a:solidFill>
-              <a:srgbClr val="8FA7C4"/>
-            </a:solidFill>
-            <a:headEnd type="none" w="med" len="sm"/>
-            <a:tailEnd type="arrow" w="med" len="sm"/>
-          </a:ln>
-        </p:spPr>
-        <p:style>
-          <a:lnRef idx="1">
-            <a:schemeClr val="accent1"/>
-          </a:lnRef>
-          <a:fillRef idx="0">
-            <a:schemeClr val="accent1"/>
-          </a:fillRef>
-          <a:effectRef idx="0">
-            <a:schemeClr val="accent1"/>
-          </a:effectRef>
-          <a:fontRef idx="minor">
-            <a:schemeClr val="tx1"/>
-          </a:fontRef>
-        </p:style>
-      </p:cxnSp>
-      <p:cxnSp>
-        <p:nvCxnSpPr>
-          <p:cNvPr id="181" name="Straight Arrow Connector 19">
-            <a:extLst>
-              <a:ext uri="{FF2B5EF4-FFF2-40B4-BE49-F238E27FC236}">
-                <a16:creationId xmlns:a16="http://schemas.microsoft.com/office/drawing/2014/main" xmlns="" id="{3A7E3484-2B47-4772-892B-8C1011FCE73C}"/>
-              </a:ext>
-            </a:extLst>
-          </p:cNvPr>
-          <p:cNvCxnSpPr>
-            <a:cxnSpLocks/>
-          </p:cNvCxnSpPr>
-          <p:nvPr/>
-        </p:nvCxnSpPr>
-        <p:spPr>
-          <a:xfrm>
-            <a:off x="9992666" y="2963923"/>
-            <a:ext cx="493209" cy="943454"/>
-          </a:xfrm>
-          <a:prstGeom prst="straightConnector1">
-            <a:avLst/>
-          </a:prstGeom>
-          <a:ln w="12700">
-            <a:solidFill>
-              <a:srgbClr val="8FA7C4"/>
-            </a:solidFill>
-            <a:headEnd type="none" w="med" len="sm"/>
-            <a:tailEnd type="arrow" w="med" len="sm"/>
-          </a:ln>
-        </p:spPr>
-        <p:style>
-          <a:lnRef idx="1">
-            <a:schemeClr val="accent1"/>
-          </a:lnRef>
-          <a:fillRef idx="0">
-            <a:schemeClr val="accent1"/>
-          </a:fillRef>
-          <a:effectRef idx="0">
-            <a:schemeClr val="accent1"/>
-          </a:effectRef>
-          <a:fontRef idx="minor">
-            <a:schemeClr val="tx1"/>
-          </a:fontRef>
-        </p:style>
-      </p:cxnSp>
-      <p:sp>
-        <p:nvSpPr>
-          <p:cNvPr id="182" name="TextBox 35">
-            <a:extLst>
-              <a:ext uri="{FF2B5EF4-FFF2-40B4-BE49-F238E27FC236}">
-                <a16:creationId xmlns:a16="http://schemas.microsoft.com/office/drawing/2014/main" xmlns="" id="{DBD2B982-87EA-4C9C-B022-0F6E2402C32A}"/>
-              </a:ext>
-            </a:extLst>
-          </p:cNvPr>
-          <p:cNvSpPr txBox="1"/>
-          <p:nvPr/>
-        </p:nvSpPr>
-        <p:spPr>
-          <a:xfrm rot="18493688">
-            <a:off x="8151650" y="3150185"/>
-            <a:ext cx="1006453" cy="400110"/>
-          </a:xfrm>
-          <a:prstGeom prst="rect">
-            <a:avLst/>
-          </a:prstGeom>
-          <a:noFill/>
-        </p:spPr>
-        <p:txBody>
-          <a:bodyPr wrap="square" rtlCol="0">
-            <a:spAutoFit/>
-          </a:bodyPr>
-          <a:lstStyle/>
-          <a:p>
-            <a:pPr algn="ctr"/>
-            <a:r>
-              <a:rPr lang="en-US" sz="1000" i="1" dirty="0">
-                <a:solidFill>
-                  <a:srgbClr val="FF0000"/>
-                </a:solidFill>
-              </a:rPr>
-              <a:t>Un-intercepted error</a:t>
-            </a:r>
-          </a:p>
-        </p:txBody>
-      </p:sp>
-      <p:sp>
-        <p:nvSpPr>
-          <p:cNvPr id="183" name="TextBox 35">
-            <a:extLst>
-              <a:ext uri="{FF2B5EF4-FFF2-40B4-BE49-F238E27FC236}">
-                <a16:creationId xmlns:a16="http://schemas.microsoft.com/office/drawing/2014/main" xmlns="" id="{41173260-DF18-4239-83F2-0C54822DFF75}"/>
-              </a:ext>
-            </a:extLst>
-          </p:cNvPr>
-          <p:cNvSpPr txBox="1"/>
-          <p:nvPr/>
-        </p:nvSpPr>
-        <p:spPr>
-          <a:xfrm>
-            <a:off x="9034365" y="3207287"/>
-            <a:ext cx="1006453" cy="553998"/>
-          </a:xfrm>
-          <a:prstGeom prst="rect">
-            <a:avLst/>
-          </a:prstGeom>
-          <a:noFill/>
-        </p:spPr>
-        <p:txBody>
-          <a:bodyPr wrap="square" rtlCol="0">
-            <a:spAutoFit/>
-          </a:bodyPr>
-          <a:lstStyle/>
-          <a:p>
-            <a:pPr algn="ctr"/>
-            <a:r>
-              <a:rPr lang="en-US" sz="1000" i="1" dirty="0">
-                <a:solidFill>
-                  <a:srgbClr val="FFC000"/>
-                </a:solidFill>
-              </a:rPr>
-              <a:t>Intercepted error &amp; warnings</a:t>
-            </a:r>
-          </a:p>
-        </p:txBody>
-      </p:sp>
-      <p:sp>
-        <p:nvSpPr>
-          <p:cNvPr id="184" name="TextBox 35">
-            <a:extLst>
-              <a:ext uri="{FF2B5EF4-FFF2-40B4-BE49-F238E27FC236}">
-                <a16:creationId xmlns:a16="http://schemas.microsoft.com/office/drawing/2014/main" xmlns="" id="{4425F590-D1CC-4CFA-9F14-0AF877BDD19D}"/>
-              </a:ext>
-            </a:extLst>
-          </p:cNvPr>
-          <p:cNvSpPr txBox="1"/>
-          <p:nvPr/>
-        </p:nvSpPr>
-        <p:spPr>
-          <a:xfrm rot="3754564">
-            <a:off x="9894628" y="3259778"/>
-            <a:ext cx="1006453" cy="246221"/>
-          </a:xfrm>
-          <a:prstGeom prst="rect">
-            <a:avLst/>
-          </a:prstGeom>
-          <a:noFill/>
-        </p:spPr>
-        <p:txBody>
-          <a:bodyPr wrap="square" rtlCol="0">
-            <a:spAutoFit/>
-          </a:bodyPr>
-          <a:lstStyle/>
-          <a:p>
-            <a:pPr algn="ctr"/>
-            <a:r>
-              <a:rPr lang="en-US" sz="1000" i="1">
-                <a:solidFill>
-                  <a:srgbClr val="6BAC3E"/>
-                </a:solidFill>
-              </a:rPr>
-              <a:t>Sucess</a:t>
-            </a:r>
-          </a:p>
-        </p:txBody>
-      </p:sp>
-      <p:sp>
-        <p:nvSpPr>
-          <p:cNvPr id="185" name="TextBox 35">
-            <a:extLst>
-              <a:ext uri="{FF2B5EF4-FFF2-40B4-BE49-F238E27FC236}">
-                <a16:creationId xmlns:a16="http://schemas.microsoft.com/office/drawing/2014/main" xmlns="" id="{F06BE894-C7C3-40C6-B6C5-8495370582AD}"/>
-              </a:ext>
-            </a:extLst>
-          </p:cNvPr>
-          <p:cNvSpPr txBox="1"/>
-          <p:nvPr/>
-        </p:nvSpPr>
-        <p:spPr>
-          <a:xfrm>
-            <a:off x="7900226" y="4099551"/>
-            <a:ext cx="1030018" cy="276999"/>
-          </a:xfrm>
-          <a:prstGeom prst="rect">
-            <a:avLst/>
-          </a:prstGeom>
-          <a:noFill/>
-        </p:spPr>
-        <p:txBody>
-          <a:bodyPr wrap="square" rtlCol="0">
-            <a:spAutoFit/>
-          </a:bodyPr>
-          <a:lstStyle/>
-          <a:p>
-            <a:pPr algn="ctr"/>
-            <a:r>
-              <a:rPr lang="fr-FR" sz="1200" i="1" dirty="0">
-                <a:solidFill>
-                  <a:schemeClr val="bg1"/>
-                </a:solidFill>
-              </a:rPr>
-              <a:t>Exit Failure</a:t>
-            </a:r>
-            <a:endParaRPr lang="en-US" sz="1200" i="1" dirty="0">
-              <a:solidFill>
-                <a:schemeClr val="bg1"/>
-              </a:solidFill>
-            </a:endParaRPr>
-          </a:p>
-        </p:txBody>
-      </p:sp>
-      <p:cxnSp>
-        <p:nvCxnSpPr>
-          <p:cNvPr id="186" name="Straight Arrow Connector 19">
-            <a:extLst>
-              <a:ext uri="{FF2B5EF4-FFF2-40B4-BE49-F238E27FC236}">
-                <a16:creationId xmlns:a16="http://schemas.microsoft.com/office/drawing/2014/main" xmlns="" id="{5D0EB8F0-31DA-47BA-A885-3587DF91892B}"/>
-              </a:ext>
-            </a:extLst>
-          </p:cNvPr>
-          <p:cNvCxnSpPr>
-            <a:cxnSpLocks/>
-          </p:cNvCxnSpPr>
-          <p:nvPr/>
-        </p:nvCxnSpPr>
-        <p:spPr>
-          <a:xfrm>
-            <a:off x="8411260" y="4389849"/>
-            <a:ext cx="0" cy="280926"/>
-          </a:xfrm>
-          <a:prstGeom prst="straightConnector1">
-            <a:avLst/>
-          </a:prstGeom>
-          <a:ln w="12700">
-            <a:solidFill>
-              <a:srgbClr val="8FA7C4"/>
-            </a:solidFill>
-            <a:headEnd type="none" w="med" len="sm"/>
-            <a:tailEnd type="arrow" w="med" len="sm"/>
-          </a:ln>
-        </p:spPr>
-        <p:style>
-          <a:lnRef idx="1">
-            <a:schemeClr val="accent1"/>
-          </a:lnRef>
-          <a:fillRef idx="0">
-            <a:schemeClr val="accent1"/>
-          </a:fillRef>
-          <a:effectRef idx="0">
-            <a:schemeClr val="accent1"/>
-          </a:effectRef>
-          <a:fontRef idx="minor">
-            <a:schemeClr val="tx1"/>
-          </a:fontRef>
-        </p:style>
-      </p:cxnSp>
-      <p:sp>
-        <p:nvSpPr>
-          <p:cNvPr id="187" name="TextBox 35">
-            <a:extLst>
-              <a:ext uri="{FF2B5EF4-FFF2-40B4-BE49-F238E27FC236}">
-                <a16:creationId xmlns:a16="http://schemas.microsoft.com/office/drawing/2014/main" xmlns="" id="{7679158D-9E11-4AB8-B5AC-CBA3E0831D17}"/>
-              </a:ext>
-            </a:extLst>
-          </p:cNvPr>
-          <p:cNvSpPr txBox="1"/>
-          <p:nvPr/>
-        </p:nvSpPr>
-        <p:spPr>
-          <a:xfrm>
-            <a:off x="10040818" y="4003986"/>
-            <a:ext cx="1030018" cy="646331"/>
-          </a:xfrm>
-          <a:prstGeom prst="rect">
-            <a:avLst/>
-          </a:prstGeom>
-          <a:noFill/>
-        </p:spPr>
-        <p:txBody>
-          <a:bodyPr wrap="square" rtlCol="0">
-            <a:spAutoFit/>
-          </a:bodyPr>
-          <a:lstStyle/>
-          <a:p>
-            <a:pPr algn="ctr"/>
-            <a:r>
-              <a:rPr lang="en-US" sz="1200" i="1" dirty="0">
-                <a:solidFill>
-                  <a:schemeClr val="bg1"/>
-                </a:solidFill>
-              </a:rPr>
-              <a:t>Send</a:t>
-            </a:r>
-          </a:p>
-          <a:p>
-            <a:pPr algn="ctr"/>
-            <a:r>
-              <a:rPr lang="en-US" sz="1200" i="1" dirty="0">
-                <a:solidFill>
-                  <a:schemeClr val="bg1"/>
-                </a:solidFill>
-              </a:rPr>
-              <a:t>Custom SNS message</a:t>
-            </a:r>
-          </a:p>
-        </p:txBody>
-      </p:sp>
-      <p:pic>
-        <p:nvPicPr>
-          <p:cNvPr id="188" name="Graphic 33">
-            <a:extLst>
-              <a:ext uri="{FF2B5EF4-FFF2-40B4-BE49-F238E27FC236}">
-                <a16:creationId xmlns:a16="http://schemas.microsoft.com/office/drawing/2014/main" xmlns="" id="{9D678C0B-A0BC-498F-85F0-1CF193774E93}"/>
-              </a:ext>
-            </a:extLst>
-          </p:cNvPr>
-          <p:cNvPicPr>
-            <a:picLocks noChangeAspect="1"/>
-          </p:cNvPicPr>
-          <p:nvPr/>
-        </p:nvPicPr>
-        <p:blipFill>
-          <a:blip r:embed="rId5" cstate="print">
-            <a:extLst>
-              <a:ext uri="{96DAC541-7B7A-43D3-8B79-37D633B846F1}">
-                <asvg:svgBlip xmlns:asvg="http://schemas.microsoft.com/office/drawing/2016/SVG/main" xmlns="" r:embed="rId6"/>
-              </a:ext>
-            </a:extLst>
-          </a:blip>
-          <a:stretch>
-            <a:fillRect/>
-          </a:stretch>
-        </p:blipFill>
-        <p:spPr>
-          <a:xfrm>
-            <a:off x="10385568" y="4626813"/>
-            <a:ext cx="340516" cy="340516"/>
-          </a:xfrm>
-          <a:prstGeom prst="rect">
-            <a:avLst/>
-          </a:prstGeom>
-        </p:spPr>
-      </p:pic>
-      <p:sp>
-        <p:nvSpPr>
-          <p:cNvPr id="189" name="TextBox 35">
-            <a:extLst>
-              <a:ext uri="{FF2B5EF4-FFF2-40B4-BE49-F238E27FC236}">
-                <a16:creationId xmlns:a16="http://schemas.microsoft.com/office/drawing/2014/main" xmlns="" id="{93733186-D8A4-45D6-98C1-B30BEE30B1E9}"/>
-              </a:ext>
-            </a:extLst>
-          </p:cNvPr>
-          <p:cNvSpPr txBox="1"/>
-          <p:nvPr/>
-        </p:nvSpPr>
-        <p:spPr>
-          <a:xfrm>
-            <a:off x="9584348" y="5502316"/>
-            <a:ext cx="995165" cy="276999"/>
-          </a:xfrm>
-          <a:prstGeom prst="rect">
-            <a:avLst/>
-          </a:prstGeom>
-          <a:noFill/>
-        </p:spPr>
-        <p:txBody>
-          <a:bodyPr wrap="square" rtlCol="0">
-            <a:spAutoFit/>
-          </a:bodyPr>
-          <a:lstStyle/>
-          <a:p>
-            <a:pPr algn="ctr"/>
-            <a:r>
-              <a:rPr lang="en-US" sz="1200" i="1">
-                <a:solidFill>
-                  <a:schemeClr val="bg1"/>
-                </a:solidFill>
-              </a:rPr>
-              <a:t>Exit Sucess</a:t>
-            </a:r>
-          </a:p>
-        </p:txBody>
-      </p:sp>
-      <p:cxnSp>
-        <p:nvCxnSpPr>
-          <p:cNvPr id="190" name="Straight Arrow Connector 19">
-            <a:extLst>
-              <a:ext uri="{FF2B5EF4-FFF2-40B4-BE49-F238E27FC236}">
-                <a16:creationId xmlns:a16="http://schemas.microsoft.com/office/drawing/2014/main" xmlns="" id="{4AA8E91E-0820-4E5C-AFF9-E3A7387FD47D}"/>
-              </a:ext>
-            </a:extLst>
-          </p:cNvPr>
-          <p:cNvCxnSpPr>
-            <a:cxnSpLocks/>
-          </p:cNvCxnSpPr>
-          <p:nvPr/>
-        </p:nvCxnSpPr>
-        <p:spPr>
-          <a:xfrm>
-            <a:off x="9640543" y="5095698"/>
-            <a:ext cx="352123" cy="346864"/>
-          </a:xfrm>
-          <a:prstGeom prst="straightConnector1">
-            <a:avLst/>
-          </a:prstGeom>
-          <a:ln w="12700">
-            <a:solidFill>
-              <a:srgbClr val="8FA7C4"/>
-            </a:solidFill>
-            <a:headEnd type="none" w="med" len="sm"/>
-            <a:tailEnd type="arrow" w="med" len="sm"/>
-          </a:ln>
-        </p:spPr>
-        <p:style>
-          <a:lnRef idx="1">
-            <a:schemeClr val="accent1"/>
-          </a:lnRef>
-          <a:fillRef idx="0">
-            <a:schemeClr val="accent1"/>
-          </a:fillRef>
-          <a:effectRef idx="0">
-            <a:schemeClr val="accent1"/>
-          </a:effectRef>
-          <a:fontRef idx="minor">
-            <a:schemeClr val="tx1"/>
-          </a:fontRef>
-        </p:style>
-      </p:cxnSp>
-      <p:cxnSp>
-        <p:nvCxnSpPr>
-          <p:cNvPr id="191" name="Straight Arrow Connector 19">
-            <a:extLst>
-              <a:ext uri="{FF2B5EF4-FFF2-40B4-BE49-F238E27FC236}">
-                <a16:creationId xmlns:a16="http://schemas.microsoft.com/office/drawing/2014/main" xmlns="" id="{D485619B-B9CA-46A7-9279-35348267688E}"/>
-              </a:ext>
-            </a:extLst>
-          </p:cNvPr>
-          <p:cNvCxnSpPr>
-            <a:cxnSpLocks/>
-          </p:cNvCxnSpPr>
-          <p:nvPr/>
-        </p:nvCxnSpPr>
-        <p:spPr>
-          <a:xfrm flipH="1">
-            <a:off x="10178200" y="5124512"/>
-            <a:ext cx="307676" cy="318050"/>
-          </a:xfrm>
-          <a:prstGeom prst="straightConnector1">
-            <a:avLst/>
-          </a:prstGeom>
-          <a:ln w="12700">
-            <a:solidFill>
-              <a:srgbClr val="8FA7C4"/>
-            </a:solidFill>
-            <a:headEnd type="none" w="med" len="sm"/>
-            <a:tailEnd type="arrow" w="med" len="sm"/>
-          </a:ln>
-        </p:spPr>
-        <p:style>
-          <a:lnRef idx="1">
-            <a:schemeClr val="accent1"/>
-          </a:lnRef>
-          <a:fillRef idx="0">
-            <a:schemeClr val="accent1"/>
-          </a:fillRef>
-          <a:effectRef idx="0">
-            <a:schemeClr val="accent1"/>
-          </a:effectRef>
-          <a:fontRef idx="minor">
-            <a:schemeClr val="tx1"/>
-          </a:fontRef>
-        </p:style>
-      </p:cxnSp>
-      <p:sp>
-        <p:nvSpPr>
-          <p:cNvPr id="192" name="Rectangle 191">
-            <a:extLst>
-              <a:ext uri="{FF2B5EF4-FFF2-40B4-BE49-F238E27FC236}">
-                <a16:creationId xmlns:a16="http://schemas.microsoft.com/office/drawing/2014/main" xmlns="" id="{871D7364-4AF3-4451-9792-7E594B716EE1}"/>
-              </a:ext>
-            </a:extLst>
-          </p:cNvPr>
-          <p:cNvSpPr/>
-          <p:nvPr/>
-        </p:nvSpPr>
-        <p:spPr>
-          <a:xfrm>
-            <a:off x="7903165" y="1333849"/>
-            <a:ext cx="3199721" cy="4790113"/>
-          </a:xfrm>
-          <a:prstGeom prst="rect">
-            <a:avLst/>
-          </a:prstGeom>
-          <a:noFill/>
-          <a:ln w="12700" cap="flat" cmpd="sng" algn="ctr">
-            <a:solidFill>
-              <a:srgbClr val="00A0C8"/>
-            </a:solidFill>
-            <a:prstDash val="sysDash"/>
-            <a:miter lim="800000"/>
-          </a:ln>
-          <a:effectLst/>
-        </p:spPr>
-        <p:txBody>
-          <a:bodyPr rot="0" spcFirstLastPara="0" vertOverflow="overflow" horzOverflow="overflow" vert="horz" wrap="square" lIns="457200" tIns="91440" rIns="91440" bIns="45720" numCol="1" spcCol="0" rtlCol="0" fromWordArt="0" anchor="t" anchorCtr="0" forceAA="0" compatLnSpc="1">
-            <a:prstTxWarp prst="textNoShape">
-              <a:avLst/>
-            </a:prstTxWarp>
-            <a:noAutofit/>
-          </a:bodyPr>
-          <a:lstStyle/>
-          <a:p>
-            <a:pPr marL="0" marR="0" lvl="0" indent="0" defTabSz="914400" eaLnBrk="1" fontAlgn="auto" latinLnBrk="0" hangingPunct="1">
-              <a:lnSpc>
-                <a:spcPct val="100000"/>
-              </a:lnSpc>
-              <a:spcBef>
-                <a:spcPts val="0"/>
-              </a:spcBef>
-              <a:spcAft>
-                <a:spcPts val="0"/>
-              </a:spcAft>
-              <a:buClrTx/>
-              <a:buSzTx/>
-              <a:buFontTx/>
-              <a:buNone/>
-              <a:tabLst/>
-              <a:defRPr/>
-            </a:pPr>
-            <a:endParaRPr kumimoji="0" lang="en-US" sz="1200" b="0" i="0" u="none" strike="noStrike" kern="0" cap="none" spc="0" normalizeH="0" baseline="0" noProof="0" dirty="0">
-              <a:ln>
-                <a:noFill/>
-              </a:ln>
-              <a:solidFill>
-                <a:srgbClr val="00A0C8"/>
-              </a:solidFill>
-              <a:effectLst/>
-              <a:uLnTx/>
-              <a:uFillTx/>
-              <a:latin typeface="Arial" panose="020B0604020202020204"/>
-              <a:ea typeface="+mn-ea"/>
-              <a:cs typeface="+mn-cs"/>
-            </a:endParaRPr>
-          </a:p>
-        </p:txBody>
-      </p:sp>
-      <p:sp>
-        <p:nvSpPr>
-          <p:cNvPr id="193" name="TextBox 35">
-            <a:extLst>
-              <a:ext uri="{FF2B5EF4-FFF2-40B4-BE49-F238E27FC236}">
-                <a16:creationId xmlns:a16="http://schemas.microsoft.com/office/drawing/2014/main" xmlns="" id="{F2E1379F-152F-4FA6-9D53-24713AB5E21A}"/>
-              </a:ext>
-            </a:extLst>
-          </p:cNvPr>
-          <p:cNvSpPr txBox="1"/>
-          <p:nvPr/>
-        </p:nvSpPr>
-        <p:spPr>
-          <a:xfrm>
-            <a:off x="8368696" y="2192000"/>
-            <a:ext cx="2395332" cy="276999"/>
-          </a:xfrm>
-          <a:prstGeom prst="rect">
-            <a:avLst/>
-          </a:prstGeom>
-          <a:noFill/>
-        </p:spPr>
-        <p:txBody>
-          <a:bodyPr wrap="square" rtlCol="0">
-            <a:spAutoFit/>
-          </a:bodyPr>
-          <a:lstStyle/>
-          <a:p>
-            <a:pPr algn="ctr"/>
-            <a:r>
-              <a:rPr lang="en-US" sz="1200" i="1" dirty="0">
-                <a:solidFill>
-                  <a:schemeClr val="accent1">
-                    <a:lumMod val="75000"/>
-                  </a:schemeClr>
-                </a:solidFill>
-              </a:rPr>
-              <a:t>Publisher «  Role »</a:t>
-            </a:r>
-          </a:p>
-        </p:txBody>
-      </p:sp>
-      <p:sp>
-        <p:nvSpPr>
-          <p:cNvPr id="194" name="TextBox 35">
-            <a:extLst>
-              <a:ext uri="{FF2B5EF4-FFF2-40B4-BE49-F238E27FC236}">
-                <a16:creationId xmlns:a16="http://schemas.microsoft.com/office/drawing/2014/main" xmlns="" id="{C8664C94-72E3-45DC-AC54-977D97EDE28C}"/>
-              </a:ext>
-            </a:extLst>
-          </p:cNvPr>
-          <p:cNvSpPr txBox="1"/>
-          <p:nvPr/>
-        </p:nvSpPr>
-        <p:spPr>
-          <a:xfrm>
-            <a:off x="9042223" y="4033466"/>
-            <a:ext cx="1030018" cy="646331"/>
-          </a:xfrm>
-          <a:prstGeom prst="rect">
-            <a:avLst/>
-          </a:prstGeom>
-          <a:noFill/>
-        </p:spPr>
-        <p:txBody>
-          <a:bodyPr wrap="square" rtlCol="0">
-            <a:spAutoFit/>
-          </a:bodyPr>
-          <a:lstStyle/>
-          <a:p>
-            <a:pPr algn="ctr"/>
-            <a:r>
-              <a:rPr lang="en-US" sz="1200" i="1" dirty="0">
-                <a:solidFill>
-                  <a:schemeClr val="bg1"/>
-                </a:solidFill>
-              </a:rPr>
-              <a:t>Send</a:t>
-            </a:r>
-          </a:p>
-          <a:p>
-            <a:pPr algn="ctr"/>
-            <a:r>
-              <a:rPr lang="en-US" sz="1200" i="1" dirty="0">
-                <a:solidFill>
-                  <a:schemeClr val="bg1"/>
-                </a:solidFill>
-              </a:rPr>
-              <a:t>Custom SNS message</a:t>
-            </a:r>
-          </a:p>
-        </p:txBody>
-      </p:sp>
-      <p:pic>
-        <p:nvPicPr>
-          <p:cNvPr id="195" name="Graphic 33">
-            <a:extLst>
-              <a:ext uri="{FF2B5EF4-FFF2-40B4-BE49-F238E27FC236}">
-                <a16:creationId xmlns:a16="http://schemas.microsoft.com/office/drawing/2014/main" xmlns="" id="{8D70C43E-02D1-44B9-BD54-A0B1E2FB3B4F}"/>
-              </a:ext>
-            </a:extLst>
-          </p:cNvPr>
-          <p:cNvPicPr>
-            <a:picLocks noChangeAspect="1"/>
-          </p:cNvPicPr>
-          <p:nvPr/>
-        </p:nvPicPr>
-        <p:blipFill>
-          <a:blip r:embed="rId5" cstate="print">
-            <a:extLst>
-              <a:ext uri="{96DAC541-7B7A-43D3-8B79-37D633B846F1}">
-                <asvg:svgBlip xmlns:asvg="http://schemas.microsoft.com/office/drawing/2016/SVG/main" xmlns="" r:embed="rId6"/>
-              </a:ext>
-            </a:extLst>
-          </a:blip>
-          <a:stretch>
-            <a:fillRect/>
-          </a:stretch>
-        </p:blipFill>
-        <p:spPr>
-          <a:xfrm>
-            <a:off x="9386973" y="4656293"/>
-            <a:ext cx="340516" cy="340516"/>
-          </a:xfrm>
-          <a:prstGeom prst="rect">
-            <a:avLst/>
-          </a:prstGeom>
-        </p:spPr>
-      </p:pic>
-      <p:sp>
-        <p:nvSpPr>
-          <p:cNvPr id="196" name="TextBox 35">
-            <a:extLst>
-              <a:ext uri="{FF2B5EF4-FFF2-40B4-BE49-F238E27FC236}">
-                <a16:creationId xmlns:a16="http://schemas.microsoft.com/office/drawing/2014/main" xmlns="" id="{A5065A3C-F277-402A-9CEF-AE03F82DE8E4}"/>
-              </a:ext>
-            </a:extLst>
-          </p:cNvPr>
-          <p:cNvSpPr txBox="1"/>
-          <p:nvPr/>
-        </p:nvSpPr>
-        <p:spPr>
-          <a:xfrm>
-            <a:off x="7900226" y="4710083"/>
-            <a:ext cx="1030018" cy="1015663"/>
-          </a:xfrm>
-          <a:prstGeom prst="rect">
-            <a:avLst/>
-          </a:prstGeom>
-          <a:noFill/>
-        </p:spPr>
-        <p:txBody>
-          <a:bodyPr wrap="square" rtlCol="0">
-            <a:spAutoFit/>
-          </a:bodyPr>
-          <a:lstStyle/>
-          <a:p>
-            <a:pPr algn="ctr"/>
-            <a:r>
-              <a:rPr lang="en-US" sz="1200" i="1" dirty="0">
-                <a:solidFill>
-                  <a:schemeClr val="bg1"/>
-                </a:solidFill>
-              </a:rPr>
-              <a:t>Caught by the Invoker as a sever intercepted error</a:t>
-            </a:r>
-          </a:p>
-        </p:txBody>
-      </p:sp>
-      <p:sp>
-        <p:nvSpPr>
-          <p:cNvPr id="210" name="TextBox 35">
-            <a:extLst>
-              <a:ext uri="{FF2B5EF4-FFF2-40B4-BE49-F238E27FC236}">
-                <a16:creationId xmlns:a16="http://schemas.microsoft.com/office/drawing/2014/main" xmlns="" id="{D4983300-AC04-4145-B0EF-A461CE756F25}"/>
-              </a:ext>
-            </a:extLst>
-          </p:cNvPr>
-          <p:cNvSpPr txBox="1"/>
-          <p:nvPr/>
-        </p:nvSpPr>
-        <p:spPr>
-          <a:xfrm rot="16200000">
-            <a:off x="2063068" y="4008985"/>
-            <a:ext cx="728866" cy="400110"/>
-          </a:xfrm>
-          <a:prstGeom prst="rect">
-            <a:avLst/>
-          </a:prstGeom>
-          <a:noFill/>
-        </p:spPr>
-        <p:txBody>
-          <a:bodyPr wrap="square" rtlCol="0">
-            <a:spAutoFit/>
-          </a:bodyPr>
-          <a:lstStyle/>
-          <a:p>
-            <a:pPr algn="ctr"/>
-            <a:r>
-              <a:rPr lang="en-US" sz="1000" i="1" dirty="0">
-                <a:solidFill>
-                  <a:srgbClr val="FF0000"/>
-                </a:solidFill>
-              </a:rPr>
-              <a:t>Can’t continue</a:t>
-            </a:r>
-          </a:p>
-        </p:txBody>
-      </p:sp>
-      <p:cxnSp>
-        <p:nvCxnSpPr>
-          <p:cNvPr id="213" name="Straight Arrow Connector 19">
-            <a:extLst>
-              <a:ext uri="{FF2B5EF4-FFF2-40B4-BE49-F238E27FC236}">
-                <a16:creationId xmlns:a16="http://schemas.microsoft.com/office/drawing/2014/main" xmlns="" id="{E620080C-E91D-4D37-B486-498CD99F973A}"/>
-              </a:ext>
-            </a:extLst>
-          </p:cNvPr>
-          <p:cNvCxnSpPr>
-            <a:cxnSpLocks/>
-          </p:cNvCxnSpPr>
-          <p:nvPr/>
-        </p:nvCxnSpPr>
-        <p:spPr>
-          <a:xfrm>
-            <a:off x="2763497" y="4041609"/>
-            <a:ext cx="437591" cy="349851"/>
-          </a:xfrm>
-          <a:prstGeom prst="straightConnector1">
-            <a:avLst/>
-          </a:prstGeom>
-          <a:ln w="12700">
-            <a:solidFill>
-              <a:srgbClr val="8FA7C4"/>
-            </a:solidFill>
-            <a:headEnd type="none" w="med" len="sm"/>
-            <a:tailEnd type="arrow" w="med" len="sm"/>
-          </a:ln>
-        </p:spPr>
-        <p:style>
-          <a:lnRef idx="1">
-            <a:schemeClr val="accent1"/>
-          </a:lnRef>
-          <a:fillRef idx="0">
-            <a:schemeClr val="accent1"/>
-          </a:fillRef>
-          <a:effectRef idx="0">
-            <a:schemeClr val="accent1"/>
-          </a:effectRef>
-          <a:fontRef idx="minor">
-            <a:schemeClr val="tx1"/>
-          </a:fontRef>
-        </p:style>
-      </p:cxnSp>
-      <p:sp>
-        <p:nvSpPr>
-          <p:cNvPr id="216" name="TextBox 35">
-            <a:extLst>
-              <a:ext uri="{FF2B5EF4-FFF2-40B4-BE49-F238E27FC236}">
-                <a16:creationId xmlns:a16="http://schemas.microsoft.com/office/drawing/2014/main" xmlns="" id="{E5568FA7-5BB9-44A4-93BF-204DA6FA0642}"/>
-              </a:ext>
-            </a:extLst>
-          </p:cNvPr>
-          <p:cNvSpPr txBox="1"/>
-          <p:nvPr/>
-        </p:nvSpPr>
-        <p:spPr>
-          <a:xfrm rot="2239806">
-            <a:off x="2607208" y="4002009"/>
-            <a:ext cx="895878" cy="246221"/>
-          </a:xfrm>
-          <a:prstGeom prst="rect">
-            <a:avLst/>
-          </a:prstGeom>
-          <a:noFill/>
-        </p:spPr>
-        <p:txBody>
-          <a:bodyPr wrap="square" rtlCol="0">
-            <a:spAutoFit/>
-          </a:bodyPr>
-          <a:lstStyle/>
-          <a:p>
-            <a:pPr algn="ctr"/>
-            <a:r>
-              <a:rPr lang="fr-FR" sz="1000" i="1" dirty="0">
-                <a:solidFill>
-                  <a:srgbClr val="FFC000"/>
-                </a:solidFill>
-              </a:rPr>
-              <a:t>Can Continue</a:t>
-            </a:r>
-            <a:endParaRPr lang="en-US" sz="1000" i="1" dirty="0">
-              <a:solidFill>
-                <a:srgbClr val="FFC000"/>
-              </a:solidFill>
-            </a:endParaRPr>
-          </a:p>
-        </p:txBody>
-      </p:sp>
-      <p:cxnSp>
-        <p:nvCxnSpPr>
-          <p:cNvPr id="226" name="Straight Arrow Connector 19">
-            <a:extLst>
-              <a:ext uri="{FF2B5EF4-FFF2-40B4-BE49-F238E27FC236}">
-                <a16:creationId xmlns:a16="http://schemas.microsoft.com/office/drawing/2014/main" xmlns="" id="{CCF9C411-DD15-4F1F-AE52-D20557AB5451}"/>
-              </a:ext>
-            </a:extLst>
-          </p:cNvPr>
-          <p:cNvCxnSpPr>
-            <a:cxnSpLocks/>
-          </p:cNvCxnSpPr>
-          <p:nvPr/>
-        </p:nvCxnSpPr>
-        <p:spPr>
-          <a:xfrm>
-            <a:off x="2632036" y="4069776"/>
-            <a:ext cx="321" cy="351705"/>
-          </a:xfrm>
-          <a:prstGeom prst="straightConnector1">
-            <a:avLst/>
-          </a:prstGeom>
-          <a:ln w="12700">
-            <a:solidFill>
-              <a:srgbClr val="8FA7C4"/>
-            </a:solidFill>
-            <a:headEnd type="none" w="med" len="sm"/>
-            <a:tailEnd type="arrow" w="med" len="sm"/>
-          </a:ln>
-        </p:spPr>
-        <p:style>
-          <a:lnRef idx="1">
-            <a:schemeClr val="accent1"/>
-          </a:lnRef>
-          <a:fillRef idx="0">
-            <a:schemeClr val="accent1"/>
-          </a:fillRef>
-          <a:effectRef idx="0">
-            <a:schemeClr val="accent1"/>
-          </a:effectRef>
-          <a:fontRef idx="minor">
-            <a:schemeClr val="tx1"/>
-          </a:fontRef>
-        </p:style>
-      </p:cxnSp>
-      <p:sp>
-        <p:nvSpPr>
-          <p:cNvPr id="228" name="TextBox 35">
-            <a:extLst>
-              <a:ext uri="{FF2B5EF4-FFF2-40B4-BE49-F238E27FC236}">
-                <a16:creationId xmlns:a16="http://schemas.microsoft.com/office/drawing/2014/main" xmlns="" id="{5E804AF9-E494-436D-BAD1-2CE6814CDEE0}"/>
-              </a:ext>
-            </a:extLst>
-          </p:cNvPr>
-          <p:cNvSpPr txBox="1"/>
-          <p:nvPr/>
-        </p:nvSpPr>
-        <p:spPr>
-          <a:xfrm>
-            <a:off x="2135255" y="4415010"/>
-            <a:ext cx="1030018" cy="646331"/>
-          </a:xfrm>
-          <a:prstGeom prst="rect">
-            <a:avLst/>
-          </a:prstGeom>
-          <a:noFill/>
-        </p:spPr>
-        <p:txBody>
-          <a:bodyPr wrap="square" rtlCol="0">
-            <a:spAutoFit/>
-          </a:bodyPr>
-          <a:lstStyle/>
-          <a:p>
-            <a:pPr algn="ctr"/>
-            <a:r>
-              <a:rPr lang="en-US" sz="1200" i="1" dirty="0">
-                <a:solidFill>
-                  <a:schemeClr val="bg1"/>
-                </a:solidFill>
-              </a:rPr>
-              <a:t>Send</a:t>
-            </a:r>
-          </a:p>
-          <a:p>
-            <a:pPr algn="ctr"/>
-            <a:r>
-              <a:rPr lang="en-US" sz="1200" i="1" dirty="0">
-                <a:solidFill>
-                  <a:schemeClr val="bg1"/>
-                </a:solidFill>
-              </a:rPr>
-              <a:t>Custom SNS message</a:t>
-            </a:r>
-          </a:p>
-        </p:txBody>
-      </p:sp>
-      <p:pic>
-        <p:nvPicPr>
-          <p:cNvPr id="229" name="Graphic 33">
-            <a:extLst>
-              <a:ext uri="{FF2B5EF4-FFF2-40B4-BE49-F238E27FC236}">
-                <a16:creationId xmlns:a16="http://schemas.microsoft.com/office/drawing/2014/main" xmlns="" id="{D4C4ADE3-4FF1-4E72-B95D-DCA38206FEEF}"/>
-              </a:ext>
-            </a:extLst>
-          </p:cNvPr>
-          <p:cNvPicPr>
-            <a:picLocks noChangeAspect="1"/>
-          </p:cNvPicPr>
-          <p:nvPr/>
-        </p:nvPicPr>
-        <p:blipFill>
-          <a:blip r:embed="rId5" cstate="print">
-            <a:extLst>
-              <a:ext uri="{96DAC541-7B7A-43D3-8B79-37D633B846F1}">
-                <asvg:svgBlip xmlns:asvg="http://schemas.microsoft.com/office/drawing/2016/SVG/main" xmlns="" r:embed="rId6"/>
-              </a:ext>
-            </a:extLst>
-          </a:blip>
-          <a:stretch>
-            <a:fillRect/>
-          </a:stretch>
-        </p:blipFill>
-        <p:spPr>
-          <a:xfrm>
-            <a:off x="2480005" y="5037837"/>
-            <a:ext cx="340516" cy="340516"/>
-          </a:xfrm>
-          <a:prstGeom prst="rect">
-            <a:avLst/>
-          </a:prstGeom>
-        </p:spPr>
-      </p:pic>
-      <p:sp>
-        <p:nvSpPr>
-          <p:cNvPr id="239" name="TextBox 35">
-            <a:extLst>
-              <a:ext uri="{FF2B5EF4-FFF2-40B4-BE49-F238E27FC236}">
-                <a16:creationId xmlns:a16="http://schemas.microsoft.com/office/drawing/2014/main" xmlns="" id="{5959687B-0812-407F-A767-A4547A456529}"/>
-              </a:ext>
-            </a:extLst>
-          </p:cNvPr>
-          <p:cNvSpPr txBox="1"/>
-          <p:nvPr/>
-        </p:nvSpPr>
-        <p:spPr>
-          <a:xfrm>
-            <a:off x="2044943" y="5684168"/>
-            <a:ext cx="1255062" cy="461665"/>
-          </a:xfrm>
-          <a:prstGeom prst="rect">
-            <a:avLst/>
-          </a:prstGeom>
-          <a:noFill/>
-        </p:spPr>
-        <p:txBody>
-          <a:bodyPr wrap="square" rtlCol="0">
-            <a:spAutoFit/>
-          </a:bodyPr>
-          <a:lstStyle/>
-          <a:p>
-            <a:pPr algn="ctr"/>
-            <a:r>
-              <a:rPr lang="en-US" sz="1200" i="1" dirty="0">
-                <a:solidFill>
-                  <a:schemeClr val="bg1"/>
-                </a:solidFill>
-              </a:rPr>
-              <a:t>Exit Prematurely as Success</a:t>
-            </a:r>
-          </a:p>
-        </p:txBody>
-      </p:sp>
-      <p:sp>
-        <p:nvSpPr>
-          <p:cNvPr id="240" name="TextBox 87">
-            <a:extLst>
-              <a:ext uri="{FF2B5EF4-FFF2-40B4-BE49-F238E27FC236}">
-                <a16:creationId xmlns:a16="http://schemas.microsoft.com/office/drawing/2014/main" xmlns="" id="{3CBCB313-CD20-43D0-8B86-9840FC2B7F36}"/>
-              </a:ext>
-            </a:extLst>
-          </p:cNvPr>
-          <p:cNvSpPr txBox="1"/>
-          <p:nvPr/>
-        </p:nvSpPr>
-        <p:spPr>
-          <a:xfrm>
-            <a:off x="238706" y="6231705"/>
-            <a:ext cx="11363267" cy="523220"/>
-          </a:xfrm>
-          <a:prstGeom prst="rect">
-            <a:avLst/>
-          </a:prstGeom>
-          <a:noFill/>
-        </p:spPr>
-        <p:txBody>
-          <a:bodyPr wrap="square" rtlCol="0">
-            <a:spAutoFit/>
-          </a:bodyPr>
-          <a:lstStyle/>
-          <a:p>
-            <a:pPr lvl="0">
-              <a:defRPr/>
-            </a:pPr>
-            <a:r>
-              <a:rPr kumimoji="0" lang="en-US" sz="1400" b="0" i="0" u="sng" strike="noStrike" kern="1200" cap="none" spc="0" normalizeH="0" baseline="0" noProof="0" dirty="0">
-                <a:ln>
-                  <a:noFill/>
-                </a:ln>
-                <a:solidFill>
-                  <a:prstClr val="white"/>
-                </a:solidFill>
-                <a:effectLst/>
-                <a:uLnTx/>
-                <a:uFillTx/>
-                <a:latin typeface="Calibri" panose="020F0502020204030204"/>
-                <a:ea typeface="+mn-ea"/>
-                <a:cs typeface="+mn-cs"/>
-              </a:rPr>
-              <a:t>NB :</a:t>
-            </a:r>
-            <a:r>
-              <a:rPr kumimoji="0" lang="en-US" sz="1400" b="0" i="0" u="none" strike="noStrike" kern="1200" cap="none" spc="0" normalizeH="0" baseline="0" noProof="0" dirty="0">
-                <a:ln>
-                  <a:noFill/>
-                </a:ln>
-                <a:solidFill>
-                  <a:prstClr val="white"/>
-                </a:solidFill>
-                <a:effectLst/>
-                <a:uLnTx/>
-                <a:uFillTx/>
-                <a:latin typeface="Calibri" panose="020F0502020204030204"/>
-                <a:ea typeface="+mn-ea"/>
-                <a:cs typeface="+mn-cs"/>
-              </a:rPr>
-              <a:t>  All Warnings and intercepted errors are written in custom log &amp; </a:t>
-            </a:r>
-            <a:r>
-              <a:rPr lang="en-US" sz="1400" dirty="0">
-                <a:solidFill>
-                  <a:prstClr val="white"/>
-                </a:solidFill>
-                <a:latin typeface="Calibri" panose="020F0502020204030204"/>
-              </a:rPr>
-              <a:t>C</a:t>
-            </a:r>
-            <a:r>
-              <a:rPr kumimoji="0" lang="en-US" sz="1400" b="0" i="0" u="none" strike="noStrike" kern="1200" cap="none" spc="0" normalizeH="0" baseline="0" noProof="0" dirty="0">
-                <a:ln>
-                  <a:noFill/>
-                </a:ln>
-                <a:solidFill>
-                  <a:prstClr val="white"/>
-                </a:solidFill>
-                <a:effectLst/>
-                <a:uLnTx/>
-                <a:uFillTx/>
-                <a:latin typeface="Calibri" panose="020F0502020204030204"/>
-                <a:ea typeface="+mn-ea"/>
-                <a:cs typeface="+mn-cs"/>
-              </a:rPr>
-              <a:t>loud Watch logs</a:t>
-            </a:r>
-            <a:r>
-              <a:rPr lang="en-US" sz="1400" dirty="0">
-                <a:solidFill>
-                  <a:prstClr val="white"/>
-                </a:solidFill>
-              </a:rPr>
-              <a:t> whatsoever manner it may exit. </a:t>
-            </a:r>
-            <a:endParaRPr kumimoji="0" lang="en-US" sz="1400" b="0" i="0" u="none" strike="noStrike" kern="1200" cap="none" spc="0" normalizeH="0" baseline="0" noProof="0" dirty="0">
-              <a:ln>
-                <a:noFill/>
-              </a:ln>
-              <a:solidFill>
-                <a:prstClr val="white"/>
-              </a:solidFill>
-              <a:effectLst/>
-              <a:uLnTx/>
-              <a:uFillTx/>
-              <a:latin typeface="Calibri" panose="020F0502020204030204"/>
-              <a:ea typeface="+mn-ea"/>
-              <a:cs typeface="+mn-cs"/>
-            </a:endParaRPr>
-          </a:p>
-          <a:p>
-            <a:pPr marL="0" marR="0" lvl="0" indent="0" defTabSz="914400" rtl="0" eaLnBrk="1" fontAlgn="auto" latinLnBrk="0" hangingPunct="1">
-              <a:lnSpc>
-                <a:spcPct val="100000"/>
-              </a:lnSpc>
-              <a:spcBef>
-                <a:spcPts val="0"/>
-              </a:spcBef>
-              <a:spcAft>
-                <a:spcPts val="0"/>
-              </a:spcAft>
-              <a:buClrTx/>
-              <a:buSzTx/>
-              <a:buFontTx/>
-              <a:buNone/>
-              <a:tabLst/>
-              <a:defRPr/>
-            </a:pPr>
-            <a:r>
-              <a:rPr lang="en-US" sz="1400" dirty="0">
-                <a:solidFill>
-                  <a:prstClr val="white"/>
-                </a:solidFill>
-                <a:latin typeface="Calibri" panose="020F0502020204030204"/>
-              </a:rPr>
-              <a:t>         </a:t>
-            </a:r>
-            <a:r>
-              <a:rPr kumimoji="0" lang="en-US" sz="1400" b="0" i="0" u="none" strike="noStrike" kern="1200" cap="none" spc="0" normalizeH="0" baseline="0" noProof="0" dirty="0">
-                <a:ln>
-                  <a:noFill/>
-                </a:ln>
-                <a:solidFill>
-                  <a:prstClr val="white"/>
-                </a:solidFill>
-                <a:effectLst/>
-                <a:uLnTx/>
-                <a:uFillTx/>
-                <a:latin typeface="Calibri" panose="020F0502020204030204"/>
-                <a:ea typeface="+mn-ea"/>
-                <a:cs typeface="+mn-cs"/>
-              </a:rPr>
-              <a:t>Custom SNS Message always</a:t>
-            </a:r>
-            <a:r>
-              <a:rPr lang="en-US" sz="1400" dirty="0">
-                <a:solidFill>
-                  <a:prstClr val="white"/>
-                </a:solidFill>
-                <a:latin typeface="Calibri" panose="020F0502020204030204"/>
-              </a:rPr>
-              <a:t> transmit a copy of current custom logs.</a:t>
-            </a:r>
-            <a:r>
-              <a:rPr kumimoji="0" lang="en-US" sz="1400" b="0" i="0" u="none" strike="noStrike" kern="1200" cap="none" spc="0" normalizeH="0" baseline="0" noProof="0" dirty="0">
-                <a:ln>
-                  <a:noFill/>
-                </a:ln>
-                <a:solidFill>
-                  <a:prstClr val="white"/>
-                </a:solidFill>
-                <a:effectLst/>
-                <a:uLnTx/>
-                <a:uFillTx/>
-                <a:latin typeface="Calibri" panose="020F0502020204030204"/>
-                <a:ea typeface="+mn-ea"/>
-                <a:cs typeface="+mn-cs"/>
-              </a:rPr>
-              <a:t> </a:t>
-            </a:r>
-          </a:p>
-        </p:txBody>
-      </p:sp>
-      <p:cxnSp>
-        <p:nvCxnSpPr>
-          <p:cNvPr id="241" name="Straight Arrow Connector 19">
-            <a:extLst>
-              <a:ext uri="{FF2B5EF4-FFF2-40B4-BE49-F238E27FC236}">
-                <a16:creationId xmlns:a16="http://schemas.microsoft.com/office/drawing/2014/main" xmlns="" id="{D07149E2-0E4C-4969-B8A1-69F104AB8975}"/>
-              </a:ext>
-            </a:extLst>
-          </p:cNvPr>
-          <p:cNvCxnSpPr>
-            <a:cxnSpLocks/>
-          </p:cNvCxnSpPr>
-          <p:nvPr/>
-        </p:nvCxnSpPr>
-        <p:spPr>
-          <a:xfrm flipH="1">
-            <a:off x="4999921" y="2900968"/>
-            <a:ext cx="735849" cy="1001514"/>
-          </a:xfrm>
-          <a:prstGeom prst="straightConnector1">
-            <a:avLst/>
-          </a:prstGeom>
-          <a:ln w="12700">
-            <a:solidFill>
-              <a:srgbClr val="8FA7C4"/>
-            </a:solidFill>
-            <a:headEnd type="none" w="med" len="sm"/>
-            <a:tailEnd type="arrow" w="med" len="sm"/>
-          </a:ln>
-        </p:spPr>
-        <p:style>
-          <a:lnRef idx="1">
-            <a:schemeClr val="accent1"/>
-          </a:lnRef>
-          <a:fillRef idx="0">
-            <a:schemeClr val="accent1"/>
-          </a:fillRef>
-          <a:effectRef idx="0">
-            <a:schemeClr val="accent1"/>
-          </a:effectRef>
-          <a:fontRef idx="minor">
-            <a:schemeClr val="tx1"/>
-          </a:fontRef>
-        </p:style>
-      </p:cxnSp>
-      <p:cxnSp>
-        <p:nvCxnSpPr>
-          <p:cNvPr id="242" name="Straight Arrow Connector 19">
-            <a:extLst>
-              <a:ext uri="{FF2B5EF4-FFF2-40B4-BE49-F238E27FC236}">
-                <a16:creationId xmlns:a16="http://schemas.microsoft.com/office/drawing/2014/main" xmlns="" id="{3F3F7B91-E6EE-4376-977C-E83387F780AF}"/>
-              </a:ext>
-            </a:extLst>
-          </p:cNvPr>
-          <p:cNvCxnSpPr>
-            <a:cxnSpLocks/>
-          </p:cNvCxnSpPr>
-          <p:nvPr/>
-        </p:nvCxnSpPr>
-        <p:spPr>
-          <a:xfrm flipH="1">
-            <a:off x="6102282" y="2890286"/>
-            <a:ext cx="19996" cy="1012196"/>
-          </a:xfrm>
-          <a:prstGeom prst="straightConnector1">
-            <a:avLst/>
-          </a:prstGeom>
-          <a:ln w="12700">
-            <a:solidFill>
-              <a:srgbClr val="8FA7C4"/>
-            </a:solidFill>
-            <a:headEnd type="none" w="med" len="sm"/>
-            <a:tailEnd type="arrow" w="med" len="sm"/>
-          </a:ln>
-        </p:spPr>
-        <p:style>
-          <a:lnRef idx="1">
-            <a:schemeClr val="accent1"/>
-          </a:lnRef>
-          <a:fillRef idx="0">
-            <a:schemeClr val="accent1"/>
-          </a:fillRef>
-          <a:effectRef idx="0">
-            <a:schemeClr val="accent1"/>
-          </a:effectRef>
-          <a:fontRef idx="minor">
-            <a:schemeClr val="tx1"/>
-          </a:fontRef>
-        </p:style>
-      </p:cxnSp>
-      <p:cxnSp>
-        <p:nvCxnSpPr>
-          <p:cNvPr id="243" name="Straight Arrow Connector 19">
-            <a:extLst>
-              <a:ext uri="{FF2B5EF4-FFF2-40B4-BE49-F238E27FC236}">
-                <a16:creationId xmlns:a16="http://schemas.microsoft.com/office/drawing/2014/main" xmlns="" id="{F449B106-E7A3-4F64-B6AF-391F290D2924}"/>
-              </a:ext>
-            </a:extLst>
-          </p:cNvPr>
-          <p:cNvCxnSpPr>
-            <a:cxnSpLocks/>
-          </p:cNvCxnSpPr>
-          <p:nvPr/>
-        </p:nvCxnSpPr>
-        <p:spPr>
-          <a:xfrm>
-            <a:off x="6577352" y="2900305"/>
-            <a:ext cx="493209" cy="943454"/>
-          </a:xfrm>
-          <a:prstGeom prst="straightConnector1">
-            <a:avLst/>
-          </a:prstGeom>
-          <a:ln w="12700">
-            <a:solidFill>
-              <a:srgbClr val="8FA7C4"/>
-            </a:solidFill>
-            <a:headEnd type="none" w="med" len="sm"/>
-            <a:tailEnd type="arrow" w="med" len="sm"/>
-          </a:ln>
-        </p:spPr>
-        <p:style>
-          <a:lnRef idx="1">
-            <a:schemeClr val="accent1"/>
-          </a:lnRef>
-          <a:fillRef idx="0">
-            <a:schemeClr val="accent1"/>
-          </a:fillRef>
-          <a:effectRef idx="0">
-            <a:schemeClr val="accent1"/>
-          </a:effectRef>
-          <a:fontRef idx="minor">
-            <a:schemeClr val="tx1"/>
-          </a:fontRef>
-        </p:style>
-      </p:cxnSp>
-      <p:sp>
-        <p:nvSpPr>
-          <p:cNvPr id="244" name="TextBox 35">
-            <a:extLst>
-              <a:ext uri="{FF2B5EF4-FFF2-40B4-BE49-F238E27FC236}">
-                <a16:creationId xmlns:a16="http://schemas.microsoft.com/office/drawing/2014/main" xmlns="" id="{AB7BEDE9-DD4A-4B29-8EB5-0B070FECBD2E}"/>
-              </a:ext>
-            </a:extLst>
-          </p:cNvPr>
-          <p:cNvSpPr txBox="1"/>
-          <p:nvPr/>
-        </p:nvSpPr>
-        <p:spPr>
-          <a:xfrm rot="18493688">
-            <a:off x="4736336" y="3086567"/>
-            <a:ext cx="1006453" cy="400110"/>
-          </a:xfrm>
-          <a:prstGeom prst="rect">
-            <a:avLst/>
-          </a:prstGeom>
-          <a:noFill/>
-        </p:spPr>
-        <p:txBody>
-          <a:bodyPr wrap="square" rtlCol="0">
-            <a:spAutoFit/>
-          </a:bodyPr>
-          <a:lstStyle/>
-          <a:p>
-            <a:pPr algn="ctr"/>
-            <a:r>
-              <a:rPr lang="en-US" sz="1000" i="1" dirty="0">
-                <a:solidFill>
-                  <a:srgbClr val="FF0000"/>
-                </a:solidFill>
-              </a:rPr>
-              <a:t>Un-intercepted error</a:t>
-            </a:r>
-          </a:p>
-        </p:txBody>
-      </p:sp>
-      <p:sp>
-        <p:nvSpPr>
-          <p:cNvPr id="245" name="TextBox 35">
-            <a:extLst>
-              <a:ext uri="{FF2B5EF4-FFF2-40B4-BE49-F238E27FC236}">
-                <a16:creationId xmlns:a16="http://schemas.microsoft.com/office/drawing/2014/main" xmlns="" id="{6476D828-0FFC-4378-900A-5E0E0611C169}"/>
-              </a:ext>
-            </a:extLst>
-          </p:cNvPr>
-          <p:cNvSpPr txBox="1"/>
-          <p:nvPr/>
-        </p:nvSpPr>
-        <p:spPr>
-          <a:xfrm>
-            <a:off x="5619051" y="3149124"/>
-            <a:ext cx="1006453" cy="553998"/>
-          </a:xfrm>
-          <a:prstGeom prst="rect">
-            <a:avLst/>
-          </a:prstGeom>
-          <a:noFill/>
-        </p:spPr>
-        <p:txBody>
-          <a:bodyPr wrap="square" rtlCol="0">
-            <a:spAutoFit/>
-          </a:bodyPr>
-          <a:lstStyle/>
-          <a:p>
-            <a:pPr algn="ctr"/>
-            <a:r>
-              <a:rPr lang="en-US" sz="1000" i="1" dirty="0">
-                <a:solidFill>
-                  <a:srgbClr val="FFC000"/>
-                </a:solidFill>
-              </a:rPr>
-              <a:t>Intercepted error &amp; warnings</a:t>
-            </a:r>
-          </a:p>
-        </p:txBody>
-      </p:sp>
-      <p:sp>
-        <p:nvSpPr>
-          <p:cNvPr id="246" name="TextBox 35">
-            <a:extLst>
-              <a:ext uri="{FF2B5EF4-FFF2-40B4-BE49-F238E27FC236}">
-                <a16:creationId xmlns:a16="http://schemas.microsoft.com/office/drawing/2014/main" xmlns="" id="{ADABDDF0-6D9A-47ED-9FFC-DE0805BF363D}"/>
-              </a:ext>
-            </a:extLst>
-          </p:cNvPr>
-          <p:cNvSpPr txBox="1"/>
-          <p:nvPr/>
-        </p:nvSpPr>
-        <p:spPr>
-          <a:xfrm rot="3754564">
-            <a:off x="6479314" y="3196160"/>
-            <a:ext cx="1006453" cy="246221"/>
-          </a:xfrm>
-          <a:prstGeom prst="rect">
-            <a:avLst/>
-          </a:prstGeom>
-          <a:noFill/>
-        </p:spPr>
-        <p:txBody>
-          <a:bodyPr wrap="square" rtlCol="0">
-            <a:spAutoFit/>
-          </a:bodyPr>
-          <a:lstStyle/>
-          <a:p>
-            <a:pPr algn="ctr"/>
-            <a:r>
-              <a:rPr lang="en-US" sz="1000" i="1">
-                <a:solidFill>
-                  <a:srgbClr val="6BAC3E"/>
-                </a:solidFill>
-              </a:rPr>
-              <a:t>Sucess</a:t>
-            </a:r>
-          </a:p>
-        </p:txBody>
-      </p:sp>
-      <p:sp>
-        <p:nvSpPr>
-          <p:cNvPr id="247" name="TextBox 35">
-            <a:extLst>
-              <a:ext uri="{FF2B5EF4-FFF2-40B4-BE49-F238E27FC236}">
-                <a16:creationId xmlns:a16="http://schemas.microsoft.com/office/drawing/2014/main" xmlns="" id="{C1264EE2-58F5-4693-AF41-532FDFE7571B}"/>
-              </a:ext>
-            </a:extLst>
-          </p:cNvPr>
-          <p:cNvSpPr txBox="1"/>
-          <p:nvPr/>
-        </p:nvSpPr>
-        <p:spPr>
-          <a:xfrm>
-            <a:off x="4484912" y="4035933"/>
-            <a:ext cx="1030018" cy="276999"/>
-          </a:xfrm>
-          <a:prstGeom prst="rect">
-            <a:avLst/>
-          </a:prstGeom>
-          <a:noFill/>
-        </p:spPr>
-        <p:txBody>
-          <a:bodyPr wrap="square" rtlCol="0">
-            <a:spAutoFit/>
-          </a:bodyPr>
-          <a:lstStyle/>
-          <a:p>
-            <a:pPr algn="ctr"/>
-            <a:r>
-              <a:rPr lang="fr-FR" sz="1200" i="1" dirty="0">
-                <a:solidFill>
-                  <a:schemeClr val="bg1"/>
-                </a:solidFill>
-              </a:rPr>
-              <a:t>Exit Failure</a:t>
-            </a:r>
-            <a:endParaRPr lang="en-US" sz="1200" i="1" dirty="0">
-              <a:solidFill>
-                <a:schemeClr val="bg1"/>
-              </a:solidFill>
-            </a:endParaRPr>
-          </a:p>
-        </p:txBody>
-      </p:sp>
-      <p:cxnSp>
-        <p:nvCxnSpPr>
-          <p:cNvPr id="248" name="Straight Arrow Connector 19">
-            <a:extLst>
-              <a:ext uri="{FF2B5EF4-FFF2-40B4-BE49-F238E27FC236}">
-                <a16:creationId xmlns:a16="http://schemas.microsoft.com/office/drawing/2014/main" xmlns="" id="{A1F1C41D-AF03-4EF7-99B5-D7ABFC04C629}"/>
-              </a:ext>
-            </a:extLst>
-          </p:cNvPr>
-          <p:cNvCxnSpPr>
-            <a:cxnSpLocks/>
-          </p:cNvCxnSpPr>
-          <p:nvPr/>
-        </p:nvCxnSpPr>
-        <p:spPr>
-          <a:xfrm>
-            <a:off x="4995946" y="4326231"/>
-            <a:ext cx="0" cy="280926"/>
-          </a:xfrm>
-          <a:prstGeom prst="straightConnector1">
-            <a:avLst/>
-          </a:prstGeom>
-          <a:ln w="12700">
-            <a:solidFill>
-              <a:srgbClr val="8FA7C4"/>
-            </a:solidFill>
-            <a:headEnd type="none" w="med" len="sm"/>
-            <a:tailEnd type="arrow" w="med" len="sm"/>
-          </a:ln>
-        </p:spPr>
-        <p:style>
-          <a:lnRef idx="1">
-            <a:schemeClr val="accent1"/>
-          </a:lnRef>
-          <a:fillRef idx="0">
-            <a:schemeClr val="accent1"/>
-          </a:fillRef>
-          <a:effectRef idx="0">
-            <a:schemeClr val="accent1"/>
-          </a:effectRef>
-          <a:fontRef idx="minor">
-            <a:schemeClr val="tx1"/>
-          </a:fontRef>
-        </p:style>
-      </p:cxnSp>
-      <p:sp>
-        <p:nvSpPr>
-          <p:cNvPr id="249" name="TextBox 35">
-            <a:extLst>
-              <a:ext uri="{FF2B5EF4-FFF2-40B4-BE49-F238E27FC236}">
-                <a16:creationId xmlns:a16="http://schemas.microsoft.com/office/drawing/2014/main" xmlns="" id="{9ADA3A18-63E0-4B2B-A989-7766EF8C45EB}"/>
-              </a:ext>
-            </a:extLst>
-          </p:cNvPr>
-          <p:cNvSpPr txBox="1"/>
-          <p:nvPr/>
-        </p:nvSpPr>
-        <p:spPr>
-          <a:xfrm>
-            <a:off x="4480937" y="4616582"/>
-            <a:ext cx="1030018" cy="830997"/>
-          </a:xfrm>
-          <a:prstGeom prst="rect">
-            <a:avLst/>
-          </a:prstGeom>
-          <a:noFill/>
-        </p:spPr>
-        <p:txBody>
-          <a:bodyPr wrap="square" rtlCol="0">
-            <a:spAutoFit/>
-          </a:bodyPr>
-          <a:lstStyle/>
-          <a:p>
-            <a:pPr algn="ctr"/>
-            <a:r>
-              <a:rPr lang="en-US" sz="1200" i="1" dirty="0">
-                <a:solidFill>
-                  <a:schemeClr val="bg1"/>
-                </a:solidFill>
-              </a:rPr>
-              <a:t>Trigger</a:t>
-            </a:r>
-          </a:p>
-          <a:p>
-            <a:pPr algn="ctr"/>
-            <a:r>
-              <a:rPr lang="en-US" sz="1200" i="1" dirty="0">
-                <a:solidFill>
-                  <a:schemeClr val="bg1"/>
-                </a:solidFill>
-              </a:rPr>
-              <a:t>automatically generated  </a:t>
-            </a:r>
-          </a:p>
-          <a:p>
-            <a:pPr algn="ctr"/>
-            <a:r>
-              <a:rPr lang="en-US" sz="1200" i="1" dirty="0">
-                <a:solidFill>
-                  <a:schemeClr val="bg1"/>
-                </a:solidFill>
-              </a:rPr>
-              <a:t>SNS message</a:t>
-            </a:r>
-          </a:p>
-        </p:txBody>
-      </p:sp>
-      <p:pic>
-        <p:nvPicPr>
-          <p:cNvPr id="250" name="Graphic 33">
-            <a:extLst>
-              <a:ext uri="{FF2B5EF4-FFF2-40B4-BE49-F238E27FC236}">
-                <a16:creationId xmlns:a16="http://schemas.microsoft.com/office/drawing/2014/main" xmlns="" id="{798D01FC-404C-413F-8ABD-46B36D9FB1F6}"/>
-              </a:ext>
-            </a:extLst>
-          </p:cNvPr>
-          <p:cNvPicPr>
-            <a:picLocks noChangeAspect="1"/>
-          </p:cNvPicPr>
-          <p:nvPr/>
-        </p:nvPicPr>
-        <p:blipFill>
-          <a:blip r:embed="rId5" cstate="print">
-            <a:extLst>
-              <a:ext uri="{96DAC541-7B7A-43D3-8B79-37D633B846F1}">
-                <asvg:svgBlip xmlns:asvg="http://schemas.microsoft.com/office/drawing/2016/SVG/main" xmlns="" r:embed="rId6"/>
-              </a:ext>
-            </a:extLst>
-          </a:blip>
-          <a:stretch>
-            <a:fillRect/>
-          </a:stretch>
-        </p:blipFill>
-        <p:spPr>
-          <a:xfrm>
-            <a:off x="4825688" y="5457004"/>
-            <a:ext cx="340516" cy="340516"/>
-          </a:xfrm>
-          <a:prstGeom prst="rect">
-            <a:avLst/>
-          </a:prstGeom>
-        </p:spPr>
-      </p:pic>
-      <p:sp>
-        <p:nvSpPr>
-          <p:cNvPr id="251" name="TextBox 35">
-            <a:extLst>
-              <a:ext uri="{FF2B5EF4-FFF2-40B4-BE49-F238E27FC236}">
-                <a16:creationId xmlns:a16="http://schemas.microsoft.com/office/drawing/2014/main" xmlns="" id="{EED01609-799C-45AF-943C-7DF944E72E43}"/>
-              </a:ext>
-            </a:extLst>
-          </p:cNvPr>
-          <p:cNvSpPr txBox="1"/>
-          <p:nvPr/>
-        </p:nvSpPr>
-        <p:spPr>
-          <a:xfrm>
-            <a:off x="6667712" y="5139798"/>
-            <a:ext cx="995165" cy="461665"/>
-          </a:xfrm>
-          <a:prstGeom prst="rect">
-            <a:avLst/>
-          </a:prstGeom>
-          <a:noFill/>
-        </p:spPr>
-        <p:txBody>
-          <a:bodyPr wrap="square" rtlCol="0">
-            <a:spAutoFit/>
-          </a:bodyPr>
-          <a:lstStyle/>
-          <a:p>
-            <a:pPr algn="ctr"/>
-            <a:r>
-              <a:rPr lang="en-US" sz="1200" i="1" dirty="0">
-                <a:solidFill>
-                  <a:schemeClr val="bg1"/>
-                </a:solidFill>
-              </a:rPr>
-              <a:t>Exit Success</a:t>
-            </a:r>
-          </a:p>
-          <a:p>
-            <a:pPr algn="ctr"/>
-            <a:endParaRPr lang="en-US" sz="1200" i="1" dirty="0">
-              <a:solidFill>
-                <a:schemeClr val="bg1"/>
-              </a:solidFill>
-            </a:endParaRPr>
-          </a:p>
-        </p:txBody>
-      </p:sp>
-      <p:cxnSp>
-        <p:nvCxnSpPr>
-          <p:cNvPr id="252" name="Straight Arrow Connector 19">
-            <a:extLst>
-              <a:ext uri="{FF2B5EF4-FFF2-40B4-BE49-F238E27FC236}">
-                <a16:creationId xmlns:a16="http://schemas.microsoft.com/office/drawing/2014/main" xmlns="" id="{1DE21473-3E13-4F73-A05F-8EFD31E09F1A}"/>
-              </a:ext>
-            </a:extLst>
-          </p:cNvPr>
-          <p:cNvCxnSpPr>
-            <a:cxnSpLocks/>
-          </p:cNvCxnSpPr>
-          <p:nvPr/>
-        </p:nvCxnSpPr>
-        <p:spPr>
-          <a:xfrm flipH="1">
-            <a:off x="6090008" y="5391784"/>
-            <a:ext cx="5257" cy="246515"/>
-          </a:xfrm>
-          <a:prstGeom prst="straightConnector1">
-            <a:avLst/>
-          </a:prstGeom>
-          <a:ln w="12700">
-            <a:solidFill>
-              <a:srgbClr val="8FA7C4"/>
-            </a:solidFill>
-            <a:headEnd type="none" w="med" len="sm"/>
-            <a:tailEnd type="arrow" w="med" len="sm"/>
-          </a:ln>
-        </p:spPr>
-        <p:style>
-          <a:lnRef idx="1">
-            <a:schemeClr val="accent1"/>
-          </a:lnRef>
-          <a:fillRef idx="0">
-            <a:schemeClr val="accent1"/>
-          </a:fillRef>
-          <a:effectRef idx="0">
-            <a:schemeClr val="accent1"/>
-          </a:effectRef>
-          <a:fontRef idx="minor">
-            <a:schemeClr val="tx1"/>
-          </a:fontRef>
-        </p:style>
-      </p:cxnSp>
-      <p:cxnSp>
-        <p:nvCxnSpPr>
-          <p:cNvPr id="253" name="Straight Arrow Connector 19">
-            <a:extLst>
-              <a:ext uri="{FF2B5EF4-FFF2-40B4-BE49-F238E27FC236}">
-                <a16:creationId xmlns:a16="http://schemas.microsoft.com/office/drawing/2014/main" xmlns="" id="{1DF6B34C-6CE6-428D-83CF-72559D3B306C}"/>
-              </a:ext>
-            </a:extLst>
-          </p:cNvPr>
-          <p:cNvCxnSpPr>
-            <a:cxnSpLocks/>
-          </p:cNvCxnSpPr>
-          <p:nvPr/>
-        </p:nvCxnSpPr>
-        <p:spPr>
-          <a:xfrm>
-            <a:off x="7156423" y="4644075"/>
-            <a:ext cx="1" cy="461665"/>
-          </a:xfrm>
-          <a:prstGeom prst="straightConnector1">
-            <a:avLst/>
-          </a:prstGeom>
-          <a:ln w="12700">
-            <a:solidFill>
-              <a:srgbClr val="8FA7C4"/>
-            </a:solidFill>
-            <a:headEnd type="none" w="med" len="sm"/>
-            <a:tailEnd type="arrow" w="med" len="sm"/>
-          </a:ln>
-        </p:spPr>
-        <p:style>
-          <a:lnRef idx="1">
-            <a:schemeClr val="accent1"/>
-          </a:lnRef>
-          <a:fillRef idx="0">
-            <a:schemeClr val="accent1"/>
-          </a:fillRef>
-          <a:effectRef idx="0">
-            <a:schemeClr val="accent1"/>
-          </a:effectRef>
-          <a:fontRef idx="minor">
-            <a:schemeClr val="tx1"/>
-          </a:fontRef>
-        </p:style>
-      </p:cxnSp>
-      <p:sp>
-        <p:nvSpPr>
-          <p:cNvPr id="254" name="TextBox 35">
-            <a:extLst>
-              <a:ext uri="{FF2B5EF4-FFF2-40B4-BE49-F238E27FC236}">
-                <a16:creationId xmlns:a16="http://schemas.microsoft.com/office/drawing/2014/main" xmlns="" id="{753537EF-66DE-4796-A913-33F0F5F781F4}"/>
-              </a:ext>
-            </a:extLst>
-          </p:cNvPr>
-          <p:cNvSpPr txBox="1"/>
-          <p:nvPr/>
-        </p:nvSpPr>
-        <p:spPr>
-          <a:xfrm>
-            <a:off x="6585899" y="4251349"/>
-            <a:ext cx="1030018" cy="276999"/>
-          </a:xfrm>
-          <a:prstGeom prst="rect">
-            <a:avLst/>
-          </a:prstGeom>
-          <a:noFill/>
-        </p:spPr>
-        <p:txBody>
-          <a:bodyPr wrap="square" rtlCol="0">
-            <a:spAutoFit/>
-          </a:bodyPr>
-          <a:lstStyle/>
-          <a:p>
-            <a:pPr algn="ctr"/>
-            <a:r>
-              <a:rPr lang="fr-FR" sz="1200" i="1" dirty="0">
-                <a:solidFill>
-                  <a:schemeClr val="bg1"/>
-                </a:solidFill>
-              </a:rPr>
-              <a:t>Do Nothing</a:t>
-            </a:r>
-            <a:endParaRPr lang="en-US" sz="1200" i="1" dirty="0">
-              <a:solidFill>
-                <a:schemeClr val="bg1"/>
-              </a:solidFill>
-            </a:endParaRPr>
-          </a:p>
-        </p:txBody>
-      </p:sp>
-      <p:sp>
-        <p:nvSpPr>
-          <p:cNvPr id="255" name="TextBox 35">
-            <a:extLst>
-              <a:ext uri="{FF2B5EF4-FFF2-40B4-BE49-F238E27FC236}">
-                <a16:creationId xmlns:a16="http://schemas.microsoft.com/office/drawing/2014/main" xmlns="" id="{785C6FDB-982C-46F4-8A4B-E63509DEC29D}"/>
-              </a:ext>
-            </a:extLst>
-          </p:cNvPr>
-          <p:cNvSpPr txBox="1"/>
-          <p:nvPr/>
-        </p:nvSpPr>
-        <p:spPr>
-          <a:xfrm rot="16200000">
-            <a:off x="5529080" y="3943474"/>
-            <a:ext cx="728866" cy="400110"/>
-          </a:xfrm>
-          <a:prstGeom prst="rect">
-            <a:avLst/>
-          </a:prstGeom>
-          <a:noFill/>
-        </p:spPr>
-        <p:txBody>
-          <a:bodyPr wrap="square" rtlCol="0">
-            <a:spAutoFit/>
-          </a:bodyPr>
-          <a:lstStyle/>
-          <a:p>
-            <a:pPr algn="ctr"/>
-            <a:r>
-              <a:rPr lang="en-US" sz="1000" i="1" dirty="0">
-                <a:solidFill>
-                  <a:srgbClr val="FF0000"/>
-                </a:solidFill>
-              </a:rPr>
-              <a:t>Can’t continue</a:t>
-            </a:r>
-          </a:p>
-        </p:txBody>
-      </p:sp>
-      <p:cxnSp>
-        <p:nvCxnSpPr>
-          <p:cNvPr id="256" name="Straight Arrow Connector 19">
-            <a:extLst>
-              <a:ext uri="{FF2B5EF4-FFF2-40B4-BE49-F238E27FC236}">
-                <a16:creationId xmlns:a16="http://schemas.microsoft.com/office/drawing/2014/main" xmlns="" id="{AB83B351-0103-4F35-9D2A-C71DBCEC95C7}"/>
-              </a:ext>
-            </a:extLst>
-          </p:cNvPr>
-          <p:cNvCxnSpPr>
-            <a:cxnSpLocks/>
-          </p:cNvCxnSpPr>
-          <p:nvPr/>
-        </p:nvCxnSpPr>
-        <p:spPr>
-          <a:xfrm>
-            <a:off x="6229509" y="3976098"/>
-            <a:ext cx="437591" cy="349851"/>
-          </a:xfrm>
-          <a:prstGeom prst="straightConnector1">
-            <a:avLst/>
-          </a:prstGeom>
-          <a:ln w="12700">
-            <a:solidFill>
-              <a:srgbClr val="8FA7C4"/>
-            </a:solidFill>
-            <a:headEnd type="none" w="med" len="sm"/>
-            <a:tailEnd type="arrow" w="med" len="sm"/>
-          </a:ln>
-        </p:spPr>
-        <p:style>
-          <a:lnRef idx="1">
-            <a:schemeClr val="accent1"/>
-          </a:lnRef>
-          <a:fillRef idx="0">
-            <a:schemeClr val="accent1"/>
-          </a:fillRef>
-          <a:effectRef idx="0">
-            <a:schemeClr val="accent1"/>
-          </a:effectRef>
-          <a:fontRef idx="minor">
-            <a:schemeClr val="tx1"/>
-          </a:fontRef>
-        </p:style>
-      </p:cxnSp>
-      <p:sp>
-        <p:nvSpPr>
-          <p:cNvPr id="257" name="TextBox 35">
-            <a:extLst>
-              <a:ext uri="{FF2B5EF4-FFF2-40B4-BE49-F238E27FC236}">
-                <a16:creationId xmlns:a16="http://schemas.microsoft.com/office/drawing/2014/main" xmlns="" id="{62706188-53AD-4874-BD75-68C58757830D}"/>
-              </a:ext>
-            </a:extLst>
-          </p:cNvPr>
-          <p:cNvSpPr txBox="1"/>
-          <p:nvPr/>
-        </p:nvSpPr>
-        <p:spPr>
-          <a:xfrm rot="2239806">
-            <a:off x="6073220" y="3936498"/>
-            <a:ext cx="895878" cy="246221"/>
-          </a:xfrm>
-          <a:prstGeom prst="rect">
-            <a:avLst/>
-          </a:prstGeom>
-          <a:noFill/>
-        </p:spPr>
-        <p:txBody>
-          <a:bodyPr wrap="square" rtlCol="0">
-            <a:spAutoFit/>
-          </a:bodyPr>
-          <a:lstStyle/>
-          <a:p>
-            <a:pPr algn="ctr"/>
-            <a:r>
-              <a:rPr lang="fr-FR" sz="1000" i="1" dirty="0">
-                <a:solidFill>
-                  <a:srgbClr val="FFC000"/>
-                </a:solidFill>
-              </a:rPr>
-              <a:t>Can Continue</a:t>
-            </a:r>
-            <a:endParaRPr lang="en-US" sz="1000" i="1" dirty="0">
-              <a:solidFill>
-                <a:srgbClr val="FFC000"/>
-              </a:solidFill>
-            </a:endParaRPr>
-          </a:p>
-        </p:txBody>
-      </p:sp>
-      <p:cxnSp>
-        <p:nvCxnSpPr>
-          <p:cNvPr id="258" name="Straight Arrow Connector 19">
-            <a:extLst>
-              <a:ext uri="{FF2B5EF4-FFF2-40B4-BE49-F238E27FC236}">
-                <a16:creationId xmlns:a16="http://schemas.microsoft.com/office/drawing/2014/main" xmlns="" id="{A727F894-80DC-4A7A-9367-7FA13BFB971E}"/>
-              </a:ext>
-            </a:extLst>
-          </p:cNvPr>
-          <p:cNvCxnSpPr>
-            <a:cxnSpLocks/>
-          </p:cNvCxnSpPr>
-          <p:nvPr/>
-        </p:nvCxnSpPr>
-        <p:spPr>
-          <a:xfrm>
-            <a:off x="6098048" y="4004265"/>
-            <a:ext cx="321" cy="351705"/>
-          </a:xfrm>
-          <a:prstGeom prst="straightConnector1">
-            <a:avLst/>
-          </a:prstGeom>
-          <a:ln w="12700">
-            <a:solidFill>
-              <a:srgbClr val="8FA7C4"/>
-            </a:solidFill>
-            <a:headEnd type="none" w="med" len="sm"/>
-            <a:tailEnd type="arrow" w="med" len="sm"/>
-          </a:ln>
-        </p:spPr>
-        <p:style>
-          <a:lnRef idx="1">
-            <a:schemeClr val="accent1"/>
-          </a:lnRef>
-          <a:fillRef idx="0">
-            <a:schemeClr val="accent1"/>
-          </a:fillRef>
-          <a:effectRef idx="0">
-            <a:schemeClr val="accent1"/>
-          </a:effectRef>
-          <a:fontRef idx="minor">
-            <a:schemeClr val="tx1"/>
-          </a:fontRef>
-        </p:style>
-      </p:cxnSp>
-      <p:sp>
-        <p:nvSpPr>
-          <p:cNvPr id="259" name="TextBox 35">
-            <a:extLst>
-              <a:ext uri="{FF2B5EF4-FFF2-40B4-BE49-F238E27FC236}">
-                <a16:creationId xmlns:a16="http://schemas.microsoft.com/office/drawing/2014/main" xmlns="" id="{434BE7A5-705D-4814-A14C-193AF5C2A758}"/>
-              </a:ext>
-            </a:extLst>
-          </p:cNvPr>
-          <p:cNvSpPr txBox="1"/>
-          <p:nvPr/>
-        </p:nvSpPr>
-        <p:spPr>
-          <a:xfrm>
-            <a:off x="5601267" y="4349499"/>
-            <a:ext cx="1030018" cy="646331"/>
-          </a:xfrm>
-          <a:prstGeom prst="rect">
-            <a:avLst/>
-          </a:prstGeom>
-          <a:noFill/>
-        </p:spPr>
-        <p:txBody>
-          <a:bodyPr wrap="square" rtlCol="0">
-            <a:spAutoFit/>
-          </a:bodyPr>
-          <a:lstStyle/>
-          <a:p>
-            <a:pPr algn="ctr"/>
-            <a:r>
-              <a:rPr lang="en-US" sz="1200" i="1" dirty="0">
-                <a:solidFill>
-                  <a:schemeClr val="bg1"/>
-                </a:solidFill>
-              </a:rPr>
-              <a:t>Send</a:t>
-            </a:r>
-          </a:p>
-          <a:p>
-            <a:pPr algn="ctr"/>
-            <a:r>
-              <a:rPr lang="en-US" sz="1200" i="1" dirty="0">
-                <a:solidFill>
-                  <a:schemeClr val="bg1"/>
-                </a:solidFill>
-              </a:rPr>
-              <a:t>Custom SNS message</a:t>
-            </a:r>
-          </a:p>
-        </p:txBody>
-      </p:sp>
-      <p:pic>
-        <p:nvPicPr>
-          <p:cNvPr id="260" name="Graphic 33">
-            <a:extLst>
-              <a:ext uri="{FF2B5EF4-FFF2-40B4-BE49-F238E27FC236}">
-                <a16:creationId xmlns:a16="http://schemas.microsoft.com/office/drawing/2014/main" xmlns="" id="{3A8FC5AE-098B-4948-9417-517E8DF89B12}"/>
-              </a:ext>
-            </a:extLst>
-          </p:cNvPr>
-          <p:cNvPicPr>
-            <a:picLocks noChangeAspect="1"/>
-          </p:cNvPicPr>
-          <p:nvPr/>
-        </p:nvPicPr>
-        <p:blipFill>
-          <a:blip r:embed="rId5" cstate="print">
-            <a:extLst>
-              <a:ext uri="{96DAC541-7B7A-43D3-8B79-37D633B846F1}">
-                <asvg:svgBlip xmlns:asvg="http://schemas.microsoft.com/office/drawing/2016/SVG/main" xmlns="" r:embed="rId6"/>
-              </a:ext>
-            </a:extLst>
-          </a:blip>
-          <a:stretch>
-            <a:fillRect/>
-          </a:stretch>
-        </p:blipFill>
-        <p:spPr>
-          <a:xfrm>
-            <a:off x="5946017" y="4972326"/>
-            <a:ext cx="340516" cy="340516"/>
-          </a:xfrm>
-          <a:prstGeom prst="rect">
-            <a:avLst/>
-          </a:prstGeom>
-        </p:spPr>
-      </p:pic>
-      <p:sp>
-        <p:nvSpPr>
-          <p:cNvPr id="261" name="TextBox 35">
-            <a:extLst>
-              <a:ext uri="{FF2B5EF4-FFF2-40B4-BE49-F238E27FC236}">
-                <a16:creationId xmlns:a16="http://schemas.microsoft.com/office/drawing/2014/main" xmlns="" id="{A845DFCD-40BD-4C18-9466-935363E5CBB2}"/>
-              </a:ext>
-            </a:extLst>
-          </p:cNvPr>
-          <p:cNvSpPr txBox="1"/>
-          <p:nvPr/>
-        </p:nvSpPr>
-        <p:spPr>
-          <a:xfrm>
-            <a:off x="5462477" y="5643050"/>
-            <a:ext cx="1255062" cy="461665"/>
-          </a:xfrm>
-          <a:prstGeom prst="rect">
-            <a:avLst/>
-          </a:prstGeom>
-          <a:noFill/>
-        </p:spPr>
-        <p:txBody>
-          <a:bodyPr wrap="square" rtlCol="0">
-            <a:spAutoFit/>
-          </a:bodyPr>
-          <a:lstStyle/>
-          <a:p>
-            <a:pPr algn="ctr"/>
-            <a:r>
-              <a:rPr lang="en-US" sz="1200" i="1" dirty="0">
-                <a:solidFill>
-                  <a:schemeClr val="bg1"/>
-                </a:solidFill>
-              </a:rPr>
-              <a:t>Exit Prematurely as Success</a:t>
-            </a:r>
-          </a:p>
-        </p:txBody>
-      </p:sp>
-      <p:sp>
-        <p:nvSpPr>
-          <p:cNvPr id="3" name="Espace réservé du numéro de diapositive 2">
-            <a:extLst>
-              <a:ext uri="{FF2B5EF4-FFF2-40B4-BE49-F238E27FC236}">
-                <a16:creationId xmlns:a16="http://schemas.microsoft.com/office/drawing/2014/main" xmlns="" id="{ABA8A295-A01B-4A00-944C-1C47DA2522B9}"/>
-              </a:ext>
-            </a:extLst>
-          </p:cNvPr>
-          <p:cNvSpPr>
-            <a:spLocks noGrp="1"/>
-          </p:cNvSpPr>
-          <p:nvPr>
-            <p:ph type="sldNum" sz="quarter" idx="12"/>
-          </p:nvPr>
-        </p:nvSpPr>
-        <p:spPr/>
-        <p:txBody>
-          <a:bodyPr/>
-          <a:lstStyle/>
-          <a:p>
-            <a:fld id="{E6B1A59F-6568-46B7-9FEA-42BEE4EAD067}" type="slidenum">
-              <a:rPr lang="en-CA" smtClean="0"/>
-              <a:pPr/>
-              <a:t>14</a:t>
-            </a:fld>
-            <a:endParaRPr lang="en-CA"/>
-          </a:p>
-        </p:txBody>
-      </p:sp>
-      <p:sp>
-        <p:nvSpPr>
-          <p:cNvPr id="80" name="Rectangle 79">
-            <a:extLst>
-              <a:ext uri="{FF2B5EF4-FFF2-40B4-BE49-F238E27FC236}">
-                <a16:creationId xmlns:a16="http://schemas.microsoft.com/office/drawing/2014/main" xmlns="" id="{901B4A02-C184-4738-8BAF-E59DBEFAB6F0}"/>
-              </a:ext>
-            </a:extLst>
-          </p:cNvPr>
-          <p:cNvSpPr/>
-          <p:nvPr/>
-        </p:nvSpPr>
-        <p:spPr>
-          <a:xfrm>
-            <a:off x="285225" y="-44352"/>
-            <a:ext cx="8682607" cy="1292662"/>
-          </a:xfrm>
-          <a:prstGeom prst="rect">
-            <a:avLst/>
-          </a:prstGeom>
-        </p:spPr>
-        <p:txBody>
-          <a:bodyPr wrap="square">
-            <a:spAutoFit/>
-          </a:bodyPr>
-          <a:lstStyle/>
-          <a:p>
-            <a:endParaRPr lang="fr-FR" dirty="0"/>
-          </a:p>
-          <a:p>
-            <a:r>
-              <a:rPr lang="fr-FR" sz="3600" dirty="0">
-                <a:solidFill>
-                  <a:schemeClr val="bg1">
-                    <a:lumMod val="85000"/>
-                  </a:schemeClr>
-                </a:solidFill>
-                <a:latin typeface="Bahnschrift SemiBold SemiConden" panose="020B0502040204020203" pitchFamily="34" charset="0"/>
-              </a:rPr>
-              <a:t>Réalisation de la chaîne de déploiement </a:t>
-            </a:r>
-          </a:p>
-          <a:p>
-            <a:r>
-              <a:rPr lang="fr-FR" sz="2400" dirty="0">
-                <a:solidFill>
-                  <a:schemeClr val="bg1">
-                    <a:lumMod val="85000"/>
-                  </a:schemeClr>
-                </a:solidFill>
-                <a:latin typeface="Bahnschrift SemiBold SemiConden" panose="020B0502040204020203" pitchFamily="34" charset="0"/>
-              </a:rPr>
-              <a:t>Détails de la solution – Gestion des Notification SNS</a:t>
-            </a:r>
-          </a:p>
-        </p:txBody>
-      </p:sp>
-    </p:spTree>
-    <p:extLst>
-      <p:ext uri="{BB962C8B-B14F-4D97-AF65-F5344CB8AC3E}">
-        <p14:creationId xmlns:p14="http://schemas.microsoft.com/office/powerpoint/2010/main" xmlns="" val="3698336854"/>
-      </p:ext>
-    </p:extLst>
-  </p:cSld>
-  <p:clrMapOvr>
-    <a:masterClrMapping/>
-  </p:clrMapOvr>
-</p:sld>
-</file>
-
-<file path=ppt/slides/slide15.xml><?xml version="1.0" encoding="utf-8"?>
-<p:sld xmlns:a="http://schemas.openxmlformats.org/drawingml/2006/main" xmlns:r="http://schemas.openxmlformats.org/officeDocument/2006/relationships" xmlns:p="http://schemas.openxmlformats.org/presentationml/2006/main">
-  <p:cSld>
-    <p:bg>
-      <p:bgPr>
-        <a:solidFill>
-          <a:srgbClr val="232F3D"/>
-        </a:solidFill>
-        <a:effectLst/>
-      </p:bgPr>
-    </p:bg>
-    <p:spTree>
-      <p:nvGrpSpPr>
-        <p:cNvPr id="1" name=""/>
-        <p:cNvGrpSpPr/>
-        <p:nvPr/>
-      </p:nvGrpSpPr>
-      <p:grpSpPr>
-        <a:xfrm>
-          <a:off x="0" y="0"/>
-          <a:ext cx="0" cy="0"/>
-          <a:chOff x="0" y="0"/>
-          <a:chExt cx="0" cy="0"/>
-        </a:xfrm>
-      </p:grpSpPr>
-      <p:pic>
-        <p:nvPicPr>
-          <p:cNvPr id="7" name="Picture 2" descr="VOST">
-            <a:extLst>
-              <a:ext uri="{FF2B5EF4-FFF2-40B4-BE49-F238E27FC236}">
-                <a16:creationId xmlns:a16="http://schemas.microsoft.com/office/drawing/2014/main" xmlns="" id="{A3630E28-E444-49F0-A4C9-5EC911ADBA18}"/>
-              </a:ext>
-            </a:extLst>
-          </p:cNvPr>
-          <p:cNvPicPr>
-            <a:picLocks noChangeAspect="1" noChangeArrowheads="1"/>
-          </p:cNvPicPr>
-          <p:nvPr/>
-        </p:nvPicPr>
-        <p:blipFill>
-          <a:blip r:embed="rId2" cstate="print">
-            <a:extLst>
-              <a:ext uri="{28A0092B-C50C-407E-A947-70E740481C1C}">
-                <a14:useLocalDpi xmlns:a14="http://schemas.microsoft.com/office/drawing/2010/main" xmlns="" val="0"/>
-              </a:ext>
-            </a:extLst>
-          </a:blip>
-          <a:srcRect/>
-          <a:stretch>
-            <a:fillRect/>
-          </a:stretch>
-        </p:blipFill>
-        <p:spPr bwMode="auto">
-          <a:xfrm>
-            <a:off x="8395138" y="0"/>
-            <a:ext cx="3607676" cy="2524634"/>
-          </a:xfrm>
-          <a:prstGeom prst="rect">
-            <a:avLst/>
-          </a:prstGeom>
-          <a:noFill/>
-          <a:extLst>
-            <a:ext uri="{909E8E84-426E-40DD-AFC4-6F175D3DCCD1}">
-              <a14:hiddenFill xmlns:a14="http://schemas.microsoft.com/office/drawing/2010/main" xmlns="">
-                <a:solidFill>
-                  <a:srgbClr val="FFFFFF"/>
-                </a:solidFill>
-              </a14:hiddenFill>
-            </a:ext>
-          </a:extLst>
-        </p:spPr>
-      </p:pic>
-      <p:pic>
-        <p:nvPicPr>
-          <p:cNvPr id="8" name="Picture 4" descr="About Us | About Blu Age">
-            <a:extLst>
-              <a:ext uri="{FF2B5EF4-FFF2-40B4-BE49-F238E27FC236}">
-                <a16:creationId xmlns:a16="http://schemas.microsoft.com/office/drawing/2014/main" xmlns="" id="{663FBF76-605B-4CAB-A731-D126D4CB8AC9}"/>
-              </a:ext>
-            </a:extLst>
-          </p:cNvPr>
-          <p:cNvPicPr>
-            <a:picLocks noChangeAspect="1" noChangeArrowheads="1"/>
-          </p:cNvPicPr>
-          <p:nvPr/>
-        </p:nvPicPr>
-        <p:blipFill>
-          <a:blip r:embed="rId3" cstate="print">
-            <a:duotone>
-              <a:schemeClr val="accent3">
-                <a:shade val="45000"/>
-                <a:satMod val="135000"/>
-              </a:schemeClr>
-              <a:prstClr val="white"/>
-            </a:duotone>
-            <a:extLst>
-              <a:ext uri="{28A0092B-C50C-407E-A947-70E740481C1C}">
-                <a14:useLocalDpi xmlns:a14="http://schemas.microsoft.com/office/drawing/2010/main" xmlns="" val="0"/>
-              </a:ext>
-            </a:extLst>
-          </a:blip>
-          <a:srcRect/>
-          <a:stretch>
-            <a:fillRect/>
-          </a:stretch>
-        </p:blipFill>
-        <p:spPr bwMode="auto">
-          <a:xfrm>
-            <a:off x="8532101" y="2711741"/>
-            <a:ext cx="3333750" cy="762000"/>
-          </a:xfrm>
-          <a:prstGeom prst="rect">
-            <a:avLst/>
-          </a:prstGeom>
-          <a:noFill/>
-          <a:extLst>
-            <a:ext uri="{909E8E84-426E-40DD-AFC4-6F175D3DCCD1}">
-              <a14:hiddenFill xmlns:a14="http://schemas.microsoft.com/office/drawing/2010/main" xmlns="">
-                <a:solidFill>
-                  <a:srgbClr val="FFFFFF"/>
-                </a:solidFill>
-              </a14:hiddenFill>
-            </a:ext>
-          </a:extLst>
-        </p:spPr>
-      </p:pic>
-      <p:sp>
-        <p:nvSpPr>
-          <p:cNvPr id="9" name="Rectangle 8">
-            <a:extLst>
-              <a:ext uri="{FF2B5EF4-FFF2-40B4-BE49-F238E27FC236}">
-                <a16:creationId xmlns:a16="http://schemas.microsoft.com/office/drawing/2014/main" xmlns="" id="{F696FC9C-F0BE-4A1C-B48D-F1DC05C14CF9}"/>
-              </a:ext>
-            </a:extLst>
-          </p:cNvPr>
-          <p:cNvSpPr/>
-          <p:nvPr/>
-        </p:nvSpPr>
-        <p:spPr>
-          <a:xfrm>
-            <a:off x="1526797" y="2569521"/>
-            <a:ext cx="5637402" cy="1046440"/>
-          </a:xfrm>
-          <a:prstGeom prst="rect">
-            <a:avLst/>
-          </a:prstGeom>
-        </p:spPr>
-        <p:txBody>
-          <a:bodyPr wrap="square">
-            <a:spAutoFit/>
-          </a:bodyPr>
-          <a:lstStyle/>
-          <a:p>
-            <a:endParaRPr lang="en-US" sz="1100" dirty="0">
-              <a:solidFill>
-                <a:srgbClr val="000000"/>
-              </a:solidFill>
-              <a:latin typeface="Bahnschrift SemiBold SemiConden" panose="020B0502040204020203" pitchFamily="34" charset="0"/>
-            </a:endParaRPr>
-          </a:p>
-          <a:p>
-            <a:r>
-              <a:rPr lang="en-US" sz="1100" dirty="0">
-                <a:solidFill>
-                  <a:srgbClr val="000000"/>
-                </a:solidFill>
-                <a:latin typeface="Bahnschrift SemiBold SemiConden" panose="020B0502040204020203" pitchFamily="34" charset="0"/>
-              </a:rPr>
-              <a:t> </a:t>
-            </a:r>
-          </a:p>
-          <a:p>
-            <a:r>
-              <a:rPr lang="fr-FR" sz="4000" dirty="0">
-                <a:solidFill>
-                  <a:schemeClr val="bg1">
-                    <a:lumMod val="85000"/>
-                  </a:schemeClr>
-                </a:solidFill>
-                <a:latin typeface="Bahnschrift SemiBold SemiConden" panose="020B0502040204020203" pitchFamily="34" charset="0"/>
-              </a:rPr>
-              <a:t>Merci de votre attention</a:t>
-            </a:r>
-            <a:endParaRPr lang="en-US" sz="4000" dirty="0">
-              <a:solidFill>
-                <a:schemeClr val="bg1">
-                  <a:lumMod val="85000"/>
-                </a:schemeClr>
-              </a:solidFill>
-              <a:latin typeface="Bahnschrift SemiBold SemiConden" panose="020B0502040204020203" pitchFamily="34" charset="0"/>
-            </a:endParaRPr>
-          </a:p>
-        </p:txBody>
-      </p:sp>
-    </p:spTree>
-    <p:extLst>
-      <p:ext uri="{BB962C8B-B14F-4D97-AF65-F5344CB8AC3E}">
-        <p14:creationId xmlns:p14="http://schemas.microsoft.com/office/powerpoint/2010/main" xmlns="" val="2496708133"/>
-      </p:ext>
-    </p:extLst>
-  </p:cSld>
-  <p:clrMapOvr>
-    <a:masterClrMapping/>
-  </p:clrMapOvr>
 </p:sld>
 </file>
 
@@ -10939,7 +10939,7 @@
           <a:blip r:embed="rId2" cstate="print">
             <a:extLst>
               <a:ext uri="{28A0092B-C50C-407E-A947-70E740481C1C}">
-                <a14:useLocalDpi xmlns:a14="http://schemas.microsoft.com/office/drawing/2010/main" xmlns="" val="0"/>
+                <a14:useLocalDpi xmlns:a14="http://schemas.microsoft.com/office/drawing/2010/main" val="0"/>
               </a:ext>
             </a:extLst>
           </a:blip>
@@ -11031,7 +11031,7 @@
     </p:spTree>
     <p:extLst>
       <p:ext uri="{BB962C8B-B14F-4D97-AF65-F5344CB8AC3E}">
-        <p14:creationId xmlns:p14="http://schemas.microsoft.com/office/powerpoint/2010/main" xmlns="" val="3878131510"/>
+        <p14:creationId xmlns:p14="http://schemas.microsoft.com/office/powerpoint/2010/main" val="3878131510"/>
       </p:ext>
     </p:extLst>
   </p:cSld>
@@ -11139,7 +11139,7 @@
           <a:blip r:embed="rId2" cstate="print">
             <a:extLst>
               <a:ext uri="{28A0092B-C50C-407E-A947-70E740481C1C}">
-                <a14:useLocalDpi xmlns:a14="http://schemas.microsoft.com/office/drawing/2010/main" xmlns="" val="0"/>
+                <a14:useLocalDpi xmlns:a14="http://schemas.microsoft.com/office/drawing/2010/main" val="0"/>
               </a:ext>
             </a:extLst>
           </a:blip>
@@ -11175,7 +11175,7 @@
           <a:blip r:embed="rId3" cstate="print">
             <a:extLst>
               <a:ext uri="{28A0092B-C50C-407E-A947-70E740481C1C}">
-                <a14:useLocalDpi xmlns:a14="http://schemas.microsoft.com/office/drawing/2010/main" xmlns="" val="0"/>
+                <a14:useLocalDpi xmlns:a14="http://schemas.microsoft.com/office/drawing/2010/main" val="0"/>
               </a:ext>
             </a:extLst>
           </a:blip>
@@ -11211,7 +11211,7 @@
           <a:blip r:embed="rId4" cstate="print">
             <a:extLst>
               <a:ext uri="{28A0092B-C50C-407E-A947-70E740481C1C}">
-                <a14:useLocalDpi xmlns:a14="http://schemas.microsoft.com/office/drawing/2010/main" xmlns="" val="0"/>
+                <a14:useLocalDpi xmlns:a14="http://schemas.microsoft.com/office/drawing/2010/main" val="0"/>
               </a:ext>
             </a:extLst>
           </a:blip>
@@ -11342,7 +11342,7 @@
     </p:spTree>
     <p:extLst>
       <p:ext uri="{BB962C8B-B14F-4D97-AF65-F5344CB8AC3E}">
-        <p14:creationId xmlns:p14="http://schemas.microsoft.com/office/powerpoint/2010/main" xmlns="" val="179874492"/>
+        <p14:creationId xmlns:p14="http://schemas.microsoft.com/office/powerpoint/2010/main" val="179874492"/>
       </p:ext>
     </p:extLst>
   </p:cSld>
@@ -11509,7 +11509,7 @@
           <a:blip r:embed="rId2" cstate="print">
             <a:extLst>
               <a:ext uri="{28A0092B-C50C-407E-A947-70E740481C1C}">
-                <a14:useLocalDpi xmlns:a14="http://schemas.microsoft.com/office/drawing/2010/main" xmlns="" val="0"/>
+                <a14:useLocalDpi xmlns:a14="http://schemas.microsoft.com/office/drawing/2010/main" val="0"/>
               </a:ext>
             </a:extLst>
           </a:blip>
@@ -11695,7 +11695,7 @@
     </p:spTree>
     <p:extLst>
       <p:ext uri="{BB962C8B-B14F-4D97-AF65-F5344CB8AC3E}">
-        <p14:creationId xmlns:p14="http://schemas.microsoft.com/office/powerpoint/2010/main" xmlns="" val="2100241567"/>
+        <p14:creationId xmlns:p14="http://schemas.microsoft.com/office/powerpoint/2010/main" val="2100241567"/>
       </p:ext>
     </p:extLst>
   </p:cSld>
@@ -11809,7 +11809,7 @@
           <a:blip r:embed="rId2" cstate="print">
             <a:extLst>
               <a:ext uri="{28A0092B-C50C-407E-A947-70E740481C1C}">
-                <a14:useLocalDpi xmlns:a14="http://schemas.microsoft.com/office/drawing/2010/main" xmlns="" val="0"/>
+                <a14:useLocalDpi xmlns:a14="http://schemas.microsoft.com/office/drawing/2010/main" val="0"/>
               </a:ext>
             </a:extLst>
           </a:blip>
@@ -11977,7 +11977,7 @@
     </p:spTree>
     <p:extLst>
       <p:ext uri="{BB962C8B-B14F-4D97-AF65-F5344CB8AC3E}">
-        <p14:creationId xmlns:p14="http://schemas.microsoft.com/office/powerpoint/2010/main" xmlns="" val="515017102"/>
+        <p14:creationId xmlns:p14="http://schemas.microsoft.com/office/powerpoint/2010/main" val="515017102"/>
       </p:ext>
     </p:extLst>
   </p:cSld>
@@ -12200,7 +12200,7 @@
     </p:spTree>
     <p:extLst>
       <p:ext uri="{BB962C8B-B14F-4D97-AF65-F5344CB8AC3E}">
-        <p14:creationId xmlns:p14="http://schemas.microsoft.com/office/powerpoint/2010/main" xmlns="" val="1476400819"/>
+        <p14:creationId xmlns:p14="http://schemas.microsoft.com/office/powerpoint/2010/main" val="1476400819"/>
       </p:ext>
     </p:extLst>
   </p:cSld>
@@ -12380,7 +12380,7 @@
           <a:blip r:embed="rId2" cstate="print">
             <a:extLst>
               <a:ext uri="{28A0092B-C50C-407E-A947-70E740481C1C}">
-                <a14:useLocalDpi xmlns:a14="http://schemas.microsoft.com/office/drawing/2010/main" xmlns="" val="0"/>
+                <a14:useLocalDpi xmlns:a14="http://schemas.microsoft.com/office/drawing/2010/main" val="0"/>
               </a:ext>
             </a:extLst>
           </a:blip>
@@ -12519,7 +12519,7 @@
     </p:spTree>
     <p:extLst>
       <p:ext uri="{BB962C8B-B14F-4D97-AF65-F5344CB8AC3E}">
-        <p14:creationId xmlns:p14="http://schemas.microsoft.com/office/powerpoint/2010/main" xmlns="" val="1618235512"/>
+        <p14:creationId xmlns:p14="http://schemas.microsoft.com/office/powerpoint/2010/main" val="1618235512"/>
       </p:ext>
     </p:extLst>
   </p:cSld>
@@ -13014,7 +13014,7 @@
     </p:spTree>
     <p:extLst>
       <p:ext uri="{BB962C8B-B14F-4D97-AF65-F5344CB8AC3E}">
-        <p14:creationId xmlns:p14="http://schemas.microsoft.com/office/powerpoint/2010/main" xmlns="" val="4211996750"/>
+        <p14:creationId xmlns:p14="http://schemas.microsoft.com/office/powerpoint/2010/main" val="4211996750"/>
       </p:ext>
     </p:extLst>
   </p:cSld>
@@ -13469,7 +13469,7 @@
     </p:spTree>
     <p:extLst>
       <p:ext uri="{BB962C8B-B14F-4D97-AF65-F5344CB8AC3E}">
-        <p14:creationId xmlns:p14="http://schemas.microsoft.com/office/powerpoint/2010/main" xmlns="" val="4040962769"/>
+        <p14:creationId xmlns:p14="http://schemas.microsoft.com/office/powerpoint/2010/main" val="4040962769"/>
       </p:ext>
     </p:extLst>
   </p:cSld>
@@ -13691,7 +13691,7 @@
     </p:spTree>
     <p:extLst>
       <p:ext uri="{BB962C8B-B14F-4D97-AF65-F5344CB8AC3E}">
-        <p14:creationId xmlns:p14="http://schemas.microsoft.com/office/powerpoint/2010/main" xmlns="" val="3413042724"/>
+        <p14:creationId xmlns:p14="http://schemas.microsoft.com/office/powerpoint/2010/main" val="3413042724"/>
       </p:ext>
     </p:extLst>
   </p:cSld>
@@ -14025,7 +14025,7 @@
         </p:nvSpPr>
         <p:spPr>
           <a:xfrm>
-            <a:off x="753809" y="2656062"/>
+            <a:off x="753809" y="2656061"/>
             <a:ext cx="10840023" cy="3785652"/>
           </a:xfrm>
           <a:prstGeom prst="rect">
@@ -14077,29 +14077,8 @@
                 <a:latin typeface="Bahnschrift SemiBold" panose="020B0502040204020203" pitchFamily="34" charset="0"/>
                 <a:ea typeface="Yu Gothic UI Semilight" panose="020B0400000000000000" pitchFamily="34" charset="-128"/>
               </a:rPr>
-              <a:t>Tester le </a:t>
-            </a:r>
-            <a:r>
-              <a:rPr lang="fr-FR" sz="2400" dirty="0" err="1" smtClean="0">
-                <a:solidFill>
-                  <a:schemeClr val="bg1">
-                    <a:lumMod val="85000"/>
-                  </a:schemeClr>
-                </a:solidFill>
-                <a:latin typeface="Bahnschrift SemiBold" panose="020B0502040204020203" pitchFamily="34" charset="0"/>
-                <a:ea typeface="Yu Gothic UI Semilight" panose="020B0400000000000000" pitchFamily="34" charset="-128"/>
-              </a:rPr>
-              <a:t>Runtime</a:t>
-            </a:r>
-            <a:endParaRPr lang="fr-FR" sz="2400" dirty="0" smtClean="0">
-              <a:solidFill>
-                <a:schemeClr val="bg1">
-                  <a:lumMod val="85000"/>
-                </a:schemeClr>
-              </a:solidFill>
-              <a:latin typeface="Bahnschrift SemiBold" panose="020B0502040204020203" pitchFamily="34" charset="0"/>
-              <a:ea typeface="Yu Gothic UI Semilight" panose="020B0400000000000000" pitchFamily="34" charset="-128"/>
-            </a:endParaRPr>
+              <a:t>Tester le Runtime</a:t>
+            </a:r>
           </a:p>
           <a:p>
             <a:pPr marL="342900" indent="-342900">
@@ -14116,7 +14095,7 @@
                 <a:latin typeface="Bahnschrift SemiBold" panose="020B0502040204020203" pitchFamily="34" charset="0"/>
                 <a:ea typeface="Yu Gothic UI Semilight" panose="020B0400000000000000" pitchFamily="34" charset="-128"/>
               </a:rPr>
-              <a:t>Configuration </a:t>
+              <a:t>Configurer </a:t>
             </a:r>
             <a:r>
               <a:rPr lang="fr-FR" sz="2400" dirty="0">
@@ -14128,7 +14107,31 @@
                 <a:latin typeface="Bahnschrift SemiBold" panose="020B0502040204020203" pitchFamily="34" charset="0"/>
                 <a:ea typeface="Yu Gothic UI Semilight" panose="020B0400000000000000" pitchFamily="34" charset="-128"/>
               </a:rPr>
-              <a:t>des droits </a:t>
+              <a:t>l</a:t>
+            </a:r>
+            <a:r>
+              <a:rPr lang="fr-FR" sz="2400" dirty="0" smtClean="0">
+                <a:solidFill>
+                  <a:schemeClr val="bg1">
+                    <a:lumMod val="85000"/>
+                  </a:schemeClr>
+                </a:solidFill>
+                <a:latin typeface="Bahnschrift SemiBold" panose="020B0502040204020203" pitchFamily="34" charset="0"/>
+                <a:ea typeface="Yu Gothic UI Semilight" panose="020B0400000000000000" pitchFamily="34" charset="-128"/>
+              </a:rPr>
+              <a:t>es </a:t>
+            </a:r>
+            <a:r>
+              <a:rPr lang="fr-FR" sz="2400" dirty="0">
+                <a:solidFill>
+                  <a:schemeClr val="bg1">
+                    <a:lumMod val="85000"/>
+                  </a:schemeClr>
+                </a:solidFill>
+                <a:latin typeface="Bahnschrift SemiBold" panose="020B0502040204020203" pitchFamily="34" charset="0"/>
+                <a:ea typeface="Yu Gothic UI Semilight" panose="020B0400000000000000" pitchFamily="34" charset="-128"/>
+              </a:rPr>
+              <a:t>droits </a:t>
             </a:r>
             <a:r>
               <a:rPr lang="fr-FR" sz="2400" dirty="0" smtClean="0">
@@ -14249,7 +14252,7 @@
               <a:t>sécurisé</a:t>
             </a:r>
             <a:r>
-              <a:rPr lang="fr-FR" sz="2400" b="1" dirty="0" smtClean="0">
+              <a:rPr lang="fr-FR" sz="2400" b="1" smtClean="0">
                 <a:solidFill>
                   <a:schemeClr val="bg1"/>
                 </a:solidFill>
@@ -14259,17 +14262,27 @@
               <a:t>,</a:t>
             </a:r>
             <a:r>
-              <a:rPr lang="fr-FR" sz="2400" b="1" dirty="0" smtClean="0">
+              <a:rPr lang="fr-FR" sz="2400" b="1" smtClean="0">
                 <a:solidFill>
                   <a:srgbClr val="FB9701"/>
                 </a:solidFill>
                 <a:latin typeface="Bahnschrift SemiBold" panose="020B0502040204020203" pitchFamily="34" charset="0"/>
                 <a:ea typeface="Yu Gothic UI Semilight" panose="020B0400000000000000" pitchFamily="34" charset="-128"/>
               </a:rPr>
-              <a:t> paramétrables</a:t>
-            </a:r>
-            <a:r>
-              <a:rPr lang="fr-FR" sz="2400" b="1" dirty="0" smtClean="0">
+              <a:t> </a:t>
+            </a:r>
+            <a:r>
+              <a:rPr lang="fr-FR" sz="2400" b="1" smtClean="0">
+                <a:solidFill>
+                  <a:srgbClr val="FB9701"/>
+                </a:solidFill>
+                <a:latin typeface="Bahnschrift SemiBold" panose="020B0502040204020203" pitchFamily="34" charset="0"/>
+                <a:ea typeface="Yu Gothic UI Semilight" panose="020B0400000000000000" pitchFamily="34" charset="-128"/>
+              </a:rPr>
+              <a:t>paramétrable</a:t>
+            </a:r>
+            <a:r>
+              <a:rPr lang="fr-FR" sz="2400" b="1" smtClean="0">
                 <a:solidFill>
                   <a:schemeClr val="bg1">
                     <a:lumMod val="85000"/>
@@ -14278,7 +14291,19 @@
                 <a:latin typeface="Bahnschrift SemiBold" panose="020B0502040204020203" pitchFamily="34" charset="0"/>
                 <a:ea typeface="Yu Gothic UI Semilight" panose="020B0400000000000000" pitchFamily="34" charset="-128"/>
               </a:rPr>
-              <a:t>, et le bon déroulement doit être </a:t>
+              <a:t>, </a:t>
+            </a:r>
+            <a:r>
+              <a:rPr lang="fr-FR" sz="2400" b="1" dirty="0" smtClean="0">
+                <a:solidFill>
+                  <a:schemeClr val="bg1">
+                    <a:lumMod val="85000"/>
+                  </a:schemeClr>
+                </a:solidFill>
+                <a:latin typeface="Bahnschrift SemiBold" panose="020B0502040204020203" pitchFamily="34" charset="0"/>
+                <a:ea typeface="Yu Gothic UI Semilight" panose="020B0400000000000000" pitchFamily="34" charset="-128"/>
+              </a:rPr>
+              <a:t>et le bon déroulement doit être </a:t>
             </a:r>
             <a:r>
               <a:rPr lang="fr-FR" sz="2400" b="1" dirty="0" smtClean="0">
@@ -14333,8 +14358,8 @@
         </p:nvSpPr>
         <p:spPr>
           <a:xfrm>
-            <a:off x="1436012" y="1714779"/>
-            <a:ext cx="9849826" cy="461665"/>
+            <a:off x="0" y="1455733"/>
+            <a:ext cx="12192000" cy="830997"/>
           </a:xfrm>
           <a:prstGeom prst="rect">
             <a:avLst/>
@@ -14346,7 +14371,7 @@
           </a:bodyPr>
           <a:lstStyle/>
           <a:p>
-            <a:pPr marL="342900" indent="-342900"/>
+            <a:pPr marL="342900" indent="-342900" algn="ctr"/>
             <a:r>
               <a:rPr lang="fr-FR" sz="2400" dirty="0" smtClean="0">
                 <a:solidFill>
@@ -14355,17 +14380,17 @@
                 <a:latin typeface="Bahnschrift SemiBold" panose="020B0502040204020203" pitchFamily="34" charset="0"/>
                 <a:ea typeface="Yu Gothic UI Semilight" panose="020B0400000000000000" pitchFamily="34" charset="-128"/>
               </a:rPr>
-              <a:t>Tâche : Déployer le </a:t>
-            </a:r>
-            <a:r>
-              <a:rPr lang="fr-FR" sz="2400" dirty="0" err="1" smtClean="0">
+              <a:t>Crée </a:t>
+            </a:r>
+            <a:r>
+              <a:rPr lang="fr-FR" sz="2400" dirty="0">
                 <a:solidFill>
                   <a:srgbClr val="FB9701"/>
                 </a:solidFill>
                 <a:latin typeface="Bahnschrift SemiBold" panose="020B0502040204020203" pitchFamily="34" charset="0"/>
                 <a:ea typeface="Yu Gothic UI Semilight" panose="020B0400000000000000" pitchFamily="34" charset="-128"/>
               </a:rPr>
-              <a:t>Runtime</a:t>
+              <a:t>une nouvelle version d’une </a:t>
             </a:r>
             <a:r>
               <a:rPr lang="fr-FR" sz="2400" dirty="0" smtClean="0">
@@ -14375,17 +14400,17 @@
                 <a:latin typeface="Bahnschrift SemiBold" panose="020B0502040204020203" pitchFamily="34" charset="0"/>
                 <a:ea typeface="Yu Gothic UI Semilight" panose="020B0400000000000000" pitchFamily="34" charset="-128"/>
               </a:rPr>
-              <a:t> de </a:t>
-            </a:r>
-            <a:r>
-              <a:rPr lang="fr-FR" sz="2400" dirty="0" err="1" smtClean="0">
+              <a:t>Layer </a:t>
+            </a:r>
+            <a:r>
+              <a:rPr lang="fr-FR" sz="2400" dirty="0">
                 <a:solidFill>
                   <a:srgbClr val="FB9701"/>
                 </a:solidFill>
                 <a:latin typeface="Bahnschrift SemiBold" panose="020B0502040204020203" pitchFamily="34" charset="0"/>
                 <a:ea typeface="Yu Gothic UI Semilight" panose="020B0400000000000000" pitchFamily="34" charset="-128"/>
               </a:rPr>
-              <a:t>Blu</a:t>
+              <a:t>contenant la dernière release du Runtime</a:t>
             </a:r>
             <a:r>
               <a:rPr lang="fr-FR" sz="2400" dirty="0" smtClean="0">
@@ -14395,15 +14420,75 @@
                 <a:latin typeface="Bahnschrift SemiBold" panose="020B0502040204020203" pitchFamily="34" charset="0"/>
                 <a:ea typeface="Yu Gothic UI Semilight" panose="020B0400000000000000" pitchFamily="34" charset="-128"/>
               </a:rPr>
-              <a:t> Age en tant que Layer sur Amazon</a:t>
-            </a:r>
+              <a:t> </a:t>
+            </a:r>
+          </a:p>
+          <a:p>
+            <a:pPr marL="342900" indent="-342900" algn="ctr"/>
+            <a:r>
+              <a:rPr lang="fr-FR" sz="2400" dirty="0" smtClean="0">
+                <a:solidFill>
+                  <a:srgbClr val="FB9701"/>
+                </a:solidFill>
+                <a:latin typeface="Bahnschrift SemiBold" panose="020B0502040204020203" pitchFamily="34" charset="0"/>
+                <a:ea typeface="Yu Gothic UI Semilight" panose="020B0400000000000000" pitchFamily="34" charset="-128"/>
+              </a:rPr>
+              <a:t>ou </a:t>
+            </a:r>
+            <a:r>
+              <a:rPr lang="fr-FR" sz="2400" dirty="0">
+                <a:solidFill>
+                  <a:srgbClr val="FB9701"/>
+                </a:solidFill>
+                <a:latin typeface="Bahnschrift SemiBold" panose="020B0502040204020203" pitchFamily="34" charset="0"/>
+                <a:ea typeface="Yu Gothic UI Semilight" panose="020B0400000000000000" pitchFamily="34" charset="-128"/>
+              </a:rPr>
+              <a:t>la créer si elle n’ existe </a:t>
+            </a:r>
+            <a:r>
+              <a:rPr lang="fr-FR" sz="2400" dirty="0" smtClean="0">
+                <a:solidFill>
+                  <a:srgbClr val="FB9701"/>
+                </a:solidFill>
+                <a:latin typeface="Bahnschrift SemiBold" panose="020B0502040204020203" pitchFamily="34" charset="0"/>
+                <a:ea typeface="Yu Gothic UI Semilight" panose="020B0400000000000000" pitchFamily="34" charset="-128"/>
+              </a:rPr>
+              <a:t>pas</a:t>
+            </a:r>
+            <a:r>
+              <a:rPr lang="fr-FR" sz="2400" dirty="0">
+                <a:solidFill>
+                  <a:srgbClr val="FB9701"/>
+                </a:solidFill>
+                <a:latin typeface="Bahnschrift SemiBold" panose="020B0502040204020203" pitchFamily="34" charset="0"/>
+                <a:ea typeface="Yu Gothic UI Semilight" panose="020B0400000000000000" pitchFamily="34" charset="-128"/>
+              </a:rPr>
+              <a:t> </a:t>
+            </a:r>
+            <a:r>
+              <a:rPr lang="fr-FR" sz="2400" dirty="0" smtClean="0">
+                <a:solidFill>
+                  <a:srgbClr val="FB9701"/>
+                </a:solidFill>
+                <a:latin typeface="Bahnschrift SemiBold" panose="020B0502040204020203" pitchFamily="34" charset="0"/>
+                <a:ea typeface="Yu Gothic UI Semilight" panose="020B0400000000000000" pitchFamily="34" charset="-128"/>
+              </a:rPr>
+              <a:t>encore.</a:t>
+            </a:r>
+            <a:endParaRPr lang="fr-FR" sz="2400" dirty="0">
+              <a:solidFill>
+                <a:srgbClr val="FB9701"/>
+              </a:solidFill>
+              <a:latin typeface="Bahnschrift SemiBold" panose="020B0502040204020203" pitchFamily="34" charset="0"/>
+              <a:ea typeface="Yu Gothic UI Semilight" panose="020B0400000000000000" pitchFamily="34" charset="-128"/>
+            </a:endParaRPr>
           </a:p>
         </p:txBody>
       </p:sp>
     </p:spTree>
     <p:extLst>
       <p:ext uri="{BB962C8B-B14F-4D97-AF65-F5344CB8AC3E}">
-        <p14:creationId xmlns:p14="http://schemas.microsoft.com/office/powerpoint/2010/main" xmlns="" val="1554515038"/>
+        <p14:creationId xmlns:p14="http://schemas.microsoft.com/office/powerpoint/2010/main" val="1554515038"/>
       </p:ext>
     </p:extLst>
   </p:cSld>
@@ -19249,7 +19334,7 @@
     </p:spTree>
     <p:extLst>
       <p:ext uri="{BB962C8B-B14F-4D97-AF65-F5344CB8AC3E}">
-        <p14:creationId xmlns:p14="http://schemas.microsoft.com/office/powerpoint/2010/main" xmlns="" val="1264591669"/>
+        <p14:creationId xmlns:p14="http://schemas.microsoft.com/office/powerpoint/2010/main" val="1264591669"/>
       </p:ext>
     </p:extLst>
   </p:cSld>
@@ -19600,7 +19685,7 @@
     </p:spTree>
     <p:extLst>
       <p:ext uri="{BB962C8B-B14F-4D97-AF65-F5344CB8AC3E}">
-        <p14:creationId xmlns:p14="http://schemas.microsoft.com/office/powerpoint/2010/main" xmlns="" val="4134436123"/>
+        <p14:creationId xmlns:p14="http://schemas.microsoft.com/office/powerpoint/2010/main" val="4134436123"/>
       </p:ext>
     </p:extLst>
   </p:cSld>
